--- a/Documentation/Project_Presentation_v1.pptx
+++ b/Documentation/Project_Presentation_v1.pptx
@@ -5631,6 +5631,25 @@
               <a:rPr lang="en-US" dirty="0"/>
               <a:t>Details:</a:t>
             </a:r>
+          </a:p>
+          <a:p>
+            <a:pPr lvl="1"/>
+            <a:r>
+              <a:rPr lang="en-US" dirty="0"/>
+              <a:t>1325 rows</a:t>
+            </a:r>
+          </a:p>
+          <a:p>
+            <a:pPr lvl="1"/>
+            <a:r>
+              <a:rPr lang="en-US" dirty="0"/>
+              <a:t>301 have location data, none have longitude </a:t>
+            </a:r>
+            <a:r>
+              <a:rPr lang="en-US"/>
+              <a:t>and latitude </a:t>
+            </a:r>
+            <a:endParaRPr lang="en-US" dirty="0"/>
           </a:p>
           <a:p>
             <a:endParaRPr lang="en-US" dirty="0"/>

--- a/Documentation/Project_Presentation_v1.pptx
+++ b/Documentation/Project_Presentation_v1.pptx
@@ -5623,8 +5623,29 @@
           <a:p>
             <a:r>
               <a:rPr lang="en-US" dirty="0"/>
-              <a:t>CSV format</a:t>
-            </a:r>
+              <a:t>Edge list graph with the same format as the large graph data (CSV)</a:t>
+            </a:r>
+          </a:p>
+          <a:p>
+            <a:r>
+              <a:rPr lang="en-US" dirty="0"/>
+              <a:t>Was built </a:t>
+            </a:r>
+            <a:r>
+              <a:rPr lang="en-US"/>
+              <a:t>by CGCS to </a:t>
+            </a:r>
+            <a:r>
+              <a:rPr lang="en-US" dirty="0"/>
+              <a:t>represent suspicious activity associated with the </a:t>
+            </a:r>
+            <a:r>
+              <a:rPr lang="en-US"/>
+              <a:t>hack </a:t>
+            </a:r>
+          </a:p>
+          <a:p>
+            <a:endParaRPr lang="en-US" dirty="0"/>
           </a:p>
           <a:p>
             <a:r>
@@ -5643,13 +5664,15 @@
             <a:pPr lvl="1"/>
             <a:r>
               <a:rPr lang="en-US" dirty="0"/>
-              <a:t>301 have location data, none have longitude </a:t>
-            </a:r>
-            <a:r>
-              <a:rPr lang="en-US"/>
-              <a:t>and latitude </a:t>
-            </a:r>
-            <a:endParaRPr lang="en-US" dirty="0"/>
+              <a:t>301 have location data, none have longitude and latitude</a:t>
+            </a:r>
+          </a:p>
+          <a:p>
+            <a:pPr lvl="1"/>
+            <a:r>
+              <a:rPr lang="en-US" dirty="0"/>
+              <a:t> </a:t>
+            </a:r>
           </a:p>
           <a:p>
             <a:endParaRPr lang="en-US" dirty="0"/>

--- a/Documentation/Project_Presentation_v1.pptx
+++ b/Documentation/Project_Presentation_v1.pptx
@@ -5,7 +5,7 @@
     <p:sldMasterId id="2147483648" r:id="rId1"/>
   </p:sldMasterIdLst>
   <p:notesMasterIdLst>
-    <p:notesMasterId r:id="rId10"/>
+    <p:notesMasterId r:id="rId12"/>
   </p:notesMasterIdLst>
   <p:sldIdLst>
     <p:sldId id="257" r:id="rId2"/>
@@ -15,7 +15,9 @@
     <p:sldId id="262" r:id="rId6"/>
     <p:sldId id="263" r:id="rId7"/>
     <p:sldId id="264" r:id="rId8"/>
-    <p:sldId id="261" r:id="rId9"/>
+    <p:sldId id="266" r:id="rId9"/>
+    <p:sldId id="265" r:id="rId10"/>
+    <p:sldId id="261" r:id="rId11"/>
   </p:sldIdLst>
   <p:sldSz cx="12192000" cy="6858000"/>
   <p:notesSz cx="6858000" cy="9144000"/>
@@ -4615,6 +4617,131 @@
 </p:sld>
 </file>
 
+<file path=ppt/slides/slide10.xml><?xml version="1.0" encoding="utf-8"?>
+<p:sld xmlns:a="http://schemas.openxmlformats.org/drawingml/2006/main" xmlns:r="http://schemas.openxmlformats.org/officeDocument/2006/relationships" xmlns:p="http://schemas.openxmlformats.org/presentationml/2006/main">
+  <p:cSld>
+    <p:spTree>
+      <p:nvGrpSpPr>
+        <p:cNvPr id="1" name=""/>
+        <p:cNvGrpSpPr/>
+        <p:nvPr/>
+      </p:nvGrpSpPr>
+      <p:grpSpPr>
+        <a:xfrm>
+          <a:off x="0" y="0"/>
+          <a:ext cx="0" cy="0"/>
+          <a:chOff x="0" y="0"/>
+          <a:chExt cx="0" cy="0"/>
+        </a:xfrm>
+      </p:grpSpPr>
+      <p:sp>
+        <p:nvSpPr>
+          <p:cNvPr id="2" name="Title 1">
+            <a:extLst>
+              <a:ext uri="{FF2B5EF4-FFF2-40B4-BE49-F238E27FC236}">
+                <a16:creationId xmlns:a16="http://schemas.microsoft.com/office/drawing/2014/main" id="{47A289F7-7C1E-46F6-850C-5C4A3205E905}"/>
+              </a:ext>
+            </a:extLst>
+          </p:cNvPr>
+          <p:cNvSpPr>
+            <a:spLocks noGrp="1"/>
+          </p:cNvSpPr>
+          <p:nvPr>
+            <p:ph type="title"/>
+          </p:nvPr>
+        </p:nvSpPr>
+        <p:spPr/>
+        <p:txBody>
+          <a:bodyPr/>
+          <a:lstStyle/>
+          <a:p>
+            <a:r>
+              <a:rPr lang="en-US" dirty="0"/>
+              <a:t>Exploring the data (Template)</a:t>
+            </a:r>
+          </a:p>
+        </p:txBody>
+      </p:sp>
+      <p:sp>
+        <p:nvSpPr>
+          <p:cNvPr id="3" name="Content Placeholder 2">
+            <a:extLst>
+              <a:ext uri="{FF2B5EF4-FFF2-40B4-BE49-F238E27FC236}">
+                <a16:creationId xmlns:a16="http://schemas.microsoft.com/office/drawing/2014/main" id="{5BA735FA-D620-4677-B3F9-84CA7053B1E9}"/>
+              </a:ext>
+            </a:extLst>
+          </p:cNvPr>
+          <p:cNvSpPr>
+            <a:spLocks noGrp="1"/>
+          </p:cNvSpPr>
+          <p:nvPr>
+            <p:ph idx="1"/>
+          </p:nvPr>
+        </p:nvSpPr>
+        <p:spPr/>
+        <p:txBody>
+          <a:bodyPr/>
+          <a:lstStyle/>
+          <a:p>
+            <a:r>
+              <a:rPr lang="en-US" dirty="0"/>
+              <a:t>Edge list graph with the same format as the large graph data (CSV)</a:t>
+            </a:r>
+          </a:p>
+          <a:p>
+            <a:r>
+              <a:rPr lang="en-US" dirty="0"/>
+              <a:t>Was built by CGCS to represent suspicious activity associated with the hack </a:t>
+            </a:r>
+          </a:p>
+          <a:p>
+            <a:endParaRPr lang="en-US" dirty="0"/>
+          </a:p>
+          <a:p>
+            <a:r>
+              <a:rPr lang="en-US" dirty="0"/>
+              <a:t>Details:</a:t>
+            </a:r>
+          </a:p>
+          <a:p>
+            <a:pPr lvl="1"/>
+            <a:r>
+              <a:rPr lang="en-US" dirty="0"/>
+              <a:t>1325 rows</a:t>
+            </a:r>
+          </a:p>
+          <a:p>
+            <a:pPr lvl="1"/>
+            <a:r>
+              <a:rPr lang="en-US" dirty="0"/>
+              <a:t>301 have location data, none have longitude and latitude</a:t>
+            </a:r>
+          </a:p>
+          <a:p>
+            <a:pPr lvl="1"/>
+            <a:r>
+              <a:rPr lang="en-US" dirty="0"/>
+              <a:t> </a:t>
+            </a:r>
+          </a:p>
+          <a:p>
+            <a:endParaRPr lang="en-US" dirty="0"/>
+          </a:p>
+        </p:txBody>
+      </p:sp>
+    </p:spTree>
+    <p:extLst>
+      <p:ext uri="{BB962C8B-B14F-4D97-AF65-F5344CB8AC3E}">
+        <p14:creationId xmlns:p14="http://schemas.microsoft.com/office/powerpoint/2010/main" val="3152096319"/>
+      </p:ext>
+    </p:extLst>
+  </p:cSld>
+  <p:clrMapOvr>
+    <a:masterClrMapping/>
+  </p:clrMapOvr>
+</p:sld>
+</file>
+
 <file path=ppt/slides/slide2.xml><?xml version="1.0" encoding="utf-8"?>
 <p:sld xmlns:a="http://schemas.openxmlformats.org/drawingml/2006/main" xmlns:r="http://schemas.openxmlformats.org/officeDocument/2006/relationships" xmlns:p="http://schemas.openxmlformats.org/presentationml/2006/main">
   <p:cSld>
@@ -5420,7 +5547,10 @@
           <a:bodyPr/>
           <a:lstStyle/>
           <a:p>
-            <a:endParaRPr lang="en-US" dirty="0"/>
+            <a:r>
+              <a:rPr lang="en-US" dirty="0"/>
+              <a:t>Exploring the data (Overview 3)</a:t>
+            </a:r>
           </a:p>
         </p:txBody>
       </p:sp>
@@ -5443,101 +5573,118 @@
         <p:spPr/>
         <p:txBody>
           <a:bodyPr>
-            <a:normAutofit fontScale="85000" lnSpcReduction="20000"/>
+            <a:normAutofit fontScale="92500" lnSpcReduction="10000"/>
           </a:bodyPr>
           <a:lstStyle/>
           <a:p>
             <a:r>
               <a:rPr lang="en-US" dirty="0"/>
-              <a:t>Source 		int64 </a:t>
-            </a:r>
-          </a:p>
-          <a:p>
+              <a:t>Data types for each column</a:t>
+            </a:r>
+          </a:p>
+          <a:p>
+            <a:pPr lvl="1"/>
+            <a:r>
+              <a:rPr lang="en-US" dirty="0"/>
+              <a:t>Source 			int64 </a:t>
+            </a:r>
+          </a:p>
+          <a:p>
+            <a:pPr lvl="1"/>
             <a:r>
               <a:rPr lang="en-US" dirty="0" err="1"/>
               <a:t>eType</a:t>
             </a:r>
             <a:r>
               <a:rPr lang="en-US" dirty="0"/>
-              <a:t> 		int64 </a:t>
-            </a:r>
-          </a:p>
-          <a:p>
-            <a:r>
-              <a:rPr lang="en-US" dirty="0"/>
-              <a:t>Target 		int64 </a:t>
-            </a:r>
-          </a:p>
-          <a:p>
+              <a:t> 			int64 </a:t>
+            </a:r>
+          </a:p>
+          <a:p>
+            <a:pPr lvl="1"/>
+            <a:r>
+              <a:rPr lang="en-US" dirty="0"/>
+              <a:t>Target 			int64 </a:t>
+            </a:r>
+          </a:p>
+          <a:p>
+            <a:pPr lvl="1"/>
             <a:r>
               <a:rPr lang="en-US" dirty="0"/>
               <a:t>Time 			int64 </a:t>
             </a:r>
           </a:p>
           <a:p>
-            <a:r>
-              <a:rPr lang="en-US" dirty="0"/>
-              <a:t>Weight 		float64 </a:t>
-            </a:r>
-          </a:p>
-          <a:p>
+            <a:pPr lvl="1"/>
+            <a:r>
+              <a:rPr lang="en-US" dirty="0"/>
+              <a:t>Weight 			float64 </a:t>
+            </a:r>
+          </a:p>
+          <a:p>
+            <a:pPr lvl="1"/>
             <a:r>
               <a:rPr lang="en-US" dirty="0" err="1"/>
               <a:t>SourceLocation</a:t>
             </a:r>
             <a:r>
               <a:rPr lang="en-US" dirty="0"/>
-              <a:t>	float64 </a:t>
-            </a:r>
-          </a:p>
-          <a:p>
+              <a:t>		float64 </a:t>
+            </a:r>
+          </a:p>
+          <a:p>
+            <a:pPr lvl="1"/>
             <a:r>
               <a:rPr lang="en-US" dirty="0" err="1"/>
               <a:t>TargetLocation</a:t>
             </a:r>
             <a:r>
               <a:rPr lang="en-US" dirty="0"/>
-              <a:t> 	float64 </a:t>
-            </a:r>
-          </a:p>
-          <a:p>
+              <a:t> 		float64 </a:t>
+            </a:r>
+          </a:p>
+          <a:p>
+            <a:pPr lvl="1"/>
             <a:r>
               <a:rPr lang="en-US" dirty="0" err="1"/>
               <a:t>SourceLatitude</a:t>
             </a:r>
             <a:r>
               <a:rPr lang="en-US" dirty="0"/>
-              <a:t> 	float64 </a:t>
-            </a:r>
-          </a:p>
-          <a:p>
+              <a:t> 		float64 </a:t>
+            </a:r>
+          </a:p>
+          <a:p>
+            <a:pPr lvl="1"/>
             <a:r>
               <a:rPr lang="en-US" dirty="0" err="1"/>
               <a:t>SourceLongitude</a:t>
             </a:r>
             <a:r>
               <a:rPr lang="en-US" dirty="0"/>
-              <a:t> 	float64 </a:t>
-            </a:r>
-          </a:p>
-          <a:p>
+              <a:t> 		float64 </a:t>
+            </a:r>
+          </a:p>
+          <a:p>
+            <a:pPr lvl="1"/>
             <a:r>
               <a:rPr lang="en-US" dirty="0" err="1"/>
               <a:t>TargetLatitude</a:t>
             </a:r>
             <a:r>
               <a:rPr lang="en-US" dirty="0"/>
-              <a:t> 	float64 </a:t>
-            </a:r>
-          </a:p>
-          <a:p>
+              <a:t> 		float64 </a:t>
+            </a:r>
+          </a:p>
+          <a:p>
+            <a:pPr lvl="1"/>
             <a:r>
               <a:rPr lang="en-US" dirty="0" err="1"/>
               <a:t>TargetLongitude</a:t>
             </a:r>
             <a:r>
               <a:rPr lang="en-US" dirty="0"/>
-              <a:t> 	float64</a:t>
+              <a:t> 		float64</a:t>
             </a:r>
           </a:p>
         </p:txBody>
@@ -5577,7 +5724,7 @@
           <p:cNvPr id="2" name="Title 1">
             <a:extLst>
               <a:ext uri="{FF2B5EF4-FFF2-40B4-BE49-F238E27FC236}">
-                <a16:creationId xmlns:a16="http://schemas.microsoft.com/office/drawing/2014/main" id="{47A289F7-7C1E-46F6-850C-5C4A3205E905}"/>
+                <a16:creationId xmlns:a16="http://schemas.microsoft.com/office/drawing/2014/main" id="{136DD788-C74C-4208-B6FF-6EAF7C634C08}"/>
               </a:ext>
             </a:extLst>
           </p:cNvPr>
@@ -5595,7 +5742,7 @@
           <a:p>
             <a:r>
               <a:rPr lang="en-US" dirty="0"/>
-              <a:t>Exploring the data (Template)</a:t>
+              <a:t>Exploring the data (Channels)</a:t>
             </a:r>
           </a:p>
         </p:txBody>
@@ -5605,7 +5752,7 @@
           <p:cNvPr id="3" name="Content Placeholder 2">
             <a:extLst>
               <a:ext uri="{FF2B5EF4-FFF2-40B4-BE49-F238E27FC236}">
-                <a16:creationId xmlns:a16="http://schemas.microsoft.com/office/drawing/2014/main" id="{5BA735FA-D620-4677-B3F9-84CA7053B1E9}"/>
+                <a16:creationId xmlns:a16="http://schemas.microsoft.com/office/drawing/2014/main" id="{5BDEBC64-4149-4A8E-9F1F-574C502831E1}"/>
               </a:ext>
             </a:extLst>
           </p:cNvPr>
@@ -5622,56 +5769,53 @@
           <a:lstStyle/>
           <a:p>
             <a:r>
-              <a:rPr lang="en-US" dirty="0"/>
-              <a:t>Edge list graph with the same format as the large graph data (CSV)</a:t>
-            </a:r>
-          </a:p>
-          <a:p>
-            <a:r>
-              <a:rPr lang="en-US" dirty="0"/>
-              <a:t>Was built </a:t>
-            </a:r>
-            <a:r>
-              <a:rPr lang="en-US"/>
-              <a:t>by CGCS to </a:t>
-            </a:r>
-            <a:r>
-              <a:rPr lang="en-US" dirty="0"/>
-              <a:t>represent suspicious activity associated with the </a:t>
-            </a:r>
-            <a:r>
-              <a:rPr lang="en-US"/>
-              <a:t>hack </a:t>
-            </a:r>
-          </a:p>
-          <a:p>
-            <a:endParaRPr lang="en-US" dirty="0"/>
-          </a:p>
-          <a:p>
-            <a:r>
-              <a:rPr lang="en-US" dirty="0"/>
-              <a:t>Details:</a:t>
+              <a:rPr lang="en-IN" dirty="0">
+                <a:solidFill>
+                  <a:srgbClr val="FF0000"/>
+                </a:solidFill>
+              </a:rPr>
+              <a:t>??? Add explanation</a:t>
+            </a:r>
+          </a:p>
+          <a:p>
+            <a:r>
+              <a:rPr lang="en-IN" dirty="0"/>
+              <a:t>There are 5 different channels: </a:t>
             </a:r>
           </a:p>
           <a:p>
             <a:pPr lvl="1"/>
             <a:r>
-              <a:rPr lang="en-US" dirty="0"/>
-              <a:t>1325 rows</a:t>
+              <a:rPr lang="en-IN" dirty="0"/>
+              <a:t>Communication</a:t>
             </a:r>
           </a:p>
           <a:p>
             <a:pPr lvl="1"/>
             <a:r>
-              <a:rPr lang="en-US" dirty="0"/>
-              <a:t>301 have location data, none have longitude and latitude</a:t>
+              <a:rPr lang="en-IN" dirty="0"/>
+              <a:t>Procurement</a:t>
             </a:r>
           </a:p>
           <a:p>
             <a:pPr lvl="1"/>
             <a:r>
-              <a:rPr lang="en-US" dirty="0"/>
-              <a:t> </a:t>
+              <a:rPr lang="en-IN" dirty="0"/>
+              <a:t>Co-Authorship</a:t>
+            </a:r>
+          </a:p>
+          <a:p>
+            <a:pPr lvl="1"/>
+            <a:r>
+              <a:rPr lang="en-IN" dirty="0"/>
+              <a:t>Demographic</a:t>
+            </a:r>
+          </a:p>
+          <a:p>
+            <a:pPr lvl="1"/>
+            <a:r>
+              <a:rPr lang="en-IN" dirty="0"/>
+              <a:t>Travel</a:t>
             </a:r>
           </a:p>
           <a:p>
@@ -5682,7 +5826,201 @@
     </p:spTree>
     <p:extLst>
       <p:ext uri="{BB962C8B-B14F-4D97-AF65-F5344CB8AC3E}">
-        <p14:creationId xmlns:p14="http://schemas.microsoft.com/office/powerpoint/2010/main" val="3152096319"/>
+        <p14:creationId xmlns:p14="http://schemas.microsoft.com/office/powerpoint/2010/main" val="3178242544"/>
+      </p:ext>
+    </p:extLst>
+  </p:cSld>
+  <p:clrMapOvr>
+    <a:masterClrMapping/>
+  </p:clrMapOvr>
+</p:sld>
+</file>
+
+<file path=ppt/slides/slide9.xml><?xml version="1.0" encoding="utf-8"?>
+<p:sld xmlns:a="http://schemas.openxmlformats.org/drawingml/2006/main" xmlns:r="http://schemas.openxmlformats.org/officeDocument/2006/relationships" xmlns:p="http://schemas.openxmlformats.org/presentationml/2006/main">
+  <p:cSld>
+    <p:spTree>
+      <p:nvGrpSpPr>
+        <p:cNvPr id="1" name=""/>
+        <p:cNvGrpSpPr/>
+        <p:nvPr/>
+      </p:nvGrpSpPr>
+      <p:grpSpPr>
+        <a:xfrm>
+          <a:off x="0" y="0"/>
+          <a:ext cx="0" cy="0"/>
+          <a:chOff x="0" y="0"/>
+          <a:chExt cx="0" cy="0"/>
+        </a:xfrm>
+      </p:grpSpPr>
+      <p:sp>
+        <p:nvSpPr>
+          <p:cNvPr id="2" name="Title 1">
+            <a:extLst>
+              <a:ext uri="{FF2B5EF4-FFF2-40B4-BE49-F238E27FC236}">
+                <a16:creationId xmlns:a16="http://schemas.microsoft.com/office/drawing/2014/main" id="{ED585B93-BEA3-41EA-A274-24D73F7EFF94}"/>
+              </a:ext>
+            </a:extLst>
+          </p:cNvPr>
+          <p:cNvSpPr>
+            <a:spLocks noGrp="1"/>
+          </p:cNvSpPr>
+          <p:nvPr>
+            <p:ph type="title"/>
+          </p:nvPr>
+        </p:nvSpPr>
+        <p:spPr/>
+        <p:txBody>
+          <a:bodyPr/>
+          <a:lstStyle/>
+          <a:p>
+            <a:r>
+              <a:rPr lang="en-US" dirty="0"/>
+              <a:t>Exploring the data (Node)</a:t>
+            </a:r>
+          </a:p>
+        </p:txBody>
+      </p:sp>
+      <p:sp>
+        <p:nvSpPr>
+          <p:cNvPr id="3" name="Content Placeholder 2">
+            <a:extLst>
+              <a:ext uri="{FF2B5EF4-FFF2-40B4-BE49-F238E27FC236}">
+                <a16:creationId xmlns:a16="http://schemas.microsoft.com/office/drawing/2014/main" id="{38E35F28-7FA4-4BCC-9693-A057F03CC0CD}"/>
+              </a:ext>
+            </a:extLst>
+          </p:cNvPr>
+          <p:cNvSpPr>
+            <a:spLocks noGrp="1"/>
+          </p:cNvSpPr>
+          <p:nvPr>
+            <p:ph idx="1"/>
+          </p:nvPr>
+        </p:nvSpPr>
+        <p:spPr/>
+        <p:txBody>
+          <a:bodyPr/>
+          <a:lstStyle/>
+          <a:p>
+            <a:r>
+              <a:rPr lang="en-US" dirty="0"/>
+              <a:t>Each Source and Target Id represents a node</a:t>
+            </a:r>
+          </a:p>
+          <a:p>
+            <a:r>
+              <a:rPr lang="en-US" dirty="0"/>
+              <a:t>There are 5 Node type: </a:t>
+            </a:r>
+          </a:p>
+          <a:p>
+            <a:pPr marL="971550" lvl="1" indent="-457200">
+              <a:lnSpc>
+                <a:spcPct val="100000"/>
+              </a:lnSpc>
+              <a:buSzPct val="120000"/>
+              <a:buFont typeface="+mj-lt"/>
+              <a:buAutoNum type="arabicPeriod"/>
+            </a:pPr>
+            <a:r>
+              <a:rPr lang="en-US" dirty="0"/>
+              <a:t>Person (used in all channels, only nodes with a spatial location assigned)</a:t>
+            </a:r>
+          </a:p>
+          <a:p>
+            <a:pPr marL="971550" lvl="1" indent="-457200">
+              <a:lnSpc>
+                <a:spcPct val="100000"/>
+              </a:lnSpc>
+              <a:buSzPct val="120000"/>
+              <a:buFont typeface="+mj-lt"/>
+              <a:buAutoNum type="arabicPeriod"/>
+            </a:pPr>
+            <a:r>
+              <a:rPr lang="en-US" dirty="0"/>
+              <a:t>Product category (for the procurement channel, </a:t>
+            </a:r>
+            <a:r>
+              <a:rPr lang="en-US" dirty="0" err="1"/>
+              <a:t>eType</a:t>
+            </a:r>
+            <a:r>
+              <a:rPr lang="en-US" dirty="0"/>
+              <a:t> = 3)</a:t>
+            </a:r>
+          </a:p>
+          <a:p>
+            <a:pPr marL="971550" lvl="1" indent="-457200">
+              <a:lnSpc>
+                <a:spcPct val="100000"/>
+              </a:lnSpc>
+              <a:buSzPct val="120000"/>
+              <a:buFont typeface="+mj-lt"/>
+              <a:buAutoNum type="arabicPeriod"/>
+            </a:pPr>
+            <a:r>
+              <a:rPr lang="en-US" dirty="0"/>
+              <a:t>Document (from the co-authorship channel, </a:t>
+            </a:r>
+            <a:r>
+              <a:rPr lang="en-US" dirty="0" err="1"/>
+              <a:t>eType</a:t>
+            </a:r>
+            <a:r>
+              <a:rPr lang="en-US" dirty="0"/>
+              <a:t> = 4)</a:t>
+            </a:r>
+          </a:p>
+          <a:p>
+            <a:pPr marL="971550" lvl="1" indent="-457200">
+              <a:lnSpc>
+                <a:spcPct val="100000"/>
+              </a:lnSpc>
+              <a:buSzPct val="120000"/>
+              <a:buFont typeface="+mj-lt"/>
+              <a:buAutoNum type="arabicPeriod"/>
+            </a:pPr>
+            <a:r>
+              <a:rPr lang="en-US" dirty="0"/>
+              <a:t>Financial category (from financial demographics channel, </a:t>
+            </a:r>
+            <a:r>
+              <a:rPr lang="en-US" dirty="0" err="1"/>
+              <a:t>eType</a:t>
+            </a:r>
+            <a:r>
+              <a:rPr lang="en-US" dirty="0"/>
+              <a:t> = 5)</a:t>
+            </a:r>
+          </a:p>
+          <a:p>
+            <a:pPr marL="971550" lvl="1" indent="-457200">
+              <a:lnSpc>
+                <a:spcPct val="100000"/>
+              </a:lnSpc>
+              <a:buSzPct val="120000"/>
+              <a:buFont typeface="+mj-lt"/>
+              <a:buAutoNum type="arabicPeriod"/>
+            </a:pPr>
+            <a:r>
+              <a:rPr lang="en-US" dirty="0"/>
+              <a:t>Country (from the travel channel, </a:t>
+            </a:r>
+            <a:r>
+              <a:rPr lang="en-US" dirty="0" err="1"/>
+              <a:t>eType</a:t>
+            </a:r>
+            <a:r>
+              <a:rPr lang="en-US" dirty="0"/>
+              <a:t> = 6)</a:t>
+            </a:r>
+          </a:p>
+        </p:txBody>
+      </p:sp>
+    </p:spTree>
+    <p:extLst>
+      <p:ext uri="{BB962C8B-B14F-4D97-AF65-F5344CB8AC3E}">
+        <p14:creationId xmlns:p14="http://schemas.microsoft.com/office/powerpoint/2010/main" val="3210034307"/>
       </p:ext>
     </p:extLst>
   </p:cSld>

--- a/Documentation/Project_Presentation_v1.pptx
+++ b/Documentation/Project_Presentation_v1.pptx
@@ -5899,8 +5899,36 @@
         </p:nvSpPr>
         <p:spPr/>
         <p:txBody>
-          <a:bodyPr/>
-          <a:lstStyle/>
+          <a:bodyPr>
+            <a:normAutofit fontScale="92500" lnSpcReduction="20000"/>
+          </a:bodyPr>
+          <a:lstStyle/>
+          <a:p>
+            <a:r>
+              <a:rPr lang="en-US" dirty="0">
+                <a:solidFill>
+                  <a:srgbClr val="FF0000"/>
+                </a:solidFill>
+              </a:rPr>
+              <a:t>??? More info? Check the </a:t>
+            </a:r>
+            <a:r>
+              <a:rPr lang="en-US" dirty="0" err="1">
+                <a:solidFill>
+                  <a:srgbClr val="FF0000"/>
+                </a:solidFill>
+              </a:rPr>
+              <a:t>eTypes</a:t>
+            </a:r>
+            <a:r>
+              <a:rPr lang="en-US" dirty="0">
+                <a:solidFill>
+                  <a:srgbClr val="FF0000"/>
+                </a:solidFill>
+              </a:rPr>
+              <a:t>!</a:t>
+            </a:r>
+          </a:p>
           <a:p>
             <a:r>
               <a:rPr lang="en-US" dirty="0"/>
@@ -5924,7 +5952,19 @@
             </a:pPr>
             <a:r>
               <a:rPr lang="en-US" dirty="0"/>
-              <a:t>Person (used in all channels, only nodes with a spatial location assigned)</a:t>
+              <a:t>Person </a:t>
+            </a:r>
+          </a:p>
+          <a:p>
+            <a:pPr marL="1428750" lvl="2" indent="-457200">
+              <a:lnSpc>
+                <a:spcPct val="100000"/>
+              </a:lnSpc>
+              <a:buSzPct val="120000"/>
+            </a:pPr>
+            <a:r>
+              <a:rPr lang="en-US" dirty="0"/>
+              <a:t>used in all channels, only nodes with a spatial location</a:t>
             </a:r>
           </a:p>
           <a:p>
@@ -5938,7 +5978,19 @@
             </a:pPr>
             <a:r>
               <a:rPr lang="en-US" dirty="0"/>
-              <a:t>Product category (for the procurement channel, </a:t>
+              <a:t>Product category </a:t>
+            </a:r>
+          </a:p>
+          <a:p>
+            <a:pPr marL="1428750" lvl="2" indent="-457200">
+              <a:lnSpc>
+                <a:spcPct val="100000"/>
+              </a:lnSpc>
+              <a:buSzPct val="120000"/>
+            </a:pPr>
+            <a:r>
+              <a:rPr lang="en-US" dirty="0"/>
+              <a:t>for the procurement channel, </a:t>
             </a:r>
             <a:r>
               <a:rPr lang="en-US" dirty="0" err="1"/>
@@ -5946,7 +5998,7 @@
             </a:r>
             <a:r>
               <a:rPr lang="en-US" dirty="0"/>
-              <a:t> = 3)</a:t>
+              <a:t> = 3</a:t>
             </a:r>
           </a:p>
           <a:p>
@@ -5960,7 +6012,19 @@
             </a:pPr>
             <a:r>
               <a:rPr lang="en-US" dirty="0"/>
-              <a:t>Document (from the co-authorship channel, </a:t>
+              <a:t>Document </a:t>
+            </a:r>
+          </a:p>
+          <a:p>
+            <a:pPr marL="1428750" lvl="2" indent="-457200">
+              <a:lnSpc>
+                <a:spcPct val="100000"/>
+              </a:lnSpc>
+              <a:buSzPct val="120000"/>
+            </a:pPr>
+            <a:r>
+              <a:rPr lang="en-US" dirty="0"/>
+              <a:t>from the co-authorship channel, </a:t>
             </a:r>
             <a:r>
               <a:rPr lang="en-US" dirty="0" err="1"/>
@@ -5968,7 +6032,7 @@
             </a:r>
             <a:r>
               <a:rPr lang="en-US" dirty="0"/>
-              <a:t> = 4)</a:t>
+              <a:t> = 4</a:t>
             </a:r>
           </a:p>
           <a:p>
@@ -5982,7 +6046,19 @@
             </a:pPr>
             <a:r>
               <a:rPr lang="en-US" dirty="0"/>
-              <a:t>Financial category (from financial demographics channel, </a:t>
+              <a:t>Financial category </a:t>
+            </a:r>
+          </a:p>
+          <a:p>
+            <a:pPr marL="1428750" lvl="2" indent="-457200">
+              <a:lnSpc>
+                <a:spcPct val="100000"/>
+              </a:lnSpc>
+              <a:buSzPct val="120000"/>
+            </a:pPr>
+            <a:r>
+              <a:rPr lang="en-US" dirty="0"/>
+              <a:t>from financial demographics channel, </a:t>
             </a:r>
             <a:r>
               <a:rPr lang="en-US" dirty="0" err="1"/>
@@ -5990,7 +6066,7 @@
             </a:r>
             <a:r>
               <a:rPr lang="en-US" dirty="0"/>
-              <a:t> = 5)</a:t>
+              <a:t> = 5</a:t>
             </a:r>
           </a:p>
           <a:p>
@@ -6004,7 +6080,19 @@
             </a:pPr>
             <a:r>
               <a:rPr lang="en-US" dirty="0"/>
-              <a:t>Country (from the travel channel, </a:t>
+              <a:t>Country </a:t>
+            </a:r>
+          </a:p>
+          <a:p>
+            <a:pPr marL="1428750" lvl="2" indent="-457200">
+              <a:lnSpc>
+                <a:spcPct val="100000"/>
+              </a:lnSpc>
+              <a:buSzPct val="120000"/>
+            </a:pPr>
+            <a:r>
+              <a:rPr lang="en-US" dirty="0"/>
+              <a:t>from the travel channel, </a:t>
             </a:r>
             <a:r>
               <a:rPr lang="en-US" dirty="0" err="1"/>
@@ -6012,7 +6100,7 @@
             </a:r>
             <a:r>
               <a:rPr lang="en-US" dirty="0"/>
-              <a:t> = 6)</a:t>
+              <a:t> = 6</a:t>
             </a:r>
           </a:p>
         </p:txBody>

--- a/Documentation/Project_Presentation_v1.pptx
+++ b/Documentation/Project_Presentation_v1.pptx
@@ -5,7 +5,7 @@
     <p:sldMasterId id="2147483648" r:id="rId1"/>
   </p:sldMasterIdLst>
   <p:notesMasterIdLst>
-    <p:notesMasterId r:id="rId12"/>
+    <p:notesMasterId r:id="rId14"/>
   </p:notesMasterIdLst>
   <p:sldIdLst>
     <p:sldId id="257" r:id="rId2"/>
@@ -18,6 +18,8 @@
     <p:sldId id="266" r:id="rId9"/>
     <p:sldId id="265" r:id="rId10"/>
     <p:sldId id="261" r:id="rId11"/>
+    <p:sldId id="267" r:id="rId12"/>
+    <p:sldId id="268" r:id="rId13"/>
   </p:sldIdLst>
   <p:sldSz cx="12192000" cy="6858000"/>
   <p:notesSz cx="6858000" cy="9144000"/>
@@ -4742,6 +4744,169 @@
 </p:sld>
 </file>
 
+<file path=ppt/slides/slide11.xml><?xml version="1.0" encoding="utf-8"?>
+<p:sld xmlns:a="http://schemas.openxmlformats.org/drawingml/2006/main" xmlns:r="http://schemas.openxmlformats.org/officeDocument/2006/relationships" xmlns:p="http://schemas.openxmlformats.org/presentationml/2006/main">
+  <p:cSld>
+    <p:spTree>
+      <p:nvGrpSpPr>
+        <p:cNvPr id="1" name=""/>
+        <p:cNvGrpSpPr/>
+        <p:nvPr/>
+      </p:nvGrpSpPr>
+      <p:grpSpPr>
+        <a:xfrm>
+          <a:off x="0" y="0"/>
+          <a:ext cx="0" cy="0"/>
+          <a:chOff x="0" y="0"/>
+          <a:chExt cx="0" cy="0"/>
+        </a:xfrm>
+      </p:grpSpPr>
+      <p:sp>
+        <p:nvSpPr>
+          <p:cNvPr id="2" name="Title 1">
+            <a:extLst>
+              <a:ext uri="{FF2B5EF4-FFF2-40B4-BE49-F238E27FC236}">
+                <a16:creationId xmlns:a16="http://schemas.microsoft.com/office/drawing/2014/main" id="{693F91C1-99DE-45FC-A7F6-CBABE9975D4B}"/>
+              </a:ext>
+            </a:extLst>
+          </p:cNvPr>
+          <p:cNvSpPr>
+            <a:spLocks noGrp="1"/>
+          </p:cNvSpPr>
+          <p:nvPr>
+            <p:ph type="title"/>
+          </p:nvPr>
+        </p:nvSpPr>
+        <p:spPr/>
+        <p:txBody>
+          <a:bodyPr/>
+          <a:lstStyle/>
+          <a:p>
+            <a:r>
+              <a:rPr lang="en-US" dirty="0"/>
+              <a:t>Question 1</a:t>
+            </a:r>
+          </a:p>
+        </p:txBody>
+      </p:sp>
+      <p:sp>
+        <p:nvSpPr>
+          <p:cNvPr id="3" name="Content Placeholder 2">
+            <a:extLst>
+              <a:ext uri="{FF2B5EF4-FFF2-40B4-BE49-F238E27FC236}">
+                <a16:creationId xmlns:a16="http://schemas.microsoft.com/office/drawing/2014/main" id="{51965E6A-87F9-4CC2-9E30-3C857D20DF71}"/>
+              </a:ext>
+            </a:extLst>
+          </p:cNvPr>
+          <p:cNvSpPr>
+            <a:spLocks noGrp="1"/>
+          </p:cNvSpPr>
+          <p:nvPr>
+            <p:ph idx="1"/>
+          </p:nvPr>
+        </p:nvSpPr>
+        <p:spPr/>
+        <p:txBody>
+          <a:bodyPr/>
+          <a:lstStyle/>
+          <a:p>
+            <a:endParaRPr lang="en-US"/>
+          </a:p>
+        </p:txBody>
+      </p:sp>
+    </p:spTree>
+    <p:extLst>
+      <p:ext uri="{BB962C8B-B14F-4D97-AF65-F5344CB8AC3E}">
+        <p14:creationId xmlns:p14="http://schemas.microsoft.com/office/powerpoint/2010/main" val="2224950180"/>
+      </p:ext>
+    </p:extLst>
+  </p:cSld>
+  <p:clrMapOvr>
+    <a:masterClrMapping/>
+  </p:clrMapOvr>
+</p:sld>
+</file>
+
+<file path=ppt/slides/slide12.xml><?xml version="1.0" encoding="utf-8"?>
+<p:sld xmlns:a="http://schemas.openxmlformats.org/drawingml/2006/main" xmlns:r="http://schemas.openxmlformats.org/officeDocument/2006/relationships" xmlns:p="http://schemas.openxmlformats.org/presentationml/2006/main">
+  <p:cSld>
+    <p:spTree>
+      <p:nvGrpSpPr>
+        <p:cNvPr id="1" name=""/>
+        <p:cNvGrpSpPr/>
+        <p:nvPr/>
+      </p:nvGrpSpPr>
+      <p:grpSpPr>
+        <a:xfrm>
+          <a:off x="0" y="0"/>
+          <a:ext cx="0" cy="0"/>
+          <a:chOff x="0" y="0"/>
+          <a:chExt cx="0" cy="0"/>
+        </a:xfrm>
+      </p:grpSpPr>
+      <p:sp>
+        <p:nvSpPr>
+          <p:cNvPr id="2" name="Title 1">
+            <a:extLst>
+              <a:ext uri="{FF2B5EF4-FFF2-40B4-BE49-F238E27FC236}">
+                <a16:creationId xmlns:a16="http://schemas.microsoft.com/office/drawing/2014/main" id="{C5723F55-D07F-4E66-9BAA-754C68CE849A}"/>
+              </a:ext>
+            </a:extLst>
+          </p:cNvPr>
+          <p:cNvSpPr>
+            <a:spLocks noGrp="1"/>
+          </p:cNvSpPr>
+          <p:nvPr>
+            <p:ph type="title"/>
+          </p:nvPr>
+        </p:nvSpPr>
+        <p:spPr/>
+        <p:txBody>
+          <a:bodyPr/>
+          <a:lstStyle/>
+          <a:p>
+            <a:endParaRPr lang="en-US"/>
+          </a:p>
+        </p:txBody>
+      </p:sp>
+      <p:sp>
+        <p:nvSpPr>
+          <p:cNvPr id="3" name="Content Placeholder 2">
+            <a:extLst>
+              <a:ext uri="{FF2B5EF4-FFF2-40B4-BE49-F238E27FC236}">
+                <a16:creationId xmlns:a16="http://schemas.microsoft.com/office/drawing/2014/main" id="{CA299F92-DB79-49E7-B9D4-0B093224102D}"/>
+              </a:ext>
+            </a:extLst>
+          </p:cNvPr>
+          <p:cNvSpPr>
+            <a:spLocks noGrp="1"/>
+          </p:cNvSpPr>
+          <p:nvPr>
+            <p:ph idx="1"/>
+          </p:nvPr>
+        </p:nvSpPr>
+        <p:spPr/>
+        <p:txBody>
+          <a:bodyPr/>
+          <a:lstStyle/>
+          <a:p>
+            <a:endParaRPr lang="en-US"/>
+          </a:p>
+        </p:txBody>
+      </p:sp>
+    </p:spTree>
+    <p:extLst>
+      <p:ext uri="{BB962C8B-B14F-4D97-AF65-F5344CB8AC3E}">
+        <p14:creationId xmlns:p14="http://schemas.microsoft.com/office/powerpoint/2010/main" val="3075707361"/>
+      </p:ext>
+    </p:extLst>
+  </p:cSld>
+  <p:clrMapOvr>
+    <a:masterClrMapping/>
+  </p:clrMapOvr>
+</p:sld>
+</file>
+
 <file path=ppt/slides/slide2.xml><?xml version="1.0" encoding="utf-8"?>
 <p:sld xmlns:a="http://schemas.openxmlformats.org/drawingml/2006/main" xmlns:r="http://schemas.openxmlformats.org/officeDocument/2006/relationships" xmlns:p="http://schemas.openxmlformats.org/presentationml/2006/main">
   <p:cSld>
@@ -5303,7 +5468,19 @@
             </a:r>
             <a:r>
               <a:rPr lang="en-US" dirty="0"/>
-              <a:t>: Time is in seconds from 12:00 AM Jan. 1, 2025 </a:t>
+              <a:t>: Time is in </a:t>
+            </a:r>
+            <a:r>
+              <a:rPr lang="en-US" u="sng" dirty="0"/>
+              <a:t>seconds</a:t>
+            </a:r>
+            <a:r>
+              <a:rPr lang="en-US" dirty="0"/>
+              <a:t> from 12:00 AM Jan. 1, 2025, time span related to the cyber event are exactly </a:t>
+            </a:r>
+            <a:r>
+              <a:rPr lang="en-US" u="sng" dirty="0"/>
+              <a:t>one year</a:t>
             </a:r>
             <a:br>
               <a:rPr lang="en-US" dirty="0"/>

--- a/Documentation/Project_Presentation_v1.pptx
+++ b/Documentation/Project_Presentation_v1.pptx
@@ -5,7 +5,7 @@
     <p:sldMasterId id="2147483648" r:id="rId1"/>
   </p:sldMasterIdLst>
   <p:notesMasterIdLst>
-    <p:notesMasterId r:id="rId14"/>
+    <p:notesMasterId r:id="rId15"/>
   </p:notesMasterIdLst>
   <p:sldIdLst>
     <p:sldId id="257" r:id="rId2"/>
@@ -19,7 +19,8 @@
     <p:sldId id="265" r:id="rId10"/>
     <p:sldId id="261" r:id="rId11"/>
     <p:sldId id="267" r:id="rId12"/>
-    <p:sldId id="268" r:id="rId13"/>
+    <p:sldId id="269" r:id="rId13"/>
+    <p:sldId id="268" r:id="rId14"/>
   </p:sldIdLst>
   <p:sldSz cx="12192000" cy="6858000"/>
   <p:notesSz cx="6858000" cy="9144000"/>
@@ -4709,6 +4710,13 @@
             <a:pPr lvl="1"/>
             <a:r>
               <a:rPr lang="en-US" dirty="0"/>
+              <a:t>File name: CGCS-Template.csv</a:t>
+            </a:r>
+          </a:p>
+          <a:p>
+            <a:pPr lvl="1"/>
+            <a:r>
+              <a:rPr lang="en-US" dirty="0"/>
               <a:t>1325 rows</a:t>
             </a:r>
           </a:p>
@@ -4810,7 +4818,36 @@
           <a:bodyPr/>
           <a:lstStyle/>
           <a:p>
-            <a:endParaRPr lang="en-US"/>
+            <a:pPr marL="0" indent="0">
+              <a:buNone/>
+            </a:pPr>
+            <a:r>
+              <a:rPr lang="en-US" dirty="0"/>
+              <a:t>Using visual analytics, compare the template subgraph with the potential matches provided. Show where the two graphs agree and disagree. Use your tool to answer the following questions:</a:t>
+            </a:r>
+          </a:p>
+          <a:p>
+            <a:pPr marL="514350" indent="-514350">
+              <a:buFont typeface="+mj-lt"/>
+              <a:buAutoNum type="alphaLcParenR"/>
+            </a:pPr>
+            <a:r>
+              <a:rPr lang="en-US" dirty="0"/>
+              <a:t>Compare the five candidate subgraphs to the provided template. Show where the two graphs agree and disagree. Which subgraph matches the template the best? Please limit your answer to seven images and 500 words.</a:t>
+            </a:r>
+          </a:p>
+          <a:p>
+            <a:pPr marL="514350" indent="-514350">
+              <a:buFont typeface="+mj-lt"/>
+              <a:buAutoNum type="alphaLcParenR"/>
+            </a:pPr>
+            <a:r>
+              <a:rPr lang="en-US" dirty="0"/>
+              <a:t>Which key parts of the best match help discriminate it from the other potential matches? Please limit your answer to five images and 300 words.</a:t>
+            </a:r>
+          </a:p>
+          <a:p>
+            <a:endParaRPr lang="en-US" dirty="0"/>
           </a:p>
         </p:txBody>
       </p:sp>
@@ -4828,6 +4865,1159 @@
 </file>
 
 <file path=ppt/slides/slide12.xml><?xml version="1.0" encoding="utf-8"?>
+<p:sld xmlns:a="http://schemas.openxmlformats.org/drawingml/2006/main" xmlns:r="http://schemas.openxmlformats.org/officeDocument/2006/relationships" xmlns:p="http://schemas.openxmlformats.org/presentationml/2006/main">
+  <p:cSld>
+    <p:spTree>
+      <p:nvGrpSpPr>
+        <p:cNvPr id="1" name=""/>
+        <p:cNvGrpSpPr/>
+        <p:nvPr/>
+      </p:nvGrpSpPr>
+      <p:grpSpPr>
+        <a:xfrm>
+          <a:off x="0" y="0"/>
+          <a:ext cx="0" cy="0"/>
+          <a:chOff x="0" y="0"/>
+          <a:chExt cx="0" cy="0"/>
+        </a:xfrm>
+      </p:grpSpPr>
+      <p:sp>
+        <p:nvSpPr>
+          <p:cNvPr id="2" name="Title 1">
+            <a:extLst>
+              <a:ext uri="{FF2B5EF4-FFF2-40B4-BE49-F238E27FC236}">
+                <a16:creationId xmlns:a16="http://schemas.microsoft.com/office/drawing/2014/main" id="{EC5CF48B-31CF-4E4C-B83F-C763D13AFA5E}"/>
+              </a:ext>
+            </a:extLst>
+          </p:cNvPr>
+          <p:cNvSpPr>
+            <a:spLocks noGrp="1"/>
+          </p:cNvSpPr>
+          <p:nvPr>
+            <p:ph type="title"/>
+          </p:nvPr>
+        </p:nvSpPr>
+        <p:spPr/>
+        <p:txBody>
+          <a:bodyPr/>
+          <a:lstStyle/>
+          <a:p>
+            <a:r>
+              <a:rPr lang="en-US" dirty="0"/>
+              <a:t>Question 1 files</a:t>
+            </a:r>
+          </a:p>
+        </p:txBody>
+      </p:sp>
+      <p:sp>
+        <p:nvSpPr>
+          <p:cNvPr id="3" name="Content Placeholder 2">
+            <a:extLst>
+              <a:ext uri="{FF2B5EF4-FFF2-40B4-BE49-F238E27FC236}">
+                <a16:creationId xmlns:a16="http://schemas.microsoft.com/office/drawing/2014/main" id="{F38A2334-8D4D-4C56-9995-8E3DB7EF990A}"/>
+              </a:ext>
+            </a:extLst>
+          </p:cNvPr>
+          <p:cNvSpPr>
+            <a:spLocks noGrp="1"/>
+          </p:cNvSpPr>
+          <p:nvPr>
+            <p:ph idx="1"/>
+          </p:nvPr>
+        </p:nvSpPr>
+        <p:spPr/>
+        <p:txBody>
+          <a:bodyPr/>
+          <a:lstStyle/>
+          <a:p>
+            <a:r>
+              <a:rPr lang="en-US" dirty="0"/>
+              <a:t>5 Candidate Subgraphs: </a:t>
+            </a:r>
+          </a:p>
+          <a:p>
+            <a:pPr marL="0" indent="0">
+              <a:buNone/>
+            </a:pPr>
+            <a:endParaRPr lang="en-US" dirty="0"/>
+          </a:p>
+        </p:txBody>
+      </p:sp>
+      <p:graphicFrame>
+        <p:nvGraphicFramePr>
+          <p:cNvPr id="4" name="Table 4">
+            <a:extLst>
+              <a:ext uri="{FF2B5EF4-FFF2-40B4-BE49-F238E27FC236}">
+                <a16:creationId xmlns:a16="http://schemas.microsoft.com/office/drawing/2014/main" id="{70090BE0-6F6C-4744-A3FE-6D197D3417EA}"/>
+              </a:ext>
+            </a:extLst>
+          </p:cNvPr>
+          <p:cNvGraphicFramePr>
+            <a:graphicFrameLocks noGrp="1"/>
+          </p:cNvGraphicFramePr>
+          <p:nvPr>
+            <p:extLst>
+              <p:ext uri="{D42A27DB-BD31-4B8C-83A1-F6EECF244321}">
+                <p14:modId xmlns:p14="http://schemas.microsoft.com/office/powerpoint/2010/main" val="4228957566"/>
+              </p:ext>
+            </p:extLst>
+          </p:nvPr>
+        </p:nvGraphicFramePr>
+        <p:xfrm>
+          <a:off x="1278384" y="2865856"/>
+          <a:ext cx="10918719" cy="2865120"/>
+        </p:xfrm>
+        <a:graphic>
+          <a:graphicData uri="http://schemas.openxmlformats.org/drawingml/2006/table">
+            <a:tbl>
+              <a:tblPr firstRow="1" bandRow="1">
+                <a:tableStyleId>{5C22544A-7EE6-4342-B048-85BDC9FD1C3A}</a:tableStyleId>
+              </a:tblPr>
+              <a:tblGrid>
+                <a:gridCol w="1995615">
+                  <a:extLst>
+                    <a:ext uri="{9D8B030D-6E8A-4147-A177-3AD203B41FA5}">
+                      <a16:colId xmlns:a16="http://schemas.microsoft.com/office/drawing/2014/main" val="4214309962"/>
+                    </a:ext>
+                  </a:extLst>
+                </a:gridCol>
+                <a:gridCol w="1039126">
+                  <a:extLst>
+                    <a:ext uri="{9D8B030D-6E8A-4147-A177-3AD203B41FA5}">
+                      <a16:colId xmlns:a16="http://schemas.microsoft.com/office/drawing/2014/main" val="1220333688"/>
+                    </a:ext>
+                  </a:extLst>
+                </a:gridCol>
+                <a:gridCol w="1039126">
+                  <a:extLst>
+                    <a:ext uri="{9D8B030D-6E8A-4147-A177-3AD203B41FA5}">
+                      <a16:colId xmlns:a16="http://schemas.microsoft.com/office/drawing/2014/main" val="2480967799"/>
+                    </a:ext>
+                  </a:extLst>
+                </a:gridCol>
+                <a:gridCol w="1039126">
+                  <a:extLst>
+                    <a:ext uri="{9D8B030D-6E8A-4147-A177-3AD203B41FA5}">
+                      <a16:colId xmlns:a16="http://schemas.microsoft.com/office/drawing/2014/main" val="4190340588"/>
+                    </a:ext>
+                  </a:extLst>
+                </a:gridCol>
+                <a:gridCol w="1437170">
+                  <a:extLst>
+                    <a:ext uri="{9D8B030D-6E8A-4147-A177-3AD203B41FA5}">
+                      <a16:colId xmlns:a16="http://schemas.microsoft.com/office/drawing/2014/main" val="1164797993"/>
+                    </a:ext>
+                  </a:extLst>
+                </a:gridCol>
+                <a:gridCol w="1251178">
+                  <a:extLst>
+                    <a:ext uri="{9D8B030D-6E8A-4147-A177-3AD203B41FA5}">
+                      <a16:colId xmlns:a16="http://schemas.microsoft.com/office/drawing/2014/main" val="3823161395"/>
+                    </a:ext>
+                  </a:extLst>
+                </a:gridCol>
+                <a:gridCol w="1039126">
+                  <a:extLst>
+                    <a:ext uri="{9D8B030D-6E8A-4147-A177-3AD203B41FA5}">
+                      <a16:colId xmlns:a16="http://schemas.microsoft.com/office/drawing/2014/main" val="3316443882"/>
+                    </a:ext>
+                  </a:extLst>
+                </a:gridCol>
+                <a:gridCol w="1039126">
+                  <a:extLst>
+                    <a:ext uri="{9D8B030D-6E8A-4147-A177-3AD203B41FA5}">
+                      <a16:colId xmlns:a16="http://schemas.microsoft.com/office/drawing/2014/main" val="281413111"/>
+                    </a:ext>
+                  </a:extLst>
+                </a:gridCol>
+                <a:gridCol w="1039126">
+                  <a:extLst>
+                    <a:ext uri="{9D8B030D-6E8A-4147-A177-3AD203B41FA5}">
+                      <a16:colId xmlns:a16="http://schemas.microsoft.com/office/drawing/2014/main" val="2572223220"/>
+                    </a:ext>
+                  </a:extLst>
+                </a:gridCol>
+              </a:tblGrid>
+              <a:tr h="416676">
+                <a:tc>
+                  <a:txBody>
+                    <a:bodyPr/>
+                    <a:lstStyle/>
+                    <a:p>
+                      <a:r>
+                        <a:rPr lang="en-US" dirty="0"/>
+                        <a:t>File name</a:t>
+                      </a:r>
+                    </a:p>
+                  </a:txBody>
+                  <a:tcPr/>
+                </a:tc>
+                <a:tc>
+                  <a:txBody>
+                    <a:bodyPr/>
+                    <a:lstStyle/>
+                    <a:p>
+                      <a:r>
+                        <a:rPr lang="en-US" dirty="0"/>
+                        <a:t>#rows</a:t>
+                      </a:r>
+                    </a:p>
+                  </a:txBody>
+                  <a:tcPr/>
+                </a:tc>
+                <a:tc>
+                  <a:txBody>
+                    <a:bodyPr/>
+                    <a:lstStyle/>
+                    <a:p>
+                      <a:r>
+                        <a:rPr lang="en-US" dirty="0"/>
+                        <a:t>#</a:t>
+                      </a:r>
+                      <a:r>
+                        <a:rPr lang="en-US" dirty="0" err="1"/>
+                        <a:t>uniqueNodes</a:t>
+                      </a:r>
+                      <a:endParaRPr lang="en-US" dirty="0"/>
+                    </a:p>
+                  </a:txBody>
+                  <a:tcPr/>
+                </a:tc>
+                <a:tc>
+                  <a:txBody>
+                    <a:bodyPr/>
+                    <a:lstStyle/>
+                    <a:p>
+                      <a:r>
+                        <a:rPr lang="en-US" dirty="0"/>
+                        <a:t>#</a:t>
+                      </a:r>
+                      <a:r>
+                        <a:rPr lang="en-US" dirty="0" err="1"/>
+                        <a:t>locationInfo</a:t>
+                      </a:r>
+                      <a:endParaRPr lang="en-US" dirty="0"/>
+                    </a:p>
+                  </a:txBody>
+                  <a:tcPr/>
+                </a:tc>
+                <a:tc>
+                  <a:txBody>
+                    <a:bodyPr/>
+                    <a:lstStyle/>
+                    <a:p>
+                      <a:r>
+                        <a:rPr lang="en-US" dirty="0"/>
+                        <a:t>#longitude, Latitude</a:t>
+                      </a:r>
+                    </a:p>
+                  </a:txBody>
+                  <a:tcPr/>
+                </a:tc>
+                <a:tc>
+                  <a:txBody>
+                    <a:bodyPr/>
+                    <a:lstStyle/>
+                    <a:p>
+                      <a:endParaRPr lang="en-US"/>
+                    </a:p>
+                  </a:txBody>
+                  <a:tcPr/>
+                </a:tc>
+                <a:tc>
+                  <a:txBody>
+                    <a:bodyPr/>
+                    <a:lstStyle/>
+                    <a:p>
+                      <a:endParaRPr lang="en-US"/>
+                    </a:p>
+                  </a:txBody>
+                  <a:tcPr/>
+                </a:tc>
+                <a:tc>
+                  <a:txBody>
+                    <a:bodyPr/>
+                    <a:lstStyle/>
+                    <a:p>
+                      <a:endParaRPr lang="en-US"/>
+                    </a:p>
+                  </a:txBody>
+                  <a:tcPr/>
+                </a:tc>
+                <a:tc>
+                  <a:txBody>
+                    <a:bodyPr/>
+                    <a:lstStyle/>
+                    <a:p>
+                      <a:endParaRPr lang="en-US"/>
+                    </a:p>
+                  </a:txBody>
+                  <a:tcPr/>
+                </a:tc>
+                <a:extLst>
+                  <a:ext uri="{0D108BD9-81ED-4DB2-BD59-A6C34878D82A}">
+                    <a16:rowId xmlns:a16="http://schemas.microsoft.com/office/drawing/2014/main" val="1440860902"/>
+                  </a:ext>
+                </a:extLst>
+              </a:tr>
+              <a:tr h="370840">
+                <a:tc>
+                  <a:txBody>
+                    <a:bodyPr/>
+                    <a:lstStyle/>
+                    <a:p>
+                      <a:pPr marL="0" marR="0" lvl="0" indent="0" algn="l" defTabSz="914400" rtl="0" eaLnBrk="1" fontAlgn="auto" latinLnBrk="0" hangingPunct="1">
+                        <a:lnSpc>
+                          <a:spcPct val="100000"/>
+                        </a:lnSpc>
+                        <a:spcBef>
+                          <a:spcPts val="0"/>
+                        </a:spcBef>
+                        <a:spcAft>
+                          <a:spcPts val="0"/>
+                        </a:spcAft>
+                        <a:buClrTx/>
+                        <a:buSzTx/>
+                        <a:buFontTx/>
+                        <a:buNone/>
+                        <a:tabLst/>
+                        <a:defRPr/>
+                      </a:pPr>
+                      <a:r>
+                        <a:rPr lang="en-US" dirty="0"/>
+                        <a:t>Q1-Graph1.csv</a:t>
+                      </a:r>
+                    </a:p>
+                  </a:txBody>
+                  <a:tcPr/>
+                </a:tc>
+                <a:tc>
+                  <a:txBody>
+                    <a:bodyPr/>
+                    <a:lstStyle/>
+                    <a:p>
+                      <a:r>
+                        <a:rPr lang="en-US" sz="1800" b="0" i="0" kern="1200" dirty="0">
+                          <a:solidFill>
+                            <a:schemeClr val="dk1"/>
+                          </a:solidFill>
+                          <a:effectLst/>
+                          <a:latin typeface="+mn-lt"/>
+                          <a:ea typeface="+mn-ea"/>
+                          <a:cs typeface="+mn-cs"/>
+                        </a:rPr>
+                        <a:t>1216</a:t>
+                      </a:r>
+                      <a:endParaRPr lang="en-US" dirty="0"/>
+                    </a:p>
+                  </a:txBody>
+                  <a:tcPr/>
+                </a:tc>
+                <a:tc>
+                  <a:txBody>
+                    <a:bodyPr/>
+                    <a:lstStyle/>
+                    <a:p>
+                      <a:r>
+                        <a:rPr lang="en-US" dirty="0"/>
+                        <a:t>93</a:t>
+                      </a:r>
+                    </a:p>
+                  </a:txBody>
+                  <a:tcPr/>
+                </a:tc>
+                <a:tc>
+                  <a:txBody>
+                    <a:bodyPr/>
+                    <a:lstStyle/>
+                    <a:p>
+                      <a:r>
+                        <a:rPr lang="en-US" sz="1800" b="0" i="0" kern="1200" dirty="0">
+                          <a:solidFill>
+                            <a:schemeClr val="dk1"/>
+                          </a:solidFill>
+                          <a:effectLst/>
+                          <a:latin typeface="+mn-lt"/>
+                          <a:ea typeface="+mn-ea"/>
+                          <a:cs typeface="+mn-cs"/>
+                        </a:rPr>
+                        <a:t>168</a:t>
+                      </a:r>
+                      <a:endParaRPr lang="en-US" dirty="0"/>
+                    </a:p>
+                  </a:txBody>
+                  <a:tcPr/>
+                </a:tc>
+                <a:tc>
+                  <a:txBody>
+                    <a:bodyPr/>
+                    <a:lstStyle/>
+                    <a:p>
+                      <a:r>
+                        <a:rPr lang="en-US" dirty="0"/>
+                        <a:t>168</a:t>
+                      </a:r>
+                    </a:p>
+                  </a:txBody>
+                  <a:tcPr/>
+                </a:tc>
+                <a:tc>
+                  <a:txBody>
+                    <a:bodyPr/>
+                    <a:lstStyle/>
+                    <a:p>
+                      <a:endParaRPr lang="en-US" dirty="0"/>
+                    </a:p>
+                  </a:txBody>
+                  <a:tcPr/>
+                </a:tc>
+                <a:tc>
+                  <a:txBody>
+                    <a:bodyPr/>
+                    <a:lstStyle/>
+                    <a:p>
+                      <a:endParaRPr lang="en-US"/>
+                    </a:p>
+                  </a:txBody>
+                  <a:tcPr/>
+                </a:tc>
+                <a:tc>
+                  <a:txBody>
+                    <a:bodyPr/>
+                    <a:lstStyle/>
+                    <a:p>
+                      <a:endParaRPr lang="en-US"/>
+                    </a:p>
+                  </a:txBody>
+                  <a:tcPr/>
+                </a:tc>
+                <a:tc>
+                  <a:txBody>
+                    <a:bodyPr/>
+                    <a:lstStyle/>
+                    <a:p>
+                      <a:endParaRPr lang="en-US"/>
+                    </a:p>
+                  </a:txBody>
+                  <a:tcPr/>
+                </a:tc>
+                <a:extLst>
+                  <a:ext uri="{0D108BD9-81ED-4DB2-BD59-A6C34878D82A}">
+                    <a16:rowId xmlns:a16="http://schemas.microsoft.com/office/drawing/2014/main" val="3722050617"/>
+                  </a:ext>
+                </a:extLst>
+              </a:tr>
+              <a:tr h="370840">
+                <a:tc>
+                  <a:txBody>
+                    <a:bodyPr/>
+                    <a:lstStyle/>
+                    <a:p>
+                      <a:pPr marL="0" marR="0" lvl="0" indent="0" algn="l" defTabSz="914400" rtl="0" eaLnBrk="1" fontAlgn="auto" latinLnBrk="0" hangingPunct="1">
+                        <a:lnSpc>
+                          <a:spcPct val="100000"/>
+                        </a:lnSpc>
+                        <a:spcBef>
+                          <a:spcPts val="0"/>
+                        </a:spcBef>
+                        <a:spcAft>
+                          <a:spcPts val="0"/>
+                        </a:spcAft>
+                        <a:buClrTx/>
+                        <a:buSzTx/>
+                        <a:buFontTx/>
+                        <a:buNone/>
+                        <a:tabLst/>
+                        <a:defRPr/>
+                      </a:pPr>
+                      <a:r>
+                        <a:rPr lang="en-US" dirty="0"/>
+                        <a:t>Q1-Graph2.csv</a:t>
+                      </a:r>
+                    </a:p>
+                  </a:txBody>
+                  <a:tcPr/>
+                </a:tc>
+                <a:tc>
+                  <a:txBody>
+                    <a:bodyPr/>
+                    <a:lstStyle/>
+                    <a:p>
+                      <a:r>
+                        <a:rPr lang="en-US" sz="1800" b="0" i="0" kern="1200" dirty="0">
+                          <a:solidFill>
+                            <a:schemeClr val="dk1"/>
+                          </a:solidFill>
+                          <a:effectLst/>
+                          <a:latin typeface="+mn-lt"/>
+                          <a:ea typeface="+mn-ea"/>
+                          <a:cs typeface="+mn-cs"/>
+                        </a:rPr>
+                        <a:t>1300</a:t>
+                      </a:r>
+                      <a:endParaRPr lang="en-US" dirty="0"/>
+                    </a:p>
+                  </a:txBody>
+                  <a:tcPr/>
+                </a:tc>
+                <a:tc>
+                  <a:txBody>
+                    <a:bodyPr/>
+                    <a:lstStyle/>
+                    <a:p>
+                      <a:r>
+                        <a:rPr lang="en-US" dirty="0"/>
+                        <a:t>87</a:t>
+                      </a:r>
+                    </a:p>
+                  </a:txBody>
+                  <a:tcPr/>
+                </a:tc>
+                <a:tc>
+                  <a:txBody>
+                    <a:bodyPr/>
+                    <a:lstStyle/>
+                    <a:p>
+                      <a:pPr algn="l" fontAlgn="ctr"/>
+                      <a:r>
+                        <a:rPr lang="en-US" dirty="0">
+                          <a:effectLst/>
+                        </a:rPr>
+                        <a:t>201</a:t>
+                      </a:r>
+                    </a:p>
+                  </a:txBody>
+                  <a:tcPr marL="30480" marR="30480" marT="30480" marB="30480" anchor="ctr"/>
+                </a:tc>
+                <a:tc>
+                  <a:txBody>
+                    <a:bodyPr/>
+                    <a:lstStyle/>
+                    <a:p>
+                      <a:r>
+                        <a:rPr lang="en-US" dirty="0"/>
+                        <a:t>201</a:t>
+                      </a:r>
+                    </a:p>
+                  </a:txBody>
+                  <a:tcPr/>
+                </a:tc>
+                <a:tc>
+                  <a:txBody>
+                    <a:bodyPr/>
+                    <a:lstStyle/>
+                    <a:p>
+                      <a:endParaRPr lang="en-US" dirty="0"/>
+                    </a:p>
+                  </a:txBody>
+                  <a:tcPr/>
+                </a:tc>
+                <a:tc>
+                  <a:txBody>
+                    <a:bodyPr/>
+                    <a:lstStyle/>
+                    <a:p>
+                      <a:endParaRPr lang="en-US"/>
+                    </a:p>
+                  </a:txBody>
+                  <a:tcPr/>
+                </a:tc>
+                <a:tc>
+                  <a:txBody>
+                    <a:bodyPr/>
+                    <a:lstStyle/>
+                    <a:p>
+                      <a:endParaRPr lang="en-US"/>
+                    </a:p>
+                  </a:txBody>
+                  <a:tcPr/>
+                </a:tc>
+                <a:tc>
+                  <a:txBody>
+                    <a:bodyPr/>
+                    <a:lstStyle/>
+                    <a:p>
+                      <a:endParaRPr lang="en-US"/>
+                    </a:p>
+                  </a:txBody>
+                  <a:tcPr/>
+                </a:tc>
+                <a:extLst>
+                  <a:ext uri="{0D108BD9-81ED-4DB2-BD59-A6C34878D82A}">
+                    <a16:rowId xmlns:a16="http://schemas.microsoft.com/office/drawing/2014/main" val="750070091"/>
+                  </a:ext>
+                </a:extLst>
+              </a:tr>
+              <a:tr h="370840">
+                <a:tc>
+                  <a:txBody>
+                    <a:bodyPr/>
+                    <a:lstStyle/>
+                    <a:p>
+                      <a:pPr marL="0" marR="0" lvl="0" indent="0" algn="l" defTabSz="914400" rtl="0" eaLnBrk="1" fontAlgn="auto" latinLnBrk="0" hangingPunct="1">
+                        <a:lnSpc>
+                          <a:spcPct val="100000"/>
+                        </a:lnSpc>
+                        <a:spcBef>
+                          <a:spcPts val="0"/>
+                        </a:spcBef>
+                        <a:spcAft>
+                          <a:spcPts val="0"/>
+                        </a:spcAft>
+                        <a:buClrTx/>
+                        <a:buSzTx/>
+                        <a:buFontTx/>
+                        <a:buNone/>
+                        <a:tabLst/>
+                        <a:defRPr/>
+                      </a:pPr>
+                      <a:r>
+                        <a:rPr lang="en-US" dirty="0"/>
+                        <a:t>Q1-Graph3.csv</a:t>
+                      </a:r>
+                    </a:p>
+                  </a:txBody>
+                  <a:tcPr/>
+                </a:tc>
+                <a:tc>
+                  <a:txBody>
+                    <a:bodyPr/>
+                    <a:lstStyle/>
+                    <a:p>
+                      <a:r>
+                        <a:rPr lang="en-US" sz="1800" b="0" i="0" kern="1200" dirty="0">
+                          <a:solidFill>
+                            <a:schemeClr val="dk1"/>
+                          </a:solidFill>
+                          <a:effectLst/>
+                          <a:latin typeface="+mn-lt"/>
+                          <a:ea typeface="+mn-ea"/>
+                          <a:cs typeface="+mn-cs"/>
+                        </a:rPr>
+                        <a:t>729</a:t>
+                      </a:r>
+                      <a:endParaRPr lang="en-US" dirty="0"/>
+                    </a:p>
+                  </a:txBody>
+                  <a:tcPr/>
+                </a:tc>
+                <a:tc>
+                  <a:txBody>
+                    <a:bodyPr/>
+                    <a:lstStyle/>
+                    <a:p>
+                      <a:r>
+                        <a:rPr lang="en-US" dirty="0"/>
+                        <a:t>79</a:t>
+                      </a:r>
+                    </a:p>
+                  </a:txBody>
+                  <a:tcPr/>
+                </a:tc>
+                <a:tc>
+                  <a:txBody>
+                    <a:bodyPr/>
+                    <a:lstStyle/>
+                    <a:p>
+                      <a:r>
+                        <a:rPr lang="en-US" dirty="0"/>
+                        <a:t>88</a:t>
+                      </a:r>
+                    </a:p>
+                  </a:txBody>
+                  <a:tcPr/>
+                </a:tc>
+                <a:tc>
+                  <a:txBody>
+                    <a:bodyPr/>
+                    <a:lstStyle/>
+                    <a:p>
+                      <a:r>
+                        <a:rPr lang="en-US" dirty="0"/>
+                        <a:t>88</a:t>
+                      </a:r>
+                    </a:p>
+                  </a:txBody>
+                  <a:tcPr/>
+                </a:tc>
+                <a:tc>
+                  <a:txBody>
+                    <a:bodyPr/>
+                    <a:lstStyle/>
+                    <a:p>
+                      <a:endParaRPr lang="en-US"/>
+                    </a:p>
+                  </a:txBody>
+                  <a:tcPr/>
+                </a:tc>
+                <a:tc>
+                  <a:txBody>
+                    <a:bodyPr/>
+                    <a:lstStyle/>
+                    <a:p>
+                      <a:endParaRPr lang="en-US"/>
+                    </a:p>
+                  </a:txBody>
+                  <a:tcPr/>
+                </a:tc>
+                <a:tc>
+                  <a:txBody>
+                    <a:bodyPr/>
+                    <a:lstStyle/>
+                    <a:p>
+                      <a:endParaRPr lang="en-US"/>
+                    </a:p>
+                  </a:txBody>
+                  <a:tcPr/>
+                </a:tc>
+                <a:tc>
+                  <a:txBody>
+                    <a:bodyPr/>
+                    <a:lstStyle/>
+                    <a:p>
+                      <a:endParaRPr lang="en-US"/>
+                    </a:p>
+                  </a:txBody>
+                  <a:tcPr/>
+                </a:tc>
+                <a:extLst>
+                  <a:ext uri="{0D108BD9-81ED-4DB2-BD59-A6C34878D82A}">
+                    <a16:rowId xmlns:a16="http://schemas.microsoft.com/office/drawing/2014/main" val="2231563727"/>
+                  </a:ext>
+                </a:extLst>
+              </a:tr>
+              <a:tr h="370840">
+                <a:tc>
+                  <a:txBody>
+                    <a:bodyPr/>
+                    <a:lstStyle/>
+                    <a:p>
+                      <a:pPr marL="0" marR="0" lvl="0" indent="0" algn="l" defTabSz="914400" rtl="0" eaLnBrk="1" fontAlgn="auto" latinLnBrk="0" hangingPunct="1">
+                        <a:lnSpc>
+                          <a:spcPct val="100000"/>
+                        </a:lnSpc>
+                        <a:spcBef>
+                          <a:spcPts val="0"/>
+                        </a:spcBef>
+                        <a:spcAft>
+                          <a:spcPts val="0"/>
+                        </a:spcAft>
+                        <a:buClrTx/>
+                        <a:buSzTx/>
+                        <a:buFontTx/>
+                        <a:buNone/>
+                        <a:tabLst/>
+                        <a:defRPr/>
+                      </a:pPr>
+                      <a:r>
+                        <a:rPr lang="en-US" dirty="0"/>
+                        <a:t>Q1-Graph4.csv</a:t>
+                      </a:r>
+                    </a:p>
+                  </a:txBody>
+                  <a:tcPr/>
+                </a:tc>
+                <a:tc>
+                  <a:txBody>
+                    <a:bodyPr/>
+                    <a:lstStyle/>
+                    <a:p>
+                      <a:r>
+                        <a:rPr lang="en-US" sz="1800" b="0" i="0" kern="1200" dirty="0">
+                          <a:solidFill>
+                            <a:schemeClr val="dk1"/>
+                          </a:solidFill>
+                          <a:effectLst/>
+                          <a:latin typeface="+mn-lt"/>
+                          <a:ea typeface="+mn-ea"/>
+                          <a:cs typeface="+mn-cs"/>
+                        </a:rPr>
+                        <a:t>732</a:t>
+                      </a:r>
+                      <a:endParaRPr lang="en-US" dirty="0"/>
+                    </a:p>
+                  </a:txBody>
+                  <a:tcPr/>
+                </a:tc>
+                <a:tc>
+                  <a:txBody>
+                    <a:bodyPr/>
+                    <a:lstStyle/>
+                    <a:p>
+                      <a:r>
+                        <a:rPr lang="en-US" dirty="0"/>
+                        <a:t>87</a:t>
+                      </a:r>
+                    </a:p>
+                  </a:txBody>
+                  <a:tcPr/>
+                </a:tc>
+                <a:tc>
+                  <a:txBody>
+                    <a:bodyPr/>
+                    <a:lstStyle/>
+                    <a:p>
+                      <a:r>
+                        <a:rPr lang="en-US" dirty="0"/>
+                        <a:t>176</a:t>
+                      </a:r>
+                    </a:p>
+                  </a:txBody>
+                  <a:tcPr/>
+                </a:tc>
+                <a:tc>
+                  <a:txBody>
+                    <a:bodyPr/>
+                    <a:lstStyle/>
+                    <a:p>
+                      <a:r>
+                        <a:rPr lang="en-US" dirty="0"/>
+                        <a:t>176</a:t>
+                      </a:r>
+                    </a:p>
+                  </a:txBody>
+                  <a:tcPr/>
+                </a:tc>
+                <a:tc>
+                  <a:txBody>
+                    <a:bodyPr/>
+                    <a:lstStyle/>
+                    <a:p>
+                      <a:endParaRPr lang="en-US"/>
+                    </a:p>
+                  </a:txBody>
+                  <a:tcPr/>
+                </a:tc>
+                <a:tc>
+                  <a:txBody>
+                    <a:bodyPr/>
+                    <a:lstStyle/>
+                    <a:p>
+                      <a:endParaRPr lang="en-US"/>
+                    </a:p>
+                  </a:txBody>
+                  <a:tcPr/>
+                </a:tc>
+                <a:tc>
+                  <a:txBody>
+                    <a:bodyPr/>
+                    <a:lstStyle/>
+                    <a:p>
+                      <a:endParaRPr lang="en-US"/>
+                    </a:p>
+                  </a:txBody>
+                  <a:tcPr/>
+                </a:tc>
+                <a:tc>
+                  <a:txBody>
+                    <a:bodyPr/>
+                    <a:lstStyle/>
+                    <a:p>
+                      <a:endParaRPr lang="en-US"/>
+                    </a:p>
+                  </a:txBody>
+                  <a:tcPr/>
+                </a:tc>
+                <a:extLst>
+                  <a:ext uri="{0D108BD9-81ED-4DB2-BD59-A6C34878D82A}">
+                    <a16:rowId xmlns:a16="http://schemas.microsoft.com/office/drawing/2014/main" val="2196828740"/>
+                  </a:ext>
+                </a:extLst>
+              </a:tr>
+              <a:tr h="370840">
+                <a:tc>
+                  <a:txBody>
+                    <a:bodyPr/>
+                    <a:lstStyle/>
+                    <a:p>
+                      <a:pPr marL="0" marR="0" lvl="0" indent="0" algn="l" defTabSz="914400" rtl="0" eaLnBrk="1" fontAlgn="auto" latinLnBrk="0" hangingPunct="1">
+                        <a:lnSpc>
+                          <a:spcPct val="100000"/>
+                        </a:lnSpc>
+                        <a:spcBef>
+                          <a:spcPts val="0"/>
+                        </a:spcBef>
+                        <a:spcAft>
+                          <a:spcPts val="0"/>
+                        </a:spcAft>
+                        <a:buClrTx/>
+                        <a:buSzTx/>
+                        <a:buFontTx/>
+                        <a:buNone/>
+                        <a:tabLst/>
+                        <a:defRPr/>
+                      </a:pPr>
+                      <a:r>
+                        <a:rPr lang="en-US" dirty="0"/>
+                        <a:t>Q1-Graph5.csv</a:t>
+                      </a:r>
+                    </a:p>
+                  </a:txBody>
+                  <a:tcPr/>
+                </a:tc>
+                <a:tc>
+                  <a:txBody>
+                    <a:bodyPr/>
+                    <a:lstStyle/>
+                    <a:p>
+                      <a:r>
+                        <a:rPr lang="en-US" sz="1800" b="0" i="0" kern="1200" dirty="0">
+                          <a:solidFill>
+                            <a:schemeClr val="dk1"/>
+                          </a:solidFill>
+                          <a:effectLst/>
+                          <a:latin typeface="+mn-lt"/>
+                          <a:ea typeface="+mn-ea"/>
+                          <a:cs typeface="+mn-cs"/>
+                        </a:rPr>
+                        <a:t>395</a:t>
+                      </a:r>
+                      <a:endParaRPr lang="en-US" dirty="0"/>
+                    </a:p>
+                  </a:txBody>
+                  <a:tcPr/>
+                </a:tc>
+                <a:tc>
+                  <a:txBody>
+                    <a:bodyPr/>
+                    <a:lstStyle/>
+                    <a:p>
+                      <a:r>
+                        <a:rPr lang="en-US" dirty="0"/>
+                        <a:t>86</a:t>
+                      </a:r>
+                    </a:p>
+                  </a:txBody>
+                  <a:tcPr/>
+                </a:tc>
+                <a:tc>
+                  <a:txBody>
+                    <a:bodyPr/>
+                    <a:lstStyle/>
+                    <a:p>
+                      <a:r>
+                        <a:rPr lang="en-US" dirty="0"/>
+                        <a:t>124</a:t>
+                      </a:r>
+                    </a:p>
+                  </a:txBody>
+                  <a:tcPr/>
+                </a:tc>
+                <a:tc>
+                  <a:txBody>
+                    <a:bodyPr/>
+                    <a:lstStyle/>
+                    <a:p>
+                      <a:r>
+                        <a:rPr lang="en-US"/>
+                        <a:t>124</a:t>
+                      </a:r>
+                    </a:p>
+                  </a:txBody>
+                  <a:tcPr/>
+                </a:tc>
+                <a:tc>
+                  <a:txBody>
+                    <a:bodyPr/>
+                    <a:lstStyle/>
+                    <a:p>
+                      <a:endParaRPr lang="en-US"/>
+                    </a:p>
+                  </a:txBody>
+                  <a:tcPr/>
+                </a:tc>
+                <a:tc>
+                  <a:txBody>
+                    <a:bodyPr/>
+                    <a:lstStyle/>
+                    <a:p>
+                      <a:endParaRPr lang="en-US"/>
+                    </a:p>
+                  </a:txBody>
+                  <a:tcPr/>
+                </a:tc>
+                <a:tc>
+                  <a:txBody>
+                    <a:bodyPr/>
+                    <a:lstStyle/>
+                    <a:p>
+                      <a:endParaRPr lang="en-US"/>
+                    </a:p>
+                  </a:txBody>
+                  <a:tcPr/>
+                </a:tc>
+                <a:tc>
+                  <a:txBody>
+                    <a:bodyPr/>
+                    <a:lstStyle/>
+                    <a:p>
+                      <a:endParaRPr lang="en-US" dirty="0"/>
+                    </a:p>
+                  </a:txBody>
+                  <a:tcPr/>
+                </a:tc>
+                <a:extLst>
+                  <a:ext uri="{0D108BD9-81ED-4DB2-BD59-A6C34878D82A}">
+                    <a16:rowId xmlns:a16="http://schemas.microsoft.com/office/drawing/2014/main" val="3610824868"/>
+                  </a:ext>
+                </a:extLst>
+              </a:tr>
+              <a:tr h="370840">
+                <a:tc>
+                  <a:txBody>
+                    <a:bodyPr/>
+                    <a:lstStyle/>
+                    <a:p>
+                      <a:pPr marL="0" marR="0" lvl="0" indent="0" algn="l" defTabSz="914400" rtl="0" eaLnBrk="1" fontAlgn="auto" latinLnBrk="0" hangingPunct="1">
+                        <a:lnSpc>
+                          <a:spcPct val="100000"/>
+                        </a:lnSpc>
+                        <a:spcBef>
+                          <a:spcPts val="0"/>
+                        </a:spcBef>
+                        <a:spcAft>
+                          <a:spcPts val="0"/>
+                        </a:spcAft>
+                        <a:buClrTx/>
+                        <a:buSzTx/>
+                        <a:buFontTx/>
+                        <a:buNone/>
+                        <a:tabLst/>
+                        <a:defRPr/>
+                      </a:pPr>
+                      <a:r>
+                        <a:rPr lang="en-US" dirty="0"/>
+                        <a:t>CGCS-Template.csv</a:t>
+                      </a:r>
+                    </a:p>
+                  </a:txBody>
+                  <a:tcPr/>
+                </a:tc>
+                <a:tc>
+                  <a:txBody>
+                    <a:bodyPr/>
+                    <a:lstStyle/>
+                    <a:p>
+                      <a:r>
+                        <a:rPr lang="en-US" sz="1800" b="0" i="0" kern="1200" dirty="0">
+                          <a:solidFill>
+                            <a:schemeClr val="dk1"/>
+                          </a:solidFill>
+                          <a:effectLst/>
+                          <a:latin typeface="+mn-lt"/>
+                          <a:ea typeface="+mn-ea"/>
+                          <a:cs typeface="+mn-cs"/>
+                        </a:rPr>
+                        <a:t>1325</a:t>
+                      </a:r>
+                      <a:endParaRPr lang="en-US" dirty="0"/>
+                    </a:p>
+                  </a:txBody>
+                  <a:tcPr/>
+                </a:tc>
+                <a:tc>
+                  <a:txBody>
+                    <a:bodyPr/>
+                    <a:lstStyle/>
+                    <a:p>
+                      <a:r>
+                        <a:rPr lang="en-US" dirty="0"/>
+                        <a:t>88</a:t>
+                      </a:r>
+                    </a:p>
+                  </a:txBody>
+                  <a:tcPr/>
+                </a:tc>
+                <a:tc>
+                  <a:txBody>
+                    <a:bodyPr/>
+                    <a:lstStyle/>
+                    <a:p>
+                      <a:r>
+                        <a:rPr lang="en-US" dirty="0"/>
+                        <a:t>301</a:t>
+                      </a:r>
+                    </a:p>
+                  </a:txBody>
+                  <a:tcPr/>
+                </a:tc>
+                <a:tc>
+                  <a:txBody>
+                    <a:bodyPr/>
+                    <a:lstStyle/>
+                    <a:p>
+                      <a:r>
+                        <a:rPr lang="en-US" dirty="0"/>
+                        <a:t>0</a:t>
+                      </a:r>
+                    </a:p>
+                  </a:txBody>
+                  <a:tcPr/>
+                </a:tc>
+                <a:tc>
+                  <a:txBody>
+                    <a:bodyPr/>
+                    <a:lstStyle/>
+                    <a:p>
+                      <a:endParaRPr lang="en-US"/>
+                    </a:p>
+                  </a:txBody>
+                  <a:tcPr/>
+                </a:tc>
+                <a:tc>
+                  <a:txBody>
+                    <a:bodyPr/>
+                    <a:lstStyle/>
+                    <a:p>
+                      <a:endParaRPr lang="en-US"/>
+                    </a:p>
+                  </a:txBody>
+                  <a:tcPr/>
+                </a:tc>
+                <a:tc>
+                  <a:txBody>
+                    <a:bodyPr/>
+                    <a:lstStyle/>
+                    <a:p>
+                      <a:endParaRPr lang="en-US"/>
+                    </a:p>
+                  </a:txBody>
+                  <a:tcPr/>
+                </a:tc>
+                <a:tc>
+                  <a:txBody>
+                    <a:bodyPr/>
+                    <a:lstStyle/>
+                    <a:p>
+                      <a:endParaRPr lang="en-US" dirty="0"/>
+                    </a:p>
+                  </a:txBody>
+                  <a:tcPr/>
+                </a:tc>
+                <a:extLst>
+                  <a:ext uri="{0D108BD9-81ED-4DB2-BD59-A6C34878D82A}">
+                    <a16:rowId xmlns:a16="http://schemas.microsoft.com/office/drawing/2014/main" val="1448076085"/>
+                  </a:ext>
+                </a:extLst>
+              </a:tr>
+            </a:tbl>
+          </a:graphicData>
+        </a:graphic>
+      </p:graphicFrame>
+    </p:spTree>
+    <p:extLst>
+      <p:ext uri="{BB962C8B-B14F-4D97-AF65-F5344CB8AC3E}">
+        <p14:creationId xmlns:p14="http://schemas.microsoft.com/office/powerpoint/2010/main" val="322171152"/>
+      </p:ext>
+    </p:extLst>
+  </p:cSld>
+  <p:clrMapOvr>
+    <a:masterClrMapping/>
+  </p:clrMapOvr>
+</p:sld>
+</file>
+
+<file path=ppt/slides/slide13.xml><?xml version="1.0" encoding="utf-8"?>
 <p:sld xmlns:a="http://schemas.openxmlformats.org/drawingml/2006/main" xmlns:r="http://schemas.openxmlformats.org/officeDocument/2006/relationships" xmlns:p="http://schemas.openxmlformats.org/presentationml/2006/main">
   <p:cSld>
     <p:spTree>

--- a/Documentation/Project_Presentation_v1.pptx
+++ b/Documentation/Project_Presentation_v1.pptx
@@ -4958,14 +4958,14 @@
           <p:nvPr>
             <p:extLst>
               <p:ext uri="{D42A27DB-BD31-4B8C-83A1-F6EECF244321}">
-                <p14:modId xmlns:p14="http://schemas.microsoft.com/office/powerpoint/2010/main" val="4228957566"/>
+                <p14:modId xmlns:p14="http://schemas.microsoft.com/office/powerpoint/2010/main" val="3759657519"/>
               </p:ext>
             </p:extLst>
           </p:nvPr>
         </p:nvGraphicFramePr>
         <p:xfrm>
-          <a:off x="1278384" y="2865856"/>
-          <a:ext cx="10918719" cy="2865120"/>
+          <a:off x="949912" y="2865856"/>
+          <a:ext cx="11216404" cy="2865120"/>
         </p:xfrm>
         <a:graphic>
           <a:graphicData uri="http://schemas.openxmlformats.org/drawingml/2006/table">
@@ -4974,63 +4974,63 @@
                 <a:tableStyleId>{5C22544A-7EE6-4342-B048-85BDC9FD1C3A}</a:tableStyleId>
               </a:tblPr>
               <a:tblGrid>
-                <a:gridCol w="1995615">
+                <a:gridCol w="1955200">
                   <a:extLst>
                     <a:ext uri="{9D8B030D-6E8A-4147-A177-3AD203B41FA5}">
                       <a16:colId xmlns:a16="http://schemas.microsoft.com/office/drawing/2014/main" val="4214309962"/>
                     </a:ext>
                   </a:extLst>
                 </a:gridCol>
-                <a:gridCol w="1039126">
+                <a:gridCol w="1018082">
                   <a:extLst>
                     <a:ext uri="{9D8B030D-6E8A-4147-A177-3AD203B41FA5}">
                       <a16:colId xmlns:a16="http://schemas.microsoft.com/office/drawing/2014/main" val="1220333688"/>
                     </a:ext>
                   </a:extLst>
                 </a:gridCol>
-                <a:gridCol w="1039126">
+                <a:gridCol w="1018082">
                   <a:extLst>
                     <a:ext uri="{9D8B030D-6E8A-4147-A177-3AD203B41FA5}">
                       <a16:colId xmlns:a16="http://schemas.microsoft.com/office/drawing/2014/main" val="2480967799"/>
                     </a:ext>
                   </a:extLst>
                 </a:gridCol>
-                <a:gridCol w="1039126">
+                <a:gridCol w="1060029">
                   <a:extLst>
                     <a:ext uri="{9D8B030D-6E8A-4147-A177-3AD203B41FA5}">
                       <a16:colId xmlns:a16="http://schemas.microsoft.com/office/drawing/2014/main" val="4190340588"/>
                     </a:ext>
                   </a:extLst>
                 </a:gridCol>
-                <a:gridCol w="1437170">
+                <a:gridCol w="1884926">
                   <a:extLst>
                     <a:ext uri="{9D8B030D-6E8A-4147-A177-3AD203B41FA5}">
                       <a16:colId xmlns:a16="http://schemas.microsoft.com/office/drawing/2014/main" val="1164797993"/>
                     </a:ext>
                   </a:extLst>
                 </a:gridCol>
-                <a:gridCol w="1251178">
+                <a:gridCol w="1225839">
                   <a:extLst>
                     <a:ext uri="{9D8B030D-6E8A-4147-A177-3AD203B41FA5}">
                       <a16:colId xmlns:a16="http://schemas.microsoft.com/office/drawing/2014/main" val="3823161395"/>
                     </a:ext>
                   </a:extLst>
                 </a:gridCol>
-                <a:gridCol w="1039126">
+                <a:gridCol w="1018082">
                   <a:extLst>
                     <a:ext uri="{9D8B030D-6E8A-4147-A177-3AD203B41FA5}">
                       <a16:colId xmlns:a16="http://schemas.microsoft.com/office/drawing/2014/main" val="3316443882"/>
                     </a:ext>
                   </a:extLst>
                 </a:gridCol>
-                <a:gridCol w="1039126">
+                <a:gridCol w="1018082">
                   <a:extLst>
                     <a:ext uri="{9D8B030D-6E8A-4147-A177-3AD203B41FA5}">
                       <a16:colId xmlns:a16="http://schemas.microsoft.com/office/drawing/2014/main" val="281413111"/>
                     </a:ext>
                   </a:extLst>
                 </a:gridCol>
-                <a:gridCol w="1039126">
+                <a:gridCol w="1018082">
                   <a:extLst>
                     <a:ext uri="{9D8B030D-6E8A-4147-A177-3AD203B41FA5}">
                       <a16:colId xmlns:a16="http://schemas.microsoft.com/office/drawing/2014/main" val="2572223220"/>
@@ -5072,13 +5072,8 @@
                     <a:p>
                       <a:r>
                         <a:rPr lang="en-US" dirty="0"/>
-                        <a:t>#</a:t>
+                        <a:t>#unique Nodes</a:t>
                       </a:r>
-                      <a:r>
-                        <a:rPr lang="en-US" dirty="0" err="1"/>
-                        <a:t>uniqueNodes</a:t>
-                      </a:r>
-                      <a:endParaRPr lang="en-US" dirty="0"/>
                     </a:p>
                   </a:txBody>
                   <a:tcPr/>
@@ -5090,13 +5085,8 @@
                     <a:p>
                       <a:r>
                         <a:rPr lang="en-US" dirty="0"/>
-                        <a:t>#</a:t>
+                        <a:t>#location Info</a:t>
                       </a:r>
-                      <a:r>
-                        <a:rPr lang="en-US" dirty="0" err="1"/>
-                        <a:t>locationInfo</a:t>
-                      </a:r>
-                      <a:endParaRPr lang="en-US" dirty="0"/>
                     </a:p>
                   </a:txBody>
                   <a:tcPr/>
@@ -5809,7 +5799,7 @@
                     <a:lstStyle/>
                     <a:p>
                       <a:r>
-                        <a:rPr lang="en-US"/>
+                        <a:rPr lang="en-US" dirty="0"/>
                         <a:t>124</a:t>
                       </a:r>
                     </a:p>
@@ -6055,7 +6045,10 @@
           <a:bodyPr/>
           <a:lstStyle/>
           <a:p>
-            <a:endParaRPr lang="en-US"/>
+            <a:r>
+              <a:rPr lang="en-US" dirty="0"/>
+              <a:t>Channels</a:t>
+            </a:r>
           </a:p>
         </p:txBody>
       </p:sp>
@@ -6080,7 +6073,10 @@
           <a:bodyPr/>
           <a:lstStyle/>
           <a:p>
-            <a:endParaRPr lang="en-US"/>
+            <a:r>
+              <a:rPr lang="en-US" dirty="0"/>
+              <a:t>table</a:t>
+            </a:r>
           </a:p>
         </p:txBody>
       </p:sp>
@@ -6946,7 +6942,7 @@
           <a:p>
             <a:r>
               <a:rPr lang="en-US" dirty="0"/>
-              <a:t>Data types for each column</a:t>
+              <a:t>Data types for each column when loading the file:</a:t>
             </a:r>
           </a:p>
           <a:p>
@@ -7132,22 +7128,26 @@
         </p:nvSpPr>
         <p:spPr/>
         <p:txBody>
-          <a:bodyPr/>
+          <a:bodyPr>
+            <a:normAutofit lnSpcReduction="10000"/>
+          </a:bodyPr>
           <a:lstStyle/>
           <a:p>
             <a:r>
-              <a:rPr lang="en-IN" dirty="0">
-                <a:solidFill>
-                  <a:srgbClr val="FF0000"/>
-                </a:solidFill>
-              </a:rPr>
-              <a:t>??? Add explanation</a:t>
-            </a:r>
-          </a:p>
-          <a:p>
-            <a:r>
               <a:rPr lang="en-IN" dirty="0"/>
-              <a:t>There are 5 different channels: </a:t>
+              <a:t>The data can be classified into 6 different channels</a:t>
+            </a:r>
+          </a:p>
+          <a:p>
+            <a:r>
+              <a:rPr lang="en-US" dirty="0"/>
+              <a:t>Each channel represents a different kind of transaction between two nodes.</a:t>
+            </a:r>
+          </a:p>
+          <a:p>
+            <a:r>
+              <a:rPr lang="en-IN" dirty="0"/>
+              <a:t>These are the channels: </a:t>
             </a:r>
           </a:p>
           <a:p>
@@ -7155,6 +7155,20 @@
             <a:r>
               <a:rPr lang="en-IN" dirty="0"/>
               <a:t>Communication</a:t>
+            </a:r>
+          </a:p>
+          <a:p>
+            <a:pPr lvl="2"/>
+            <a:r>
+              <a:rPr lang="en-IN" dirty="0"/>
+              <a:t>Email</a:t>
+            </a:r>
+          </a:p>
+          <a:p>
+            <a:pPr lvl="2"/>
+            <a:r>
+              <a:rPr lang="en-IN" dirty="0"/>
+              <a:t>Phone</a:t>
             </a:r>
           </a:p>
           <a:p>

--- a/Documentation/Project_Presentation_v1.pptx
+++ b/Documentation/Project_Presentation_v1.pptx
@@ -6605,21 +6605,13 @@
             </a:r>
             <a:r>
               <a:rPr lang="en-US" dirty="0"/>
-              <a:t>: an integer Id of the source of the communication (could have different meanings based on the </a:t>
-            </a:r>
-            <a:r>
-              <a:rPr lang="en-US" dirty="0" err="1"/>
-              <a:t>eType</a:t>
-            </a:r>
-            <a:r>
-              <a:rPr lang="en-US" dirty="0"/>
-              <a:t> column)</a:t>
+              <a:t>: an integer Id of the source of the communication (could have different meanings based on the eType column)</a:t>
             </a:r>
           </a:p>
           <a:p>
             <a:pPr lvl="1"/>
             <a:r>
-              <a:rPr lang="en-US" b="1" dirty="0" err="1"/>
+              <a:rPr lang="en-US" b="1" dirty="0"/>
               <a:t>eType</a:t>
             </a:r>
             <a:r>
@@ -6635,15 +6627,7 @@
             </a:r>
             <a:r>
               <a:rPr lang="en-US" dirty="0"/>
-              <a:t>: an integer Id of the source of the communication (could have different meanings based on the </a:t>
-            </a:r>
-            <a:r>
-              <a:rPr lang="en-US" dirty="0" err="1"/>
-              <a:t>eType</a:t>
-            </a:r>
-            <a:r>
-              <a:rPr lang="en-US" dirty="0"/>
-              <a:t> column)</a:t>
+              <a:t>: an integer Id of the source of the communication (could have different meanings based on the eType column)</a:t>
             </a:r>
           </a:p>
           <a:p>
@@ -6758,15 +6742,7 @@
           <a:p>
             <a:r>
               <a:rPr lang="en-US" dirty="0"/>
-              <a:t>Channels are defined based on the </a:t>
-            </a:r>
-            <a:r>
-              <a:rPr lang="en-US" dirty="0" err="1"/>
-              <a:t>eType</a:t>
-            </a:r>
-            <a:r>
-              <a:rPr lang="en-US" dirty="0"/>
-              <a:t> column.</a:t>
+              <a:t>Channels are defined based on the eType column.</a:t>
             </a:r>
           </a:p>
           <a:p>
@@ -6955,12 +6931,8 @@
           <a:p>
             <a:pPr lvl="1"/>
             <a:r>
-              <a:rPr lang="en-US" dirty="0" err="1"/>
-              <a:t>eType</a:t>
-            </a:r>
-            <a:r>
-              <a:rPr lang="en-US" dirty="0"/>
-              <a:t> 			int64 </a:t>
+              <a:rPr lang="en-US" dirty="0"/>
+              <a:t>eType 			int64 </a:t>
             </a:r>
           </a:p>
           <a:p>
@@ -7281,35 +7253,9 @@
         <p:spPr/>
         <p:txBody>
           <a:bodyPr>
-            <a:normAutofit fontScale="92500" lnSpcReduction="20000"/>
+            <a:normAutofit fontScale="92500" lnSpcReduction="10000"/>
           </a:bodyPr>
           <a:lstStyle/>
-          <a:p>
-            <a:r>
-              <a:rPr lang="en-US" dirty="0">
-                <a:solidFill>
-                  <a:srgbClr val="FF0000"/>
-                </a:solidFill>
-              </a:rPr>
-              <a:t>??? More info? Check the </a:t>
-            </a:r>
-            <a:r>
-              <a:rPr lang="en-US" dirty="0" err="1">
-                <a:solidFill>
-                  <a:srgbClr val="FF0000"/>
-                </a:solidFill>
-              </a:rPr>
-              <a:t>eTypes</a:t>
-            </a:r>
-            <a:r>
-              <a:rPr lang="en-US" dirty="0">
-                <a:solidFill>
-                  <a:srgbClr val="FF0000"/>
-                </a:solidFill>
-              </a:rPr>
-              <a:t>!</a:t>
-            </a:r>
-          </a:p>
           <a:p>
             <a:r>
               <a:rPr lang="en-US" dirty="0"/>
@@ -7345,7 +7291,15 @@
             </a:pPr>
             <a:r>
               <a:rPr lang="en-US" dirty="0"/>
-              <a:t>used in all channels, only nodes with a spatial location</a:t>
+              <a:t>used in all channels(all </a:t>
+            </a:r>
+            <a:r>
+              <a:rPr lang="en-US" dirty="0" err="1"/>
+              <a:t>eTypes</a:t>
+            </a:r>
+            <a:r>
+              <a:rPr lang="en-US" dirty="0"/>
+              <a:t>), only nodes with a spatial location</a:t>
             </a:r>
           </a:p>
           <a:p>
@@ -7371,16 +7325,13 @@
             </a:pPr>
             <a:r>
               <a:rPr lang="en-US" dirty="0"/>
-              <a:t>for the procurement channel, </a:t>
-            </a:r>
-            <a:r>
-              <a:rPr lang="en-US" dirty="0" err="1"/>
-              <a:t>eType</a:t>
-            </a:r>
-            <a:r>
-              <a:rPr lang="en-US" dirty="0"/>
-              <a:t> = 3</a:t>
-            </a:r>
+              <a:t>for the procurement channel, eType </a:t>
+            </a:r>
+            <a:r>
+              <a:rPr lang="en-US"/>
+              <a:t>= 2, 3</a:t>
+            </a:r>
+            <a:endParaRPr lang="en-US" dirty="0"/>
           </a:p>
           <a:p>
             <a:pPr marL="971550" lvl="1" indent="-457200">
@@ -7405,15 +7356,7 @@
             </a:pPr>
             <a:r>
               <a:rPr lang="en-US" dirty="0"/>
-              <a:t>from the co-authorship channel, </a:t>
-            </a:r>
-            <a:r>
-              <a:rPr lang="en-US" dirty="0" err="1"/>
-              <a:t>eType</a:t>
-            </a:r>
-            <a:r>
-              <a:rPr lang="en-US" dirty="0"/>
-              <a:t> = 4</a:t>
+              <a:t>from the co-authorship channel, eType = 4</a:t>
             </a:r>
           </a:p>
           <a:p>
@@ -7439,15 +7382,7 @@
             </a:pPr>
             <a:r>
               <a:rPr lang="en-US" dirty="0"/>
-              <a:t>from financial demographics channel, </a:t>
-            </a:r>
-            <a:r>
-              <a:rPr lang="en-US" dirty="0" err="1"/>
-              <a:t>eType</a:t>
-            </a:r>
-            <a:r>
-              <a:rPr lang="en-US" dirty="0"/>
-              <a:t> = 5</a:t>
+              <a:t>from financial demographics channel, eType = 5</a:t>
             </a:r>
           </a:p>
           <a:p>
@@ -7473,15 +7408,7 @@
             </a:pPr>
             <a:r>
               <a:rPr lang="en-US" dirty="0"/>
-              <a:t>from the travel channel, </a:t>
-            </a:r>
-            <a:r>
-              <a:rPr lang="en-US" dirty="0" err="1"/>
-              <a:t>eType</a:t>
-            </a:r>
-            <a:r>
-              <a:rPr lang="en-US" dirty="0"/>
-              <a:t> = 6</a:t>
+              <a:t>from the travel channel, eType = 6</a:t>
             </a:r>
           </a:p>
         </p:txBody>

--- a/Documentation/Project_Presentation_v1.pptx
+++ b/Documentation/Project_Presentation_v1.pptx
@@ -4683,12 +4683,14 @@
         </p:nvSpPr>
         <p:spPr/>
         <p:txBody>
-          <a:bodyPr/>
+          <a:bodyPr>
+            <a:normAutofit/>
+          </a:bodyPr>
           <a:lstStyle/>
           <a:p>
             <a:r>
               <a:rPr lang="en-US" dirty="0"/>
-              <a:t>Edge list graph with the same format as the large graph data (CSV)</a:t>
+              <a:t>Edge list graph with the same format as the large graph data (.csv)</a:t>
             </a:r>
           </a:p>
           <a:p>
@@ -4698,41 +4700,48 @@
             </a:r>
           </a:p>
           <a:p>
+            <a:r>
+              <a:rPr lang="en-US" dirty="0"/>
+              <a:t>It is a reference pattern for looking for the suspicious activities</a:t>
+            </a:r>
+          </a:p>
+          <a:p>
+            <a:r>
+              <a:rPr lang="en-US" dirty="0"/>
+              <a:t>Details:</a:t>
+            </a:r>
+          </a:p>
+          <a:p>
+            <a:pPr lvl="1"/>
+            <a:r>
+              <a:rPr lang="en-US" dirty="0"/>
+              <a:t>File name: CGCS-Template.csv</a:t>
+            </a:r>
+          </a:p>
+          <a:p>
+            <a:pPr lvl="1"/>
+            <a:r>
+              <a:rPr lang="en-US" dirty="0"/>
+              <a:t>1325 rows</a:t>
+            </a:r>
+          </a:p>
+          <a:p>
+            <a:pPr lvl="1"/>
+            <a:r>
+              <a:rPr lang="en-US" dirty="0"/>
+              <a:t>301 have location data, none have longitude and latitude</a:t>
+            </a:r>
+          </a:p>
+          <a:p>
+            <a:pPr lvl="1"/>
+            <a:r>
+              <a:rPr lang="en-US" dirty="0"/>
+              <a:t>The co-authorship channel is replaced by -99 </a:t>
+            </a:r>
+            <a:br>
+              <a:rPr lang="en-US" dirty="0"/>
+            </a:br>
             <a:endParaRPr lang="en-US" dirty="0"/>
-          </a:p>
-          <a:p>
-            <a:r>
-              <a:rPr lang="en-US" dirty="0"/>
-              <a:t>Details:</a:t>
-            </a:r>
-          </a:p>
-          <a:p>
-            <a:pPr lvl="1"/>
-            <a:r>
-              <a:rPr lang="en-US" dirty="0"/>
-              <a:t>File name: CGCS-Template.csv</a:t>
-            </a:r>
-          </a:p>
-          <a:p>
-            <a:pPr lvl="1"/>
-            <a:r>
-              <a:rPr lang="en-US" dirty="0"/>
-              <a:t>1325 rows</a:t>
-            </a:r>
-          </a:p>
-          <a:p>
-            <a:pPr lvl="1"/>
-            <a:r>
-              <a:rPr lang="en-US" dirty="0"/>
-              <a:t>301 have location data, none have longitude and latitude</a:t>
-            </a:r>
-          </a:p>
-          <a:p>
-            <a:pPr lvl="1"/>
-            <a:r>
-              <a:rPr lang="en-US" dirty="0"/>
-              <a:t> </a:t>
-            </a:r>
           </a:p>
           <a:p>
             <a:endParaRPr lang="en-US" dirty="0"/>
@@ -4833,7 +4842,7 @@
             </a:pPr>
             <a:r>
               <a:rPr lang="en-US" dirty="0"/>
-              <a:t>Compare the five candidate subgraphs to the provided template. Show where the two graphs agree and disagree. Which subgraph matches the template the best? Please limit your answer to seven images and 500 words.</a:t>
+              <a:t>Compare the five candidate subgraphs to the provided template. Show where the two graphs agree and disagree. Which subgraph matches the template the best? </a:t>
             </a:r>
           </a:p>
           <a:p>
@@ -4843,8 +4852,13 @@
             </a:pPr>
             <a:r>
               <a:rPr lang="en-US" dirty="0"/>
-              <a:t>Which key parts of the best match help discriminate it from the other potential matches? Please limit your answer to five images and 300 words.</a:t>
-            </a:r>
+              <a:t>Which key parts of the best match help discriminate it from the other potential matches</a:t>
+            </a:r>
+            <a:r>
+              <a:rPr lang="en-US"/>
+              <a:t>? </a:t>
+            </a:r>
+            <a:endParaRPr lang="en-US" dirty="0"/>
           </a:p>
           <a:p>
             <a:endParaRPr lang="en-US" dirty="0"/>
@@ -7325,13 +7339,8 @@
             </a:pPr>
             <a:r>
               <a:rPr lang="en-US" dirty="0"/>
-              <a:t>for the procurement channel, eType </a:t>
-            </a:r>
-            <a:r>
-              <a:rPr lang="en-US"/>
-              <a:t>= 2, 3</a:t>
-            </a:r>
-            <a:endParaRPr lang="en-US" dirty="0"/>
+              <a:t>for the procurement channel, eType = 2, 3</a:t>
+            </a:r>
           </a:p>
           <a:p>
             <a:pPr marL="971550" lvl="1" indent="-457200">

--- a/Documentation/Project_Presentation_v1.pptx
+++ b/Documentation/Project_Presentation_v1.pptx
@@ -5,7 +5,7 @@
     <p:sldMasterId id="2147483648" r:id="rId1"/>
   </p:sldMasterIdLst>
   <p:notesMasterIdLst>
-    <p:notesMasterId r:id="rId15"/>
+    <p:notesMasterId r:id="rId16"/>
   </p:notesMasterIdLst>
   <p:sldIdLst>
     <p:sldId id="257" r:id="rId2"/>
@@ -20,7 +20,8 @@
     <p:sldId id="261" r:id="rId11"/>
     <p:sldId id="267" r:id="rId12"/>
     <p:sldId id="269" r:id="rId13"/>
-    <p:sldId id="268" r:id="rId14"/>
+    <p:sldId id="270" r:id="rId14"/>
+    <p:sldId id="268" r:id="rId15"/>
   </p:sldIdLst>
   <p:sldSz cx="12192000" cy="6858000"/>
   <p:notesSz cx="6858000" cy="9144000"/>
@@ -4852,13 +4853,8 @@
             </a:pPr>
             <a:r>
               <a:rPr lang="en-US" dirty="0"/>
-              <a:t>Which key parts of the best match help discriminate it from the other potential matches</a:t>
-            </a:r>
-            <a:r>
-              <a:rPr lang="en-US"/>
-              <a:t>? </a:t>
-            </a:r>
-            <a:endParaRPr lang="en-US" dirty="0"/>
+              <a:t>Which key parts of the best match help discriminate it from the other potential matches? </a:t>
+            </a:r>
           </a:p>
           <a:p>
             <a:endParaRPr lang="en-US" dirty="0"/>
@@ -4972,7 +4968,7 @@
           <p:nvPr>
             <p:extLst>
               <p:ext uri="{D42A27DB-BD31-4B8C-83A1-F6EECF244321}">
-                <p14:modId xmlns:p14="http://schemas.microsoft.com/office/powerpoint/2010/main" val="3759657519"/>
+                <p14:modId xmlns:p14="http://schemas.microsoft.com/office/powerpoint/2010/main" val="680710443"/>
               </p:ext>
             </p:extLst>
           </p:nvPr>
@@ -5123,7 +5119,7 @@
                     <a:bodyPr/>
                     <a:lstStyle/>
                     <a:p>
-                      <a:endParaRPr lang="en-US"/>
+                      <a:endParaRPr lang="en-US" dirty="0"/>
                     </a:p>
                   </a:txBody>
                   <a:tcPr/>
@@ -5200,6 +5196,7 @@
                     <a:bodyPr/>
                     <a:lstStyle/>
                     <a:p>
+                      <a:pPr algn="ctr"/>
                       <a:r>
                         <a:rPr lang="en-US" sz="1800" b="0" i="0" kern="1200" dirty="0">
                           <a:solidFill>
@@ -5222,6 +5219,7 @@
                     <a:bodyPr/>
                     <a:lstStyle/>
                     <a:p>
+                      <a:pPr algn="ctr"/>
                       <a:r>
                         <a:rPr lang="en-US" dirty="0"/>
                         <a:t>93</a:t>
@@ -5235,6 +5233,7 @@
                     <a:bodyPr/>
                     <a:lstStyle/>
                     <a:p>
+                      <a:pPr algn="ctr"/>
                       <a:r>
                         <a:rPr lang="en-US" sz="1800" b="0" i="0" kern="1200" dirty="0">
                           <a:solidFill>
@@ -5257,6 +5256,7 @@
                     <a:bodyPr/>
                     <a:lstStyle/>
                     <a:p>
+                      <a:pPr algn="ctr"/>
                       <a:r>
                         <a:rPr lang="en-US" dirty="0"/>
                         <a:t>168</a:t>
@@ -5270,6 +5270,7 @@
                     <a:bodyPr/>
                     <a:lstStyle/>
                     <a:p>
+                      <a:pPr algn="ctr"/>
                       <a:endParaRPr lang="en-US" dirty="0"/>
                     </a:p>
                   </a:txBody>
@@ -5280,6 +5281,7 @@
                     <a:bodyPr/>
                     <a:lstStyle/>
                     <a:p>
+                      <a:pPr algn="ctr"/>
                       <a:endParaRPr lang="en-US"/>
                     </a:p>
                   </a:txBody>
@@ -5347,6 +5349,7 @@
                     <a:bodyPr/>
                     <a:lstStyle/>
                     <a:p>
+                      <a:pPr algn="ctr"/>
                       <a:r>
                         <a:rPr lang="en-US" sz="1800" b="0" i="0" kern="1200" dirty="0">
                           <a:solidFill>
@@ -5369,6 +5372,7 @@
                     <a:bodyPr/>
                     <a:lstStyle/>
                     <a:p>
+                      <a:pPr algn="ctr"/>
                       <a:r>
                         <a:rPr lang="en-US" dirty="0"/>
                         <a:t>87</a:t>
@@ -5382,7 +5386,7 @@
                     <a:bodyPr/>
                     <a:lstStyle/>
                     <a:p>
-                      <a:pPr algn="l" fontAlgn="ctr"/>
+                      <a:pPr algn="ctr" fontAlgn="ctr"/>
                       <a:r>
                         <a:rPr lang="en-US" dirty="0">
                           <a:effectLst/>
@@ -5398,6 +5402,7 @@
                     <a:bodyPr/>
                     <a:lstStyle/>
                     <a:p>
+                      <a:pPr algn="ctr"/>
                       <a:r>
                         <a:rPr lang="en-US" dirty="0"/>
                         <a:t>201</a:t>
@@ -5411,6 +5416,7 @@
                     <a:bodyPr/>
                     <a:lstStyle/>
                     <a:p>
+                      <a:pPr algn="ctr"/>
                       <a:endParaRPr lang="en-US" dirty="0"/>
                     </a:p>
                   </a:txBody>
@@ -5421,6 +5427,7 @@
                     <a:bodyPr/>
                     <a:lstStyle/>
                     <a:p>
+                      <a:pPr algn="ctr"/>
                       <a:endParaRPr lang="en-US"/>
                     </a:p>
                   </a:txBody>
@@ -5488,6 +5495,7 @@
                     <a:bodyPr/>
                     <a:lstStyle/>
                     <a:p>
+                      <a:pPr algn="ctr"/>
                       <a:r>
                         <a:rPr lang="en-US" sz="1800" b="0" i="0" kern="1200" dirty="0">
                           <a:solidFill>
@@ -5510,6 +5518,7 @@
                     <a:bodyPr/>
                     <a:lstStyle/>
                     <a:p>
+                      <a:pPr algn="ctr"/>
                       <a:r>
                         <a:rPr lang="en-US" dirty="0"/>
                         <a:t>79</a:t>
@@ -5523,6 +5532,7 @@
                     <a:bodyPr/>
                     <a:lstStyle/>
                     <a:p>
+                      <a:pPr algn="ctr"/>
                       <a:r>
                         <a:rPr lang="en-US" dirty="0"/>
                         <a:t>88</a:t>
@@ -5536,6 +5546,7 @@
                     <a:bodyPr/>
                     <a:lstStyle/>
                     <a:p>
+                      <a:pPr algn="ctr"/>
                       <a:r>
                         <a:rPr lang="en-US" dirty="0"/>
                         <a:t>88</a:t>
@@ -5549,6 +5560,7 @@
                     <a:bodyPr/>
                     <a:lstStyle/>
                     <a:p>
+                      <a:pPr algn="ctr"/>
                       <a:endParaRPr lang="en-US"/>
                     </a:p>
                   </a:txBody>
@@ -5559,6 +5571,7 @@
                     <a:bodyPr/>
                     <a:lstStyle/>
                     <a:p>
+                      <a:pPr algn="ctr"/>
                       <a:endParaRPr lang="en-US"/>
                     </a:p>
                   </a:txBody>
@@ -5626,6 +5639,7 @@
                     <a:bodyPr/>
                     <a:lstStyle/>
                     <a:p>
+                      <a:pPr algn="ctr"/>
                       <a:r>
                         <a:rPr lang="en-US" sz="1800" b="0" i="0" kern="1200" dirty="0">
                           <a:solidFill>
@@ -5648,6 +5662,7 @@
                     <a:bodyPr/>
                     <a:lstStyle/>
                     <a:p>
+                      <a:pPr algn="ctr"/>
                       <a:r>
                         <a:rPr lang="en-US" dirty="0"/>
                         <a:t>87</a:t>
@@ -5661,6 +5676,7 @@
                     <a:bodyPr/>
                     <a:lstStyle/>
                     <a:p>
+                      <a:pPr algn="ctr"/>
                       <a:r>
                         <a:rPr lang="en-US" dirty="0"/>
                         <a:t>176</a:t>
@@ -5674,6 +5690,7 @@
                     <a:bodyPr/>
                     <a:lstStyle/>
                     <a:p>
+                      <a:pPr algn="ctr"/>
                       <a:r>
                         <a:rPr lang="en-US" dirty="0"/>
                         <a:t>176</a:t>
@@ -5687,7 +5704,8 @@
                     <a:bodyPr/>
                     <a:lstStyle/>
                     <a:p>
-                      <a:endParaRPr lang="en-US"/>
+                      <a:pPr algn="ctr"/>
+                      <a:endParaRPr lang="en-US" dirty="0"/>
                     </a:p>
                   </a:txBody>
                   <a:tcPr/>
@@ -5697,6 +5715,7 @@
                     <a:bodyPr/>
                     <a:lstStyle/>
                     <a:p>
+                      <a:pPr algn="ctr"/>
                       <a:endParaRPr lang="en-US"/>
                     </a:p>
                   </a:txBody>
@@ -5764,6 +5783,7 @@
                     <a:bodyPr/>
                     <a:lstStyle/>
                     <a:p>
+                      <a:pPr algn="ctr"/>
                       <a:r>
                         <a:rPr lang="en-US" sz="1800" b="0" i="0" kern="1200" dirty="0">
                           <a:solidFill>
@@ -5786,6 +5806,7 @@
                     <a:bodyPr/>
                     <a:lstStyle/>
                     <a:p>
+                      <a:pPr algn="ctr"/>
                       <a:r>
                         <a:rPr lang="en-US" dirty="0"/>
                         <a:t>86</a:t>
@@ -5799,6 +5820,7 @@
                     <a:bodyPr/>
                     <a:lstStyle/>
                     <a:p>
+                      <a:pPr algn="ctr"/>
                       <a:r>
                         <a:rPr lang="en-US" dirty="0"/>
                         <a:t>124</a:t>
@@ -5812,6 +5834,7 @@
                     <a:bodyPr/>
                     <a:lstStyle/>
                     <a:p>
+                      <a:pPr algn="ctr"/>
                       <a:r>
                         <a:rPr lang="en-US" dirty="0"/>
                         <a:t>124</a:t>
@@ -5825,7 +5848,8 @@
                     <a:bodyPr/>
                     <a:lstStyle/>
                     <a:p>
-                      <a:endParaRPr lang="en-US"/>
+                      <a:pPr algn="ctr"/>
+                      <a:endParaRPr lang="en-US" dirty="0"/>
                     </a:p>
                   </a:txBody>
                   <a:tcPr/>
@@ -5835,7 +5859,8 @@
                     <a:bodyPr/>
                     <a:lstStyle/>
                     <a:p>
-                      <a:endParaRPr lang="en-US"/>
+                      <a:pPr algn="ctr"/>
+                      <a:endParaRPr lang="en-US" dirty="0"/>
                     </a:p>
                   </a:txBody>
                   <a:tcPr/>
@@ -5902,6 +5927,7 @@
                     <a:bodyPr/>
                     <a:lstStyle/>
                     <a:p>
+                      <a:pPr algn="ctr"/>
                       <a:r>
                         <a:rPr lang="en-US" sz="1800" b="0" i="0" kern="1200" dirty="0">
                           <a:solidFill>
@@ -5924,6 +5950,7 @@
                     <a:bodyPr/>
                     <a:lstStyle/>
                     <a:p>
+                      <a:pPr algn="ctr"/>
                       <a:r>
                         <a:rPr lang="en-US" dirty="0"/>
                         <a:t>88</a:t>
@@ -5937,6 +5964,7 @@
                     <a:bodyPr/>
                     <a:lstStyle/>
                     <a:p>
+                      <a:pPr algn="ctr"/>
                       <a:r>
                         <a:rPr lang="en-US" dirty="0"/>
                         <a:t>301</a:t>
@@ -5950,6 +5978,7 @@
                     <a:bodyPr/>
                     <a:lstStyle/>
                     <a:p>
+                      <a:pPr algn="ctr"/>
                       <a:r>
                         <a:rPr lang="en-US" dirty="0"/>
                         <a:t>0</a:t>
@@ -5963,7 +5992,8 @@
                     <a:bodyPr/>
                     <a:lstStyle/>
                     <a:p>
-                      <a:endParaRPr lang="en-US"/>
+                      <a:pPr algn="ctr"/>
+                      <a:endParaRPr lang="en-US" dirty="0"/>
                     </a:p>
                   </a:txBody>
                   <a:tcPr/>
@@ -5973,7 +6003,8 @@
                     <a:bodyPr/>
                     <a:lstStyle/>
                     <a:p>
-                      <a:endParaRPr lang="en-US"/>
+                      <a:pPr algn="ctr"/>
+                      <a:endParaRPr lang="en-US" dirty="0"/>
                     </a:p>
                   </a:txBody>
                   <a:tcPr/>
@@ -5983,7 +6014,7 @@
                     <a:bodyPr/>
                     <a:lstStyle/>
                     <a:p>
-                      <a:endParaRPr lang="en-US"/>
+                      <a:endParaRPr lang="en-US" dirty="0"/>
                     </a:p>
                   </a:txBody>
                   <a:tcPr/>
@@ -6022,6 +6053,93 @@
 </file>
 
 <file path=ppt/slides/slide13.xml><?xml version="1.0" encoding="utf-8"?>
+<p:sld xmlns:a="http://schemas.openxmlformats.org/drawingml/2006/main" xmlns:r="http://schemas.openxmlformats.org/officeDocument/2006/relationships" xmlns:p="http://schemas.openxmlformats.org/presentationml/2006/main">
+  <p:cSld>
+    <p:spTree>
+      <p:nvGrpSpPr>
+        <p:cNvPr id="1" name=""/>
+        <p:cNvGrpSpPr/>
+        <p:nvPr/>
+      </p:nvGrpSpPr>
+      <p:grpSpPr>
+        <a:xfrm>
+          <a:off x="0" y="0"/>
+          <a:ext cx="0" cy="0"/>
+          <a:chOff x="0" y="0"/>
+          <a:chExt cx="0" cy="0"/>
+        </a:xfrm>
+      </p:grpSpPr>
+      <p:sp>
+        <p:nvSpPr>
+          <p:cNvPr id="2" name="Title 1">
+            <a:extLst>
+              <a:ext uri="{FF2B5EF4-FFF2-40B4-BE49-F238E27FC236}">
+                <a16:creationId xmlns:a16="http://schemas.microsoft.com/office/drawing/2014/main" id="{54B9F6F0-7DB3-4852-B506-FABDF5299892}"/>
+              </a:ext>
+            </a:extLst>
+          </p:cNvPr>
+          <p:cNvSpPr>
+            <a:spLocks noGrp="1"/>
+          </p:cNvSpPr>
+          <p:nvPr>
+            <p:ph type="title"/>
+          </p:nvPr>
+        </p:nvSpPr>
+        <p:spPr/>
+        <p:txBody>
+          <a:bodyPr/>
+          <a:lstStyle/>
+          <a:p>
+            <a:endParaRPr lang="en-US"/>
+          </a:p>
+        </p:txBody>
+      </p:sp>
+      <p:pic>
+        <p:nvPicPr>
+          <p:cNvPr id="4" name="Content Placeholder 3">
+            <a:extLst>
+              <a:ext uri="{FF2B5EF4-FFF2-40B4-BE49-F238E27FC236}">
+                <a16:creationId xmlns:a16="http://schemas.microsoft.com/office/drawing/2014/main" id="{120EF663-1092-47B5-AA7E-BA9D06DE970D}"/>
+              </a:ext>
+            </a:extLst>
+          </p:cNvPr>
+          <p:cNvPicPr>
+            <a:picLocks noGrp="1" noChangeAspect="1"/>
+          </p:cNvPicPr>
+          <p:nvPr>
+            <p:ph idx="1"/>
+          </p:nvPr>
+        </p:nvPicPr>
+        <p:blipFill>
+          <a:blip r:embed="rId2"/>
+          <a:stretch>
+            <a:fillRect/>
+          </a:stretch>
+        </p:blipFill>
+        <p:spPr>
+          <a:xfrm>
+            <a:off x="3333742" y="1825625"/>
+            <a:ext cx="5524516" cy="4351338"/>
+          </a:xfrm>
+          <a:prstGeom prst="rect">
+            <a:avLst/>
+          </a:prstGeom>
+        </p:spPr>
+      </p:pic>
+    </p:spTree>
+    <p:extLst>
+      <p:ext uri="{BB962C8B-B14F-4D97-AF65-F5344CB8AC3E}">
+        <p14:creationId xmlns:p14="http://schemas.microsoft.com/office/powerpoint/2010/main" val="1746687779"/>
+      </p:ext>
+    </p:extLst>
+  </p:cSld>
+  <p:clrMapOvr>
+    <a:masterClrMapping/>
+  </p:clrMapOvr>
+</p:sld>
+</file>
+
+<file path=ppt/slides/slide14.xml><?xml version="1.0" encoding="utf-8"?>
 <p:sld xmlns:a="http://schemas.openxmlformats.org/drawingml/2006/main" xmlns:r="http://schemas.openxmlformats.org/officeDocument/2006/relationships" xmlns:p="http://schemas.openxmlformats.org/presentationml/2006/main">
   <p:cSld>
     <p:spTree>

--- a/Documentation/Project_Presentation_v1.pptx
+++ b/Documentation/Project_Presentation_v1.pptx
@@ -5,7 +5,7 @@
     <p:sldMasterId id="2147483648" r:id="rId1"/>
   </p:sldMasterIdLst>
   <p:notesMasterIdLst>
-    <p:notesMasterId r:id="rId16"/>
+    <p:notesMasterId r:id="rId17"/>
   </p:notesMasterIdLst>
   <p:sldIdLst>
     <p:sldId id="257" r:id="rId2"/>
@@ -17,11 +17,12 @@
     <p:sldId id="264" r:id="rId8"/>
     <p:sldId id="266" r:id="rId9"/>
     <p:sldId id="265" r:id="rId10"/>
-    <p:sldId id="261" r:id="rId11"/>
-    <p:sldId id="267" r:id="rId12"/>
-    <p:sldId id="269" r:id="rId13"/>
-    <p:sldId id="270" r:id="rId14"/>
-    <p:sldId id="268" r:id="rId15"/>
+    <p:sldId id="271" r:id="rId11"/>
+    <p:sldId id="261" r:id="rId12"/>
+    <p:sldId id="267" r:id="rId13"/>
+    <p:sldId id="269" r:id="rId14"/>
+    <p:sldId id="270" r:id="rId15"/>
+    <p:sldId id="268" r:id="rId16"/>
   </p:sldIdLst>
   <p:sldSz cx="12192000" cy="6858000"/>
   <p:notesSz cx="6858000" cy="9144000"/>
@@ -4643,7 +4644,7 @@
           <p:cNvPr id="2" name="Title 1">
             <a:extLst>
               <a:ext uri="{FF2B5EF4-FFF2-40B4-BE49-F238E27FC236}">
-                <a16:creationId xmlns:a16="http://schemas.microsoft.com/office/drawing/2014/main" id="{47A289F7-7C1E-46F6-850C-5C4A3205E905}"/>
+                <a16:creationId xmlns:a16="http://schemas.microsoft.com/office/drawing/2014/main" id="{2FF40697-F87F-457B-8AAE-B94DA4E4F291}"/>
               </a:ext>
             </a:extLst>
           </p:cNvPr>
@@ -4661,7 +4662,7 @@
           <a:p>
             <a:r>
               <a:rPr lang="en-US" dirty="0"/>
-              <a:t>Exploring the data (Template)</a:t>
+              <a:t>Exploring the data (Edge)</a:t>
             </a:r>
           </a:p>
         </p:txBody>
@@ -4671,7 +4672,7 @@
           <p:cNvPr id="3" name="Content Placeholder 2">
             <a:extLst>
               <a:ext uri="{FF2B5EF4-FFF2-40B4-BE49-F238E27FC236}">
-                <a16:creationId xmlns:a16="http://schemas.microsoft.com/office/drawing/2014/main" id="{5BA735FA-D620-4677-B3F9-84CA7053B1E9}"/>
+                <a16:creationId xmlns:a16="http://schemas.microsoft.com/office/drawing/2014/main" id="{A722E290-D32B-4DAA-873D-D3C16AA2BAAD}"/>
               </a:ext>
             </a:extLst>
           </p:cNvPr>
@@ -4684,75 +4685,17 @@
         </p:nvSpPr>
         <p:spPr/>
         <p:txBody>
-          <a:bodyPr>
-            <a:normAutofit/>
-          </a:bodyPr>
+          <a:bodyPr/>
           <a:lstStyle/>
           <a:p>
-            <a:r>
-              <a:rPr lang="en-US" dirty="0"/>
-              <a:t>Edge list graph with the same format as the large graph data (.csv)</a:t>
-            </a:r>
-          </a:p>
-          <a:p>
-            <a:r>
-              <a:rPr lang="en-US" dirty="0"/>
-              <a:t>Was built by CGCS to represent suspicious activity associated with the hack </a:t>
-            </a:r>
-          </a:p>
-          <a:p>
-            <a:r>
-              <a:rPr lang="en-US" dirty="0"/>
-              <a:t>It is a reference pattern for looking for the suspicious activities</a:t>
-            </a:r>
-          </a:p>
-          <a:p>
-            <a:r>
-              <a:rPr lang="en-US" dirty="0"/>
-              <a:t>Details:</a:t>
-            </a:r>
-          </a:p>
-          <a:p>
-            <a:pPr lvl="1"/>
-            <a:r>
-              <a:rPr lang="en-US" dirty="0"/>
-              <a:t>File name: CGCS-Template.csv</a:t>
-            </a:r>
-          </a:p>
-          <a:p>
-            <a:pPr lvl="1"/>
-            <a:r>
-              <a:rPr lang="en-US" dirty="0"/>
-              <a:t>1325 rows</a:t>
-            </a:r>
-          </a:p>
-          <a:p>
-            <a:pPr lvl="1"/>
-            <a:r>
-              <a:rPr lang="en-US" dirty="0"/>
-              <a:t>301 have location data, none have longitude and latitude</a:t>
-            </a:r>
-          </a:p>
-          <a:p>
-            <a:pPr lvl="1"/>
-            <a:r>
-              <a:rPr lang="en-US" dirty="0"/>
-              <a:t>The co-authorship channel is replaced by -99 </a:t>
-            </a:r>
-            <a:br>
-              <a:rPr lang="en-US" dirty="0"/>
-            </a:br>
-            <a:endParaRPr lang="en-US" dirty="0"/>
-          </a:p>
-          <a:p>
-            <a:endParaRPr lang="en-US" dirty="0"/>
+            <a:endParaRPr lang="en-US"/>
           </a:p>
         </p:txBody>
       </p:sp>
     </p:spTree>
     <p:extLst>
       <p:ext uri="{BB962C8B-B14F-4D97-AF65-F5344CB8AC3E}">
-        <p14:creationId xmlns:p14="http://schemas.microsoft.com/office/powerpoint/2010/main" val="3152096319"/>
+        <p14:creationId xmlns:p14="http://schemas.microsoft.com/office/powerpoint/2010/main" val="1272530105"/>
       </p:ext>
     </p:extLst>
   </p:cSld>
@@ -4784,6 +4727,147 @@
           <p:cNvPr id="2" name="Title 1">
             <a:extLst>
               <a:ext uri="{FF2B5EF4-FFF2-40B4-BE49-F238E27FC236}">
+                <a16:creationId xmlns:a16="http://schemas.microsoft.com/office/drawing/2014/main" id="{47A289F7-7C1E-46F6-850C-5C4A3205E905}"/>
+              </a:ext>
+            </a:extLst>
+          </p:cNvPr>
+          <p:cNvSpPr>
+            <a:spLocks noGrp="1"/>
+          </p:cNvSpPr>
+          <p:nvPr>
+            <p:ph type="title"/>
+          </p:nvPr>
+        </p:nvSpPr>
+        <p:spPr/>
+        <p:txBody>
+          <a:bodyPr/>
+          <a:lstStyle/>
+          <a:p>
+            <a:r>
+              <a:rPr lang="en-US" dirty="0"/>
+              <a:t>Exploring the data (Template)</a:t>
+            </a:r>
+          </a:p>
+        </p:txBody>
+      </p:sp>
+      <p:sp>
+        <p:nvSpPr>
+          <p:cNvPr id="3" name="Content Placeholder 2">
+            <a:extLst>
+              <a:ext uri="{FF2B5EF4-FFF2-40B4-BE49-F238E27FC236}">
+                <a16:creationId xmlns:a16="http://schemas.microsoft.com/office/drawing/2014/main" id="{5BA735FA-D620-4677-B3F9-84CA7053B1E9}"/>
+              </a:ext>
+            </a:extLst>
+          </p:cNvPr>
+          <p:cNvSpPr>
+            <a:spLocks noGrp="1"/>
+          </p:cNvSpPr>
+          <p:nvPr>
+            <p:ph idx="1"/>
+          </p:nvPr>
+        </p:nvSpPr>
+        <p:spPr/>
+        <p:txBody>
+          <a:bodyPr>
+            <a:normAutofit/>
+          </a:bodyPr>
+          <a:lstStyle/>
+          <a:p>
+            <a:r>
+              <a:rPr lang="en-US" dirty="0"/>
+              <a:t>Edge list graph with the same format as the large graph data (.csv)</a:t>
+            </a:r>
+          </a:p>
+          <a:p>
+            <a:r>
+              <a:rPr lang="en-US" dirty="0"/>
+              <a:t>Was built by CGCS to represent suspicious activity associated with the hack </a:t>
+            </a:r>
+          </a:p>
+          <a:p>
+            <a:r>
+              <a:rPr lang="en-US" dirty="0"/>
+              <a:t>It is a reference pattern for looking for the suspicious activities</a:t>
+            </a:r>
+          </a:p>
+          <a:p>
+            <a:r>
+              <a:rPr lang="en-US" dirty="0"/>
+              <a:t>Details:</a:t>
+            </a:r>
+          </a:p>
+          <a:p>
+            <a:pPr lvl="1"/>
+            <a:r>
+              <a:rPr lang="en-US" dirty="0"/>
+              <a:t>File name: CGCS-Template.csv</a:t>
+            </a:r>
+          </a:p>
+          <a:p>
+            <a:pPr lvl="1"/>
+            <a:r>
+              <a:rPr lang="en-US" dirty="0"/>
+              <a:t>1325 rows</a:t>
+            </a:r>
+          </a:p>
+          <a:p>
+            <a:pPr lvl="1"/>
+            <a:r>
+              <a:rPr lang="en-US" dirty="0"/>
+              <a:t>301 have location data, none have longitude and latitude</a:t>
+            </a:r>
+          </a:p>
+          <a:p>
+            <a:pPr lvl="1"/>
+            <a:r>
+              <a:rPr lang="en-US" dirty="0"/>
+              <a:t>The co-authorship channel is replaced by -99 </a:t>
+            </a:r>
+            <a:br>
+              <a:rPr lang="en-US" dirty="0"/>
+            </a:br>
+            <a:endParaRPr lang="en-US" dirty="0"/>
+          </a:p>
+          <a:p>
+            <a:endParaRPr lang="en-US" dirty="0"/>
+          </a:p>
+        </p:txBody>
+      </p:sp>
+    </p:spTree>
+    <p:extLst>
+      <p:ext uri="{BB962C8B-B14F-4D97-AF65-F5344CB8AC3E}">
+        <p14:creationId xmlns:p14="http://schemas.microsoft.com/office/powerpoint/2010/main" val="3152096319"/>
+      </p:ext>
+    </p:extLst>
+  </p:cSld>
+  <p:clrMapOvr>
+    <a:masterClrMapping/>
+  </p:clrMapOvr>
+</p:sld>
+</file>
+
+<file path=ppt/slides/slide12.xml><?xml version="1.0" encoding="utf-8"?>
+<p:sld xmlns:a="http://schemas.openxmlformats.org/drawingml/2006/main" xmlns:r="http://schemas.openxmlformats.org/officeDocument/2006/relationships" xmlns:p="http://schemas.openxmlformats.org/presentationml/2006/main">
+  <p:cSld>
+    <p:spTree>
+      <p:nvGrpSpPr>
+        <p:cNvPr id="1" name=""/>
+        <p:cNvGrpSpPr/>
+        <p:nvPr/>
+      </p:nvGrpSpPr>
+      <p:grpSpPr>
+        <a:xfrm>
+          <a:off x="0" y="0"/>
+          <a:ext cx="0" cy="0"/>
+          <a:chOff x="0" y="0"/>
+          <a:chExt cx="0" cy="0"/>
+        </a:xfrm>
+      </p:grpSpPr>
+      <p:sp>
+        <p:nvSpPr>
+          <p:cNvPr id="2" name="Title 1">
+            <a:extLst>
+              <a:ext uri="{FF2B5EF4-FFF2-40B4-BE49-F238E27FC236}">
                 <a16:creationId xmlns:a16="http://schemas.microsoft.com/office/drawing/2014/main" id="{693F91C1-99DE-45FC-A7F6-CBABE9975D4B}"/>
               </a:ext>
             </a:extLst>
@@ -4874,7 +4958,7 @@
 </p:sld>
 </file>
 
-<file path=ppt/slides/slide12.xml><?xml version="1.0" encoding="utf-8"?>
+<file path=ppt/slides/slide13.xml><?xml version="1.0" encoding="utf-8"?>
 <p:sld xmlns:a="http://schemas.openxmlformats.org/drawingml/2006/main" xmlns:r="http://schemas.openxmlformats.org/officeDocument/2006/relationships" xmlns:p="http://schemas.openxmlformats.org/presentationml/2006/main">
   <p:cSld>
     <p:spTree>
@@ -6052,7 +6136,7 @@
 </p:sld>
 </file>
 
-<file path=ppt/slides/slide13.xml><?xml version="1.0" encoding="utf-8"?>
+<file path=ppt/slides/slide14.xml><?xml version="1.0" encoding="utf-8"?>
 <p:sld xmlns:a="http://schemas.openxmlformats.org/drawingml/2006/main" xmlns:r="http://schemas.openxmlformats.org/officeDocument/2006/relationships" xmlns:p="http://schemas.openxmlformats.org/presentationml/2006/main">
   <p:cSld>
     <p:spTree>
@@ -6090,25 +6174,1372 @@
           <a:bodyPr/>
           <a:lstStyle/>
           <a:p>
-            <a:endParaRPr lang="en-US"/>
-          </a:p>
-        </p:txBody>
-      </p:sp>
+            <a:r>
+              <a:rPr lang="en-US" dirty="0"/>
+              <a:t>Question 1 files comparison based on data distribution on eType</a:t>
+            </a:r>
+          </a:p>
+        </p:txBody>
+      </p:sp>
+      <p:graphicFrame>
+        <p:nvGraphicFramePr>
+          <p:cNvPr id="7" name="Table 7">
+            <a:extLst>
+              <a:ext uri="{FF2B5EF4-FFF2-40B4-BE49-F238E27FC236}">
+                <a16:creationId xmlns:a16="http://schemas.microsoft.com/office/drawing/2014/main" id="{7990AA2E-03DD-4D73-A6DA-97E6BD92061F}"/>
+              </a:ext>
+            </a:extLst>
+          </p:cNvPr>
+          <p:cNvGraphicFramePr>
+            <a:graphicFrameLocks noGrp="1"/>
+          </p:cNvGraphicFramePr>
+          <p:nvPr>
+            <p:ph idx="1"/>
+            <p:extLst>
+              <p:ext uri="{D42A27DB-BD31-4B8C-83A1-F6EECF244321}">
+                <p14:modId xmlns:p14="http://schemas.microsoft.com/office/powerpoint/2010/main" val="3536777986"/>
+              </p:ext>
+            </p:extLst>
+          </p:nvPr>
+        </p:nvGraphicFramePr>
+        <p:xfrm>
+          <a:off x="733550" y="1807868"/>
+          <a:ext cx="4859384" cy="2559945"/>
+        </p:xfrm>
+        <a:graphic>
+          <a:graphicData uri="http://schemas.openxmlformats.org/drawingml/2006/table">
+            <a:tbl>
+              <a:tblPr firstRow="1" bandRow="1">
+                <a:tableStyleId>{7E9639D4-E3E2-4D34-9284-5A2195B3D0D7}</a:tableStyleId>
+              </a:tblPr>
+              <a:tblGrid>
+                <a:gridCol w="786069">
+                  <a:extLst>
+                    <a:ext uri="{9D8B030D-6E8A-4147-A177-3AD203B41FA5}">
+                      <a16:colId xmlns:a16="http://schemas.microsoft.com/office/drawing/2014/main" val="2280984329"/>
+                    </a:ext>
+                  </a:extLst>
+                </a:gridCol>
+                <a:gridCol w="582233">
+                  <a:extLst>
+                    <a:ext uri="{9D8B030D-6E8A-4147-A177-3AD203B41FA5}">
+                      <a16:colId xmlns:a16="http://schemas.microsoft.com/office/drawing/2014/main" val="2131263198"/>
+                    </a:ext>
+                  </a:extLst>
+                </a:gridCol>
+                <a:gridCol w="498726">
+                  <a:extLst>
+                    <a:ext uri="{9D8B030D-6E8A-4147-A177-3AD203B41FA5}">
+                      <a16:colId xmlns:a16="http://schemas.microsoft.com/office/drawing/2014/main" val="1097013496"/>
+                    </a:ext>
+                  </a:extLst>
+                </a:gridCol>
+                <a:gridCol w="498726">
+                  <a:extLst>
+                    <a:ext uri="{9D8B030D-6E8A-4147-A177-3AD203B41FA5}">
+                      <a16:colId xmlns:a16="http://schemas.microsoft.com/office/drawing/2014/main" val="2987665690"/>
+                    </a:ext>
+                  </a:extLst>
+                </a:gridCol>
+                <a:gridCol w="498726">
+                  <a:extLst>
+                    <a:ext uri="{9D8B030D-6E8A-4147-A177-3AD203B41FA5}">
+                      <a16:colId xmlns:a16="http://schemas.microsoft.com/office/drawing/2014/main" val="2828808762"/>
+                    </a:ext>
+                  </a:extLst>
+                </a:gridCol>
+                <a:gridCol w="498726">
+                  <a:extLst>
+                    <a:ext uri="{9D8B030D-6E8A-4147-A177-3AD203B41FA5}">
+                      <a16:colId xmlns:a16="http://schemas.microsoft.com/office/drawing/2014/main" val="204906864"/>
+                    </a:ext>
+                  </a:extLst>
+                </a:gridCol>
+                <a:gridCol w="498726">
+                  <a:extLst>
+                    <a:ext uri="{9D8B030D-6E8A-4147-A177-3AD203B41FA5}">
+                      <a16:colId xmlns:a16="http://schemas.microsoft.com/office/drawing/2014/main" val="1984915671"/>
+                    </a:ext>
+                  </a:extLst>
+                </a:gridCol>
+                <a:gridCol w="498726">
+                  <a:extLst>
+                    <a:ext uri="{9D8B030D-6E8A-4147-A177-3AD203B41FA5}">
+                      <a16:colId xmlns:a16="http://schemas.microsoft.com/office/drawing/2014/main" val="1162398049"/>
+                    </a:ext>
+                  </a:extLst>
+                </a:gridCol>
+                <a:gridCol w="498726">
+                  <a:extLst>
+                    <a:ext uri="{9D8B030D-6E8A-4147-A177-3AD203B41FA5}">
+                      <a16:colId xmlns:a16="http://schemas.microsoft.com/office/drawing/2014/main" val="3673277767"/>
+                    </a:ext>
+                  </a:extLst>
+                </a:gridCol>
+              </a:tblGrid>
+              <a:tr h="471380">
+                <a:tc>
+                  <a:txBody>
+                    <a:bodyPr/>
+                    <a:lstStyle/>
+                    <a:p>
+                      <a:r>
+                        <a:rPr lang="en-US" sz="1200" dirty="0"/>
+                        <a:t>Name</a:t>
+                      </a:r>
+                    </a:p>
+                  </a:txBody>
+                  <a:tcPr/>
+                </a:tc>
+                <a:tc>
+                  <a:txBody>
+                    <a:bodyPr/>
+                    <a:lstStyle/>
+                    <a:p>
+                      <a:r>
+                        <a:rPr lang="en-US" sz="1200" dirty="0"/>
+                        <a:t>#rows</a:t>
+                      </a:r>
+                    </a:p>
+                  </a:txBody>
+                  <a:tcPr/>
+                </a:tc>
+                <a:tc>
+                  <a:txBody>
+                    <a:bodyPr/>
+                    <a:lstStyle/>
+                    <a:p>
+                      <a:r>
+                        <a:rPr lang="en-US" sz="1200" dirty="0"/>
+                        <a:t>#eT0</a:t>
+                      </a:r>
+                    </a:p>
+                  </a:txBody>
+                  <a:tcPr/>
+                </a:tc>
+                <a:tc>
+                  <a:txBody>
+                    <a:bodyPr/>
+                    <a:lstStyle/>
+                    <a:p>
+                      <a:pPr marL="0" marR="0" lvl="0" indent="0" algn="l" defTabSz="914400" rtl="0" eaLnBrk="1" fontAlgn="auto" latinLnBrk="0" hangingPunct="1">
+                        <a:lnSpc>
+                          <a:spcPct val="100000"/>
+                        </a:lnSpc>
+                        <a:spcBef>
+                          <a:spcPts val="0"/>
+                        </a:spcBef>
+                        <a:spcAft>
+                          <a:spcPts val="0"/>
+                        </a:spcAft>
+                        <a:buClrTx/>
+                        <a:buSzTx/>
+                        <a:buFontTx/>
+                        <a:buNone/>
+                        <a:tabLst/>
+                        <a:defRPr/>
+                      </a:pPr>
+                      <a:r>
+                        <a:rPr lang="en-US" sz="1200" dirty="0"/>
+                        <a:t>#eT1</a:t>
+                      </a:r>
+                    </a:p>
+                  </a:txBody>
+                  <a:tcPr/>
+                </a:tc>
+                <a:tc>
+                  <a:txBody>
+                    <a:bodyPr/>
+                    <a:lstStyle/>
+                    <a:p>
+                      <a:pPr marL="0" marR="0" lvl="0" indent="0" algn="l" defTabSz="914400" rtl="0" eaLnBrk="1" fontAlgn="auto" latinLnBrk="0" hangingPunct="1">
+                        <a:lnSpc>
+                          <a:spcPct val="100000"/>
+                        </a:lnSpc>
+                        <a:spcBef>
+                          <a:spcPts val="0"/>
+                        </a:spcBef>
+                        <a:spcAft>
+                          <a:spcPts val="0"/>
+                        </a:spcAft>
+                        <a:buClrTx/>
+                        <a:buSzTx/>
+                        <a:buFontTx/>
+                        <a:buNone/>
+                        <a:tabLst/>
+                        <a:defRPr/>
+                      </a:pPr>
+                      <a:r>
+                        <a:rPr lang="en-US" sz="1200" dirty="0"/>
+                        <a:t>#eT2</a:t>
+                      </a:r>
+                    </a:p>
+                  </a:txBody>
+                  <a:tcPr/>
+                </a:tc>
+                <a:tc>
+                  <a:txBody>
+                    <a:bodyPr/>
+                    <a:lstStyle/>
+                    <a:p>
+                      <a:pPr marL="0" marR="0" lvl="0" indent="0" algn="l" defTabSz="914400" rtl="0" eaLnBrk="1" fontAlgn="auto" latinLnBrk="0" hangingPunct="1">
+                        <a:lnSpc>
+                          <a:spcPct val="100000"/>
+                        </a:lnSpc>
+                        <a:spcBef>
+                          <a:spcPts val="0"/>
+                        </a:spcBef>
+                        <a:spcAft>
+                          <a:spcPts val="0"/>
+                        </a:spcAft>
+                        <a:buClrTx/>
+                        <a:buSzTx/>
+                        <a:buFontTx/>
+                        <a:buNone/>
+                        <a:tabLst/>
+                        <a:defRPr/>
+                      </a:pPr>
+                      <a:r>
+                        <a:rPr lang="en-US" sz="1200" dirty="0"/>
+                        <a:t>#eT3</a:t>
+                      </a:r>
+                    </a:p>
+                  </a:txBody>
+                  <a:tcPr/>
+                </a:tc>
+                <a:tc>
+                  <a:txBody>
+                    <a:bodyPr/>
+                    <a:lstStyle/>
+                    <a:p>
+                      <a:pPr marL="0" marR="0" lvl="0" indent="0" algn="l" defTabSz="914400" rtl="0" eaLnBrk="1" fontAlgn="auto" latinLnBrk="0" hangingPunct="1">
+                        <a:lnSpc>
+                          <a:spcPct val="100000"/>
+                        </a:lnSpc>
+                        <a:spcBef>
+                          <a:spcPts val="0"/>
+                        </a:spcBef>
+                        <a:spcAft>
+                          <a:spcPts val="0"/>
+                        </a:spcAft>
+                        <a:buClrTx/>
+                        <a:buSzTx/>
+                        <a:buFontTx/>
+                        <a:buNone/>
+                        <a:tabLst/>
+                        <a:defRPr/>
+                      </a:pPr>
+                      <a:r>
+                        <a:rPr lang="en-US" sz="1200" dirty="0"/>
+                        <a:t>#eT4</a:t>
+                      </a:r>
+                    </a:p>
+                  </a:txBody>
+                  <a:tcPr/>
+                </a:tc>
+                <a:tc>
+                  <a:txBody>
+                    <a:bodyPr/>
+                    <a:lstStyle/>
+                    <a:p>
+                      <a:pPr marL="0" marR="0" lvl="0" indent="0" algn="l" defTabSz="914400" rtl="0" eaLnBrk="1" fontAlgn="auto" latinLnBrk="0" hangingPunct="1">
+                        <a:lnSpc>
+                          <a:spcPct val="100000"/>
+                        </a:lnSpc>
+                        <a:spcBef>
+                          <a:spcPts val="0"/>
+                        </a:spcBef>
+                        <a:spcAft>
+                          <a:spcPts val="0"/>
+                        </a:spcAft>
+                        <a:buClrTx/>
+                        <a:buSzTx/>
+                        <a:buFontTx/>
+                        <a:buNone/>
+                        <a:tabLst/>
+                        <a:defRPr/>
+                      </a:pPr>
+                      <a:r>
+                        <a:rPr lang="en-US" sz="1200" dirty="0"/>
+                        <a:t>#eT5</a:t>
+                      </a:r>
+                    </a:p>
+                  </a:txBody>
+                  <a:tcPr/>
+                </a:tc>
+                <a:tc>
+                  <a:txBody>
+                    <a:bodyPr/>
+                    <a:lstStyle/>
+                    <a:p>
+                      <a:pPr marL="0" marR="0" lvl="0" indent="0" algn="l" defTabSz="914400" rtl="0" eaLnBrk="1" fontAlgn="auto" latinLnBrk="0" hangingPunct="1">
+                        <a:lnSpc>
+                          <a:spcPct val="100000"/>
+                        </a:lnSpc>
+                        <a:spcBef>
+                          <a:spcPts val="0"/>
+                        </a:spcBef>
+                        <a:spcAft>
+                          <a:spcPts val="0"/>
+                        </a:spcAft>
+                        <a:buClrTx/>
+                        <a:buSzTx/>
+                        <a:buFontTx/>
+                        <a:buNone/>
+                        <a:tabLst/>
+                        <a:defRPr/>
+                      </a:pPr>
+                      <a:r>
+                        <a:rPr lang="en-US" sz="1200" dirty="0"/>
+                        <a:t>#eT6</a:t>
+                      </a:r>
+                    </a:p>
+                  </a:txBody>
+                  <a:tcPr/>
+                </a:tc>
+                <a:extLst>
+                  <a:ext uri="{0D108BD9-81ED-4DB2-BD59-A6C34878D82A}">
+                    <a16:rowId xmlns:a16="http://schemas.microsoft.com/office/drawing/2014/main" val="2045821520"/>
+                  </a:ext>
+                </a:extLst>
+              </a:tr>
+              <a:tr h="323437">
+                <a:tc>
+                  <a:txBody>
+                    <a:bodyPr/>
+                    <a:lstStyle/>
+                    <a:p>
+                      <a:pPr marL="0" marR="0" lvl="0" indent="0" algn="l" defTabSz="914400" rtl="0" eaLnBrk="1" fontAlgn="auto" latinLnBrk="0" hangingPunct="1">
+                        <a:lnSpc>
+                          <a:spcPct val="100000"/>
+                        </a:lnSpc>
+                        <a:spcBef>
+                          <a:spcPts val="0"/>
+                        </a:spcBef>
+                        <a:spcAft>
+                          <a:spcPts val="0"/>
+                        </a:spcAft>
+                        <a:buClrTx/>
+                        <a:buSzTx/>
+                        <a:buFontTx/>
+                        <a:buNone/>
+                        <a:tabLst/>
+                        <a:defRPr/>
+                      </a:pPr>
+                      <a:r>
+                        <a:rPr lang="en-US" sz="1200" dirty="0"/>
+                        <a:t>Graph 1</a:t>
+                      </a:r>
+                    </a:p>
+                  </a:txBody>
+                  <a:tcPr/>
+                </a:tc>
+                <a:tc>
+                  <a:txBody>
+                    <a:bodyPr/>
+                    <a:lstStyle/>
+                    <a:p>
+                      <a:r>
+                        <a:rPr lang="en-US" sz="1200" dirty="0"/>
+                        <a:t>1216</a:t>
+                      </a:r>
+                    </a:p>
+                  </a:txBody>
+                  <a:tcPr/>
+                </a:tc>
+                <a:tc>
+                  <a:txBody>
+                    <a:bodyPr/>
+                    <a:lstStyle/>
+                    <a:p>
+                      <a:r>
+                        <a:rPr lang="en-US" sz="1200" dirty="0"/>
+                        <a:t>187</a:t>
+                      </a:r>
+                    </a:p>
+                  </a:txBody>
+                  <a:tcPr>
+                    <a:solidFill>
+                      <a:srgbClr val="FF0000"/>
+                    </a:solidFill>
+                  </a:tcPr>
+                </a:tc>
+                <a:tc>
+                  <a:txBody>
+                    <a:bodyPr/>
+                    <a:lstStyle/>
+                    <a:p>
+                      <a:r>
+                        <a:rPr lang="en-US" sz="1200" dirty="0"/>
+                        <a:t>131</a:t>
+                      </a:r>
+                    </a:p>
+                  </a:txBody>
+                  <a:tcPr>
+                    <a:solidFill>
+                      <a:srgbClr val="B2FF00"/>
+                    </a:solidFill>
+                  </a:tcPr>
+                </a:tc>
+                <a:tc>
+                  <a:txBody>
+                    <a:bodyPr/>
+                    <a:lstStyle/>
+                    <a:p>
+                      <a:r>
+                        <a:rPr lang="en-US" sz="1200" dirty="0"/>
+                        <a:t>7</a:t>
+                      </a:r>
+                    </a:p>
+                  </a:txBody>
+                  <a:tcPr>
+                    <a:solidFill>
+                      <a:srgbClr val="FF00CD"/>
+                    </a:solidFill>
+                  </a:tcPr>
+                </a:tc>
+                <a:tc>
+                  <a:txBody>
+                    <a:bodyPr/>
+                    <a:lstStyle/>
+                    <a:p>
+                      <a:r>
+                        <a:rPr lang="en-US" sz="1200" dirty="0"/>
+                        <a:t>7</a:t>
+                      </a:r>
+                    </a:p>
+                  </a:txBody>
+                  <a:tcPr>
+                    <a:solidFill>
+                      <a:srgbClr val="944585"/>
+                    </a:solidFill>
+                  </a:tcPr>
+                </a:tc>
+                <a:tc>
+                  <a:txBody>
+                    <a:bodyPr/>
+                    <a:lstStyle/>
+                    <a:p>
+                      <a:r>
+                        <a:rPr lang="en-US" sz="1200" dirty="0"/>
+                        <a:t>1</a:t>
+                      </a:r>
+                    </a:p>
+                  </a:txBody>
+                  <a:tcPr>
+                    <a:solidFill>
+                      <a:srgbClr val="AFECED"/>
+                    </a:solidFill>
+                  </a:tcPr>
+                </a:tc>
+                <a:tc>
+                  <a:txBody>
+                    <a:bodyPr/>
+                    <a:lstStyle/>
+                    <a:p>
+                      <a:r>
+                        <a:rPr lang="en-US" sz="1200" dirty="0"/>
+                        <a:t>846</a:t>
+                      </a:r>
+                    </a:p>
+                  </a:txBody>
+                  <a:tcPr>
+                    <a:solidFill>
+                      <a:srgbClr val="0019FF"/>
+                    </a:solidFill>
+                  </a:tcPr>
+                </a:tc>
+                <a:tc>
+                  <a:txBody>
+                    <a:bodyPr/>
+                    <a:lstStyle/>
+                    <a:p>
+                      <a:r>
+                        <a:rPr lang="en-US" sz="1200" dirty="0"/>
+                        <a:t>37</a:t>
+                      </a:r>
+                    </a:p>
+                  </a:txBody>
+                  <a:tcPr>
+                    <a:solidFill>
+                      <a:srgbClr val="00CC7A"/>
+                    </a:solidFill>
+                  </a:tcPr>
+                </a:tc>
+                <a:extLst>
+                  <a:ext uri="{0D108BD9-81ED-4DB2-BD59-A6C34878D82A}">
+                    <a16:rowId xmlns:a16="http://schemas.microsoft.com/office/drawing/2014/main" val="2723981719"/>
+                  </a:ext>
+                </a:extLst>
+              </a:tr>
+              <a:tr h="323437">
+                <a:tc>
+                  <a:txBody>
+                    <a:bodyPr/>
+                    <a:lstStyle/>
+                    <a:p>
+                      <a:pPr marL="0" marR="0" lvl="0" indent="0" algn="l" defTabSz="914400" rtl="0" eaLnBrk="1" fontAlgn="auto" latinLnBrk="0" hangingPunct="1">
+                        <a:lnSpc>
+                          <a:spcPct val="100000"/>
+                        </a:lnSpc>
+                        <a:spcBef>
+                          <a:spcPts val="0"/>
+                        </a:spcBef>
+                        <a:spcAft>
+                          <a:spcPts val="0"/>
+                        </a:spcAft>
+                        <a:buClrTx/>
+                        <a:buSzTx/>
+                        <a:buFontTx/>
+                        <a:buNone/>
+                        <a:tabLst/>
+                        <a:defRPr/>
+                      </a:pPr>
+                      <a:r>
+                        <a:rPr lang="en-US" sz="1200" dirty="0"/>
+                        <a:t>Graph 2</a:t>
+                      </a:r>
+                    </a:p>
+                  </a:txBody>
+                  <a:tcPr/>
+                </a:tc>
+                <a:tc>
+                  <a:txBody>
+                    <a:bodyPr/>
+                    <a:lstStyle/>
+                    <a:p>
+                      <a:r>
+                        <a:rPr lang="en-US" sz="1200" dirty="0"/>
+                        <a:t>1300</a:t>
+                      </a:r>
+                    </a:p>
+                  </a:txBody>
+                  <a:tcPr/>
+                </a:tc>
+                <a:tc>
+                  <a:txBody>
+                    <a:bodyPr/>
+                    <a:lstStyle/>
+                    <a:p>
+                      <a:r>
+                        <a:rPr lang="en-US" sz="1200" dirty="0"/>
+                        <a:t>258</a:t>
+                      </a:r>
+                    </a:p>
+                  </a:txBody>
+                  <a:tcPr>
+                    <a:solidFill>
+                      <a:srgbClr val="FF0000"/>
+                    </a:solidFill>
+                  </a:tcPr>
+                </a:tc>
+                <a:tc>
+                  <a:txBody>
+                    <a:bodyPr/>
+                    <a:lstStyle/>
+                    <a:p>
+                      <a:r>
+                        <a:rPr lang="en-US" sz="1200" dirty="0"/>
+                        <a:t>177</a:t>
+                      </a:r>
+                    </a:p>
+                  </a:txBody>
+                  <a:tcPr>
+                    <a:solidFill>
+                      <a:srgbClr val="B2FF00"/>
+                    </a:solidFill>
+                  </a:tcPr>
+                </a:tc>
+                <a:tc>
+                  <a:txBody>
+                    <a:bodyPr/>
+                    <a:lstStyle/>
+                    <a:p>
+                      <a:r>
+                        <a:rPr lang="en-US" sz="1200" dirty="0"/>
+                        <a:t>7</a:t>
+                      </a:r>
+                    </a:p>
+                  </a:txBody>
+                  <a:tcPr>
+                    <a:solidFill>
+                      <a:srgbClr val="FF00CD"/>
+                    </a:solidFill>
+                  </a:tcPr>
+                </a:tc>
+                <a:tc>
+                  <a:txBody>
+                    <a:bodyPr/>
+                    <a:lstStyle/>
+                    <a:p>
+                      <a:r>
+                        <a:rPr lang="en-US" sz="1200" dirty="0"/>
+                        <a:t>7</a:t>
+                      </a:r>
+                    </a:p>
+                  </a:txBody>
+                  <a:tcPr>
+                    <a:solidFill>
+                      <a:srgbClr val="944585"/>
+                    </a:solidFill>
+                  </a:tcPr>
+                </a:tc>
+                <a:tc>
+                  <a:txBody>
+                    <a:bodyPr/>
+                    <a:lstStyle/>
+                    <a:p>
+                      <a:r>
+                        <a:rPr lang="en-US" sz="1200" dirty="0"/>
+                        <a:t>4</a:t>
+                      </a:r>
+                    </a:p>
+                  </a:txBody>
+                  <a:tcPr>
+                    <a:solidFill>
+                      <a:srgbClr val="AFECED"/>
+                    </a:solidFill>
+                  </a:tcPr>
+                </a:tc>
+                <a:tc>
+                  <a:txBody>
+                    <a:bodyPr/>
+                    <a:lstStyle/>
+                    <a:p>
+                      <a:r>
+                        <a:rPr lang="en-US" sz="1200" dirty="0"/>
+                        <a:t>823</a:t>
+                      </a:r>
+                    </a:p>
+                  </a:txBody>
+                  <a:tcPr>
+                    <a:solidFill>
+                      <a:srgbClr val="0019FF"/>
+                    </a:solidFill>
+                  </a:tcPr>
+                </a:tc>
+                <a:tc>
+                  <a:txBody>
+                    <a:bodyPr/>
+                    <a:lstStyle/>
+                    <a:p>
+                      <a:r>
+                        <a:rPr lang="en-US" sz="1200" dirty="0"/>
+                        <a:t>24</a:t>
+                      </a:r>
+                    </a:p>
+                  </a:txBody>
+                  <a:tcPr>
+                    <a:solidFill>
+                      <a:srgbClr val="00CC7A"/>
+                    </a:solidFill>
+                  </a:tcPr>
+                </a:tc>
+                <a:extLst>
+                  <a:ext uri="{0D108BD9-81ED-4DB2-BD59-A6C34878D82A}">
+                    <a16:rowId xmlns:a16="http://schemas.microsoft.com/office/drawing/2014/main" val="3143795977"/>
+                  </a:ext>
+                </a:extLst>
+              </a:tr>
+              <a:tr h="323437">
+                <a:tc>
+                  <a:txBody>
+                    <a:bodyPr/>
+                    <a:lstStyle/>
+                    <a:p>
+                      <a:pPr marL="0" marR="0" lvl="0" indent="0" algn="l" defTabSz="914400" rtl="0" eaLnBrk="1" fontAlgn="auto" latinLnBrk="0" hangingPunct="1">
+                        <a:lnSpc>
+                          <a:spcPct val="100000"/>
+                        </a:lnSpc>
+                        <a:spcBef>
+                          <a:spcPts val="0"/>
+                        </a:spcBef>
+                        <a:spcAft>
+                          <a:spcPts val="0"/>
+                        </a:spcAft>
+                        <a:buClrTx/>
+                        <a:buSzTx/>
+                        <a:buFontTx/>
+                        <a:buNone/>
+                        <a:tabLst/>
+                        <a:defRPr/>
+                      </a:pPr>
+                      <a:r>
+                        <a:rPr lang="en-US" sz="1200" dirty="0"/>
+                        <a:t>Graph 3</a:t>
+                      </a:r>
+                    </a:p>
+                  </a:txBody>
+                  <a:tcPr/>
+                </a:tc>
+                <a:tc>
+                  <a:txBody>
+                    <a:bodyPr/>
+                    <a:lstStyle/>
+                    <a:p>
+                      <a:r>
+                        <a:rPr lang="en-US" sz="1200" dirty="0"/>
+                        <a:t>729</a:t>
+                      </a:r>
+                    </a:p>
+                  </a:txBody>
+                  <a:tcPr/>
+                </a:tc>
+                <a:tc>
+                  <a:txBody>
+                    <a:bodyPr/>
+                    <a:lstStyle/>
+                    <a:p>
+                      <a:r>
+                        <a:rPr lang="en-US" sz="1200" dirty="0"/>
+                        <a:t>109</a:t>
+                      </a:r>
+                    </a:p>
+                  </a:txBody>
+                  <a:tcPr>
+                    <a:solidFill>
+                      <a:srgbClr val="FF0000"/>
+                    </a:solidFill>
+                  </a:tcPr>
+                </a:tc>
+                <a:tc>
+                  <a:txBody>
+                    <a:bodyPr/>
+                    <a:lstStyle/>
+                    <a:p>
+                      <a:r>
+                        <a:rPr lang="en-US" sz="1200" dirty="0"/>
+                        <a:t>51</a:t>
+                      </a:r>
+                    </a:p>
+                  </a:txBody>
+                  <a:tcPr>
+                    <a:solidFill>
+                      <a:srgbClr val="B2FF00"/>
+                    </a:solidFill>
+                  </a:tcPr>
+                </a:tc>
+                <a:tc>
+                  <a:txBody>
+                    <a:bodyPr/>
+                    <a:lstStyle/>
+                    <a:p>
+                      <a:r>
+                        <a:rPr lang="en-US" sz="1200" dirty="0"/>
+                        <a:t>6</a:t>
+                      </a:r>
+                    </a:p>
+                  </a:txBody>
+                  <a:tcPr>
+                    <a:solidFill>
+                      <a:srgbClr val="FF00CD"/>
+                    </a:solidFill>
+                  </a:tcPr>
+                </a:tc>
+                <a:tc>
+                  <a:txBody>
+                    <a:bodyPr/>
+                    <a:lstStyle/>
+                    <a:p>
+                      <a:r>
+                        <a:rPr lang="en-US" sz="1200" dirty="0"/>
+                        <a:t>6</a:t>
+                      </a:r>
+                    </a:p>
+                  </a:txBody>
+                  <a:tcPr>
+                    <a:solidFill>
+                      <a:srgbClr val="944585"/>
+                    </a:solidFill>
+                  </a:tcPr>
+                </a:tc>
+                <a:tc>
+                  <a:txBody>
+                    <a:bodyPr/>
+                    <a:lstStyle/>
+                    <a:p>
+                      <a:r>
+                        <a:rPr lang="en-US" sz="1200" dirty="0"/>
+                        <a:t>1</a:t>
+                      </a:r>
+                    </a:p>
+                  </a:txBody>
+                  <a:tcPr>
+                    <a:solidFill>
+                      <a:srgbClr val="AFECED"/>
+                    </a:solidFill>
+                  </a:tcPr>
+                </a:tc>
+                <a:tc>
+                  <a:txBody>
+                    <a:bodyPr/>
+                    <a:lstStyle/>
+                    <a:p>
+                      <a:r>
+                        <a:rPr lang="en-US" sz="1200" dirty="0"/>
+                        <a:t>519</a:t>
+                      </a:r>
+                    </a:p>
+                  </a:txBody>
+                  <a:tcPr>
+                    <a:solidFill>
+                      <a:srgbClr val="0019FF"/>
+                    </a:solidFill>
+                  </a:tcPr>
+                </a:tc>
+                <a:tc>
+                  <a:txBody>
+                    <a:bodyPr/>
+                    <a:lstStyle/>
+                    <a:p>
+                      <a:r>
+                        <a:rPr lang="en-US" sz="1200" dirty="0"/>
+                        <a:t>37</a:t>
+                      </a:r>
+                    </a:p>
+                  </a:txBody>
+                  <a:tcPr>
+                    <a:solidFill>
+                      <a:srgbClr val="00CC7A"/>
+                    </a:solidFill>
+                  </a:tcPr>
+                </a:tc>
+                <a:extLst>
+                  <a:ext uri="{0D108BD9-81ED-4DB2-BD59-A6C34878D82A}">
+                    <a16:rowId xmlns:a16="http://schemas.microsoft.com/office/drawing/2014/main" val="3558029196"/>
+                  </a:ext>
+                </a:extLst>
+              </a:tr>
+              <a:tr h="323437">
+                <a:tc>
+                  <a:txBody>
+                    <a:bodyPr/>
+                    <a:lstStyle/>
+                    <a:p>
+                      <a:pPr marL="0" marR="0" lvl="0" indent="0" algn="l" defTabSz="914400" rtl="0" eaLnBrk="1" fontAlgn="auto" latinLnBrk="0" hangingPunct="1">
+                        <a:lnSpc>
+                          <a:spcPct val="100000"/>
+                        </a:lnSpc>
+                        <a:spcBef>
+                          <a:spcPts val="0"/>
+                        </a:spcBef>
+                        <a:spcAft>
+                          <a:spcPts val="0"/>
+                        </a:spcAft>
+                        <a:buClrTx/>
+                        <a:buSzTx/>
+                        <a:buFontTx/>
+                        <a:buNone/>
+                        <a:tabLst/>
+                        <a:defRPr/>
+                      </a:pPr>
+                      <a:r>
+                        <a:rPr lang="en-US" sz="1200" dirty="0"/>
+                        <a:t>Graph 4</a:t>
+                      </a:r>
+                    </a:p>
+                  </a:txBody>
+                  <a:tcPr/>
+                </a:tc>
+                <a:tc>
+                  <a:txBody>
+                    <a:bodyPr/>
+                    <a:lstStyle/>
+                    <a:p>
+                      <a:r>
+                        <a:rPr lang="en-US" sz="1200" dirty="0"/>
+                        <a:t>732</a:t>
+                      </a:r>
+                    </a:p>
+                  </a:txBody>
+                  <a:tcPr/>
+                </a:tc>
+                <a:tc>
+                  <a:txBody>
+                    <a:bodyPr/>
+                    <a:lstStyle/>
+                    <a:p>
+                      <a:r>
+                        <a:rPr lang="en-US" sz="1200" dirty="0"/>
+                        <a:t>45</a:t>
+                      </a:r>
+                    </a:p>
+                  </a:txBody>
+                  <a:tcPr>
+                    <a:solidFill>
+                      <a:srgbClr val="FF0000"/>
+                    </a:solidFill>
+                  </a:tcPr>
+                </a:tc>
+                <a:tc>
+                  <a:txBody>
+                    <a:bodyPr/>
+                    <a:lstStyle/>
+                    <a:p>
+                      <a:r>
+                        <a:rPr lang="en-US" sz="1200" dirty="0"/>
+                        <a:t>61</a:t>
+                      </a:r>
+                    </a:p>
+                  </a:txBody>
+                  <a:tcPr>
+                    <a:solidFill>
+                      <a:srgbClr val="B2FF00"/>
+                    </a:solidFill>
+                  </a:tcPr>
+                </a:tc>
+                <a:tc>
+                  <a:txBody>
+                    <a:bodyPr/>
+                    <a:lstStyle/>
+                    <a:p>
+                      <a:r>
+                        <a:rPr lang="en-US" sz="1200" dirty="0"/>
+                        <a:t>5</a:t>
+                      </a:r>
+                    </a:p>
+                  </a:txBody>
+                  <a:tcPr>
+                    <a:solidFill>
+                      <a:srgbClr val="FF00CD"/>
+                    </a:solidFill>
+                  </a:tcPr>
+                </a:tc>
+                <a:tc>
+                  <a:txBody>
+                    <a:bodyPr/>
+                    <a:lstStyle/>
+                    <a:p>
+                      <a:r>
+                        <a:rPr lang="en-US" sz="1200" dirty="0"/>
+                        <a:t>12</a:t>
+                      </a:r>
+                    </a:p>
+                  </a:txBody>
+                  <a:tcPr>
+                    <a:solidFill>
+                      <a:srgbClr val="944585"/>
+                    </a:solidFill>
+                  </a:tcPr>
+                </a:tc>
+                <a:tc>
+                  <a:txBody>
+                    <a:bodyPr/>
+                    <a:lstStyle/>
+                    <a:p>
+                      <a:r>
+                        <a:rPr lang="en-US" sz="1200" dirty="0"/>
+                        <a:t>0</a:t>
+                      </a:r>
+                    </a:p>
+                  </a:txBody>
+                  <a:tcPr>
+                    <a:solidFill>
+                      <a:srgbClr val="AFECED"/>
+                    </a:solidFill>
+                  </a:tcPr>
+                </a:tc>
+                <a:tc>
+                  <a:txBody>
+                    <a:bodyPr/>
+                    <a:lstStyle/>
+                    <a:p>
+                      <a:r>
+                        <a:rPr lang="en-US" sz="1200" dirty="0"/>
+                        <a:t>494</a:t>
+                      </a:r>
+                    </a:p>
+                  </a:txBody>
+                  <a:tcPr>
+                    <a:solidFill>
+                      <a:srgbClr val="0019FF"/>
+                    </a:solidFill>
+                  </a:tcPr>
+                </a:tc>
+                <a:tc>
+                  <a:txBody>
+                    <a:bodyPr/>
+                    <a:lstStyle/>
+                    <a:p>
+                      <a:r>
+                        <a:rPr lang="en-US" sz="1200" dirty="0"/>
+                        <a:t>115</a:t>
+                      </a:r>
+                    </a:p>
+                  </a:txBody>
+                  <a:tcPr>
+                    <a:solidFill>
+                      <a:srgbClr val="00CC7A"/>
+                    </a:solidFill>
+                  </a:tcPr>
+                </a:tc>
+                <a:extLst>
+                  <a:ext uri="{0D108BD9-81ED-4DB2-BD59-A6C34878D82A}">
+                    <a16:rowId xmlns:a16="http://schemas.microsoft.com/office/drawing/2014/main" val="1557115363"/>
+                  </a:ext>
+                </a:extLst>
+              </a:tr>
+              <a:tr h="323437">
+                <a:tc>
+                  <a:txBody>
+                    <a:bodyPr/>
+                    <a:lstStyle/>
+                    <a:p>
+                      <a:pPr marL="0" marR="0" lvl="0" indent="0" algn="l" defTabSz="914400" rtl="0" eaLnBrk="1" fontAlgn="auto" latinLnBrk="0" hangingPunct="1">
+                        <a:lnSpc>
+                          <a:spcPct val="100000"/>
+                        </a:lnSpc>
+                        <a:spcBef>
+                          <a:spcPts val="0"/>
+                        </a:spcBef>
+                        <a:spcAft>
+                          <a:spcPts val="0"/>
+                        </a:spcAft>
+                        <a:buClrTx/>
+                        <a:buSzTx/>
+                        <a:buFontTx/>
+                        <a:buNone/>
+                        <a:tabLst/>
+                        <a:defRPr/>
+                      </a:pPr>
+                      <a:r>
+                        <a:rPr lang="en-US" sz="1200" dirty="0"/>
+                        <a:t>Graph 5</a:t>
+                      </a:r>
+                    </a:p>
+                  </a:txBody>
+                  <a:tcPr/>
+                </a:tc>
+                <a:tc>
+                  <a:txBody>
+                    <a:bodyPr/>
+                    <a:lstStyle/>
+                    <a:p>
+                      <a:r>
+                        <a:rPr lang="en-US" sz="1200" dirty="0"/>
+                        <a:t>395</a:t>
+                      </a:r>
+                    </a:p>
+                  </a:txBody>
+                  <a:tcPr/>
+                </a:tc>
+                <a:tc>
+                  <a:txBody>
+                    <a:bodyPr/>
+                    <a:lstStyle/>
+                    <a:p>
+                      <a:r>
+                        <a:rPr lang="en-US" sz="1200" dirty="0"/>
+                        <a:t>17</a:t>
+                      </a:r>
+                    </a:p>
+                  </a:txBody>
+                  <a:tcPr>
+                    <a:solidFill>
+                      <a:srgbClr val="FF0000"/>
+                    </a:solidFill>
+                  </a:tcPr>
+                </a:tc>
+                <a:tc>
+                  <a:txBody>
+                    <a:bodyPr/>
+                    <a:lstStyle/>
+                    <a:p>
+                      <a:r>
+                        <a:rPr lang="en-US" sz="1200" dirty="0"/>
+                        <a:t>14</a:t>
+                      </a:r>
+                    </a:p>
+                  </a:txBody>
+                  <a:tcPr>
+                    <a:solidFill>
+                      <a:srgbClr val="B2FF00"/>
+                    </a:solidFill>
+                  </a:tcPr>
+                </a:tc>
+                <a:tc>
+                  <a:txBody>
+                    <a:bodyPr/>
+                    <a:lstStyle/>
+                    <a:p>
+                      <a:r>
+                        <a:rPr lang="en-US" sz="1200" dirty="0"/>
+                        <a:t>11</a:t>
+                      </a:r>
+                    </a:p>
+                  </a:txBody>
+                  <a:tcPr>
+                    <a:solidFill>
+                      <a:srgbClr val="FF00CD"/>
+                    </a:solidFill>
+                  </a:tcPr>
+                </a:tc>
+                <a:tc>
+                  <a:txBody>
+                    <a:bodyPr/>
+                    <a:lstStyle/>
+                    <a:p>
+                      <a:r>
+                        <a:rPr lang="en-US" sz="1200" dirty="0"/>
+                        <a:t>40</a:t>
+                      </a:r>
+                    </a:p>
+                  </a:txBody>
+                  <a:tcPr>
+                    <a:solidFill>
+                      <a:srgbClr val="944585"/>
+                    </a:solidFill>
+                  </a:tcPr>
+                </a:tc>
+                <a:tc>
+                  <a:txBody>
+                    <a:bodyPr/>
+                    <a:lstStyle/>
+                    <a:p>
+                      <a:r>
+                        <a:rPr lang="en-US" sz="1200" dirty="0"/>
+                        <a:t>0</a:t>
+                      </a:r>
+                    </a:p>
+                  </a:txBody>
+                  <a:tcPr>
+                    <a:solidFill>
+                      <a:srgbClr val="AFECED"/>
+                    </a:solidFill>
+                  </a:tcPr>
+                </a:tc>
+                <a:tc>
+                  <a:txBody>
+                    <a:bodyPr/>
+                    <a:lstStyle/>
+                    <a:p>
+                      <a:r>
+                        <a:rPr lang="en-US" sz="1200" dirty="0"/>
+                        <a:t>203</a:t>
+                      </a:r>
+                    </a:p>
+                  </a:txBody>
+                  <a:tcPr>
+                    <a:solidFill>
+                      <a:srgbClr val="0019FF"/>
+                    </a:solidFill>
+                  </a:tcPr>
+                </a:tc>
+                <a:tc>
+                  <a:txBody>
+                    <a:bodyPr/>
+                    <a:lstStyle/>
+                    <a:p>
+                      <a:r>
+                        <a:rPr lang="en-US" sz="1200" dirty="0"/>
+                        <a:t>110</a:t>
+                      </a:r>
+                    </a:p>
+                  </a:txBody>
+                  <a:tcPr>
+                    <a:solidFill>
+                      <a:srgbClr val="00CC7A"/>
+                    </a:solidFill>
+                  </a:tcPr>
+                </a:tc>
+                <a:extLst>
+                  <a:ext uri="{0D108BD9-81ED-4DB2-BD59-A6C34878D82A}">
+                    <a16:rowId xmlns:a16="http://schemas.microsoft.com/office/drawing/2014/main" val="300418311"/>
+                  </a:ext>
+                </a:extLst>
+              </a:tr>
+              <a:tr h="471380">
+                <a:tc>
+                  <a:txBody>
+                    <a:bodyPr/>
+                    <a:lstStyle/>
+                    <a:p>
+                      <a:pPr marL="0" marR="0" lvl="0" indent="0" algn="l" defTabSz="914400" rtl="0" eaLnBrk="1" fontAlgn="auto" latinLnBrk="0" hangingPunct="1">
+                        <a:lnSpc>
+                          <a:spcPct val="100000"/>
+                        </a:lnSpc>
+                        <a:spcBef>
+                          <a:spcPts val="0"/>
+                        </a:spcBef>
+                        <a:spcAft>
+                          <a:spcPts val="0"/>
+                        </a:spcAft>
+                        <a:buClrTx/>
+                        <a:buSzTx/>
+                        <a:buFontTx/>
+                        <a:buNone/>
+                        <a:tabLst/>
+                        <a:defRPr/>
+                      </a:pPr>
+                      <a:r>
+                        <a:rPr lang="en-US" sz="1200" dirty="0"/>
+                        <a:t>Template</a:t>
+                      </a:r>
+                    </a:p>
+                  </a:txBody>
+                  <a:tcPr/>
+                </a:tc>
+                <a:tc>
+                  <a:txBody>
+                    <a:bodyPr/>
+                    <a:lstStyle/>
+                    <a:p>
+                      <a:r>
+                        <a:rPr lang="en-US" sz="1200" kern="1200" dirty="0">
+                          <a:effectLst/>
+                        </a:rPr>
+                        <a:t>1325</a:t>
+                      </a:r>
+                      <a:endParaRPr lang="en-US" sz="1200" dirty="0"/>
+                    </a:p>
+                  </a:txBody>
+                  <a:tcPr/>
+                </a:tc>
+                <a:tc>
+                  <a:txBody>
+                    <a:bodyPr/>
+                    <a:lstStyle/>
+                    <a:p>
+                      <a:r>
+                        <a:rPr lang="en-US" sz="1200" kern="1200" dirty="0">
+                          <a:effectLst/>
+                        </a:rPr>
+                        <a:t>314</a:t>
+                      </a:r>
+                      <a:endParaRPr lang="en-US" sz="1200" dirty="0"/>
+                    </a:p>
+                  </a:txBody>
+                  <a:tcPr>
+                    <a:solidFill>
+                      <a:srgbClr val="FF0000"/>
+                    </a:solidFill>
+                  </a:tcPr>
+                </a:tc>
+                <a:tc>
+                  <a:txBody>
+                    <a:bodyPr/>
+                    <a:lstStyle/>
+                    <a:p>
+                      <a:r>
+                        <a:rPr lang="en-US" sz="1200" dirty="0"/>
+                        <a:t>249</a:t>
+                      </a:r>
+                    </a:p>
+                  </a:txBody>
+                  <a:tcPr>
+                    <a:solidFill>
+                      <a:srgbClr val="B2FF00"/>
+                    </a:solidFill>
+                  </a:tcPr>
+                </a:tc>
+                <a:tc>
+                  <a:txBody>
+                    <a:bodyPr/>
+                    <a:lstStyle/>
+                    <a:p>
+                      <a:r>
+                        <a:rPr lang="en-US" sz="1200" dirty="0"/>
+                        <a:t>9</a:t>
+                      </a:r>
+                    </a:p>
+                  </a:txBody>
+                  <a:tcPr>
+                    <a:solidFill>
+                      <a:srgbClr val="FF00CD"/>
+                    </a:solidFill>
+                  </a:tcPr>
+                </a:tc>
+                <a:tc>
+                  <a:txBody>
+                    <a:bodyPr/>
+                    <a:lstStyle/>
+                    <a:p>
+                      <a:r>
+                        <a:rPr lang="en-US" sz="1200" dirty="0"/>
+                        <a:t>9</a:t>
+                      </a:r>
+                    </a:p>
+                  </a:txBody>
+                  <a:tcPr>
+                    <a:solidFill>
+                      <a:srgbClr val="944585"/>
+                    </a:solidFill>
+                  </a:tcPr>
+                </a:tc>
+                <a:tc>
+                  <a:txBody>
+                    <a:bodyPr/>
+                    <a:lstStyle/>
+                    <a:p>
+                      <a:r>
+                        <a:rPr lang="en-US" sz="1200" dirty="0"/>
+                        <a:t>1</a:t>
+                      </a:r>
+                    </a:p>
+                  </a:txBody>
+                  <a:tcPr>
+                    <a:solidFill>
+                      <a:srgbClr val="AFECED"/>
+                    </a:solidFill>
+                  </a:tcPr>
+                </a:tc>
+                <a:tc>
+                  <a:txBody>
+                    <a:bodyPr/>
+                    <a:lstStyle/>
+                    <a:p>
+                      <a:r>
+                        <a:rPr lang="en-US" sz="1200" dirty="0"/>
+                        <a:t>691</a:t>
+                      </a:r>
+                    </a:p>
+                  </a:txBody>
+                  <a:tcPr>
+                    <a:solidFill>
+                      <a:srgbClr val="0019FF"/>
+                    </a:solidFill>
+                  </a:tcPr>
+                </a:tc>
+                <a:tc>
+                  <a:txBody>
+                    <a:bodyPr/>
+                    <a:lstStyle/>
+                    <a:p>
+                      <a:r>
+                        <a:rPr lang="en-US" sz="1200" dirty="0"/>
+                        <a:t>52</a:t>
+                      </a:r>
+                    </a:p>
+                  </a:txBody>
+                  <a:tcPr>
+                    <a:solidFill>
+                      <a:srgbClr val="00CC7A"/>
+                    </a:solidFill>
+                  </a:tcPr>
+                </a:tc>
+                <a:extLst>
+                  <a:ext uri="{0D108BD9-81ED-4DB2-BD59-A6C34878D82A}">
+                    <a16:rowId xmlns:a16="http://schemas.microsoft.com/office/drawing/2014/main" val="915394205"/>
+                  </a:ext>
+                </a:extLst>
+              </a:tr>
+            </a:tbl>
+          </a:graphicData>
+        </a:graphic>
+      </p:graphicFrame>
       <p:pic>
         <p:nvPicPr>
-          <p:cNvPr id="4" name="Content Placeholder 3">
+          <p:cNvPr id="9" name="Picture 8">
             <a:extLst>
               <a:ext uri="{FF2B5EF4-FFF2-40B4-BE49-F238E27FC236}">
-                <a16:creationId xmlns:a16="http://schemas.microsoft.com/office/drawing/2014/main" id="{120EF663-1092-47B5-AA7E-BA9D06DE970D}"/>
+                <a16:creationId xmlns:a16="http://schemas.microsoft.com/office/drawing/2014/main" id="{BCC1CE06-DC1B-42E7-B1D7-16BC958A4013}"/>
               </a:ext>
             </a:extLst>
           </p:cNvPr>
           <p:cNvPicPr>
-            <a:picLocks noGrp="1" noChangeAspect="1"/>
+            <a:picLocks noChangeAspect="1"/>
           </p:cNvPicPr>
-          <p:nvPr>
-            <p:ph idx="1"/>
-          </p:nvPr>
+          <p:nvPr/>
         </p:nvPicPr>
         <p:blipFill>
           <a:blip r:embed="rId2"/>
@@ -6118,8 +7549,8 @@
         </p:blipFill>
         <p:spPr>
           <a:xfrm>
-            <a:off x="3333742" y="1825625"/>
-            <a:ext cx="5524516" cy="4351338"/>
+            <a:off x="6184069" y="1690688"/>
+            <a:ext cx="4460257" cy="4252927"/>
           </a:xfrm>
           <a:prstGeom prst="rect">
             <a:avLst/>
@@ -6139,7 +7570,7 @@
 </p:sld>
 </file>
 
-<file path=ppt/slides/slide14.xml><?xml version="1.0" encoding="utf-8"?>
+<file path=ppt/slides/slide15.xml><?xml version="1.0" encoding="utf-8"?>
 <p:sld xmlns:a="http://schemas.openxmlformats.org/drawingml/2006/main" xmlns:r="http://schemas.openxmlformats.org/officeDocument/2006/relationships" xmlns:p="http://schemas.openxmlformats.org/presentationml/2006/main">
   <p:cSld>
     <p:spTree>

--- a/Documentation/Project_Presentation_v1.pptx
+++ b/Documentation/Project_Presentation_v1.pptx
@@ -5,7 +5,7 @@
     <p:sldMasterId id="2147483648" r:id="rId1"/>
   </p:sldMasterIdLst>
   <p:notesMasterIdLst>
-    <p:notesMasterId r:id="rId17"/>
+    <p:notesMasterId r:id="rId18"/>
   </p:notesMasterIdLst>
   <p:sldIdLst>
     <p:sldId id="257" r:id="rId2"/>
@@ -16,13 +16,14 @@
     <p:sldId id="263" r:id="rId7"/>
     <p:sldId id="264" r:id="rId8"/>
     <p:sldId id="266" r:id="rId9"/>
-    <p:sldId id="265" r:id="rId10"/>
-    <p:sldId id="271" r:id="rId11"/>
-    <p:sldId id="261" r:id="rId12"/>
-    <p:sldId id="267" r:id="rId13"/>
-    <p:sldId id="269" r:id="rId14"/>
-    <p:sldId id="270" r:id="rId15"/>
-    <p:sldId id="268" r:id="rId16"/>
+    <p:sldId id="272" r:id="rId10"/>
+    <p:sldId id="265" r:id="rId11"/>
+    <p:sldId id="271" r:id="rId12"/>
+    <p:sldId id="261" r:id="rId13"/>
+    <p:sldId id="267" r:id="rId14"/>
+    <p:sldId id="269" r:id="rId15"/>
+    <p:sldId id="270" r:id="rId16"/>
+    <p:sldId id="268" r:id="rId17"/>
   </p:sldIdLst>
   <p:sldSz cx="12192000" cy="6858000"/>
   <p:notesSz cx="6858000" cy="9144000"/>
@@ -4644,7 +4645,7 @@
           <p:cNvPr id="2" name="Title 1">
             <a:extLst>
               <a:ext uri="{FF2B5EF4-FFF2-40B4-BE49-F238E27FC236}">
-                <a16:creationId xmlns:a16="http://schemas.microsoft.com/office/drawing/2014/main" id="{2FF40697-F87F-457B-8AAE-B94DA4E4F291}"/>
+                <a16:creationId xmlns:a16="http://schemas.microsoft.com/office/drawing/2014/main" id="{ED585B93-BEA3-41EA-A274-24D73F7EFF94}"/>
               </a:ext>
             </a:extLst>
           </p:cNvPr>
@@ -4662,7 +4663,7 @@
           <a:p>
             <a:r>
               <a:rPr lang="en-US" dirty="0"/>
-              <a:t>Exploring the data (Edge)</a:t>
+              <a:t>Exploring the data (Node)</a:t>
             </a:r>
           </a:p>
         </p:txBody>
@@ -4672,7 +4673,7 @@
           <p:cNvPr id="3" name="Content Placeholder 2">
             <a:extLst>
               <a:ext uri="{FF2B5EF4-FFF2-40B4-BE49-F238E27FC236}">
-                <a16:creationId xmlns:a16="http://schemas.microsoft.com/office/drawing/2014/main" id="{A722E290-D32B-4DAA-873D-D3C16AA2BAAD}"/>
+                <a16:creationId xmlns:a16="http://schemas.microsoft.com/office/drawing/2014/main" id="{38E35F28-7FA4-4BCC-9693-A057F03CC0CD}"/>
               </a:ext>
             </a:extLst>
           </p:cNvPr>
@@ -4685,17 +4686,166 @@
         </p:nvSpPr>
         <p:spPr/>
         <p:txBody>
-          <a:bodyPr/>
+          <a:bodyPr>
+            <a:normAutofit fontScale="92500" lnSpcReduction="10000"/>
+          </a:bodyPr>
           <a:lstStyle/>
           <a:p>
-            <a:endParaRPr lang="en-US"/>
+            <a:r>
+              <a:rPr lang="en-US" dirty="0"/>
+              <a:t>Each Source and Target Id represents a node</a:t>
+            </a:r>
+          </a:p>
+          <a:p>
+            <a:r>
+              <a:rPr lang="en-US" dirty="0"/>
+              <a:t>There are 5 Node type: </a:t>
+            </a:r>
+          </a:p>
+          <a:p>
+            <a:pPr marL="971550" lvl="1" indent="-457200">
+              <a:lnSpc>
+                <a:spcPct val="100000"/>
+              </a:lnSpc>
+              <a:buSzPct val="120000"/>
+              <a:buFont typeface="+mj-lt"/>
+              <a:buAutoNum type="arabicPeriod"/>
+            </a:pPr>
+            <a:r>
+              <a:rPr lang="en-US" dirty="0"/>
+              <a:t>Person </a:t>
+            </a:r>
+          </a:p>
+          <a:p>
+            <a:pPr marL="1428750" lvl="2" indent="-457200">
+              <a:lnSpc>
+                <a:spcPct val="100000"/>
+              </a:lnSpc>
+              <a:buSzPct val="120000"/>
+            </a:pPr>
+            <a:r>
+              <a:rPr lang="en-US" dirty="0"/>
+              <a:t>used in all channels(all </a:t>
+            </a:r>
+            <a:r>
+              <a:rPr lang="en-US" dirty="0" err="1"/>
+              <a:t>eTypes</a:t>
+            </a:r>
+            <a:r>
+              <a:rPr lang="en-US" dirty="0"/>
+              <a:t>), only nodes with a spatial location</a:t>
+            </a:r>
+          </a:p>
+          <a:p>
+            <a:pPr marL="971550" lvl="1" indent="-457200">
+              <a:lnSpc>
+                <a:spcPct val="100000"/>
+              </a:lnSpc>
+              <a:buSzPct val="120000"/>
+              <a:buFont typeface="+mj-lt"/>
+              <a:buAutoNum type="arabicPeriod"/>
+            </a:pPr>
+            <a:r>
+              <a:rPr lang="en-US" dirty="0"/>
+              <a:t>Product category </a:t>
+            </a:r>
+          </a:p>
+          <a:p>
+            <a:pPr marL="1428750" lvl="2" indent="-457200">
+              <a:lnSpc>
+                <a:spcPct val="100000"/>
+              </a:lnSpc>
+              <a:buSzPct val="120000"/>
+            </a:pPr>
+            <a:r>
+              <a:rPr lang="en-US" dirty="0"/>
+              <a:t>for the procurement channel, eType = 2, 3</a:t>
+            </a:r>
+          </a:p>
+          <a:p>
+            <a:pPr marL="971550" lvl="1" indent="-457200">
+              <a:lnSpc>
+                <a:spcPct val="100000"/>
+              </a:lnSpc>
+              <a:buSzPct val="120000"/>
+              <a:buFont typeface="+mj-lt"/>
+              <a:buAutoNum type="arabicPeriod"/>
+            </a:pPr>
+            <a:r>
+              <a:rPr lang="en-US" dirty="0"/>
+              <a:t>Document </a:t>
+            </a:r>
+          </a:p>
+          <a:p>
+            <a:pPr marL="1428750" lvl="2" indent="-457200">
+              <a:lnSpc>
+                <a:spcPct val="100000"/>
+              </a:lnSpc>
+              <a:buSzPct val="120000"/>
+            </a:pPr>
+            <a:r>
+              <a:rPr lang="en-US" dirty="0"/>
+              <a:t>from the co-authorship channel, eType = 4</a:t>
+            </a:r>
+          </a:p>
+          <a:p>
+            <a:pPr marL="971550" lvl="1" indent="-457200">
+              <a:lnSpc>
+                <a:spcPct val="100000"/>
+              </a:lnSpc>
+              <a:buSzPct val="120000"/>
+              <a:buFont typeface="+mj-lt"/>
+              <a:buAutoNum type="arabicPeriod"/>
+            </a:pPr>
+            <a:r>
+              <a:rPr lang="en-US" dirty="0"/>
+              <a:t>Financial category </a:t>
+            </a:r>
+          </a:p>
+          <a:p>
+            <a:pPr marL="1428750" lvl="2" indent="-457200">
+              <a:lnSpc>
+                <a:spcPct val="100000"/>
+              </a:lnSpc>
+              <a:buSzPct val="120000"/>
+            </a:pPr>
+            <a:r>
+              <a:rPr lang="en-US" dirty="0"/>
+              <a:t>from financial demographics channel, eType = 5</a:t>
+            </a:r>
+          </a:p>
+          <a:p>
+            <a:pPr marL="971550" lvl="1" indent="-457200">
+              <a:lnSpc>
+                <a:spcPct val="100000"/>
+              </a:lnSpc>
+              <a:buSzPct val="120000"/>
+              <a:buFont typeface="+mj-lt"/>
+              <a:buAutoNum type="arabicPeriod"/>
+            </a:pPr>
+            <a:r>
+              <a:rPr lang="en-US" dirty="0"/>
+              <a:t>Country </a:t>
+            </a:r>
+          </a:p>
+          <a:p>
+            <a:pPr marL="1428750" lvl="2" indent="-457200">
+              <a:lnSpc>
+                <a:spcPct val="100000"/>
+              </a:lnSpc>
+              <a:buSzPct val="120000"/>
+            </a:pPr>
+            <a:r>
+              <a:rPr lang="en-US" dirty="0"/>
+              <a:t>from the travel channel, eType = 6</a:t>
+            </a:r>
           </a:p>
         </p:txBody>
       </p:sp>
     </p:spTree>
     <p:extLst>
       <p:ext uri="{BB962C8B-B14F-4D97-AF65-F5344CB8AC3E}">
-        <p14:creationId xmlns:p14="http://schemas.microsoft.com/office/powerpoint/2010/main" val="1272530105"/>
+        <p14:creationId xmlns:p14="http://schemas.microsoft.com/office/powerpoint/2010/main" val="3210034307"/>
       </p:ext>
     </p:extLst>
   </p:cSld>
@@ -4727,7 +4877,7 @@
           <p:cNvPr id="2" name="Title 1">
             <a:extLst>
               <a:ext uri="{FF2B5EF4-FFF2-40B4-BE49-F238E27FC236}">
-                <a16:creationId xmlns:a16="http://schemas.microsoft.com/office/drawing/2014/main" id="{47A289F7-7C1E-46F6-850C-5C4A3205E905}"/>
+                <a16:creationId xmlns:a16="http://schemas.microsoft.com/office/drawing/2014/main" id="{2FF40697-F87F-457B-8AAE-B94DA4E4F291}"/>
               </a:ext>
             </a:extLst>
           </p:cNvPr>
@@ -4745,7 +4895,7 @@
           <a:p>
             <a:r>
               <a:rPr lang="en-US" dirty="0"/>
-              <a:t>Exploring the data (Template)</a:t>
+              <a:t>Exploring the data (Edge)</a:t>
             </a:r>
           </a:p>
         </p:txBody>
@@ -4755,7 +4905,7 @@
           <p:cNvPr id="3" name="Content Placeholder 2">
             <a:extLst>
               <a:ext uri="{FF2B5EF4-FFF2-40B4-BE49-F238E27FC236}">
-                <a16:creationId xmlns:a16="http://schemas.microsoft.com/office/drawing/2014/main" id="{5BA735FA-D620-4677-B3F9-84CA7053B1E9}"/>
+                <a16:creationId xmlns:a16="http://schemas.microsoft.com/office/drawing/2014/main" id="{A722E290-D32B-4DAA-873D-D3C16AA2BAAD}"/>
               </a:ext>
             </a:extLst>
           </p:cNvPr>
@@ -4768,67 +4918,96 @@
         </p:nvSpPr>
         <p:spPr/>
         <p:txBody>
-          <a:bodyPr>
-            <a:normAutofit/>
-          </a:bodyPr>
+          <a:bodyPr/>
           <a:lstStyle/>
           <a:p>
             <a:r>
               <a:rPr lang="en-US" dirty="0"/>
-              <a:t>Edge list graph with the same format as the large graph data (.csv)</a:t>
+              <a:t>Each row is an edge between two nodes</a:t>
             </a:r>
           </a:p>
           <a:p>
             <a:r>
               <a:rPr lang="en-US" dirty="0"/>
-              <a:t>Was built by CGCS to represent suspicious activity associated with the hack </a:t>
+              <a:t>At least one person is connected to each node</a:t>
             </a:r>
           </a:p>
           <a:p>
             <a:r>
               <a:rPr lang="en-US" dirty="0"/>
-              <a:t>It is a reference pattern for looking for the suspicious activities</a:t>
-            </a:r>
-          </a:p>
-          <a:p>
-            <a:r>
-              <a:rPr lang="en-US" dirty="0"/>
-              <a:t>Details:</a:t>
-            </a:r>
-          </a:p>
-          <a:p>
-            <a:pPr lvl="1"/>
-            <a:r>
-              <a:rPr lang="en-US" dirty="0"/>
-              <a:t>File name: CGCS-Template.csv</a:t>
-            </a:r>
-          </a:p>
-          <a:p>
-            <a:pPr lvl="1"/>
-            <a:r>
-              <a:rPr lang="en-US" dirty="0"/>
-              <a:t>1325 rows</a:t>
-            </a:r>
-          </a:p>
-          <a:p>
-            <a:pPr lvl="1"/>
-            <a:r>
-              <a:rPr lang="en-US" dirty="0"/>
-              <a:t>301 have location data, none have longitude and latitude</a:t>
-            </a:r>
-          </a:p>
-          <a:p>
-            <a:pPr lvl="1"/>
-            <a:r>
-              <a:rPr lang="en-US" dirty="0"/>
-              <a:t>The co-authorship channel is replaced by -99 </a:t>
-            </a:r>
-            <a:br>
-              <a:rPr lang="en-US" dirty="0"/>
-            </a:br>
-            <a:endParaRPr lang="en-US" dirty="0"/>
-          </a:p>
-          <a:p>
+              <a:t>7 Edge type (eType):</a:t>
+            </a:r>
+            <a:endParaRPr lang="en-US" sz="1600" dirty="0"/>
+          </a:p>
+          <a:p>
+            <a:pPr marL="857250" lvl="1" indent="-342900">
+              <a:buFont typeface="+mj-lt"/>
+              <a:buAutoNum type="arabicPeriod"/>
+            </a:pPr>
+            <a:r>
+              <a:rPr lang="en-US" sz="1400" dirty="0"/>
+              <a:t>Email </a:t>
+            </a:r>
+          </a:p>
+          <a:p>
+            <a:pPr marL="857250" lvl="1" indent="-342900">
+              <a:buFont typeface="+mj-lt"/>
+              <a:buAutoNum type="arabicPeriod"/>
+            </a:pPr>
+            <a:r>
+              <a:rPr lang="en-US" sz="1400" dirty="0"/>
+              <a:t>Phone</a:t>
+            </a:r>
+          </a:p>
+          <a:p>
+            <a:pPr marL="857250" lvl="1" indent="-342900">
+              <a:buFont typeface="+mj-lt"/>
+              <a:buAutoNum type="arabicPeriod"/>
+            </a:pPr>
+            <a:r>
+              <a:rPr lang="en-US" sz="1400" dirty="0"/>
+              <a:t>Sell (procurement)</a:t>
+            </a:r>
+          </a:p>
+          <a:p>
+            <a:pPr marL="857250" lvl="1" indent="-342900">
+              <a:buFont typeface="+mj-lt"/>
+              <a:buAutoNum type="arabicPeriod"/>
+            </a:pPr>
+            <a:r>
+              <a:rPr lang="en-US" sz="1400" dirty="0"/>
+              <a:t>Buy (procurement)</a:t>
+            </a:r>
+          </a:p>
+          <a:p>
+            <a:pPr marL="857250" lvl="1" indent="-342900">
+              <a:buFont typeface="+mj-lt"/>
+              <a:buAutoNum type="arabicPeriod"/>
+            </a:pPr>
+            <a:r>
+              <a:rPr lang="en-US" sz="1400" dirty="0"/>
+              <a:t>Author-of</a:t>
+            </a:r>
+          </a:p>
+          <a:p>
+            <a:pPr marL="857250" lvl="1" indent="-342900">
+              <a:buFont typeface="+mj-lt"/>
+              <a:buAutoNum type="arabicPeriod"/>
+            </a:pPr>
+            <a:r>
+              <a:rPr lang="en-US" sz="1400" dirty="0"/>
+              <a:t>Financial (income or expenditure, depending on direction)</a:t>
+            </a:r>
+          </a:p>
+          <a:p>
+            <a:pPr marL="857250" lvl="1" indent="-342900">
+              <a:buFont typeface="+mj-lt"/>
+              <a:buAutoNum type="arabicPeriod"/>
+            </a:pPr>
+            <a:r>
+              <a:rPr lang="en-US" sz="1400" dirty="0"/>
+              <a:t> Travels-to</a:t>
+            </a:r>
             <a:endParaRPr lang="en-US" dirty="0"/>
           </a:p>
         </p:txBody>
@@ -4836,7 +5015,7 @@
     </p:spTree>
     <p:extLst>
       <p:ext uri="{BB962C8B-B14F-4D97-AF65-F5344CB8AC3E}">
-        <p14:creationId xmlns:p14="http://schemas.microsoft.com/office/powerpoint/2010/main" val="3152096319"/>
+        <p14:creationId xmlns:p14="http://schemas.microsoft.com/office/powerpoint/2010/main" val="1272530105"/>
       </p:ext>
     </p:extLst>
   </p:cSld>
@@ -4868,6 +5047,147 @@
           <p:cNvPr id="2" name="Title 1">
             <a:extLst>
               <a:ext uri="{FF2B5EF4-FFF2-40B4-BE49-F238E27FC236}">
+                <a16:creationId xmlns:a16="http://schemas.microsoft.com/office/drawing/2014/main" id="{47A289F7-7C1E-46F6-850C-5C4A3205E905}"/>
+              </a:ext>
+            </a:extLst>
+          </p:cNvPr>
+          <p:cNvSpPr>
+            <a:spLocks noGrp="1"/>
+          </p:cNvSpPr>
+          <p:nvPr>
+            <p:ph type="title"/>
+          </p:nvPr>
+        </p:nvSpPr>
+        <p:spPr/>
+        <p:txBody>
+          <a:bodyPr/>
+          <a:lstStyle/>
+          <a:p>
+            <a:r>
+              <a:rPr lang="en-US" dirty="0"/>
+              <a:t>Exploring the data (Template)</a:t>
+            </a:r>
+          </a:p>
+        </p:txBody>
+      </p:sp>
+      <p:sp>
+        <p:nvSpPr>
+          <p:cNvPr id="3" name="Content Placeholder 2">
+            <a:extLst>
+              <a:ext uri="{FF2B5EF4-FFF2-40B4-BE49-F238E27FC236}">
+                <a16:creationId xmlns:a16="http://schemas.microsoft.com/office/drawing/2014/main" id="{5BA735FA-D620-4677-B3F9-84CA7053B1E9}"/>
+              </a:ext>
+            </a:extLst>
+          </p:cNvPr>
+          <p:cNvSpPr>
+            <a:spLocks noGrp="1"/>
+          </p:cNvSpPr>
+          <p:nvPr>
+            <p:ph idx="1"/>
+          </p:nvPr>
+        </p:nvSpPr>
+        <p:spPr/>
+        <p:txBody>
+          <a:bodyPr>
+            <a:normAutofit/>
+          </a:bodyPr>
+          <a:lstStyle/>
+          <a:p>
+            <a:r>
+              <a:rPr lang="en-US" dirty="0"/>
+              <a:t>Edge list graph with the same format as the large graph data (.csv)</a:t>
+            </a:r>
+          </a:p>
+          <a:p>
+            <a:r>
+              <a:rPr lang="en-US" dirty="0"/>
+              <a:t>Was built by CGCS to represent suspicious activity associated with the hack </a:t>
+            </a:r>
+          </a:p>
+          <a:p>
+            <a:r>
+              <a:rPr lang="en-US" dirty="0"/>
+              <a:t>It is a reference pattern for looking for the suspicious activities</a:t>
+            </a:r>
+          </a:p>
+          <a:p>
+            <a:r>
+              <a:rPr lang="en-US" dirty="0"/>
+              <a:t>Details:</a:t>
+            </a:r>
+          </a:p>
+          <a:p>
+            <a:pPr lvl="1"/>
+            <a:r>
+              <a:rPr lang="en-US" dirty="0"/>
+              <a:t>File name: CGCS-Template.csv</a:t>
+            </a:r>
+          </a:p>
+          <a:p>
+            <a:pPr lvl="1"/>
+            <a:r>
+              <a:rPr lang="en-US" dirty="0"/>
+              <a:t>1325 rows</a:t>
+            </a:r>
+          </a:p>
+          <a:p>
+            <a:pPr lvl="1"/>
+            <a:r>
+              <a:rPr lang="en-US" dirty="0"/>
+              <a:t>301 have location data, none have longitude and latitude</a:t>
+            </a:r>
+          </a:p>
+          <a:p>
+            <a:pPr lvl="1"/>
+            <a:r>
+              <a:rPr lang="en-US" dirty="0"/>
+              <a:t>The co-authorship channel is replaced by -99 </a:t>
+            </a:r>
+            <a:br>
+              <a:rPr lang="en-US" dirty="0"/>
+            </a:br>
+            <a:endParaRPr lang="en-US" dirty="0"/>
+          </a:p>
+          <a:p>
+            <a:endParaRPr lang="en-US" dirty="0"/>
+          </a:p>
+        </p:txBody>
+      </p:sp>
+    </p:spTree>
+    <p:extLst>
+      <p:ext uri="{BB962C8B-B14F-4D97-AF65-F5344CB8AC3E}">
+        <p14:creationId xmlns:p14="http://schemas.microsoft.com/office/powerpoint/2010/main" val="3152096319"/>
+      </p:ext>
+    </p:extLst>
+  </p:cSld>
+  <p:clrMapOvr>
+    <a:masterClrMapping/>
+  </p:clrMapOvr>
+</p:sld>
+</file>
+
+<file path=ppt/slides/slide13.xml><?xml version="1.0" encoding="utf-8"?>
+<p:sld xmlns:a="http://schemas.openxmlformats.org/drawingml/2006/main" xmlns:r="http://schemas.openxmlformats.org/officeDocument/2006/relationships" xmlns:p="http://schemas.openxmlformats.org/presentationml/2006/main">
+  <p:cSld>
+    <p:spTree>
+      <p:nvGrpSpPr>
+        <p:cNvPr id="1" name=""/>
+        <p:cNvGrpSpPr/>
+        <p:nvPr/>
+      </p:nvGrpSpPr>
+      <p:grpSpPr>
+        <a:xfrm>
+          <a:off x="0" y="0"/>
+          <a:ext cx="0" cy="0"/>
+          <a:chOff x="0" y="0"/>
+          <a:chExt cx="0" cy="0"/>
+        </a:xfrm>
+      </p:grpSpPr>
+      <p:sp>
+        <p:nvSpPr>
+          <p:cNvPr id="2" name="Title 1">
+            <a:extLst>
+              <a:ext uri="{FF2B5EF4-FFF2-40B4-BE49-F238E27FC236}">
                 <a16:creationId xmlns:a16="http://schemas.microsoft.com/office/drawing/2014/main" id="{693F91C1-99DE-45FC-A7F6-CBABE9975D4B}"/>
               </a:ext>
             </a:extLst>
@@ -4958,7 +5278,7 @@
 </p:sld>
 </file>
 
-<file path=ppt/slides/slide13.xml><?xml version="1.0" encoding="utf-8"?>
+<file path=ppt/slides/slide14.xml><?xml version="1.0" encoding="utf-8"?>
 <p:sld xmlns:a="http://schemas.openxmlformats.org/drawingml/2006/main" xmlns:r="http://schemas.openxmlformats.org/officeDocument/2006/relationships" xmlns:p="http://schemas.openxmlformats.org/presentationml/2006/main">
   <p:cSld>
     <p:spTree>
@@ -6136,7 +6456,7 @@
 </p:sld>
 </file>
 
-<file path=ppt/slides/slide14.xml><?xml version="1.0" encoding="utf-8"?>
+<file path=ppt/slides/slide15.xml><?xml version="1.0" encoding="utf-8"?>
 <p:sld xmlns:a="http://schemas.openxmlformats.org/drawingml/2006/main" xmlns:r="http://schemas.openxmlformats.org/officeDocument/2006/relationships" xmlns:p="http://schemas.openxmlformats.org/presentationml/2006/main">
   <p:cSld>
     <p:spTree>
@@ -7570,7 +7890,7 @@
 </p:sld>
 </file>
 
-<file path=ppt/slides/slide15.xml><?xml version="1.0" encoding="utf-8"?>
+<file path=ppt/slides/slide16.xml><?xml version="1.0" encoding="utf-8"?>
 <p:sld xmlns:a="http://schemas.openxmlformats.org/drawingml/2006/main" xmlns:r="http://schemas.openxmlformats.org/officeDocument/2006/relationships" xmlns:p="http://schemas.openxmlformats.org/presentationml/2006/main">
   <p:cSld>
     <p:spTree>
@@ -8661,7 +8981,12 @@
             <p:ph idx="1"/>
           </p:nvPr>
         </p:nvSpPr>
-        <p:spPr/>
+        <p:spPr>
+          <a:xfrm>
+            <a:off x="838200" y="1825625"/>
+            <a:ext cx="10515600" cy="4351338"/>
+          </a:xfrm>
+        </p:spPr>
         <p:txBody>
           <a:bodyPr>
             <a:normAutofit lnSpcReduction="10000"/>
@@ -8774,7 +9099,7 @@
           <p:cNvPr id="2" name="Title 1">
             <a:extLst>
               <a:ext uri="{FF2B5EF4-FFF2-40B4-BE49-F238E27FC236}">
-                <a16:creationId xmlns:a16="http://schemas.microsoft.com/office/drawing/2014/main" id="{ED585B93-BEA3-41EA-A274-24D73F7EFF94}"/>
+                <a16:creationId xmlns:a16="http://schemas.microsoft.com/office/drawing/2014/main" id="{6223038A-68E9-4682-ADF1-B26EE4C32CB9}"/>
               </a:ext>
             </a:extLst>
           </p:cNvPr>
@@ -8792,189 +9117,459 @@
           <a:p>
             <a:r>
               <a:rPr lang="en-US" dirty="0"/>
-              <a:t>Exploring the data (Node)</a:t>
-            </a:r>
-          </a:p>
-        </p:txBody>
-      </p:sp>
-      <p:sp>
-        <p:nvSpPr>
-          <p:cNvPr id="3" name="Content Placeholder 2">
+              <a:t>Exploring the data (Channels)</a:t>
+            </a:r>
+          </a:p>
+        </p:txBody>
+      </p:sp>
+      <p:graphicFrame>
+        <p:nvGraphicFramePr>
+          <p:cNvPr id="6" name="Table 6">
             <a:extLst>
               <a:ext uri="{FF2B5EF4-FFF2-40B4-BE49-F238E27FC236}">
-                <a16:creationId xmlns:a16="http://schemas.microsoft.com/office/drawing/2014/main" id="{38E35F28-7FA4-4BCC-9693-A057F03CC0CD}"/>
+                <a16:creationId xmlns:a16="http://schemas.microsoft.com/office/drawing/2014/main" id="{3247C39F-7BB1-4652-A31A-B17B14CE5D4A}"/>
               </a:ext>
             </a:extLst>
           </p:cNvPr>
-          <p:cNvSpPr>
-            <a:spLocks noGrp="1"/>
-          </p:cNvSpPr>
+          <p:cNvGraphicFramePr>
+            <a:graphicFrameLocks noGrp="1"/>
+          </p:cNvGraphicFramePr>
           <p:nvPr>
             <p:ph idx="1"/>
-          </p:nvPr>
-        </p:nvSpPr>
-        <p:spPr/>
-        <p:txBody>
-          <a:bodyPr>
-            <a:normAutofit fontScale="92500" lnSpcReduction="10000"/>
-          </a:bodyPr>
-          <a:lstStyle/>
-          <a:p>
-            <a:r>
-              <a:rPr lang="en-US" dirty="0"/>
-              <a:t>Each Source and Target Id represents a node</a:t>
-            </a:r>
-          </a:p>
-          <a:p>
-            <a:r>
-              <a:rPr lang="en-US" dirty="0"/>
-              <a:t>There are 5 Node type: </a:t>
-            </a:r>
-          </a:p>
-          <a:p>
-            <a:pPr marL="971550" lvl="1" indent="-457200">
-              <a:lnSpc>
-                <a:spcPct val="100000"/>
-              </a:lnSpc>
-              <a:buSzPct val="120000"/>
-              <a:buFont typeface="+mj-lt"/>
-              <a:buAutoNum type="arabicPeriod"/>
-            </a:pPr>
-            <a:r>
-              <a:rPr lang="en-US" dirty="0"/>
-              <a:t>Person </a:t>
-            </a:r>
-          </a:p>
-          <a:p>
-            <a:pPr marL="1428750" lvl="2" indent="-457200">
-              <a:lnSpc>
-                <a:spcPct val="100000"/>
-              </a:lnSpc>
-              <a:buSzPct val="120000"/>
-            </a:pPr>
-            <a:r>
-              <a:rPr lang="en-US" dirty="0"/>
-              <a:t>used in all channels(all </a:t>
-            </a:r>
-            <a:r>
-              <a:rPr lang="en-US" dirty="0" err="1"/>
-              <a:t>eTypes</a:t>
-            </a:r>
-            <a:r>
-              <a:rPr lang="en-US" dirty="0"/>
-              <a:t>), only nodes with a spatial location</a:t>
-            </a:r>
-          </a:p>
-          <a:p>
-            <a:pPr marL="971550" lvl="1" indent="-457200">
-              <a:lnSpc>
-                <a:spcPct val="100000"/>
-              </a:lnSpc>
-              <a:buSzPct val="120000"/>
-              <a:buFont typeface="+mj-lt"/>
-              <a:buAutoNum type="arabicPeriod"/>
-            </a:pPr>
-            <a:r>
-              <a:rPr lang="en-US" dirty="0"/>
-              <a:t>Product category </a:t>
-            </a:r>
-          </a:p>
-          <a:p>
-            <a:pPr marL="1428750" lvl="2" indent="-457200">
-              <a:lnSpc>
-                <a:spcPct val="100000"/>
-              </a:lnSpc>
-              <a:buSzPct val="120000"/>
-            </a:pPr>
-            <a:r>
-              <a:rPr lang="en-US" dirty="0"/>
-              <a:t>for the procurement channel, eType = 2, 3</a:t>
-            </a:r>
-          </a:p>
-          <a:p>
-            <a:pPr marL="971550" lvl="1" indent="-457200">
-              <a:lnSpc>
-                <a:spcPct val="100000"/>
-              </a:lnSpc>
-              <a:buSzPct val="120000"/>
-              <a:buFont typeface="+mj-lt"/>
-              <a:buAutoNum type="arabicPeriod"/>
-            </a:pPr>
-            <a:r>
-              <a:rPr lang="en-US" dirty="0"/>
-              <a:t>Document </a:t>
-            </a:r>
-          </a:p>
-          <a:p>
-            <a:pPr marL="1428750" lvl="2" indent="-457200">
-              <a:lnSpc>
-                <a:spcPct val="100000"/>
-              </a:lnSpc>
-              <a:buSzPct val="120000"/>
-            </a:pPr>
-            <a:r>
-              <a:rPr lang="en-US" dirty="0"/>
-              <a:t>from the co-authorship channel, eType = 4</a:t>
-            </a:r>
-          </a:p>
-          <a:p>
-            <a:pPr marL="971550" lvl="1" indent="-457200">
-              <a:lnSpc>
-                <a:spcPct val="100000"/>
-              </a:lnSpc>
-              <a:buSzPct val="120000"/>
-              <a:buFont typeface="+mj-lt"/>
-              <a:buAutoNum type="arabicPeriod"/>
-            </a:pPr>
-            <a:r>
-              <a:rPr lang="en-US" dirty="0"/>
-              <a:t>Financial category </a:t>
-            </a:r>
-          </a:p>
-          <a:p>
-            <a:pPr marL="1428750" lvl="2" indent="-457200">
-              <a:lnSpc>
-                <a:spcPct val="100000"/>
-              </a:lnSpc>
-              <a:buSzPct val="120000"/>
-            </a:pPr>
-            <a:r>
-              <a:rPr lang="en-US" dirty="0"/>
-              <a:t>from financial demographics channel, eType = 5</a:t>
-            </a:r>
-          </a:p>
-          <a:p>
-            <a:pPr marL="971550" lvl="1" indent="-457200">
-              <a:lnSpc>
-                <a:spcPct val="100000"/>
-              </a:lnSpc>
-              <a:buSzPct val="120000"/>
-              <a:buFont typeface="+mj-lt"/>
-              <a:buAutoNum type="arabicPeriod"/>
-            </a:pPr>
-            <a:r>
-              <a:rPr lang="en-US" dirty="0"/>
-              <a:t>Country </a:t>
-            </a:r>
-          </a:p>
-          <a:p>
-            <a:pPr marL="1428750" lvl="2" indent="-457200">
-              <a:lnSpc>
-                <a:spcPct val="100000"/>
-              </a:lnSpc>
-              <a:buSzPct val="120000"/>
-            </a:pPr>
-            <a:r>
-              <a:rPr lang="en-US" dirty="0"/>
-              <a:t>from the travel channel, eType = 6</a:t>
-            </a:r>
-          </a:p>
-        </p:txBody>
-      </p:sp>
+            <p:extLst>
+              <p:ext uri="{D42A27DB-BD31-4B8C-83A1-F6EECF244321}">
+                <p14:modId xmlns:p14="http://schemas.microsoft.com/office/powerpoint/2010/main" val="3417508652"/>
+              </p:ext>
+            </p:extLst>
+          </p:nvPr>
+        </p:nvGraphicFramePr>
+        <p:xfrm>
+          <a:off x="838200" y="1825625"/>
+          <a:ext cx="10515600" cy="2494280"/>
+        </p:xfrm>
+        <a:graphic>
+          <a:graphicData uri="http://schemas.openxmlformats.org/drawingml/2006/table">
+            <a:tbl>
+              <a:tblPr firstRow="1" bandRow="1">
+                <a:tableStyleId>{5C22544A-7EE6-4342-B048-85BDC9FD1C3A}</a:tableStyleId>
+              </a:tblPr>
+              <a:tblGrid>
+                <a:gridCol w="2103120">
+                  <a:extLst>
+                    <a:ext uri="{9D8B030D-6E8A-4147-A177-3AD203B41FA5}">
+                      <a16:colId xmlns:a16="http://schemas.microsoft.com/office/drawing/2014/main" val="3729389960"/>
+                    </a:ext>
+                  </a:extLst>
+                </a:gridCol>
+                <a:gridCol w="2103120">
+                  <a:extLst>
+                    <a:ext uri="{9D8B030D-6E8A-4147-A177-3AD203B41FA5}">
+                      <a16:colId xmlns:a16="http://schemas.microsoft.com/office/drawing/2014/main" val="2281435260"/>
+                    </a:ext>
+                  </a:extLst>
+                </a:gridCol>
+                <a:gridCol w="2103120">
+                  <a:extLst>
+                    <a:ext uri="{9D8B030D-6E8A-4147-A177-3AD203B41FA5}">
+                      <a16:colId xmlns:a16="http://schemas.microsoft.com/office/drawing/2014/main" val="2072369400"/>
+                    </a:ext>
+                  </a:extLst>
+                </a:gridCol>
+                <a:gridCol w="2103120">
+                  <a:extLst>
+                    <a:ext uri="{9D8B030D-6E8A-4147-A177-3AD203B41FA5}">
+                      <a16:colId xmlns:a16="http://schemas.microsoft.com/office/drawing/2014/main" val="1567139128"/>
+                    </a:ext>
+                  </a:extLst>
+                </a:gridCol>
+                <a:gridCol w="2103120">
+                  <a:extLst>
+                    <a:ext uri="{9D8B030D-6E8A-4147-A177-3AD203B41FA5}">
+                      <a16:colId xmlns:a16="http://schemas.microsoft.com/office/drawing/2014/main" val="2294204304"/>
+                    </a:ext>
+                  </a:extLst>
+                </a:gridCol>
+              </a:tblGrid>
+              <a:tr h="370840">
+                <a:tc>
+                  <a:txBody>
+                    <a:bodyPr/>
+                    <a:lstStyle/>
+                    <a:p>
+                      <a:r>
+                        <a:rPr lang="en-US"/>
+                        <a:t>Channel Name</a:t>
+                      </a:r>
+                      <a:endParaRPr lang="en-US" dirty="0"/>
+                    </a:p>
+                  </a:txBody>
+                  <a:tcPr/>
+                </a:tc>
+                <a:tc>
+                  <a:txBody>
+                    <a:bodyPr/>
+                    <a:lstStyle/>
+                    <a:p>
+                      <a:endParaRPr lang="en-US"/>
+                    </a:p>
+                  </a:txBody>
+                  <a:tcPr/>
+                </a:tc>
+                <a:tc>
+                  <a:txBody>
+                    <a:bodyPr/>
+                    <a:lstStyle/>
+                    <a:p>
+                      <a:endParaRPr lang="en-US"/>
+                    </a:p>
+                  </a:txBody>
+                  <a:tcPr/>
+                </a:tc>
+                <a:tc>
+                  <a:txBody>
+                    <a:bodyPr/>
+                    <a:lstStyle/>
+                    <a:p>
+                      <a:endParaRPr lang="en-US"/>
+                    </a:p>
+                  </a:txBody>
+                  <a:tcPr/>
+                </a:tc>
+                <a:tc>
+                  <a:txBody>
+                    <a:bodyPr/>
+                    <a:lstStyle/>
+                    <a:p>
+                      <a:endParaRPr lang="en-US"/>
+                    </a:p>
+                  </a:txBody>
+                  <a:tcPr/>
+                </a:tc>
+                <a:extLst>
+                  <a:ext uri="{0D108BD9-81ED-4DB2-BD59-A6C34878D82A}">
+                    <a16:rowId xmlns:a16="http://schemas.microsoft.com/office/drawing/2014/main" val="1271232916"/>
+                  </a:ext>
+                </a:extLst>
+              </a:tr>
+              <a:tr h="370840">
+                <a:tc>
+                  <a:txBody>
+                    <a:bodyPr/>
+                    <a:lstStyle/>
+                    <a:p>
+                      <a:r>
+                        <a:rPr lang="en-US" sz="1800" b="1" dirty="0"/>
+                        <a:t>Communications</a:t>
+                      </a:r>
+                    </a:p>
+                    <a:p>
+                      <a:r>
+                        <a:rPr lang="en-US" sz="1800" b="1" dirty="0"/>
+                        <a:t>(phone and email)</a:t>
+                      </a:r>
+                      <a:endParaRPr lang="en-US" dirty="0"/>
+                    </a:p>
+                  </a:txBody>
+                  <a:tcPr/>
+                </a:tc>
+                <a:tc>
+                  <a:txBody>
+                    <a:bodyPr/>
+                    <a:lstStyle/>
+                    <a:p>
+                      <a:endParaRPr lang="en-US"/>
+                    </a:p>
+                  </a:txBody>
+                  <a:tcPr/>
+                </a:tc>
+                <a:tc>
+                  <a:txBody>
+                    <a:bodyPr/>
+                    <a:lstStyle/>
+                    <a:p>
+                      <a:endParaRPr lang="en-US"/>
+                    </a:p>
+                  </a:txBody>
+                  <a:tcPr/>
+                </a:tc>
+                <a:tc>
+                  <a:txBody>
+                    <a:bodyPr/>
+                    <a:lstStyle/>
+                    <a:p>
+                      <a:endParaRPr lang="en-US"/>
+                    </a:p>
+                  </a:txBody>
+                  <a:tcPr/>
+                </a:tc>
+                <a:tc>
+                  <a:txBody>
+                    <a:bodyPr/>
+                    <a:lstStyle/>
+                    <a:p>
+                      <a:endParaRPr lang="en-US"/>
+                    </a:p>
+                  </a:txBody>
+                  <a:tcPr/>
+                </a:tc>
+                <a:extLst>
+                  <a:ext uri="{0D108BD9-81ED-4DB2-BD59-A6C34878D82A}">
+                    <a16:rowId xmlns:a16="http://schemas.microsoft.com/office/drawing/2014/main" val="2779712042"/>
+                  </a:ext>
+                </a:extLst>
+              </a:tr>
+              <a:tr h="370840">
+                <a:tc>
+                  <a:txBody>
+                    <a:bodyPr/>
+                    <a:lstStyle/>
+                    <a:p>
+                      <a:r>
+                        <a:rPr lang="en-US" sz="1800" b="1" dirty="0"/>
+                        <a:t>Procurement</a:t>
+                      </a:r>
+                      <a:endParaRPr lang="en-US" dirty="0"/>
+                    </a:p>
+                  </a:txBody>
+                  <a:tcPr/>
+                </a:tc>
+                <a:tc>
+                  <a:txBody>
+                    <a:bodyPr/>
+                    <a:lstStyle/>
+                    <a:p>
+                      <a:endParaRPr lang="en-US"/>
+                    </a:p>
+                  </a:txBody>
+                  <a:tcPr/>
+                </a:tc>
+                <a:tc>
+                  <a:txBody>
+                    <a:bodyPr/>
+                    <a:lstStyle/>
+                    <a:p>
+                      <a:endParaRPr lang="en-US"/>
+                    </a:p>
+                  </a:txBody>
+                  <a:tcPr/>
+                </a:tc>
+                <a:tc>
+                  <a:txBody>
+                    <a:bodyPr/>
+                    <a:lstStyle/>
+                    <a:p>
+                      <a:endParaRPr lang="en-US"/>
+                    </a:p>
+                  </a:txBody>
+                  <a:tcPr/>
+                </a:tc>
+                <a:tc>
+                  <a:txBody>
+                    <a:bodyPr/>
+                    <a:lstStyle/>
+                    <a:p>
+                      <a:endParaRPr lang="en-US"/>
+                    </a:p>
+                  </a:txBody>
+                  <a:tcPr/>
+                </a:tc>
+                <a:extLst>
+                  <a:ext uri="{0D108BD9-81ED-4DB2-BD59-A6C34878D82A}">
+                    <a16:rowId xmlns:a16="http://schemas.microsoft.com/office/drawing/2014/main" val="3255344687"/>
+                  </a:ext>
+                </a:extLst>
+              </a:tr>
+              <a:tr h="370840">
+                <a:tc>
+                  <a:txBody>
+                    <a:bodyPr/>
+                    <a:lstStyle/>
+                    <a:p>
+                      <a:r>
+                        <a:rPr lang="en-US" sz="1800" b="1" dirty="0"/>
+                        <a:t>Co-authorship</a:t>
+                      </a:r>
+                      <a:endParaRPr lang="en-US" dirty="0"/>
+                    </a:p>
+                  </a:txBody>
+                  <a:tcPr/>
+                </a:tc>
+                <a:tc>
+                  <a:txBody>
+                    <a:bodyPr/>
+                    <a:lstStyle/>
+                    <a:p>
+                      <a:endParaRPr lang="en-US"/>
+                    </a:p>
+                  </a:txBody>
+                  <a:tcPr/>
+                </a:tc>
+                <a:tc>
+                  <a:txBody>
+                    <a:bodyPr/>
+                    <a:lstStyle/>
+                    <a:p>
+                      <a:endParaRPr lang="en-US"/>
+                    </a:p>
+                  </a:txBody>
+                  <a:tcPr/>
+                </a:tc>
+                <a:tc>
+                  <a:txBody>
+                    <a:bodyPr/>
+                    <a:lstStyle/>
+                    <a:p>
+                      <a:endParaRPr lang="en-US"/>
+                    </a:p>
+                  </a:txBody>
+                  <a:tcPr/>
+                </a:tc>
+                <a:tc>
+                  <a:txBody>
+                    <a:bodyPr/>
+                    <a:lstStyle/>
+                    <a:p>
+                      <a:endParaRPr lang="en-US"/>
+                    </a:p>
+                  </a:txBody>
+                  <a:tcPr/>
+                </a:tc>
+                <a:extLst>
+                  <a:ext uri="{0D108BD9-81ED-4DB2-BD59-A6C34878D82A}">
+                    <a16:rowId xmlns:a16="http://schemas.microsoft.com/office/drawing/2014/main" val="2416626755"/>
+                  </a:ext>
+                </a:extLst>
+              </a:tr>
+              <a:tr h="370840">
+                <a:tc>
+                  <a:txBody>
+                    <a:bodyPr/>
+                    <a:lstStyle/>
+                    <a:p>
+                      <a:r>
+                        <a:rPr lang="en-US" sz="1800" b="1" dirty="0"/>
+                        <a:t>Demographics</a:t>
+                      </a:r>
+                      <a:endParaRPr lang="en-US" dirty="0"/>
+                    </a:p>
+                  </a:txBody>
+                  <a:tcPr/>
+                </a:tc>
+                <a:tc>
+                  <a:txBody>
+                    <a:bodyPr/>
+                    <a:lstStyle/>
+                    <a:p>
+                      <a:endParaRPr lang="en-US"/>
+                    </a:p>
+                  </a:txBody>
+                  <a:tcPr/>
+                </a:tc>
+                <a:tc>
+                  <a:txBody>
+                    <a:bodyPr/>
+                    <a:lstStyle/>
+                    <a:p>
+                      <a:endParaRPr lang="en-US"/>
+                    </a:p>
+                  </a:txBody>
+                  <a:tcPr/>
+                </a:tc>
+                <a:tc>
+                  <a:txBody>
+                    <a:bodyPr/>
+                    <a:lstStyle/>
+                    <a:p>
+                      <a:endParaRPr lang="en-US"/>
+                    </a:p>
+                  </a:txBody>
+                  <a:tcPr/>
+                </a:tc>
+                <a:tc>
+                  <a:txBody>
+                    <a:bodyPr/>
+                    <a:lstStyle/>
+                    <a:p>
+                      <a:endParaRPr lang="en-US"/>
+                    </a:p>
+                  </a:txBody>
+                  <a:tcPr/>
+                </a:tc>
+                <a:extLst>
+                  <a:ext uri="{0D108BD9-81ED-4DB2-BD59-A6C34878D82A}">
+                    <a16:rowId xmlns:a16="http://schemas.microsoft.com/office/drawing/2014/main" val="3388160115"/>
+                  </a:ext>
+                </a:extLst>
+              </a:tr>
+              <a:tr h="370840">
+                <a:tc>
+                  <a:txBody>
+                    <a:bodyPr/>
+                    <a:lstStyle/>
+                    <a:p>
+                      <a:r>
+                        <a:rPr lang="en-US" sz="1800" b="1" dirty="0"/>
+                        <a:t>Travel</a:t>
+                      </a:r>
+                      <a:endParaRPr lang="en-US" dirty="0"/>
+                    </a:p>
+                  </a:txBody>
+                  <a:tcPr/>
+                </a:tc>
+                <a:tc>
+                  <a:txBody>
+                    <a:bodyPr/>
+                    <a:lstStyle/>
+                    <a:p>
+                      <a:endParaRPr lang="en-US"/>
+                    </a:p>
+                  </a:txBody>
+                  <a:tcPr/>
+                </a:tc>
+                <a:tc>
+                  <a:txBody>
+                    <a:bodyPr/>
+                    <a:lstStyle/>
+                    <a:p>
+                      <a:endParaRPr lang="en-US"/>
+                    </a:p>
+                  </a:txBody>
+                  <a:tcPr/>
+                </a:tc>
+                <a:tc>
+                  <a:txBody>
+                    <a:bodyPr/>
+                    <a:lstStyle/>
+                    <a:p>
+                      <a:endParaRPr lang="en-US"/>
+                    </a:p>
+                  </a:txBody>
+                  <a:tcPr/>
+                </a:tc>
+                <a:tc>
+                  <a:txBody>
+                    <a:bodyPr/>
+                    <a:lstStyle/>
+                    <a:p>
+                      <a:endParaRPr lang="en-US" dirty="0"/>
+                    </a:p>
+                  </a:txBody>
+                  <a:tcPr/>
+                </a:tc>
+                <a:extLst>
+                  <a:ext uri="{0D108BD9-81ED-4DB2-BD59-A6C34878D82A}">
+                    <a16:rowId xmlns:a16="http://schemas.microsoft.com/office/drawing/2014/main" val="3416391999"/>
+                  </a:ext>
+                </a:extLst>
+              </a:tr>
+            </a:tbl>
+          </a:graphicData>
+        </a:graphic>
+      </p:graphicFrame>
     </p:spTree>
     <p:extLst>
       <p:ext uri="{BB962C8B-B14F-4D97-AF65-F5344CB8AC3E}">
-        <p14:creationId xmlns:p14="http://schemas.microsoft.com/office/powerpoint/2010/main" val="3210034307"/>
+        <p14:creationId xmlns:p14="http://schemas.microsoft.com/office/powerpoint/2010/main" val="3166814854"/>
       </p:ext>
     </p:extLst>
   </p:cSld>

--- a/Documentation/Project_Presentation_v1.pptx
+++ b/Documentation/Project_Presentation_v1.pptx
@@ -5,7 +5,7 @@
     <p:sldMasterId id="2147483648" r:id="rId1"/>
   </p:sldMasterIdLst>
   <p:notesMasterIdLst>
-    <p:notesMasterId r:id="rId18"/>
+    <p:notesMasterId r:id="rId20"/>
   </p:notesMasterIdLst>
   <p:sldIdLst>
     <p:sldId id="257" r:id="rId2"/>
@@ -19,11 +19,13 @@
     <p:sldId id="272" r:id="rId10"/>
     <p:sldId id="265" r:id="rId11"/>
     <p:sldId id="271" r:id="rId12"/>
-    <p:sldId id="261" r:id="rId13"/>
-    <p:sldId id="267" r:id="rId14"/>
-    <p:sldId id="269" r:id="rId15"/>
-    <p:sldId id="270" r:id="rId16"/>
-    <p:sldId id="268" r:id="rId17"/>
+    <p:sldId id="274" r:id="rId13"/>
+    <p:sldId id="261" r:id="rId14"/>
+    <p:sldId id="267" r:id="rId15"/>
+    <p:sldId id="269" r:id="rId16"/>
+    <p:sldId id="270" r:id="rId17"/>
+    <p:sldId id="268" r:id="rId18"/>
+    <p:sldId id="273" r:id="rId19"/>
   </p:sldIdLst>
   <p:sldSz cx="12192000" cy="6858000"/>
   <p:notesSz cx="6858000" cy="9144000"/>
@@ -5047,7 +5049,7 @@
           <p:cNvPr id="2" name="Title 1">
             <a:extLst>
               <a:ext uri="{FF2B5EF4-FFF2-40B4-BE49-F238E27FC236}">
-                <a16:creationId xmlns:a16="http://schemas.microsoft.com/office/drawing/2014/main" id="{47A289F7-7C1E-46F6-850C-5C4A3205E905}"/>
+                <a16:creationId xmlns:a16="http://schemas.microsoft.com/office/drawing/2014/main" id="{1769AC8C-6A7E-45FA-9562-D9DE6754CBAD}"/>
               </a:ext>
             </a:extLst>
           </p:cNvPr>
@@ -5065,98 +5067,50 @@
           <a:p>
             <a:r>
               <a:rPr lang="en-US" dirty="0"/>
-              <a:t>Exploring the data (Template)</a:t>
-            </a:r>
-          </a:p>
-        </p:txBody>
-      </p:sp>
-      <p:sp>
-        <p:nvSpPr>
-          <p:cNvPr id="3" name="Content Placeholder 2">
+              <a:t>Connection between nodes and edges:</a:t>
+            </a:r>
+          </a:p>
+        </p:txBody>
+      </p:sp>
+      <p:pic>
+        <p:nvPicPr>
+          <p:cNvPr id="5" name="Content Placeholder 4">
             <a:extLst>
               <a:ext uri="{FF2B5EF4-FFF2-40B4-BE49-F238E27FC236}">
-                <a16:creationId xmlns:a16="http://schemas.microsoft.com/office/drawing/2014/main" id="{5BA735FA-D620-4677-B3F9-84CA7053B1E9}"/>
+                <a16:creationId xmlns:a16="http://schemas.microsoft.com/office/drawing/2014/main" id="{6FFFA01F-1B89-40AC-8FBE-1D847B9809EF}"/>
               </a:ext>
             </a:extLst>
           </p:cNvPr>
-          <p:cNvSpPr>
-            <a:spLocks noGrp="1"/>
-          </p:cNvSpPr>
+          <p:cNvPicPr>
+            <a:picLocks noGrp="1" noChangeAspect="1"/>
+          </p:cNvPicPr>
           <p:nvPr>
             <p:ph idx="1"/>
           </p:nvPr>
-        </p:nvSpPr>
-        <p:spPr/>
-        <p:txBody>
-          <a:bodyPr>
-            <a:normAutofit/>
-          </a:bodyPr>
-          <a:lstStyle/>
-          <a:p>
-            <a:r>
-              <a:rPr lang="en-US" dirty="0"/>
-              <a:t>Edge list graph with the same format as the large graph data (.csv)</a:t>
-            </a:r>
-          </a:p>
-          <a:p>
-            <a:r>
-              <a:rPr lang="en-US" dirty="0"/>
-              <a:t>Was built by CGCS to represent suspicious activity associated with the hack </a:t>
-            </a:r>
-          </a:p>
-          <a:p>
-            <a:r>
-              <a:rPr lang="en-US" dirty="0"/>
-              <a:t>It is a reference pattern for looking for the suspicious activities</a:t>
-            </a:r>
-          </a:p>
-          <a:p>
-            <a:r>
-              <a:rPr lang="en-US" dirty="0"/>
-              <a:t>Details:</a:t>
-            </a:r>
-          </a:p>
-          <a:p>
-            <a:pPr lvl="1"/>
-            <a:r>
-              <a:rPr lang="en-US" dirty="0"/>
-              <a:t>File name: CGCS-Template.csv</a:t>
-            </a:r>
-          </a:p>
-          <a:p>
-            <a:pPr lvl="1"/>
-            <a:r>
-              <a:rPr lang="en-US" dirty="0"/>
-              <a:t>1325 rows</a:t>
-            </a:r>
-          </a:p>
-          <a:p>
-            <a:pPr lvl="1"/>
-            <a:r>
-              <a:rPr lang="en-US" dirty="0"/>
-              <a:t>301 have location data, none have longitude and latitude</a:t>
-            </a:r>
-          </a:p>
-          <a:p>
-            <a:pPr lvl="1"/>
-            <a:r>
-              <a:rPr lang="en-US" dirty="0"/>
-              <a:t>The co-authorship channel is replaced by -99 </a:t>
-            </a:r>
-            <a:br>
-              <a:rPr lang="en-US" dirty="0"/>
-            </a:br>
-            <a:endParaRPr lang="en-US" dirty="0"/>
-          </a:p>
-          <a:p>
-            <a:endParaRPr lang="en-US" dirty="0"/>
-          </a:p>
-        </p:txBody>
-      </p:sp>
+        </p:nvPicPr>
+        <p:blipFill>
+          <a:blip r:embed="rId2">
+            <a:extLst>
+              <a:ext uri="{28A0092B-C50C-407E-A947-70E740481C1C}">
+                <a14:useLocalDpi xmlns:a14="http://schemas.microsoft.com/office/drawing/2010/main" val="0"/>
+              </a:ext>
+            </a:extLst>
+          </a:blip>
+          <a:stretch>
+            <a:fillRect/>
+          </a:stretch>
+        </p:blipFill>
+        <p:spPr>
+          <a:xfrm>
+            <a:off x="2014287" y="1356806"/>
+            <a:ext cx="8163426" cy="5136069"/>
+          </a:xfrm>
+        </p:spPr>
+      </p:pic>
     </p:spTree>
     <p:extLst>
       <p:ext uri="{BB962C8B-B14F-4D97-AF65-F5344CB8AC3E}">
-        <p14:creationId xmlns:p14="http://schemas.microsoft.com/office/powerpoint/2010/main" val="3152096319"/>
+        <p14:creationId xmlns:p14="http://schemas.microsoft.com/office/powerpoint/2010/main" val="2452767946"/>
       </p:ext>
     </p:extLst>
   </p:cSld>
@@ -5188,7 +5142,7 @@
           <p:cNvPr id="2" name="Title 1">
             <a:extLst>
               <a:ext uri="{FF2B5EF4-FFF2-40B4-BE49-F238E27FC236}">
-                <a16:creationId xmlns:a16="http://schemas.microsoft.com/office/drawing/2014/main" id="{693F91C1-99DE-45FC-A7F6-CBABE9975D4B}"/>
+                <a16:creationId xmlns:a16="http://schemas.microsoft.com/office/drawing/2014/main" id="{47A289F7-7C1E-46F6-850C-5C4A3205E905}"/>
               </a:ext>
             </a:extLst>
           </p:cNvPr>
@@ -5206,7 +5160,7 @@
           <a:p>
             <a:r>
               <a:rPr lang="en-US" dirty="0"/>
-              <a:t>Question 1</a:t>
+              <a:t>Exploring the data (Template)</a:t>
             </a:r>
           </a:p>
         </p:txBody>
@@ -5216,7 +5170,7 @@
           <p:cNvPr id="3" name="Content Placeholder 2">
             <a:extLst>
               <a:ext uri="{FF2B5EF4-FFF2-40B4-BE49-F238E27FC236}">
-                <a16:creationId xmlns:a16="http://schemas.microsoft.com/office/drawing/2014/main" id="{51965E6A-87F9-4CC2-9E30-3C857D20DF71}"/>
+                <a16:creationId xmlns:a16="http://schemas.microsoft.com/office/drawing/2014/main" id="{5BA735FA-D620-4677-B3F9-84CA7053B1E9}"/>
               </a:ext>
             </a:extLst>
           </p:cNvPr>
@@ -5229,36 +5183,65 @@
         </p:nvSpPr>
         <p:spPr/>
         <p:txBody>
-          <a:bodyPr/>
+          <a:bodyPr>
+            <a:normAutofit/>
+          </a:bodyPr>
           <a:lstStyle/>
           <a:p>
-            <a:pPr marL="0" indent="0">
-              <a:buNone/>
-            </a:pPr>
             <a:r>
               <a:rPr lang="en-US" dirty="0"/>
-              <a:t>Using visual analytics, compare the template subgraph with the potential matches provided. Show where the two graphs agree and disagree. Use your tool to answer the following questions:</a:t>
-            </a:r>
-          </a:p>
-          <a:p>
-            <a:pPr marL="514350" indent="-514350">
-              <a:buFont typeface="+mj-lt"/>
-              <a:buAutoNum type="alphaLcParenR"/>
-            </a:pPr>
+              <a:t>Edge list graph with the same format as the large graph data (.csv)</a:t>
+            </a:r>
+          </a:p>
+          <a:p>
             <a:r>
               <a:rPr lang="en-US" dirty="0"/>
-              <a:t>Compare the five candidate subgraphs to the provided template. Show where the two graphs agree and disagree. Which subgraph matches the template the best? </a:t>
-            </a:r>
-          </a:p>
-          <a:p>
-            <a:pPr marL="514350" indent="-514350">
-              <a:buFont typeface="+mj-lt"/>
-              <a:buAutoNum type="alphaLcParenR"/>
-            </a:pPr>
+              <a:t>Was built by CGCS to represent suspicious activity associated with the hack </a:t>
+            </a:r>
+          </a:p>
+          <a:p>
             <a:r>
               <a:rPr lang="en-US" dirty="0"/>
-              <a:t>Which key parts of the best match help discriminate it from the other potential matches? </a:t>
-            </a:r>
+              <a:t>It is a reference pattern for looking for the suspicious activities</a:t>
+            </a:r>
+          </a:p>
+          <a:p>
+            <a:r>
+              <a:rPr lang="en-US" dirty="0"/>
+              <a:t>Details:</a:t>
+            </a:r>
+          </a:p>
+          <a:p>
+            <a:pPr lvl="1"/>
+            <a:r>
+              <a:rPr lang="en-US" dirty="0"/>
+              <a:t>File name: CGCS-Template.csv</a:t>
+            </a:r>
+          </a:p>
+          <a:p>
+            <a:pPr lvl="1"/>
+            <a:r>
+              <a:rPr lang="en-US" dirty="0"/>
+              <a:t>1325 rows</a:t>
+            </a:r>
+          </a:p>
+          <a:p>
+            <a:pPr lvl="1"/>
+            <a:r>
+              <a:rPr lang="en-US" dirty="0"/>
+              <a:t>301 have location data, none have longitude and latitude</a:t>
+            </a:r>
+          </a:p>
+          <a:p>
+            <a:pPr lvl="1"/>
+            <a:r>
+              <a:rPr lang="en-US" dirty="0"/>
+              <a:t>The co-authorship channel is replaced by -99 </a:t>
+            </a:r>
+            <a:br>
+              <a:rPr lang="en-US" dirty="0"/>
+            </a:br>
+            <a:endParaRPr lang="en-US" dirty="0"/>
           </a:p>
           <a:p>
             <a:endParaRPr lang="en-US" dirty="0"/>
@@ -5268,7 +5251,7 @@
     </p:spTree>
     <p:extLst>
       <p:ext uri="{BB962C8B-B14F-4D97-AF65-F5344CB8AC3E}">
-        <p14:creationId xmlns:p14="http://schemas.microsoft.com/office/powerpoint/2010/main" val="2224950180"/>
+        <p14:creationId xmlns:p14="http://schemas.microsoft.com/office/powerpoint/2010/main" val="3152096319"/>
       </p:ext>
     </p:extLst>
   </p:cSld>
@@ -5300,6 +5283,118 @@
           <p:cNvPr id="2" name="Title 1">
             <a:extLst>
               <a:ext uri="{FF2B5EF4-FFF2-40B4-BE49-F238E27FC236}">
+                <a16:creationId xmlns:a16="http://schemas.microsoft.com/office/drawing/2014/main" id="{693F91C1-99DE-45FC-A7F6-CBABE9975D4B}"/>
+              </a:ext>
+            </a:extLst>
+          </p:cNvPr>
+          <p:cNvSpPr>
+            <a:spLocks noGrp="1"/>
+          </p:cNvSpPr>
+          <p:nvPr>
+            <p:ph type="title"/>
+          </p:nvPr>
+        </p:nvSpPr>
+        <p:spPr/>
+        <p:txBody>
+          <a:bodyPr/>
+          <a:lstStyle/>
+          <a:p>
+            <a:r>
+              <a:rPr lang="en-US" dirty="0"/>
+              <a:t>Question 1</a:t>
+            </a:r>
+          </a:p>
+        </p:txBody>
+      </p:sp>
+      <p:sp>
+        <p:nvSpPr>
+          <p:cNvPr id="3" name="Content Placeholder 2">
+            <a:extLst>
+              <a:ext uri="{FF2B5EF4-FFF2-40B4-BE49-F238E27FC236}">
+                <a16:creationId xmlns:a16="http://schemas.microsoft.com/office/drawing/2014/main" id="{51965E6A-87F9-4CC2-9E30-3C857D20DF71}"/>
+              </a:ext>
+            </a:extLst>
+          </p:cNvPr>
+          <p:cNvSpPr>
+            <a:spLocks noGrp="1"/>
+          </p:cNvSpPr>
+          <p:nvPr>
+            <p:ph idx="1"/>
+          </p:nvPr>
+        </p:nvSpPr>
+        <p:spPr/>
+        <p:txBody>
+          <a:bodyPr/>
+          <a:lstStyle/>
+          <a:p>
+            <a:pPr marL="0" indent="0">
+              <a:buNone/>
+            </a:pPr>
+            <a:r>
+              <a:rPr lang="en-US" dirty="0"/>
+              <a:t>Using visual analytics, compare the template subgraph with the potential matches provided. Show where the two graphs agree and disagree. Use your tool to answer the following questions:</a:t>
+            </a:r>
+          </a:p>
+          <a:p>
+            <a:pPr marL="514350" indent="-514350">
+              <a:buFont typeface="+mj-lt"/>
+              <a:buAutoNum type="alphaLcParenR"/>
+            </a:pPr>
+            <a:r>
+              <a:rPr lang="en-US" dirty="0"/>
+              <a:t>Compare the five candidate subgraphs to the provided template. Show where the two graphs agree and disagree. Which subgraph matches the template the best? </a:t>
+            </a:r>
+          </a:p>
+          <a:p>
+            <a:pPr marL="514350" indent="-514350">
+              <a:buFont typeface="+mj-lt"/>
+              <a:buAutoNum type="alphaLcParenR"/>
+            </a:pPr>
+            <a:r>
+              <a:rPr lang="en-US" dirty="0"/>
+              <a:t>Which key parts of the best match help discriminate it from the other potential matches? </a:t>
+            </a:r>
+          </a:p>
+          <a:p>
+            <a:endParaRPr lang="en-US" dirty="0"/>
+          </a:p>
+        </p:txBody>
+      </p:sp>
+    </p:spTree>
+    <p:extLst>
+      <p:ext uri="{BB962C8B-B14F-4D97-AF65-F5344CB8AC3E}">
+        <p14:creationId xmlns:p14="http://schemas.microsoft.com/office/powerpoint/2010/main" val="2224950180"/>
+      </p:ext>
+    </p:extLst>
+  </p:cSld>
+  <p:clrMapOvr>
+    <a:masterClrMapping/>
+  </p:clrMapOvr>
+</p:sld>
+</file>
+
+<file path=ppt/slides/slide15.xml><?xml version="1.0" encoding="utf-8"?>
+<p:sld xmlns:a="http://schemas.openxmlformats.org/drawingml/2006/main" xmlns:r="http://schemas.openxmlformats.org/officeDocument/2006/relationships" xmlns:p="http://schemas.openxmlformats.org/presentationml/2006/main">
+  <p:cSld>
+    <p:spTree>
+      <p:nvGrpSpPr>
+        <p:cNvPr id="1" name=""/>
+        <p:cNvGrpSpPr/>
+        <p:nvPr/>
+      </p:nvGrpSpPr>
+      <p:grpSpPr>
+        <a:xfrm>
+          <a:off x="0" y="0"/>
+          <a:ext cx="0" cy="0"/>
+          <a:chOff x="0" y="0"/>
+          <a:chExt cx="0" cy="0"/>
+        </a:xfrm>
+      </p:grpSpPr>
+      <p:sp>
+        <p:nvSpPr>
+          <p:cNvPr id="2" name="Title 1">
+            <a:extLst>
+              <a:ext uri="{FF2B5EF4-FFF2-40B4-BE49-F238E27FC236}">
                 <a16:creationId xmlns:a16="http://schemas.microsoft.com/office/drawing/2014/main" id="{EC5CF48B-31CF-4E4C-B83F-C763D13AFA5E}"/>
               </a:ext>
             </a:extLst>
@@ -5346,7 +5441,13 @@
           <a:p>
             <a:r>
               <a:rPr lang="en-US" dirty="0"/>
-              <a:t>5 Candidate Subgraphs: </a:t>
+              <a:t>5 Candidate Subgraphs:</a:t>
+            </a:r>
+          </a:p>
+          <a:p>
+            <a:r>
+              <a:rPr lang="en-US" dirty="0"/>
+              <a:t>The subgraphs are the same format as the Template with some differences: </a:t>
             </a:r>
           </a:p>
           <a:p>
@@ -5372,20 +5473,20 @@
           <p:nvPr>
             <p:extLst>
               <p:ext uri="{D42A27DB-BD31-4B8C-83A1-F6EECF244321}">
-                <p14:modId xmlns:p14="http://schemas.microsoft.com/office/powerpoint/2010/main" val="680710443"/>
+                <p14:modId xmlns:p14="http://schemas.microsoft.com/office/powerpoint/2010/main" val="2129310447"/>
               </p:ext>
             </p:extLst>
           </p:nvPr>
         </p:nvGraphicFramePr>
         <p:xfrm>
-          <a:off x="949912" y="2865856"/>
-          <a:ext cx="11216404" cy="2865120"/>
+          <a:off x="2559637" y="3311843"/>
+          <a:ext cx="6936319" cy="2865120"/>
         </p:xfrm>
         <a:graphic>
           <a:graphicData uri="http://schemas.openxmlformats.org/drawingml/2006/table">
             <a:tbl>
               <a:tblPr firstRow="1" bandRow="1">
-                <a:tableStyleId>{5C22544A-7EE6-4342-B048-85BDC9FD1C3A}</a:tableStyleId>
+                <a:tableStyleId>{93296810-A885-4BE3-A3E7-6D5BEEA58F35}</a:tableStyleId>
               </a:tblPr>
               <a:tblGrid>
                 <a:gridCol w="1955200">
@@ -5423,34 +5524,6 @@
                     </a:ext>
                   </a:extLst>
                 </a:gridCol>
-                <a:gridCol w="1225839">
-                  <a:extLst>
-                    <a:ext uri="{9D8B030D-6E8A-4147-A177-3AD203B41FA5}">
-                      <a16:colId xmlns:a16="http://schemas.microsoft.com/office/drawing/2014/main" val="3823161395"/>
-                    </a:ext>
-                  </a:extLst>
-                </a:gridCol>
-                <a:gridCol w="1018082">
-                  <a:extLst>
-                    <a:ext uri="{9D8B030D-6E8A-4147-A177-3AD203B41FA5}">
-                      <a16:colId xmlns:a16="http://schemas.microsoft.com/office/drawing/2014/main" val="3316443882"/>
-                    </a:ext>
-                  </a:extLst>
-                </a:gridCol>
-                <a:gridCol w="1018082">
-                  <a:extLst>
-                    <a:ext uri="{9D8B030D-6E8A-4147-A177-3AD203B41FA5}">
-                      <a16:colId xmlns:a16="http://schemas.microsoft.com/office/drawing/2014/main" val="281413111"/>
-                    </a:ext>
-                  </a:extLst>
-                </a:gridCol>
-                <a:gridCol w="1018082">
-                  <a:extLst>
-                    <a:ext uri="{9D8B030D-6E8A-4147-A177-3AD203B41FA5}">
-                      <a16:colId xmlns:a16="http://schemas.microsoft.com/office/drawing/2014/main" val="2572223220"/>
-                    </a:ext>
-                  </a:extLst>
-                </a:gridCol>
               </a:tblGrid>
               <a:tr h="416676">
                 <a:tc>
@@ -5514,46 +5587,6 @@
                         <a:rPr lang="en-US" dirty="0"/>
                         <a:t>#longitude, Latitude</a:t>
                       </a:r>
-                    </a:p>
-                  </a:txBody>
-                  <a:tcPr/>
-                </a:tc>
-                <a:tc>
-                  <a:txBody>
-                    <a:bodyPr/>
-                    <a:lstStyle/>
-                    <a:p>
-                      <a:endParaRPr lang="en-US" dirty="0"/>
-                    </a:p>
-                  </a:txBody>
-                  <a:tcPr/>
-                </a:tc>
-                <a:tc>
-                  <a:txBody>
-                    <a:bodyPr/>
-                    <a:lstStyle/>
-                    <a:p>
-                      <a:endParaRPr lang="en-US"/>
-                    </a:p>
-                  </a:txBody>
-                  <a:tcPr/>
-                </a:tc>
-                <a:tc>
-                  <a:txBody>
-                    <a:bodyPr/>
-                    <a:lstStyle/>
-                    <a:p>
-                      <a:endParaRPr lang="en-US"/>
-                    </a:p>
-                  </a:txBody>
-                  <a:tcPr/>
-                </a:tc>
-                <a:tc>
-                  <a:txBody>
-                    <a:bodyPr/>
-                    <a:lstStyle/>
-                    <a:p>
-                      <a:endParaRPr lang="en-US"/>
                     </a:p>
                   </a:txBody>
                   <a:tcPr/>
@@ -5602,14 +5635,8 @@
                     <a:p>
                       <a:pPr algn="ctr"/>
                       <a:r>
-                        <a:rPr lang="en-US" sz="1800" b="0" i="0" kern="1200" dirty="0">
-                          <a:solidFill>
-                            <a:schemeClr val="dk1"/>
-                          </a:solidFill>
+                        <a:rPr lang="en-US" sz="1800" kern="1200" dirty="0">
                           <a:effectLst/>
-                          <a:latin typeface="+mn-lt"/>
-                          <a:ea typeface="+mn-ea"/>
-                          <a:cs typeface="+mn-cs"/>
                         </a:rPr>
                         <a:t>1216</a:t>
                       </a:r>
@@ -5639,14 +5666,8 @@
                     <a:p>
                       <a:pPr algn="ctr"/>
                       <a:r>
-                        <a:rPr lang="en-US" sz="1800" b="0" i="0" kern="1200" dirty="0">
-                          <a:solidFill>
-                            <a:schemeClr val="dk1"/>
-                          </a:solidFill>
+                        <a:rPr lang="en-US" sz="1800" kern="1200" dirty="0">
                           <a:effectLst/>
-                          <a:latin typeface="+mn-lt"/>
-                          <a:ea typeface="+mn-ea"/>
-                          <a:cs typeface="+mn-cs"/>
                         </a:rPr>
                         <a:t>168</a:t>
                       </a:r>
@@ -5665,48 +5686,6 @@
                         <a:rPr lang="en-US" dirty="0"/>
                         <a:t>168</a:t>
                       </a:r>
-                    </a:p>
-                  </a:txBody>
-                  <a:tcPr/>
-                </a:tc>
-                <a:tc>
-                  <a:txBody>
-                    <a:bodyPr/>
-                    <a:lstStyle/>
-                    <a:p>
-                      <a:pPr algn="ctr"/>
-                      <a:endParaRPr lang="en-US" dirty="0"/>
-                    </a:p>
-                  </a:txBody>
-                  <a:tcPr/>
-                </a:tc>
-                <a:tc>
-                  <a:txBody>
-                    <a:bodyPr/>
-                    <a:lstStyle/>
-                    <a:p>
-                      <a:pPr algn="ctr"/>
-                      <a:endParaRPr lang="en-US"/>
-                    </a:p>
-                  </a:txBody>
-                  <a:tcPr/>
-                </a:tc>
-                <a:tc>
-                  <a:txBody>
-                    <a:bodyPr/>
-                    <a:lstStyle/>
-                    <a:p>
-                      <a:endParaRPr lang="en-US"/>
-                    </a:p>
-                  </a:txBody>
-                  <a:tcPr/>
-                </a:tc>
-                <a:tc>
-                  <a:txBody>
-                    <a:bodyPr/>
-                    <a:lstStyle/>
-                    <a:p>
-                      <a:endParaRPr lang="en-US"/>
                     </a:p>
                   </a:txBody>
                   <a:tcPr/>
@@ -5755,14 +5734,8 @@
                     <a:p>
                       <a:pPr algn="ctr"/>
                       <a:r>
-                        <a:rPr lang="en-US" sz="1800" b="0" i="0" kern="1200" dirty="0">
-                          <a:solidFill>
-                            <a:schemeClr val="dk1"/>
-                          </a:solidFill>
+                        <a:rPr lang="en-US" sz="1800" kern="1200" dirty="0">
                           <a:effectLst/>
-                          <a:latin typeface="+mn-lt"/>
-                          <a:ea typeface="+mn-ea"/>
-                          <a:cs typeface="+mn-cs"/>
                         </a:rPr>
                         <a:t>1300</a:t>
                       </a:r>
@@ -5811,48 +5784,6 @@
                         <a:rPr lang="en-US" dirty="0"/>
                         <a:t>201</a:t>
                       </a:r>
-                    </a:p>
-                  </a:txBody>
-                  <a:tcPr/>
-                </a:tc>
-                <a:tc>
-                  <a:txBody>
-                    <a:bodyPr/>
-                    <a:lstStyle/>
-                    <a:p>
-                      <a:pPr algn="ctr"/>
-                      <a:endParaRPr lang="en-US" dirty="0"/>
-                    </a:p>
-                  </a:txBody>
-                  <a:tcPr/>
-                </a:tc>
-                <a:tc>
-                  <a:txBody>
-                    <a:bodyPr/>
-                    <a:lstStyle/>
-                    <a:p>
-                      <a:pPr algn="ctr"/>
-                      <a:endParaRPr lang="en-US"/>
-                    </a:p>
-                  </a:txBody>
-                  <a:tcPr/>
-                </a:tc>
-                <a:tc>
-                  <a:txBody>
-                    <a:bodyPr/>
-                    <a:lstStyle/>
-                    <a:p>
-                      <a:endParaRPr lang="en-US"/>
-                    </a:p>
-                  </a:txBody>
-                  <a:tcPr/>
-                </a:tc>
-                <a:tc>
-                  <a:txBody>
-                    <a:bodyPr/>
-                    <a:lstStyle/>
-                    <a:p>
-                      <a:endParaRPr lang="en-US"/>
                     </a:p>
                   </a:txBody>
                   <a:tcPr/>
@@ -5901,14 +5832,8 @@
                     <a:p>
                       <a:pPr algn="ctr"/>
                       <a:r>
-                        <a:rPr lang="en-US" sz="1800" b="0" i="0" kern="1200" dirty="0">
-                          <a:solidFill>
-                            <a:schemeClr val="dk1"/>
-                          </a:solidFill>
+                        <a:rPr lang="en-US" sz="1800" kern="1200" dirty="0">
                           <a:effectLst/>
-                          <a:latin typeface="+mn-lt"/>
-                          <a:ea typeface="+mn-ea"/>
-                          <a:cs typeface="+mn-cs"/>
                         </a:rPr>
                         <a:t>729</a:t>
                       </a:r>
@@ -5955,48 +5880,6 @@
                         <a:rPr lang="en-US" dirty="0"/>
                         <a:t>88</a:t>
                       </a:r>
-                    </a:p>
-                  </a:txBody>
-                  <a:tcPr/>
-                </a:tc>
-                <a:tc>
-                  <a:txBody>
-                    <a:bodyPr/>
-                    <a:lstStyle/>
-                    <a:p>
-                      <a:pPr algn="ctr"/>
-                      <a:endParaRPr lang="en-US"/>
-                    </a:p>
-                  </a:txBody>
-                  <a:tcPr/>
-                </a:tc>
-                <a:tc>
-                  <a:txBody>
-                    <a:bodyPr/>
-                    <a:lstStyle/>
-                    <a:p>
-                      <a:pPr algn="ctr"/>
-                      <a:endParaRPr lang="en-US"/>
-                    </a:p>
-                  </a:txBody>
-                  <a:tcPr/>
-                </a:tc>
-                <a:tc>
-                  <a:txBody>
-                    <a:bodyPr/>
-                    <a:lstStyle/>
-                    <a:p>
-                      <a:endParaRPr lang="en-US"/>
-                    </a:p>
-                  </a:txBody>
-                  <a:tcPr/>
-                </a:tc>
-                <a:tc>
-                  <a:txBody>
-                    <a:bodyPr/>
-                    <a:lstStyle/>
-                    <a:p>
-                      <a:endParaRPr lang="en-US"/>
                     </a:p>
                   </a:txBody>
                   <a:tcPr/>
@@ -6045,14 +5928,8 @@
                     <a:p>
                       <a:pPr algn="ctr"/>
                       <a:r>
-                        <a:rPr lang="en-US" sz="1800" b="0" i="0" kern="1200" dirty="0">
-                          <a:solidFill>
-                            <a:schemeClr val="dk1"/>
-                          </a:solidFill>
+                        <a:rPr lang="en-US" sz="1800" kern="1200" dirty="0">
                           <a:effectLst/>
-                          <a:latin typeface="+mn-lt"/>
-                          <a:ea typeface="+mn-ea"/>
-                          <a:cs typeface="+mn-cs"/>
                         </a:rPr>
                         <a:t>732</a:t>
                       </a:r>
@@ -6099,48 +5976,6 @@
                         <a:rPr lang="en-US" dirty="0"/>
                         <a:t>176</a:t>
                       </a:r>
-                    </a:p>
-                  </a:txBody>
-                  <a:tcPr/>
-                </a:tc>
-                <a:tc>
-                  <a:txBody>
-                    <a:bodyPr/>
-                    <a:lstStyle/>
-                    <a:p>
-                      <a:pPr algn="ctr"/>
-                      <a:endParaRPr lang="en-US" dirty="0"/>
-                    </a:p>
-                  </a:txBody>
-                  <a:tcPr/>
-                </a:tc>
-                <a:tc>
-                  <a:txBody>
-                    <a:bodyPr/>
-                    <a:lstStyle/>
-                    <a:p>
-                      <a:pPr algn="ctr"/>
-                      <a:endParaRPr lang="en-US"/>
-                    </a:p>
-                  </a:txBody>
-                  <a:tcPr/>
-                </a:tc>
-                <a:tc>
-                  <a:txBody>
-                    <a:bodyPr/>
-                    <a:lstStyle/>
-                    <a:p>
-                      <a:endParaRPr lang="en-US"/>
-                    </a:p>
-                  </a:txBody>
-                  <a:tcPr/>
-                </a:tc>
-                <a:tc>
-                  <a:txBody>
-                    <a:bodyPr/>
-                    <a:lstStyle/>
-                    <a:p>
-                      <a:endParaRPr lang="en-US"/>
                     </a:p>
                   </a:txBody>
                   <a:tcPr/>
@@ -6189,14 +6024,8 @@
                     <a:p>
                       <a:pPr algn="ctr"/>
                       <a:r>
-                        <a:rPr lang="en-US" sz="1800" b="0" i="0" kern="1200" dirty="0">
-                          <a:solidFill>
-                            <a:schemeClr val="dk1"/>
-                          </a:solidFill>
+                        <a:rPr lang="en-US" sz="1800" kern="1200" dirty="0">
                           <a:effectLst/>
-                          <a:latin typeface="+mn-lt"/>
-                          <a:ea typeface="+mn-ea"/>
-                          <a:cs typeface="+mn-cs"/>
                         </a:rPr>
                         <a:t>395</a:t>
                       </a:r>
@@ -6243,48 +6072,6 @@
                         <a:rPr lang="en-US" dirty="0"/>
                         <a:t>124</a:t>
                       </a:r>
-                    </a:p>
-                  </a:txBody>
-                  <a:tcPr/>
-                </a:tc>
-                <a:tc>
-                  <a:txBody>
-                    <a:bodyPr/>
-                    <a:lstStyle/>
-                    <a:p>
-                      <a:pPr algn="ctr"/>
-                      <a:endParaRPr lang="en-US" dirty="0"/>
-                    </a:p>
-                  </a:txBody>
-                  <a:tcPr/>
-                </a:tc>
-                <a:tc>
-                  <a:txBody>
-                    <a:bodyPr/>
-                    <a:lstStyle/>
-                    <a:p>
-                      <a:pPr algn="ctr"/>
-                      <a:endParaRPr lang="en-US" dirty="0"/>
-                    </a:p>
-                  </a:txBody>
-                  <a:tcPr/>
-                </a:tc>
-                <a:tc>
-                  <a:txBody>
-                    <a:bodyPr/>
-                    <a:lstStyle/>
-                    <a:p>
-                      <a:endParaRPr lang="en-US"/>
-                    </a:p>
-                  </a:txBody>
-                  <a:tcPr/>
-                </a:tc>
-                <a:tc>
-                  <a:txBody>
-                    <a:bodyPr/>
-                    <a:lstStyle/>
-                    <a:p>
-                      <a:endParaRPr lang="en-US" dirty="0"/>
                     </a:p>
                   </a:txBody>
                   <a:tcPr/>
@@ -6333,14 +6120,8 @@
                     <a:p>
                       <a:pPr algn="ctr"/>
                       <a:r>
-                        <a:rPr lang="en-US" sz="1800" b="0" i="0" kern="1200" dirty="0">
-                          <a:solidFill>
-                            <a:schemeClr val="dk1"/>
-                          </a:solidFill>
+                        <a:rPr lang="en-US" sz="1800" kern="1200" dirty="0">
                           <a:effectLst/>
-                          <a:latin typeface="+mn-lt"/>
-                          <a:ea typeface="+mn-ea"/>
-                          <a:cs typeface="+mn-cs"/>
                         </a:rPr>
                         <a:t>1325</a:t>
                       </a:r>
@@ -6387,48 +6168,6 @@
                         <a:rPr lang="en-US" dirty="0"/>
                         <a:t>0</a:t>
                       </a:r>
-                    </a:p>
-                  </a:txBody>
-                  <a:tcPr/>
-                </a:tc>
-                <a:tc>
-                  <a:txBody>
-                    <a:bodyPr/>
-                    <a:lstStyle/>
-                    <a:p>
-                      <a:pPr algn="ctr"/>
-                      <a:endParaRPr lang="en-US" dirty="0"/>
-                    </a:p>
-                  </a:txBody>
-                  <a:tcPr/>
-                </a:tc>
-                <a:tc>
-                  <a:txBody>
-                    <a:bodyPr/>
-                    <a:lstStyle/>
-                    <a:p>
-                      <a:pPr algn="ctr"/>
-                      <a:endParaRPr lang="en-US" dirty="0"/>
-                    </a:p>
-                  </a:txBody>
-                  <a:tcPr/>
-                </a:tc>
-                <a:tc>
-                  <a:txBody>
-                    <a:bodyPr/>
-                    <a:lstStyle/>
-                    <a:p>
-                      <a:endParaRPr lang="en-US" dirty="0"/>
-                    </a:p>
-                  </a:txBody>
-                  <a:tcPr/>
-                </a:tc>
-                <a:tc>
-                  <a:txBody>
-                    <a:bodyPr/>
-                    <a:lstStyle/>
-                    <a:p>
-                      <a:endParaRPr lang="en-US" dirty="0"/>
                     </a:p>
                   </a:txBody>
                   <a:tcPr/>
@@ -6456,7 +6195,7 @@
 </p:sld>
 </file>
 
-<file path=ppt/slides/slide15.xml><?xml version="1.0" encoding="utf-8"?>
+<file path=ppt/slides/slide16.xml><?xml version="1.0" encoding="utf-8"?>
 <p:sld xmlns:a="http://schemas.openxmlformats.org/drawingml/2006/main" xmlns:r="http://schemas.openxmlformats.org/officeDocument/2006/relationships" xmlns:p="http://schemas.openxmlformats.org/presentationml/2006/main">
   <p:cSld>
     <p:spTree>
@@ -7890,7 +7629,7 @@
 </p:sld>
 </file>
 
-<file path=ppt/slides/slide16.xml><?xml version="1.0" encoding="utf-8"?>
+<file path=ppt/slides/slide17.xml><?xml version="1.0" encoding="utf-8"?>
 <p:sld xmlns:a="http://schemas.openxmlformats.org/drawingml/2006/main" xmlns:r="http://schemas.openxmlformats.org/officeDocument/2006/relationships" xmlns:p="http://schemas.openxmlformats.org/presentationml/2006/main">
   <p:cSld>
     <p:spTree>
@@ -7930,7 +7669,7 @@
           <a:p>
             <a:r>
               <a:rPr lang="en-US" dirty="0"/>
-              <a:t>Channels</a:t>
+              <a:t>Seeds</a:t>
             </a:r>
           </a:p>
         </p:txBody>
@@ -7956,10 +7695,7 @@
           <a:bodyPr/>
           <a:lstStyle/>
           <a:p>
-            <a:r>
-              <a:rPr lang="en-US" dirty="0"/>
-              <a:t>table</a:t>
-            </a:r>
+            <a:endParaRPr lang="en-US" dirty="0"/>
           </a:p>
         </p:txBody>
       </p:sp>
@@ -7967,6 +7703,89 @@
     <p:extLst>
       <p:ext uri="{BB962C8B-B14F-4D97-AF65-F5344CB8AC3E}">
         <p14:creationId xmlns:p14="http://schemas.microsoft.com/office/powerpoint/2010/main" val="3075707361"/>
+      </p:ext>
+    </p:extLst>
+  </p:cSld>
+  <p:clrMapOvr>
+    <a:masterClrMapping/>
+  </p:clrMapOvr>
+</p:sld>
+</file>
+
+<file path=ppt/slides/slide18.xml><?xml version="1.0" encoding="utf-8"?>
+<p:sld xmlns:a="http://schemas.openxmlformats.org/drawingml/2006/main" xmlns:r="http://schemas.openxmlformats.org/officeDocument/2006/relationships" xmlns:p="http://schemas.openxmlformats.org/presentationml/2006/main">
+  <p:cSld>
+    <p:spTree>
+      <p:nvGrpSpPr>
+        <p:cNvPr id="1" name=""/>
+        <p:cNvGrpSpPr/>
+        <p:nvPr/>
+      </p:nvGrpSpPr>
+      <p:grpSpPr>
+        <a:xfrm>
+          <a:off x="0" y="0"/>
+          <a:ext cx="0" cy="0"/>
+          <a:chOff x="0" y="0"/>
+          <a:chExt cx="0" cy="0"/>
+        </a:xfrm>
+      </p:grpSpPr>
+      <p:sp>
+        <p:nvSpPr>
+          <p:cNvPr id="2" name="Title 1">
+            <a:extLst>
+              <a:ext uri="{FF2B5EF4-FFF2-40B4-BE49-F238E27FC236}">
+                <a16:creationId xmlns:a16="http://schemas.microsoft.com/office/drawing/2014/main" id="{5115C648-66B8-49BE-B33E-D2150B203B24}"/>
+              </a:ext>
+            </a:extLst>
+          </p:cNvPr>
+          <p:cNvSpPr>
+            <a:spLocks noGrp="1"/>
+          </p:cNvSpPr>
+          <p:nvPr>
+            <p:ph type="title"/>
+          </p:nvPr>
+        </p:nvSpPr>
+        <p:spPr/>
+        <p:txBody>
+          <a:bodyPr/>
+          <a:lstStyle/>
+          <a:p>
+            <a:r>
+              <a:rPr lang="en-US" dirty="0"/>
+              <a:t>Very large Graph</a:t>
+            </a:r>
+          </a:p>
+        </p:txBody>
+      </p:sp>
+      <p:sp>
+        <p:nvSpPr>
+          <p:cNvPr id="3" name="Content Placeholder 2">
+            <a:extLst>
+              <a:ext uri="{FF2B5EF4-FFF2-40B4-BE49-F238E27FC236}">
+                <a16:creationId xmlns:a16="http://schemas.microsoft.com/office/drawing/2014/main" id="{B7CBAD27-F7D7-45FE-9E5B-0B22E29CC45E}"/>
+              </a:ext>
+            </a:extLst>
+          </p:cNvPr>
+          <p:cNvSpPr>
+            <a:spLocks noGrp="1"/>
+          </p:cNvSpPr>
+          <p:nvPr>
+            <p:ph idx="1"/>
+          </p:nvPr>
+        </p:nvSpPr>
+        <p:spPr/>
+        <p:txBody>
+          <a:bodyPr/>
+          <a:lstStyle/>
+          <a:p>
+            <a:endParaRPr lang="en-US"/>
+          </a:p>
+        </p:txBody>
+      </p:sp>
+    </p:spTree>
+    <p:extLst>
+      <p:ext uri="{BB962C8B-B14F-4D97-AF65-F5344CB8AC3E}">
+        <p14:creationId xmlns:p14="http://schemas.microsoft.com/office/powerpoint/2010/main" val="858323803"/>
       </p:ext>
     </p:extLst>
   </p:cSld>
@@ -9138,14 +8957,14 @@
             <p:ph idx="1"/>
             <p:extLst>
               <p:ext uri="{D42A27DB-BD31-4B8C-83A1-F6EECF244321}">
-                <p14:modId xmlns:p14="http://schemas.microsoft.com/office/powerpoint/2010/main" val="3417508652"/>
+                <p14:modId xmlns:p14="http://schemas.microsoft.com/office/powerpoint/2010/main" val="3261822853"/>
               </p:ext>
             </p:extLst>
           </p:nvPr>
         </p:nvGraphicFramePr>
         <p:xfrm>
-          <a:off x="838200" y="1825625"/>
-          <a:ext cx="10515600" cy="2494280"/>
+          <a:off x="838199" y="1443037"/>
+          <a:ext cx="10450551" cy="5049837"/>
         </p:xfrm>
         <a:graphic>
           <a:graphicData uri="http://schemas.openxmlformats.org/drawingml/2006/table">
@@ -9154,35 +8973,56 @@
                 <a:tableStyleId>{5C22544A-7EE6-4342-B048-85BDC9FD1C3A}</a:tableStyleId>
               </a:tblPr>
               <a:tblGrid>
-                <a:gridCol w="2103120">
+                <a:gridCol w="1771968">
                   <a:extLst>
                     <a:ext uri="{9D8B030D-6E8A-4147-A177-3AD203B41FA5}">
                       <a16:colId xmlns:a16="http://schemas.microsoft.com/office/drawing/2014/main" val="3729389960"/>
                     </a:ext>
                   </a:extLst>
                 </a:gridCol>
-                <a:gridCol w="2103120">
+                <a:gridCol w="835710">
                   <a:extLst>
                     <a:ext uri="{9D8B030D-6E8A-4147-A177-3AD203B41FA5}">
                       <a16:colId xmlns:a16="http://schemas.microsoft.com/office/drawing/2014/main" val="2281435260"/>
                     </a:ext>
                   </a:extLst>
                 </a:gridCol>
-                <a:gridCol w="2103120">
+                <a:gridCol w="2108825">
                   <a:extLst>
                     <a:ext uri="{9D8B030D-6E8A-4147-A177-3AD203B41FA5}">
                       <a16:colId xmlns:a16="http://schemas.microsoft.com/office/drawing/2014/main" val="2072369400"/>
                     </a:ext>
                   </a:extLst>
                 </a:gridCol>
-                <a:gridCol w="2103120">
+                <a:gridCol w="981041">
                   <a:extLst>
                     <a:ext uri="{9D8B030D-6E8A-4147-A177-3AD203B41FA5}">
                       <a16:colId xmlns:a16="http://schemas.microsoft.com/office/drawing/2014/main" val="1567139128"/>
                     </a:ext>
                   </a:extLst>
                 </a:gridCol>
-                <a:gridCol w="2103120">
+                <a:gridCol w="1133509">
+                  <a:extLst>
+                    <a:ext uri="{9D8B030D-6E8A-4147-A177-3AD203B41FA5}">
+                      <a16:colId xmlns:a16="http://schemas.microsoft.com/office/drawing/2014/main" val="2267513749"/>
+                    </a:ext>
+                  </a:extLst>
+                </a:gridCol>
+                <a:gridCol w="1090938">
+                  <a:extLst>
+                    <a:ext uri="{9D8B030D-6E8A-4147-A177-3AD203B41FA5}">
+                      <a16:colId xmlns:a16="http://schemas.microsoft.com/office/drawing/2014/main" val="44632791"/>
+                    </a:ext>
+                  </a:extLst>
+                </a:gridCol>
+                <a:gridCol w="1107710">
+                  <a:extLst>
+                    <a:ext uri="{9D8B030D-6E8A-4147-A177-3AD203B41FA5}">
+                      <a16:colId xmlns:a16="http://schemas.microsoft.com/office/drawing/2014/main" val="3607100143"/>
+                    </a:ext>
+                  </a:extLst>
+                </a:gridCol>
+                <a:gridCol w="1420850">
                   <a:extLst>
                     <a:ext uri="{9D8B030D-6E8A-4147-A177-3AD203B41FA5}">
                       <a16:colId xmlns:a16="http://schemas.microsoft.com/office/drawing/2014/main" val="2294204304"/>
@@ -9190,17 +9030,16 @@
                   </a:extLst>
                 </a:gridCol>
               </a:tblGrid>
-              <a:tr h="370840">
-                <a:tc>
-                  <a:txBody>
-                    <a:bodyPr/>
-                    <a:lstStyle/>
-                    <a:p>
-                      <a:r>
-                        <a:rPr lang="en-US"/>
+              <a:tr h="666544">
+                <a:tc>
+                  <a:txBody>
+                    <a:bodyPr/>
+                    <a:lstStyle/>
+                    <a:p>
+                      <a:r>
+                        <a:rPr lang="en-US" sz="1600" dirty="0"/>
                         <a:t>Channel Name</a:t>
                       </a:r>
-                      <a:endParaRPr lang="en-US" dirty="0"/>
                     </a:p>
                   </a:txBody>
                   <a:tcPr/>
@@ -9210,7 +9049,10 @@
                     <a:bodyPr/>
                     <a:lstStyle/>
                     <a:p>
-                      <a:endParaRPr lang="en-US"/>
+                      <a:r>
+                        <a:rPr lang="en-US" sz="1600" dirty="0"/>
+                        <a:t>eType</a:t>
+                      </a:r>
                     </a:p>
                   </a:txBody>
                   <a:tcPr/>
@@ -9220,7 +9062,10 @@
                     <a:bodyPr/>
                     <a:lstStyle/>
                     <a:p>
-                      <a:endParaRPr lang="en-US"/>
+                      <a:r>
+                        <a:rPr lang="en-US" sz="1600" dirty="0"/>
+                        <a:t>Representation</a:t>
+                      </a:r>
                     </a:p>
                   </a:txBody>
                   <a:tcPr/>
@@ -9230,7 +9075,10 @@
                     <a:bodyPr/>
                     <a:lstStyle/>
                     <a:p>
-                      <a:endParaRPr lang="en-US"/>
+                      <a:r>
+                        <a:rPr lang="en-US" sz="1600" dirty="0"/>
+                        <a:t>Location</a:t>
+                      </a:r>
                     </a:p>
                   </a:txBody>
                   <a:tcPr/>
@@ -9240,7 +9088,49 @@
                     <a:bodyPr/>
                     <a:lstStyle/>
                     <a:p>
-                      <a:endParaRPr lang="en-US"/>
+                      <a:r>
+                        <a:rPr lang="en-US" sz="1600" dirty="0"/>
+                        <a:t>Weight</a:t>
+                      </a:r>
+                    </a:p>
+                  </a:txBody>
+                  <a:tcPr/>
+                </a:tc>
+                <a:tc>
+                  <a:txBody>
+                    <a:bodyPr/>
+                    <a:lstStyle/>
+                    <a:p>
+                      <a:r>
+                        <a:rPr lang="en-US" sz="1600" dirty="0"/>
+                        <a:t>Source</a:t>
+                      </a:r>
+                    </a:p>
+                  </a:txBody>
+                  <a:tcPr/>
+                </a:tc>
+                <a:tc>
+                  <a:txBody>
+                    <a:bodyPr/>
+                    <a:lstStyle/>
+                    <a:p>
+                      <a:r>
+                        <a:rPr lang="en-US" sz="1600" dirty="0"/>
+                        <a:t>Target</a:t>
+                      </a:r>
+                    </a:p>
+                  </a:txBody>
+                  <a:tcPr/>
+                </a:tc>
+                <a:tc>
+                  <a:txBody>
+                    <a:bodyPr/>
+                    <a:lstStyle/>
+                    <a:p>
+                      <a:r>
+                        <a:rPr lang="en-US" sz="1600" dirty="0"/>
+                        <a:t>Notable points</a:t>
+                      </a:r>
                     </a:p>
                   </a:txBody>
                   <a:tcPr/>
@@ -9251,23 +9141,23 @@
                   </a:ext>
                 </a:extLst>
               </a:tr>
-              <a:tr h="370840">
-                <a:tc>
-                  <a:txBody>
-                    <a:bodyPr/>
-                    <a:lstStyle/>
-                    <a:p>
-                      <a:r>
-                        <a:rPr lang="en-US" sz="1800" b="1" dirty="0"/>
+              <a:tr h="857772">
+                <a:tc>
+                  <a:txBody>
+                    <a:bodyPr/>
+                    <a:lstStyle/>
+                    <a:p>
+                      <a:r>
+                        <a:rPr lang="en-US" sz="1600" b="1" dirty="0"/>
                         <a:t>Communications</a:t>
                       </a:r>
                     </a:p>
                     <a:p>
                       <a:r>
-                        <a:rPr lang="en-US" sz="1800" b="1" dirty="0"/>
+                        <a:rPr lang="en-US" sz="1600" b="1" dirty="0"/>
                         <a:t>(phone and email)</a:t>
                       </a:r>
-                      <a:endParaRPr lang="en-US" dirty="0"/>
+                      <a:endParaRPr lang="en-US" sz="1600" dirty="0"/>
                     </a:p>
                   </a:txBody>
                   <a:tcPr/>
@@ -9277,7 +9167,11 @@
                     <a:bodyPr/>
                     <a:lstStyle/>
                     <a:p>
-                      <a:endParaRPr lang="en-US"/>
+                      <a:pPr algn="ctr"/>
+                      <a:r>
+                        <a:rPr lang="en-US" sz="1600" dirty="0"/>
+                        <a:t>0 &amp; 1</a:t>
+                      </a:r>
                     </a:p>
                   </a:txBody>
                   <a:tcPr/>
@@ -9287,7 +9181,10 @@
                     <a:bodyPr/>
                     <a:lstStyle/>
                     <a:p>
-                      <a:endParaRPr lang="en-US"/>
+                      <a:r>
+                        <a:rPr lang="en-US" sz="1600" dirty="0"/>
+                        <a:t>Direct connections between two persons</a:t>
+                      </a:r>
                     </a:p>
                   </a:txBody>
                   <a:tcPr/>
@@ -9297,7 +9194,11 @@
                     <a:bodyPr/>
                     <a:lstStyle/>
                     <a:p>
-                      <a:endParaRPr lang="en-US"/>
+                      <a:pPr algn="ctr"/>
+                      <a:r>
+                        <a:rPr lang="en-US" sz="1600" dirty="0"/>
+                        <a:t>Some</a:t>
+                      </a:r>
                     </a:p>
                   </a:txBody>
                   <a:tcPr/>
@@ -9307,7 +9208,52 @@
                     <a:bodyPr/>
                     <a:lstStyle/>
                     <a:p>
-                      <a:endParaRPr lang="en-US"/>
+                      <a:pPr algn="ctr"/>
+                      <a:r>
+                        <a:rPr lang="en-US" sz="1600" dirty="0"/>
+                        <a:t>Always 1</a:t>
+                      </a:r>
+                    </a:p>
+                  </a:txBody>
+                  <a:tcPr/>
+                </a:tc>
+                <a:tc>
+                  <a:txBody>
+                    <a:bodyPr/>
+                    <a:lstStyle/>
+                    <a:p>
+                      <a:pPr algn="ctr"/>
+                      <a:r>
+                        <a:rPr lang="en-US" sz="1600" dirty="0"/>
+                        <a:t>person</a:t>
+                      </a:r>
+                    </a:p>
+                  </a:txBody>
+                  <a:tcPr/>
+                </a:tc>
+                <a:tc>
+                  <a:txBody>
+                    <a:bodyPr/>
+                    <a:lstStyle/>
+                    <a:p>
+                      <a:pPr algn="ctr"/>
+                      <a:r>
+                        <a:rPr lang="en-US" sz="1600" dirty="0"/>
+                        <a:t>Person</a:t>
+                      </a:r>
+                    </a:p>
+                  </a:txBody>
+                  <a:tcPr/>
+                </a:tc>
+                <a:tc>
+                  <a:txBody>
+                    <a:bodyPr/>
+                    <a:lstStyle/>
+                    <a:p>
+                      <a:r>
+                        <a:rPr lang="en-US" sz="1600" dirty="0"/>
+                        <a:t>Phone and email channels not clear</a:t>
+                      </a:r>
                     </a:p>
                   </a:txBody>
                   <a:tcPr/>
@@ -9318,17 +9264,17 @@
                   </a:ext>
                 </a:extLst>
               </a:tr>
-              <a:tr h="370840">
-                <a:tc>
-                  <a:txBody>
-                    <a:bodyPr/>
-                    <a:lstStyle/>
-                    <a:p>
-                      <a:r>
-                        <a:rPr lang="en-US" sz="1800" b="1" dirty="0"/>
+              <a:tr h="857772">
+                <a:tc>
+                  <a:txBody>
+                    <a:bodyPr/>
+                    <a:lstStyle/>
+                    <a:p>
+                      <a:r>
+                        <a:rPr lang="en-US" sz="1600" b="1" dirty="0"/>
                         <a:t>Procurement</a:t>
                       </a:r>
-                      <a:endParaRPr lang="en-US" dirty="0"/>
+                      <a:endParaRPr lang="en-US" sz="1600" dirty="0"/>
                     </a:p>
                   </a:txBody>
                   <a:tcPr/>
@@ -9338,7 +9284,11 @@
                     <a:bodyPr/>
                     <a:lstStyle/>
                     <a:p>
-                      <a:endParaRPr lang="en-US"/>
+                      <a:pPr algn="ctr"/>
+                      <a:r>
+                        <a:rPr lang="en-US" sz="1600" dirty="0"/>
+                        <a:t>2 &amp; 3</a:t>
+                      </a:r>
                     </a:p>
                   </a:txBody>
                   <a:tcPr/>
@@ -9348,7 +9298,10 @@
                     <a:bodyPr/>
                     <a:lstStyle/>
                     <a:p>
-                      <a:endParaRPr lang="en-US"/>
+                      <a:r>
+                        <a:rPr lang="en-US" sz="1600" dirty="0"/>
+                        <a:t>Buying and selling an item</a:t>
+                      </a:r>
                     </a:p>
                   </a:txBody>
                   <a:tcPr/>
@@ -9358,7 +9311,11 @@
                     <a:bodyPr/>
                     <a:lstStyle/>
                     <a:p>
-                      <a:endParaRPr lang="en-US"/>
+                      <a:pPr algn="ctr"/>
+                      <a:r>
+                        <a:rPr lang="en-US" sz="1600" dirty="0"/>
+                        <a:t>no</a:t>
+                      </a:r>
                     </a:p>
                   </a:txBody>
                   <a:tcPr/>
@@ -9368,7 +9325,52 @@
                     <a:bodyPr/>
                     <a:lstStyle/>
                     <a:p>
-                      <a:endParaRPr lang="en-US"/>
+                      <a:pPr algn="ctr"/>
+                      <a:r>
+                        <a:rPr lang="en-US" sz="1600" dirty="0"/>
+                        <a:t>Value of the item</a:t>
+                      </a:r>
+                    </a:p>
+                  </a:txBody>
+                  <a:tcPr/>
+                </a:tc>
+                <a:tc>
+                  <a:txBody>
+                    <a:bodyPr/>
+                    <a:lstStyle/>
+                    <a:p>
+                      <a:pPr algn="ctr"/>
+                      <a:r>
+                        <a:rPr lang="en-US" sz="1600" dirty="0"/>
+                        <a:t>person</a:t>
+                      </a:r>
+                    </a:p>
+                  </a:txBody>
+                  <a:tcPr/>
+                </a:tc>
+                <a:tc>
+                  <a:txBody>
+                    <a:bodyPr/>
+                    <a:lstStyle/>
+                    <a:p>
+                      <a:pPr algn="ctr"/>
+                      <a:r>
+                        <a:rPr lang="en-US" sz="1600" dirty="0"/>
+                        <a:t>Item</a:t>
+                      </a:r>
+                    </a:p>
+                  </a:txBody>
+                  <a:tcPr/>
+                </a:tc>
+                <a:tc>
+                  <a:txBody>
+                    <a:bodyPr/>
+                    <a:lstStyle/>
+                    <a:p>
+                      <a:r>
+                        <a:rPr lang="en-US" sz="1600" dirty="0"/>
+                        <a:t>For each sell row exists: a buy row</a:t>
+                      </a:r>
                     </a:p>
                   </a:txBody>
                   <a:tcPr/>
@@ -9379,17 +9381,17 @@
                   </a:ext>
                 </a:extLst>
               </a:tr>
-              <a:tr h="370840">
-                <a:tc>
-                  <a:txBody>
-                    <a:bodyPr/>
-                    <a:lstStyle/>
-                    <a:p>
-                      <a:r>
-                        <a:rPr lang="en-US" sz="1800" b="1" dirty="0"/>
+              <a:tr h="857772">
+                <a:tc>
+                  <a:txBody>
+                    <a:bodyPr/>
+                    <a:lstStyle/>
+                    <a:p>
+                      <a:r>
+                        <a:rPr lang="en-US" sz="1600" b="1" dirty="0"/>
                         <a:t>Co-authorship</a:t>
                       </a:r>
-                      <a:endParaRPr lang="en-US" dirty="0"/>
+                      <a:endParaRPr lang="en-US" sz="1600" dirty="0"/>
                     </a:p>
                   </a:txBody>
                   <a:tcPr/>
@@ -9399,7 +9401,11 @@
                     <a:bodyPr/>
                     <a:lstStyle/>
                     <a:p>
-                      <a:endParaRPr lang="en-US"/>
+                      <a:pPr algn="ctr"/>
+                      <a:r>
+                        <a:rPr lang="en-US" sz="1600" dirty="0"/>
+                        <a:t>4</a:t>
+                      </a:r>
                     </a:p>
                   </a:txBody>
                   <a:tcPr/>
@@ -9409,7 +9415,10 @@
                     <a:bodyPr/>
                     <a:lstStyle/>
                     <a:p>
-                      <a:endParaRPr lang="en-US"/>
+                      <a:r>
+                        <a:rPr lang="en-US" sz="1600" dirty="0"/>
+                        <a:t>publication of scientific or technical articles</a:t>
+                      </a:r>
                     </a:p>
                   </a:txBody>
                   <a:tcPr/>
@@ -9419,7 +9428,11 @@
                     <a:bodyPr/>
                     <a:lstStyle/>
                     <a:p>
-                      <a:endParaRPr lang="en-US"/>
+                      <a:pPr algn="ctr"/>
+                      <a:r>
+                        <a:rPr lang="en-US" sz="1600" dirty="0"/>
+                        <a:t>no</a:t>
+                      </a:r>
                     </a:p>
                   </a:txBody>
                   <a:tcPr/>
@@ -9429,7 +9442,52 @@
                     <a:bodyPr/>
                     <a:lstStyle/>
                     <a:p>
-                      <a:endParaRPr lang="en-US"/>
+                      <a:pPr algn="ctr"/>
+                      <a:r>
+                        <a:rPr lang="en-US" sz="1600" dirty="0"/>
+                        <a:t>Fraction of the authors</a:t>
+                      </a:r>
+                    </a:p>
+                  </a:txBody>
+                  <a:tcPr/>
+                </a:tc>
+                <a:tc>
+                  <a:txBody>
+                    <a:bodyPr/>
+                    <a:lstStyle/>
+                    <a:p>
+                      <a:pPr algn="ctr"/>
+                      <a:r>
+                        <a:rPr lang="en-US" sz="1600" dirty="0"/>
+                        <a:t>Person (author)</a:t>
+                      </a:r>
+                    </a:p>
+                  </a:txBody>
+                  <a:tcPr/>
+                </a:tc>
+                <a:tc>
+                  <a:txBody>
+                    <a:bodyPr/>
+                    <a:lstStyle/>
+                    <a:p>
+                      <a:pPr algn="ctr"/>
+                      <a:r>
+                        <a:rPr lang="en-US" sz="1600" dirty="0"/>
+                        <a:t>Publication</a:t>
+                      </a:r>
+                    </a:p>
+                  </a:txBody>
+                  <a:tcPr/>
+                </a:tc>
+                <a:tc>
+                  <a:txBody>
+                    <a:bodyPr/>
+                    <a:lstStyle/>
+                    <a:p>
+                      <a:r>
+                        <a:rPr lang="en-US" sz="1600" dirty="0"/>
+                        <a:t>Date must be ignored (not relevant)</a:t>
+                      </a:r>
                     </a:p>
                   </a:txBody>
                   <a:tcPr/>
@@ -9440,17 +9498,17 @@
                   </a:ext>
                 </a:extLst>
               </a:tr>
-              <a:tr h="370840">
-                <a:tc>
-                  <a:txBody>
-                    <a:bodyPr/>
-                    <a:lstStyle/>
-                    <a:p>
-                      <a:r>
-                        <a:rPr lang="en-US" sz="1800" b="1" dirty="0"/>
+              <a:tr h="952205">
+                <a:tc>
+                  <a:txBody>
+                    <a:bodyPr/>
+                    <a:lstStyle/>
+                    <a:p>
+                      <a:r>
+                        <a:rPr lang="en-US" sz="1600" b="1" dirty="0"/>
                         <a:t>Demographics</a:t>
                       </a:r>
-                      <a:endParaRPr lang="en-US" dirty="0"/>
+                      <a:endParaRPr lang="en-US" sz="1600" dirty="0"/>
                     </a:p>
                   </a:txBody>
                   <a:tcPr/>
@@ -9460,7 +9518,11 @@
                     <a:bodyPr/>
                     <a:lstStyle/>
                     <a:p>
-                      <a:endParaRPr lang="en-US"/>
+                      <a:pPr algn="ctr"/>
+                      <a:r>
+                        <a:rPr lang="en-US" sz="1600" dirty="0"/>
+                        <a:t>5</a:t>
+                      </a:r>
                     </a:p>
                   </a:txBody>
                   <a:tcPr/>
@@ -9470,7 +9532,10 @@
                     <a:bodyPr/>
                     <a:lstStyle/>
                     <a:p>
-                      <a:endParaRPr lang="en-US"/>
+                      <a:r>
+                        <a:rPr lang="en-US" sz="1600" dirty="0"/>
+                        <a:t>spending characteristics of a person</a:t>
+                      </a:r>
                     </a:p>
                   </a:txBody>
                   <a:tcPr/>
@@ -9480,7 +9545,11 @@
                     <a:bodyPr/>
                     <a:lstStyle/>
                     <a:p>
-                      <a:endParaRPr lang="en-US"/>
+                      <a:pPr algn="ctr"/>
+                      <a:r>
+                        <a:rPr lang="en-US" sz="1600" dirty="0"/>
+                        <a:t>no</a:t>
+                      </a:r>
                     </a:p>
                   </a:txBody>
                   <a:tcPr/>
@@ -9490,7 +9559,52 @@
                     <a:bodyPr/>
                     <a:lstStyle/>
                     <a:p>
-                      <a:endParaRPr lang="en-US"/>
+                      <a:pPr algn="ctr"/>
+                      <a:r>
+                        <a:rPr lang="en-US" sz="1600" dirty="0"/>
+                        <a:t>Money spent</a:t>
+                      </a:r>
+                    </a:p>
+                  </a:txBody>
+                  <a:tcPr/>
+                </a:tc>
+                <a:tc>
+                  <a:txBody>
+                    <a:bodyPr/>
+                    <a:lstStyle/>
+                    <a:p>
+                      <a:pPr algn="ctr"/>
+                      <a:r>
+                        <a:rPr lang="en-US" sz="1600" dirty="0"/>
+                        <a:t>person / category</a:t>
+                      </a:r>
+                    </a:p>
+                  </a:txBody>
+                  <a:tcPr/>
+                </a:tc>
+                <a:tc>
+                  <a:txBody>
+                    <a:bodyPr/>
+                    <a:lstStyle/>
+                    <a:p>
+                      <a:pPr algn="ctr"/>
+                      <a:r>
+                        <a:rPr lang="en-US" sz="1600" dirty="0"/>
+                        <a:t>person / category</a:t>
+                      </a:r>
+                    </a:p>
+                  </a:txBody>
+                  <a:tcPr/>
+                </a:tc>
+                <a:tc>
+                  <a:txBody>
+                    <a:bodyPr/>
+                    <a:lstStyle/>
+                    <a:p>
+                      <a:r>
+                        <a:rPr lang="en-US" sz="1600" dirty="0"/>
+                        <a:t>29 categories</a:t>
+                      </a:r>
                     </a:p>
                   </a:txBody>
                   <a:tcPr/>
@@ -9501,17 +9615,17 @@
                   </a:ext>
                 </a:extLst>
               </a:tr>
-              <a:tr h="370840">
-                <a:tc>
-                  <a:txBody>
-                    <a:bodyPr/>
-                    <a:lstStyle/>
-                    <a:p>
-                      <a:r>
-                        <a:rPr lang="en-US" sz="1800" b="1" dirty="0"/>
+              <a:tr h="857772">
+                <a:tc>
+                  <a:txBody>
+                    <a:bodyPr/>
+                    <a:lstStyle/>
+                    <a:p>
+                      <a:r>
+                        <a:rPr lang="en-US" sz="1600" b="1" dirty="0"/>
                         <a:t>Travel</a:t>
                       </a:r>
-                      <a:endParaRPr lang="en-US" dirty="0"/>
+                      <a:endParaRPr lang="en-US" sz="1600" dirty="0"/>
                     </a:p>
                   </a:txBody>
                   <a:tcPr/>
@@ -9521,7 +9635,11 @@
                     <a:bodyPr/>
                     <a:lstStyle/>
                     <a:p>
-                      <a:endParaRPr lang="en-US"/>
+                      <a:pPr algn="ctr"/>
+                      <a:r>
+                        <a:rPr lang="en-US" sz="1600" dirty="0"/>
+                        <a:t>6</a:t>
+                      </a:r>
                     </a:p>
                   </a:txBody>
                   <a:tcPr/>
@@ -9531,7 +9649,10 @@
                     <a:bodyPr/>
                     <a:lstStyle/>
                     <a:p>
-                      <a:endParaRPr lang="en-US"/>
+                      <a:r>
+                        <a:rPr lang="en-US" sz="1600" dirty="0"/>
+                        <a:t>Connecting people by location</a:t>
+                      </a:r>
                     </a:p>
                   </a:txBody>
                   <a:tcPr/>
@@ -9541,7 +9662,11 @@
                     <a:bodyPr/>
                     <a:lstStyle/>
                     <a:p>
-                      <a:endParaRPr lang="en-US"/>
+                      <a:pPr algn="ctr"/>
+                      <a:r>
+                        <a:rPr lang="en-US" sz="1600" dirty="0"/>
+                        <a:t>yes</a:t>
+                      </a:r>
                     </a:p>
                   </a:txBody>
                   <a:tcPr/>
@@ -9551,7 +9676,52 @@
                     <a:bodyPr/>
                     <a:lstStyle/>
                     <a:p>
-                      <a:endParaRPr lang="en-US" dirty="0"/>
+                      <a:pPr algn="ctr"/>
+                      <a:r>
+                        <a:rPr lang="en-US" sz="1600" dirty="0"/>
+                        <a:t>Length of trip(days)</a:t>
+                      </a:r>
+                    </a:p>
+                  </a:txBody>
+                  <a:tcPr/>
+                </a:tc>
+                <a:tc>
+                  <a:txBody>
+                    <a:bodyPr/>
+                    <a:lstStyle/>
+                    <a:p>
+                      <a:pPr algn="ctr"/>
+                      <a:r>
+                        <a:rPr lang="en-US" sz="1600" dirty="0"/>
+                        <a:t>person</a:t>
+                      </a:r>
+                    </a:p>
+                  </a:txBody>
+                  <a:tcPr/>
+                </a:tc>
+                <a:tc>
+                  <a:txBody>
+                    <a:bodyPr/>
+                    <a:lstStyle/>
+                    <a:p>
+                      <a:pPr algn="ctr"/>
+                      <a:r>
+                        <a:rPr lang="en-US" sz="1600" dirty="0"/>
+                        <a:t>location</a:t>
+                      </a:r>
+                    </a:p>
+                  </a:txBody>
+                  <a:tcPr/>
+                </a:tc>
+                <a:tc>
+                  <a:txBody>
+                    <a:bodyPr/>
+                    <a:lstStyle/>
+                    <a:p>
+                      <a:r>
+                        <a:rPr lang="en-US" sz="1600" dirty="0"/>
+                        <a:t>Some weights are negative</a:t>
+                      </a:r>
                     </a:p>
                   </a:txBody>
                   <a:tcPr/>

--- a/Documentation/Project_Presentation_v1.pptx
+++ b/Documentation/Project_Presentation_v1.pptx
@@ -5,7 +5,7 @@
     <p:sldMasterId id="2147483648" r:id="rId1"/>
   </p:sldMasterIdLst>
   <p:notesMasterIdLst>
-    <p:notesMasterId r:id="rId20"/>
+    <p:notesMasterId r:id="rId21"/>
   </p:notesMasterIdLst>
   <p:sldIdLst>
     <p:sldId id="257" r:id="rId2"/>
@@ -24,8 +24,9 @@
     <p:sldId id="267" r:id="rId15"/>
     <p:sldId id="269" r:id="rId16"/>
     <p:sldId id="270" r:id="rId17"/>
-    <p:sldId id="268" r:id="rId18"/>
-    <p:sldId id="273" r:id="rId19"/>
+    <p:sldId id="275" r:id="rId18"/>
+    <p:sldId id="268" r:id="rId19"/>
+    <p:sldId id="273" r:id="rId20"/>
   </p:sldIdLst>
   <p:sldSz cx="12192000" cy="6858000"/>
   <p:notesSz cx="6858000" cy="9144000"/>
@@ -7651,6 +7652,92 @@
           <p:cNvPr id="2" name="Title 1">
             <a:extLst>
               <a:ext uri="{FF2B5EF4-FFF2-40B4-BE49-F238E27FC236}">
+                <a16:creationId xmlns:a16="http://schemas.microsoft.com/office/drawing/2014/main" id="{693F91C1-99DE-45FC-A7F6-CBABE9975D4B}"/>
+              </a:ext>
+            </a:extLst>
+          </p:cNvPr>
+          <p:cNvSpPr>
+            <a:spLocks noGrp="1"/>
+          </p:cNvSpPr>
+          <p:nvPr>
+            <p:ph type="title"/>
+          </p:nvPr>
+        </p:nvSpPr>
+        <p:spPr/>
+        <p:txBody>
+          <a:bodyPr/>
+          <a:lstStyle/>
+          <a:p>
+            <a:r>
+              <a:rPr lang="en-US" dirty="0"/>
+              <a:t>Question 2</a:t>
+            </a:r>
+          </a:p>
+        </p:txBody>
+      </p:sp>
+      <p:sp>
+        <p:nvSpPr>
+          <p:cNvPr id="3" name="Content Placeholder 2">
+            <a:extLst>
+              <a:ext uri="{FF2B5EF4-FFF2-40B4-BE49-F238E27FC236}">
+                <a16:creationId xmlns:a16="http://schemas.microsoft.com/office/drawing/2014/main" id="{51965E6A-87F9-4CC2-9E30-3C857D20DF71}"/>
+              </a:ext>
+            </a:extLst>
+          </p:cNvPr>
+          <p:cNvSpPr>
+            <a:spLocks noGrp="1"/>
+          </p:cNvSpPr>
+          <p:nvPr>
+            <p:ph idx="1"/>
+          </p:nvPr>
+        </p:nvSpPr>
+        <p:spPr/>
+        <p:txBody>
+          <a:bodyPr/>
+          <a:lstStyle/>
+          <a:p>
+            <a:r>
+              <a:rPr lang="en-US" dirty="0"/>
+              <a:t>CGCS has a set of “seed” IDs that may be members of other potential networks that could have been involved. Take a look at the very large graph. Can you determine if those IDs lead to other networks that matches the template?</a:t>
+            </a:r>
+          </a:p>
+        </p:txBody>
+      </p:sp>
+    </p:spTree>
+    <p:extLst>
+      <p:ext uri="{BB962C8B-B14F-4D97-AF65-F5344CB8AC3E}">
+        <p14:creationId xmlns:p14="http://schemas.microsoft.com/office/powerpoint/2010/main" val="1829412922"/>
+      </p:ext>
+    </p:extLst>
+  </p:cSld>
+  <p:clrMapOvr>
+    <a:masterClrMapping/>
+  </p:clrMapOvr>
+</p:sld>
+</file>
+
+<file path=ppt/slides/slide18.xml><?xml version="1.0" encoding="utf-8"?>
+<p:sld xmlns:a="http://schemas.openxmlformats.org/drawingml/2006/main" xmlns:r="http://schemas.openxmlformats.org/officeDocument/2006/relationships" xmlns:p="http://schemas.openxmlformats.org/presentationml/2006/main">
+  <p:cSld>
+    <p:spTree>
+      <p:nvGrpSpPr>
+        <p:cNvPr id="1" name=""/>
+        <p:cNvGrpSpPr/>
+        <p:nvPr/>
+      </p:nvGrpSpPr>
+      <p:grpSpPr>
+        <a:xfrm>
+          <a:off x="0" y="0"/>
+          <a:ext cx="0" cy="0"/>
+          <a:chOff x="0" y="0"/>
+          <a:chExt cx="0" cy="0"/>
+        </a:xfrm>
+      </p:grpSpPr>
+      <p:sp>
+        <p:nvSpPr>
+          <p:cNvPr id="2" name="Title 1">
+            <a:extLst>
+              <a:ext uri="{FF2B5EF4-FFF2-40B4-BE49-F238E27FC236}">
                 <a16:creationId xmlns:a16="http://schemas.microsoft.com/office/drawing/2014/main" id="{C5723F55-D07F-4E66-9BAA-754C68CE849A}"/>
               </a:ext>
             </a:extLst>
@@ -7692,13 +7779,489 @@
         </p:nvSpPr>
         <p:spPr/>
         <p:txBody>
-          <a:bodyPr/>
+          <a:bodyPr>
+            <a:normAutofit/>
+          </a:bodyPr>
           <a:lstStyle/>
           <a:p>
-            <a:endParaRPr lang="en-US" dirty="0"/>
+            <a:r>
+              <a:rPr lang="en-US" sz="2400" dirty="0"/>
+              <a:t>They will act as a starting point for finding hacker groups</a:t>
+            </a:r>
+          </a:p>
+          <a:p>
+            <a:pPr lvl="1"/>
+            <a:r>
+              <a:rPr lang="en-US" sz="2000" dirty="0"/>
+              <a:t>They only have one line</a:t>
+            </a:r>
+          </a:p>
+          <a:p>
+            <a:pPr lvl="1"/>
+            <a:r>
+              <a:rPr lang="en-US" sz="2000" dirty="0"/>
+              <a:t>No location information</a:t>
+            </a:r>
+          </a:p>
+          <a:p>
+            <a:r>
+              <a:rPr lang="en-US" sz="2400" dirty="0"/>
+              <a:t>Members of our potential groups in the large dataset(availability checked)</a:t>
+            </a:r>
+          </a:p>
+          <a:p>
+            <a:r>
+              <a:rPr lang="en-US" sz="2400" dirty="0"/>
+              <a:t>These are the values of the 3 seed files</a:t>
+            </a:r>
+          </a:p>
+          <a:p>
+            <a:endParaRPr lang="en-US" sz="2400" dirty="0"/>
           </a:p>
         </p:txBody>
       </p:sp>
+      <p:graphicFrame>
+        <p:nvGraphicFramePr>
+          <p:cNvPr id="4" name="Table 4">
+            <a:extLst>
+              <a:ext uri="{FF2B5EF4-FFF2-40B4-BE49-F238E27FC236}">
+                <a16:creationId xmlns:a16="http://schemas.microsoft.com/office/drawing/2014/main" id="{2A5C9B5F-B12D-43B8-A7D3-92C6A635E9F7}"/>
+              </a:ext>
+            </a:extLst>
+          </p:cNvPr>
+          <p:cNvGraphicFramePr>
+            <a:graphicFrameLocks noGrp="1"/>
+          </p:cNvGraphicFramePr>
+          <p:nvPr>
+            <p:extLst>
+              <p:ext uri="{D42A27DB-BD31-4B8C-83A1-F6EECF244321}">
+                <p14:modId xmlns:p14="http://schemas.microsoft.com/office/powerpoint/2010/main" val="3949870609"/>
+              </p:ext>
+            </p:extLst>
+          </p:nvPr>
+        </p:nvGraphicFramePr>
+        <p:xfrm>
+          <a:off x="1289049" y="4167715"/>
+          <a:ext cx="10150476" cy="2009248"/>
+        </p:xfrm>
+        <a:graphic>
+          <a:graphicData uri="http://schemas.openxmlformats.org/drawingml/2006/table">
+            <a:tbl>
+              <a:tblPr firstRow="1" bandRow="1">
+                <a:tableStyleId>{21E4AEA4-8DFA-4A89-87EB-49C32662AFE0}</a:tableStyleId>
+              </a:tblPr>
+              <a:tblGrid>
+                <a:gridCol w="1691746">
+                  <a:extLst>
+                    <a:ext uri="{9D8B030D-6E8A-4147-A177-3AD203B41FA5}">
+                      <a16:colId xmlns:a16="http://schemas.microsoft.com/office/drawing/2014/main" val="2681313205"/>
+                    </a:ext>
+                  </a:extLst>
+                </a:gridCol>
+                <a:gridCol w="1691746">
+                  <a:extLst>
+                    <a:ext uri="{9D8B030D-6E8A-4147-A177-3AD203B41FA5}">
+                      <a16:colId xmlns:a16="http://schemas.microsoft.com/office/drawing/2014/main" val="1274565177"/>
+                    </a:ext>
+                  </a:extLst>
+                </a:gridCol>
+                <a:gridCol w="1691746">
+                  <a:extLst>
+                    <a:ext uri="{9D8B030D-6E8A-4147-A177-3AD203B41FA5}">
+                      <a16:colId xmlns:a16="http://schemas.microsoft.com/office/drawing/2014/main" val="3327581110"/>
+                    </a:ext>
+                  </a:extLst>
+                </a:gridCol>
+                <a:gridCol w="1691746">
+                  <a:extLst>
+                    <a:ext uri="{9D8B030D-6E8A-4147-A177-3AD203B41FA5}">
+                      <a16:colId xmlns:a16="http://schemas.microsoft.com/office/drawing/2014/main" val="557321545"/>
+                    </a:ext>
+                  </a:extLst>
+                </a:gridCol>
+                <a:gridCol w="1691746">
+                  <a:extLst>
+                    <a:ext uri="{9D8B030D-6E8A-4147-A177-3AD203B41FA5}">
+                      <a16:colId xmlns:a16="http://schemas.microsoft.com/office/drawing/2014/main" val="906998426"/>
+                    </a:ext>
+                  </a:extLst>
+                </a:gridCol>
+                <a:gridCol w="1691746">
+                  <a:extLst>
+                    <a:ext uri="{9D8B030D-6E8A-4147-A177-3AD203B41FA5}">
+                      <a16:colId xmlns:a16="http://schemas.microsoft.com/office/drawing/2014/main" val="19775199"/>
+                    </a:ext>
+                  </a:extLst>
+                </a:gridCol>
+              </a:tblGrid>
+              <a:tr h="502312">
+                <a:tc>
+                  <a:txBody>
+                    <a:bodyPr/>
+                    <a:lstStyle/>
+                    <a:p>
+                      <a:pPr algn="ctr"/>
+                      <a:r>
+                        <a:rPr lang="en-US" dirty="0"/>
+                        <a:t>File name</a:t>
+                      </a:r>
+                    </a:p>
+                  </a:txBody>
+                  <a:tcPr/>
+                </a:tc>
+                <a:tc>
+                  <a:txBody>
+                    <a:bodyPr/>
+                    <a:lstStyle/>
+                    <a:p>
+                      <a:pPr algn="ctr"/>
+                      <a:r>
+                        <a:rPr lang="en-US" dirty="0"/>
+                        <a:t>Source</a:t>
+                      </a:r>
+                    </a:p>
+                  </a:txBody>
+                  <a:tcPr/>
+                </a:tc>
+                <a:tc>
+                  <a:txBody>
+                    <a:bodyPr/>
+                    <a:lstStyle/>
+                    <a:p>
+                      <a:pPr algn="ctr"/>
+                      <a:r>
+                        <a:rPr lang="en-US" dirty="0"/>
+                        <a:t>eType</a:t>
+                      </a:r>
+                    </a:p>
+                  </a:txBody>
+                  <a:tcPr/>
+                </a:tc>
+                <a:tc>
+                  <a:txBody>
+                    <a:bodyPr/>
+                    <a:lstStyle/>
+                    <a:p>
+                      <a:pPr algn="ctr"/>
+                      <a:r>
+                        <a:rPr lang="en-US" dirty="0"/>
+                        <a:t>Target</a:t>
+                      </a:r>
+                    </a:p>
+                  </a:txBody>
+                  <a:tcPr/>
+                </a:tc>
+                <a:tc>
+                  <a:txBody>
+                    <a:bodyPr/>
+                    <a:lstStyle/>
+                    <a:p>
+                      <a:pPr algn="ctr"/>
+                      <a:r>
+                        <a:rPr lang="en-US" dirty="0"/>
+                        <a:t>Time</a:t>
+                      </a:r>
+                    </a:p>
+                  </a:txBody>
+                  <a:tcPr/>
+                </a:tc>
+                <a:tc>
+                  <a:txBody>
+                    <a:bodyPr/>
+                    <a:lstStyle/>
+                    <a:p>
+                      <a:pPr algn="ctr"/>
+                      <a:r>
+                        <a:rPr lang="en-US" dirty="0"/>
+                        <a:t>Weight</a:t>
+                      </a:r>
+                    </a:p>
+                  </a:txBody>
+                  <a:tcPr/>
+                </a:tc>
+                <a:extLst>
+                  <a:ext uri="{0D108BD9-81ED-4DB2-BD59-A6C34878D82A}">
+                    <a16:rowId xmlns:a16="http://schemas.microsoft.com/office/drawing/2014/main" val="652785495"/>
+                  </a:ext>
+                </a:extLst>
+              </a:tr>
+              <a:tr h="502312">
+                <a:tc>
+                  <a:txBody>
+                    <a:bodyPr/>
+                    <a:lstStyle/>
+                    <a:p>
+                      <a:pPr algn="l"/>
+                      <a:r>
+                        <a:rPr lang="en-US" dirty="0"/>
+                        <a:t>Q2-Seed1.csv</a:t>
+                      </a:r>
+                    </a:p>
+                  </a:txBody>
+                  <a:tcPr/>
+                </a:tc>
+                <a:tc>
+                  <a:txBody>
+                    <a:bodyPr/>
+                    <a:lstStyle/>
+                    <a:p>
+                      <a:pPr algn="ctr"/>
+                      <a:r>
+                        <a:rPr lang="en-US" dirty="0"/>
+                        <a:t>600971</a:t>
+                      </a:r>
+                    </a:p>
+                  </a:txBody>
+                  <a:tcPr/>
+                </a:tc>
+                <a:tc>
+                  <a:txBody>
+                    <a:bodyPr/>
+                    <a:lstStyle/>
+                    <a:p>
+                      <a:pPr algn="ctr"/>
+                      <a:r>
+                        <a:rPr lang="en-US" dirty="0"/>
+                        <a:t>4</a:t>
+                      </a:r>
+                    </a:p>
+                  </a:txBody>
+                  <a:tcPr/>
+                </a:tc>
+                <a:tc>
+                  <a:txBody>
+                    <a:bodyPr/>
+                    <a:lstStyle/>
+                    <a:p>
+                      <a:pPr algn="ctr"/>
+                      <a:r>
+                        <a:rPr lang="en-US" dirty="0"/>
+                        <a:t>579269</a:t>
+                      </a:r>
+                    </a:p>
+                  </a:txBody>
+                  <a:tcPr/>
+                </a:tc>
+                <a:tc>
+                  <a:txBody>
+                    <a:bodyPr/>
+                    <a:lstStyle/>
+                    <a:p>
+                      <a:pPr algn="ctr"/>
+                      <a:r>
+                        <a:rPr lang="en-US" dirty="0"/>
+                        <a:t>-685755382</a:t>
+                      </a:r>
+                    </a:p>
+                  </a:txBody>
+                  <a:tcPr/>
+                </a:tc>
+                <a:tc>
+                  <a:txBody>
+                    <a:bodyPr/>
+                    <a:lstStyle/>
+                    <a:p>
+                      <a:pPr algn="ctr"/>
+                      <a:r>
+                        <a:rPr lang="en-US" dirty="0"/>
+                        <a:t>0.166667</a:t>
+                      </a:r>
+                    </a:p>
+                  </a:txBody>
+                  <a:tcPr/>
+                </a:tc>
+                <a:extLst>
+                  <a:ext uri="{0D108BD9-81ED-4DB2-BD59-A6C34878D82A}">
+                    <a16:rowId xmlns:a16="http://schemas.microsoft.com/office/drawing/2014/main" val="391719823"/>
+                  </a:ext>
+                </a:extLst>
+              </a:tr>
+              <a:tr h="502312">
+                <a:tc>
+                  <a:txBody>
+                    <a:bodyPr/>
+                    <a:lstStyle/>
+                    <a:p>
+                      <a:pPr algn="l"/>
+                      <a:r>
+                        <a:rPr lang="en-US" dirty="0"/>
+                        <a:t>Q2-Seed2.csv</a:t>
+                      </a:r>
+                    </a:p>
+                  </a:txBody>
+                  <a:tcPr/>
+                </a:tc>
+                <a:tc>
+                  <a:txBody>
+                    <a:bodyPr/>
+                    <a:lstStyle/>
+                    <a:p>
+                      <a:pPr algn="ctr"/>
+                      <a:r>
+                        <a:rPr lang="en-US" dirty="0"/>
+                        <a:t>538771</a:t>
+                      </a:r>
+                    </a:p>
+                  </a:txBody>
+                  <a:tcPr/>
+                </a:tc>
+                <a:tc>
+                  <a:txBody>
+                    <a:bodyPr/>
+                    <a:lstStyle/>
+                    <a:p>
+                      <a:pPr algn="ctr"/>
+                      <a:r>
+                        <a:rPr lang="en-US" dirty="0"/>
+                        <a:t>4</a:t>
+                      </a:r>
+                    </a:p>
+                  </a:txBody>
+                  <a:tcPr/>
+                </a:tc>
+                <a:tc>
+                  <a:txBody>
+                    <a:bodyPr/>
+                    <a:lstStyle/>
+                    <a:p>
+                      <a:pPr algn="ctr"/>
+                      <a:r>
+                        <a:rPr lang="en-US" dirty="0"/>
+                        <a:t>473043</a:t>
+                      </a:r>
+                    </a:p>
+                  </a:txBody>
+                  <a:tcPr/>
+                </a:tc>
+                <a:tc>
+                  <a:txBody>
+                    <a:bodyPr/>
+                    <a:lstStyle/>
+                    <a:p>
+                      <a:pPr algn="ctr"/>
+                      <a:r>
+                        <a:rPr lang="en-US" dirty="0"/>
+                        <a:t>-623491200</a:t>
+                      </a:r>
+                    </a:p>
+                  </a:txBody>
+                  <a:tcPr/>
+                </a:tc>
+                <a:tc>
+                  <a:txBody>
+                    <a:bodyPr/>
+                    <a:lstStyle/>
+                    <a:p>
+                      <a:pPr algn="ctr"/>
+                      <a:r>
+                        <a:rPr lang="en-US" dirty="0"/>
+                        <a:t>0.0909091</a:t>
+                      </a:r>
+                    </a:p>
+                  </a:txBody>
+                  <a:tcPr/>
+                </a:tc>
+                <a:extLst>
+                  <a:ext uri="{0D108BD9-81ED-4DB2-BD59-A6C34878D82A}">
+                    <a16:rowId xmlns:a16="http://schemas.microsoft.com/office/drawing/2014/main" val="4150123384"/>
+                  </a:ext>
+                </a:extLst>
+              </a:tr>
+              <a:tr h="502312">
+                <a:tc>
+                  <a:txBody>
+                    <a:bodyPr/>
+                    <a:lstStyle/>
+                    <a:p>
+                      <a:pPr algn="l"/>
+                      <a:r>
+                        <a:rPr lang="en-US" dirty="0"/>
+                        <a:t>Q2-Seed3.csv</a:t>
+                      </a:r>
+                    </a:p>
+                  </a:txBody>
+                  <a:tcPr/>
+                </a:tc>
+                <a:tc>
+                  <a:txBody>
+                    <a:bodyPr/>
+                    <a:lstStyle/>
+                    <a:p>
+                      <a:pPr algn="ctr"/>
+                      <a:r>
+                        <a:rPr lang="en-US" dirty="0"/>
+                        <a:t>574136</a:t>
+                      </a:r>
+                    </a:p>
+                  </a:txBody>
+                  <a:tcPr/>
+                </a:tc>
+                <a:tc>
+                  <a:txBody>
+                    <a:bodyPr/>
+                    <a:lstStyle/>
+                    <a:p>
+                      <a:pPr algn="ctr"/>
+                      <a:r>
+                        <a:rPr lang="en-US" dirty="0"/>
+                        <a:t>2</a:t>
+                      </a:r>
+                    </a:p>
+                  </a:txBody>
+                  <a:tcPr/>
+                </a:tc>
+                <a:tc>
+                  <a:txBody>
+                    <a:bodyPr/>
+                    <a:lstStyle/>
+                    <a:p>
+                      <a:pPr algn="ctr"/>
+                      <a:r>
+                        <a:rPr lang="en-US" dirty="0"/>
+                        <a:t>657187</a:t>
+                      </a:r>
+                    </a:p>
+                  </a:txBody>
+                  <a:tcPr/>
+                </a:tc>
+                <a:tc>
+                  <a:txBody>
+                    <a:bodyPr/>
+                    <a:lstStyle/>
+                    <a:p>
+                      <a:pPr algn="ctr"/>
+                      <a:r>
+                        <a:rPr lang="en-US" dirty="0"/>
+                        <a:t>1991785</a:t>
+                      </a:r>
+                    </a:p>
+                  </a:txBody>
+                  <a:tcPr/>
+                </a:tc>
+                <a:tc>
+                  <a:txBody>
+                    <a:bodyPr/>
+                    <a:lstStyle/>
+                    <a:p>
+                      <a:pPr algn="ctr"/>
+                      <a:r>
+                        <a:rPr lang="en-US" dirty="0"/>
+                        <a:t>633</a:t>
+                      </a:r>
+                    </a:p>
+                  </a:txBody>
+                  <a:tcPr/>
+                </a:tc>
+                <a:extLst>
+                  <a:ext uri="{0D108BD9-81ED-4DB2-BD59-A6C34878D82A}">
+                    <a16:rowId xmlns:a16="http://schemas.microsoft.com/office/drawing/2014/main" val="2915174795"/>
+                  </a:ext>
+                </a:extLst>
+              </a:tr>
+            </a:tbl>
+          </a:graphicData>
+        </a:graphic>
+      </p:graphicFrame>
     </p:spTree>
     <p:extLst>
       <p:ext uri="{BB962C8B-B14F-4D97-AF65-F5344CB8AC3E}">
@@ -7712,7 +8275,7 @@
 </p:sld>
 </file>
 
-<file path=ppt/slides/slide18.xml><?xml version="1.0" encoding="utf-8"?>
+<file path=ppt/slides/slide19.xml><?xml version="1.0" encoding="utf-8"?>
 <p:sld xmlns:a="http://schemas.openxmlformats.org/drawingml/2006/main" xmlns:r="http://schemas.openxmlformats.org/officeDocument/2006/relationships" xmlns:p="http://schemas.openxmlformats.org/presentationml/2006/main">
   <p:cSld>
     <p:spTree>

--- a/Documentation/Project_Presentation_v1.pptx
+++ b/Documentation/Project_Presentation_v1.pptx
@@ -5,28 +5,31 @@
     <p:sldMasterId id="2147483648" r:id="rId1"/>
   </p:sldMasterIdLst>
   <p:notesMasterIdLst>
-    <p:notesMasterId r:id="rId21"/>
+    <p:notesMasterId r:id="rId24"/>
   </p:notesMasterIdLst>
   <p:sldIdLst>
     <p:sldId id="257" r:id="rId2"/>
-    <p:sldId id="258" r:id="rId3"/>
-    <p:sldId id="259" r:id="rId4"/>
-    <p:sldId id="260" r:id="rId5"/>
-    <p:sldId id="262" r:id="rId6"/>
-    <p:sldId id="263" r:id="rId7"/>
-    <p:sldId id="264" r:id="rId8"/>
-    <p:sldId id="266" r:id="rId9"/>
-    <p:sldId id="272" r:id="rId10"/>
-    <p:sldId id="265" r:id="rId11"/>
-    <p:sldId id="271" r:id="rId12"/>
-    <p:sldId id="274" r:id="rId13"/>
-    <p:sldId id="261" r:id="rId14"/>
-    <p:sldId id="267" r:id="rId15"/>
-    <p:sldId id="269" r:id="rId16"/>
-    <p:sldId id="270" r:id="rId17"/>
-    <p:sldId id="275" r:id="rId18"/>
-    <p:sldId id="268" r:id="rId19"/>
-    <p:sldId id="273" r:id="rId20"/>
+    <p:sldId id="276" r:id="rId3"/>
+    <p:sldId id="258" r:id="rId4"/>
+    <p:sldId id="259" r:id="rId5"/>
+    <p:sldId id="260" r:id="rId6"/>
+    <p:sldId id="262" r:id="rId7"/>
+    <p:sldId id="263" r:id="rId8"/>
+    <p:sldId id="264" r:id="rId9"/>
+    <p:sldId id="266" r:id="rId10"/>
+    <p:sldId id="272" r:id="rId11"/>
+    <p:sldId id="265" r:id="rId12"/>
+    <p:sldId id="271" r:id="rId13"/>
+    <p:sldId id="274" r:id="rId14"/>
+    <p:sldId id="261" r:id="rId15"/>
+    <p:sldId id="267" r:id="rId16"/>
+    <p:sldId id="269" r:id="rId17"/>
+    <p:sldId id="270" r:id="rId18"/>
+    <p:sldId id="275" r:id="rId19"/>
+    <p:sldId id="268" r:id="rId20"/>
+    <p:sldId id="273" r:id="rId21"/>
+    <p:sldId id="277" r:id="rId22"/>
+    <p:sldId id="279" r:id="rId23"/>
   </p:sldIdLst>
   <p:sldSz cx="12192000" cy="6858000"/>
   <p:notesSz cx="6858000" cy="9144000"/>
@@ -4648,6 +4651,859 @@
           <p:cNvPr id="2" name="Title 1">
             <a:extLst>
               <a:ext uri="{FF2B5EF4-FFF2-40B4-BE49-F238E27FC236}">
+                <a16:creationId xmlns:a16="http://schemas.microsoft.com/office/drawing/2014/main" id="{6223038A-68E9-4682-ADF1-B26EE4C32CB9}"/>
+              </a:ext>
+            </a:extLst>
+          </p:cNvPr>
+          <p:cNvSpPr>
+            <a:spLocks noGrp="1"/>
+          </p:cNvSpPr>
+          <p:nvPr>
+            <p:ph type="title"/>
+          </p:nvPr>
+        </p:nvSpPr>
+        <p:spPr/>
+        <p:txBody>
+          <a:bodyPr/>
+          <a:lstStyle/>
+          <a:p>
+            <a:r>
+              <a:rPr lang="en-US" dirty="0"/>
+              <a:t>Exploring the data (Channels)</a:t>
+            </a:r>
+          </a:p>
+        </p:txBody>
+      </p:sp>
+      <p:graphicFrame>
+        <p:nvGraphicFramePr>
+          <p:cNvPr id="6" name="Table 6">
+            <a:extLst>
+              <a:ext uri="{FF2B5EF4-FFF2-40B4-BE49-F238E27FC236}">
+                <a16:creationId xmlns:a16="http://schemas.microsoft.com/office/drawing/2014/main" id="{3247C39F-7BB1-4652-A31A-B17B14CE5D4A}"/>
+              </a:ext>
+            </a:extLst>
+          </p:cNvPr>
+          <p:cNvGraphicFramePr>
+            <a:graphicFrameLocks noGrp="1"/>
+          </p:cNvGraphicFramePr>
+          <p:nvPr>
+            <p:ph idx="1"/>
+            <p:extLst>
+              <p:ext uri="{D42A27DB-BD31-4B8C-83A1-F6EECF244321}">
+                <p14:modId xmlns:p14="http://schemas.microsoft.com/office/powerpoint/2010/main" val="3261822853"/>
+              </p:ext>
+            </p:extLst>
+          </p:nvPr>
+        </p:nvGraphicFramePr>
+        <p:xfrm>
+          <a:off x="838199" y="1443037"/>
+          <a:ext cx="10450551" cy="5049837"/>
+        </p:xfrm>
+        <a:graphic>
+          <a:graphicData uri="http://schemas.openxmlformats.org/drawingml/2006/table">
+            <a:tbl>
+              <a:tblPr firstRow="1" bandRow="1">
+                <a:tableStyleId>{5C22544A-7EE6-4342-B048-85BDC9FD1C3A}</a:tableStyleId>
+              </a:tblPr>
+              <a:tblGrid>
+                <a:gridCol w="1771968">
+                  <a:extLst>
+                    <a:ext uri="{9D8B030D-6E8A-4147-A177-3AD203B41FA5}">
+                      <a16:colId xmlns:a16="http://schemas.microsoft.com/office/drawing/2014/main" val="3729389960"/>
+                    </a:ext>
+                  </a:extLst>
+                </a:gridCol>
+                <a:gridCol w="835710">
+                  <a:extLst>
+                    <a:ext uri="{9D8B030D-6E8A-4147-A177-3AD203B41FA5}">
+                      <a16:colId xmlns:a16="http://schemas.microsoft.com/office/drawing/2014/main" val="2281435260"/>
+                    </a:ext>
+                  </a:extLst>
+                </a:gridCol>
+                <a:gridCol w="2108825">
+                  <a:extLst>
+                    <a:ext uri="{9D8B030D-6E8A-4147-A177-3AD203B41FA5}">
+                      <a16:colId xmlns:a16="http://schemas.microsoft.com/office/drawing/2014/main" val="2072369400"/>
+                    </a:ext>
+                  </a:extLst>
+                </a:gridCol>
+                <a:gridCol w="981041">
+                  <a:extLst>
+                    <a:ext uri="{9D8B030D-6E8A-4147-A177-3AD203B41FA5}">
+                      <a16:colId xmlns:a16="http://schemas.microsoft.com/office/drawing/2014/main" val="1567139128"/>
+                    </a:ext>
+                  </a:extLst>
+                </a:gridCol>
+                <a:gridCol w="1133509">
+                  <a:extLst>
+                    <a:ext uri="{9D8B030D-6E8A-4147-A177-3AD203B41FA5}">
+                      <a16:colId xmlns:a16="http://schemas.microsoft.com/office/drawing/2014/main" val="2267513749"/>
+                    </a:ext>
+                  </a:extLst>
+                </a:gridCol>
+                <a:gridCol w="1090938">
+                  <a:extLst>
+                    <a:ext uri="{9D8B030D-6E8A-4147-A177-3AD203B41FA5}">
+                      <a16:colId xmlns:a16="http://schemas.microsoft.com/office/drawing/2014/main" val="44632791"/>
+                    </a:ext>
+                  </a:extLst>
+                </a:gridCol>
+                <a:gridCol w="1107710">
+                  <a:extLst>
+                    <a:ext uri="{9D8B030D-6E8A-4147-A177-3AD203B41FA5}">
+                      <a16:colId xmlns:a16="http://schemas.microsoft.com/office/drawing/2014/main" val="3607100143"/>
+                    </a:ext>
+                  </a:extLst>
+                </a:gridCol>
+                <a:gridCol w="1420850">
+                  <a:extLst>
+                    <a:ext uri="{9D8B030D-6E8A-4147-A177-3AD203B41FA5}">
+                      <a16:colId xmlns:a16="http://schemas.microsoft.com/office/drawing/2014/main" val="2294204304"/>
+                    </a:ext>
+                  </a:extLst>
+                </a:gridCol>
+              </a:tblGrid>
+              <a:tr h="666544">
+                <a:tc>
+                  <a:txBody>
+                    <a:bodyPr/>
+                    <a:lstStyle/>
+                    <a:p>
+                      <a:r>
+                        <a:rPr lang="en-US" sz="1600" dirty="0"/>
+                        <a:t>Channel Name</a:t>
+                      </a:r>
+                    </a:p>
+                  </a:txBody>
+                  <a:tcPr/>
+                </a:tc>
+                <a:tc>
+                  <a:txBody>
+                    <a:bodyPr/>
+                    <a:lstStyle/>
+                    <a:p>
+                      <a:r>
+                        <a:rPr lang="en-US" sz="1600" dirty="0"/>
+                        <a:t>eType</a:t>
+                      </a:r>
+                    </a:p>
+                  </a:txBody>
+                  <a:tcPr/>
+                </a:tc>
+                <a:tc>
+                  <a:txBody>
+                    <a:bodyPr/>
+                    <a:lstStyle/>
+                    <a:p>
+                      <a:r>
+                        <a:rPr lang="en-US" sz="1600" dirty="0"/>
+                        <a:t>Representation</a:t>
+                      </a:r>
+                    </a:p>
+                  </a:txBody>
+                  <a:tcPr/>
+                </a:tc>
+                <a:tc>
+                  <a:txBody>
+                    <a:bodyPr/>
+                    <a:lstStyle/>
+                    <a:p>
+                      <a:r>
+                        <a:rPr lang="en-US" sz="1600" dirty="0"/>
+                        <a:t>Location</a:t>
+                      </a:r>
+                    </a:p>
+                  </a:txBody>
+                  <a:tcPr/>
+                </a:tc>
+                <a:tc>
+                  <a:txBody>
+                    <a:bodyPr/>
+                    <a:lstStyle/>
+                    <a:p>
+                      <a:r>
+                        <a:rPr lang="en-US" sz="1600" dirty="0"/>
+                        <a:t>Weight</a:t>
+                      </a:r>
+                    </a:p>
+                  </a:txBody>
+                  <a:tcPr/>
+                </a:tc>
+                <a:tc>
+                  <a:txBody>
+                    <a:bodyPr/>
+                    <a:lstStyle/>
+                    <a:p>
+                      <a:r>
+                        <a:rPr lang="en-US" sz="1600" dirty="0"/>
+                        <a:t>Source</a:t>
+                      </a:r>
+                    </a:p>
+                  </a:txBody>
+                  <a:tcPr/>
+                </a:tc>
+                <a:tc>
+                  <a:txBody>
+                    <a:bodyPr/>
+                    <a:lstStyle/>
+                    <a:p>
+                      <a:r>
+                        <a:rPr lang="en-US" sz="1600" dirty="0"/>
+                        <a:t>Target</a:t>
+                      </a:r>
+                    </a:p>
+                  </a:txBody>
+                  <a:tcPr/>
+                </a:tc>
+                <a:tc>
+                  <a:txBody>
+                    <a:bodyPr/>
+                    <a:lstStyle/>
+                    <a:p>
+                      <a:r>
+                        <a:rPr lang="en-US" sz="1600" dirty="0"/>
+                        <a:t>Notable points</a:t>
+                      </a:r>
+                    </a:p>
+                  </a:txBody>
+                  <a:tcPr/>
+                </a:tc>
+                <a:extLst>
+                  <a:ext uri="{0D108BD9-81ED-4DB2-BD59-A6C34878D82A}">
+                    <a16:rowId xmlns:a16="http://schemas.microsoft.com/office/drawing/2014/main" val="1271232916"/>
+                  </a:ext>
+                </a:extLst>
+              </a:tr>
+              <a:tr h="857772">
+                <a:tc>
+                  <a:txBody>
+                    <a:bodyPr/>
+                    <a:lstStyle/>
+                    <a:p>
+                      <a:r>
+                        <a:rPr lang="en-US" sz="1600" b="1" dirty="0"/>
+                        <a:t>Communications</a:t>
+                      </a:r>
+                    </a:p>
+                    <a:p>
+                      <a:r>
+                        <a:rPr lang="en-US" sz="1600" b="1" dirty="0"/>
+                        <a:t>(phone and email)</a:t>
+                      </a:r>
+                      <a:endParaRPr lang="en-US" sz="1600" dirty="0"/>
+                    </a:p>
+                  </a:txBody>
+                  <a:tcPr/>
+                </a:tc>
+                <a:tc>
+                  <a:txBody>
+                    <a:bodyPr/>
+                    <a:lstStyle/>
+                    <a:p>
+                      <a:pPr algn="ctr"/>
+                      <a:r>
+                        <a:rPr lang="en-US" sz="1600" dirty="0"/>
+                        <a:t>0 &amp; 1</a:t>
+                      </a:r>
+                    </a:p>
+                  </a:txBody>
+                  <a:tcPr/>
+                </a:tc>
+                <a:tc>
+                  <a:txBody>
+                    <a:bodyPr/>
+                    <a:lstStyle/>
+                    <a:p>
+                      <a:r>
+                        <a:rPr lang="en-US" sz="1600" dirty="0"/>
+                        <a:t>Direct connections between two persons</a:t>
+                      </a:r>
+                    </a:p>
+                  </a:txBody>
+                  <a:tcPr/>
+                </a:tc>
+                <a:tc>
+                  <a:txBody>
+                    <a:bodyPr/>
+                    <a:lstStyle/>
+                    <a:p>
+                      <a:pPr algn="ctr"/>
+                      <a:r>
+                        <a:rPr lang="en-US" sz="1600" dirty="0"/>
+                        <a:t>Some</a:t>
+                      </a:r>
+                    </a:p>
+                  </a:txBody>
+                  <a:tcPr/>
+                </a:tc>
+                <a:tc>
+                  <a:txBody>
+                    <a:bodyPr/>
+                    <a:lstStyle/>
+                    <a:p>
+                      <a:pPr algn="ctr"/>
+                      <a:r>
+                        <a:rPr lang="en-US" sz="1600" dirty="0"/>
+                        <a:t>Always 1</a:t>
+                      </a:r>
+                    </a:p>
+                  </a:txBody>
+                  <a:tcPr/>
+                </a:tc>
+                <a:tc>
+                  <a:txBody>
+                    <a:bodyPr/>
+                    <a:lstStyle/>
+                    <a:p>
+                      <a:pPr algn="ctr"/>
+                      <a:r>
+                        <a:rPr lang="en-US" sz="1600" dirty="0"/>
+                        <a:t>person</a:t>
+                      </a:r>
+                    </a:p>
+                  </a:txBody>
+                  <a:tcPr/>
+                </a:tc>
+                <a:tc>
+                  <a:txBody>
+                    <a:bodyPr/>
+                    <a:lstStyle/>
+                    <a:p>
+                      <a:pPr algn="ctr"/>
+                      <a:r>
+                        <a:rPr lang="en-US" sz="1600" dirty="0"/>
+                        <a:t>Person</a:t>
+                      </a:r>
+                    </a:p>
+                  </a:txBody>
+                  <a:tcPr/>
+                </a:tc>
+                <a:tc>
+                  <a:txBody>
+                    <a:bodyPr/>
+                    <a:lstStyle/>
+                    <a:p>
+                      <a:r>
+                        <a:rPr lang="en-US" sz="1600" dirty="0"/>
+                        <a:t>Phone and email channels not clear</a:t>
+                      </a:r>
+                    </a:p>
+                  </a:txBody>
+                  <a:tcPr/>
+                </a:tc>
+                <a:extLst>
+                  <a:ext uri="{0D108BD9-81ED-4DB2-BD59-A6C34878D82A}">
+                    <a16:rowId xmlns:a16="http://schemas.microsoft.com/office/drawing/2014/main" val="2779712042"/>
+                  </a:ext>
+                </a:extLst>
+              </a:tr>
+              <a:tr h="857772">
+                <a:tc>
+                  <a:txBody>
+                    <a:bodyPr/>
+                    <a:lstStyle/>
+                    <a:p>
+                      <a:r>
+                        <a:rPr lang="en-US" sz="1600" b="1" dirty="0"/>
+                        <a:t>Procurement</a:t>
+                      </a:r>
+                      <a:endParaRPr lang="en-US" sz="1600" dirty="0"/>
+                    </a:p>
+                  </a:txBody>
+                  <a:tcPr/>
+                </a:tc>
+                <a:tc>
+                  <a:txBody>
+                    <a:bodyPr/>
+                    <a:lstStyle/>
+                    <a:p>
+                      <a:pPr algn="ctr"/>
+                      <a:r>
+                        <a:rPr lang="en-US" sz="1600" dirty="0"/>
+                        <a:t>2 &amp; 3</a:t>
+                      </a:r>
+                    </a:p>
+                  </a:txBody>
+                  <a:tcPr/>
+                </a:tc>
+                <a:tc>
+                  <a:txBody>
+                    <a:bodyPr/>
+                    <a:lstStyle/>
+                    <a:p>
+                      <a:r>
+                        <a:rPr lang="en-US" sz="1600" dirty="0"/>
+                        <a:t>Buying and selling an item</a:t>
+                      </a:r>
+                    </a:p>
+                  </a:txBody>
+                  <a:tcPr/>
+                </a:tc>
+                <a:tc>
+                  <a:txBody>
+                    <a:bodyPr/>
+                    <a:lstStyle/>
+                    <a:p>
+                      <a:pPr algn="ctr"/>
+                      <a:r>
+                        <a:rPr lang="en-US" sz="1600" dirty="0"/>
+                        <a:t>no</a:t>
+                      </a:r>
+                    </a:p>
+                  </a:txBody>
+                  <a:tcPr/>
+                </a:tc>
+                <a:tc>
+                  <a:txBody>
+                    <a:bodyPr/>
+                    <a:lstStyle/>
+                    <a:p>
+                      <a:pPr algn="ctr"/>
+                      <a:r>
+                        <a:rPr lang="en-US" sz="1600" dirty="0"/>
+                        <a:t>Value of the item</a:t>
+                      </a:r>
+                    </a:p>
+                  </a:txBody>
+                  <a:tcPr/>
+                </a:tc>
+                <a:tc>
+                  <a:txBody>
+                    <a:bodyPr/>
+                    <a:lstStyle/>
+                    <a:p>
+                      <a:pPr algn="ctr"/>
+                      <a:r>
+                        <a:rPr lang="en-US" sz="1600" dirty="0"/>
+                        <a:t>person</a:t>
+                      </a:r>
+                    </a:p>
+                  </a:txBody>
+                  <a:tcPr/>
+                </a:tc>
+                <a:tc>
+                  <a:txBody>
+                    <a:bodyPr/>
+                    <a:lstStyle/>
+                    <a:p>
+                      <a:pPr algn="ctr"/>
+                      <a:r>
+                        <a:rPr lang="en-US" sz="1600" dirty="0"/>
+                        <a:t>Item</a:t>
+                      </a:r>
+                    </a:p>
+                  </a:txBody>
+                  <a:tcPr/>
+                </a:tc>
+                <a:tc>
+                  <a:txBody>
+                    <a:bodyPr/>
+                    <a:lstStyle/>
+                    <a:p>
+                      <a:r>
+                        <a:rPr lang="en-US" sz="1600" dirty="0"/>
+                        <a:t>For each sell row exists: a buy row</a:t>
+                      </a:r>
+                    </a:p>
+                  </a:txBody>
+                  <a:tcPr/>
+                </a:tc>
+                <a:extLst>
+                  <a:ext uri="{0D108BD9-81ED-4DB2-BD59-A6C34878D82A}">
+                    <a16:rowId xmlns:a16="http://schemas.microsoft.com/office/drawing/2014/main" val="3255344687"/>
+                  </a:ext>
+                </a:extLst>
+              </a:tr>
+              <a:tr h="857772">
+                <a:tc>
+                  <a:txBody>
+                    <a:bodyPr/>
+                    <a:lstStyle/>
+                    <a:p>
+                      <a:r>
+                        <a:rPr lang="en-US" sz="1600" b="1" dirty="0"/>
+                        <a:t>Co-authorship</a:t>
+                      </a:r>
+                      <a:endParaRPr lang="en-US" sz="1600" dirty="0"/>
+                    </a:p>
+                  </a:txBody>
+                  <a:tcPr/>
+                </a:tc>
+                <a:tc>
+                  <a:txBody>
+                    <a:bodyPr/>
+                    <a:lstStyle/>
+                    <a:p>
+                      <a:pPr algn="ctr"/>
+                      <a:r>
+                        <a:rPr lang="en-US" sz="1600" dirty="0"/>
+                        <a:t>4</a:t>
+                      </a:r>
+                    </a:p>
+                  </a:txBody>
+                  <a:tcPr/>
+                </a:tc>
+                <a:tc>
+                  <a:txBody>
+                    <a:bodyPr/>
+                    <a:lstStyle/>
+                    <a:p>
+                      <a:r>
+                        <a:rPr lang="en-US" sz="1600" dirty="0"/>
+                        <a:t>publication of scientific or technical articles</a:t>
+                      </a:r>
+                    </a:p>
+                  </a:txBody>
+                  <a:tcPr/>
+                </a:tc>
+                <a:tc>
+                  <a:txBody>
+                    <a:bodyPr/>
+                    <a:lstStyle/>
+                    <a:p>
+                      <a:pPr algn="ctr"/>
+                      <a:r>
+                        <a:rPr lang="en-US" sz="1600" dirty="0"/>
+                        <a:t>no</a:t>
+                      </a:r>
+                    </a:p>
+                  </a:txBody>
+                  <a:tcPr/>
+                </a:tc>
+                <a:tc>
+                  <a:txBody>
+                    <a:bodyPr/>
+                    <a:lstStyle/>
+                    <a:p>
+                      <a:pPr algn="ctr"/>
+                      <a:r>
+                        <a:rPr lang="en-US" sz="1600" dirty="0"/>
+                        <a:t>Fraction of the authors</a:t>
+                      </a:r>
+                    </a:p>
+                  </a:txBody>
+                  <a:tcPr/>
+                </a:tc>
+                <a:tc>
+                  <a:txBody>
+                    <a:bodyPr/>
+                    <a:lstStyle/>
+                    <a:p>
+                      <a:pPr algn="ctr"/>
+                      <a:r>
+                        <a:rPr lang="en-US" sz="1600" dirty="0"/>
+                        <a:t>Person (author)</a:t>
+                      </a:r>
+                    </a:p>
+                  </a:txBody>
+                  <a:tcPr/>
+                </a:tc>
+                <a:tc>
+                  <a:txBody>
+                    <a:bodyPr/>
+                    <a:lstStyle/>
+                    <a:p>
+                      <a:pPr algn="ctr"/>
+                      <a:r>
+                        <a:rPr lang="en-US" sz="1600" dirty="0"/>
+                        <a:t>Publication</a:t>
+                      </a:r>
+                    </a:p>
+                  </a:txBody>
+                  <a:tcPr/>
+                </a:tc>
+                <a:tc>
+                  <a:txBody>
+                    <a:bodyPr/>
+                    <a:lstStyle/>
+                    <a:p>
+                      <a:r>
+                        <a:rPr lang="en-US" sz="1600" dirty="0"/>
+                        <a:t>Date must be ignored (not relevant)</a:t>
+                      </a:r>
+                    </a:p>
+                  </a:txBody>
+                  <a:tcPr/>
+                </a:tc>
+                <a:extLst>
+                  <a:ext uri="{0D108BD9-81ED-4DB2-BD59-A6C34878D82A}">
+                    <a16:rowId xmlns:a16="http://schemas.microsoft.com/office/drawing/2014/main" val="2416626755"/>
+                  </a:ext>
+                </a:extLst>
+              </a:tr>
+              <a:tr h="952205">
+                <a:tc>
+                  <a:txBody>
+                    <a:bodyPr/>
+                    <a:lstStyle/>
+                    <a:p>
+                      <a:r>
+                        <a:rPr lang="en-US" sz="1600" b="1" dirty="0"/>
+                        <a:t>Demographics</a:t>
+                      </a:r>
+                      <a:endParaRPr lang="en-US" sz="1600" dirty="0"/>
+                    </a:p>
+                  </a:txBody>
+                  <a:tcPr/>
+                </a:tc>
+                <a:tc>
+                  <a:txBody>
+                    <a:bodyPr/>
+                    <a:lstStyle/>
+                    <a:p>
+                      <a:pPr algn="ctr"/>
+                      <a:r>
+                        <a:rPr lang="en-US" sz="1600" dirty="0"/>
+                        <a:t>5</a:t>
+                      </a:r>
+                    </a:p>
+                  </a:txBody>
+                  <a:tcPr/>
+                </a:tc>
+                <a:tc>
+                  <a:txBody>
+                    <a:bodyPr/>
+                    <a:lstStyle/>
+                    <a:p>
+                      <a:r>
+                        <a:rPr lang="en-US" sz="1600" dirty="0"/>
+                        <a:t>spending characteristics of a person</a:t>
+                      </a:r>
+                    </a:p>
+                  </a:txBody>
+                  <a:tcPr/>
+                </a:tc>
+                <a:tc>
+                  <a:txBody>
+                    <a:bodyPr/>
+                    <a:lstStyle/>
+                    <a:p>
+                      <a:pPr algn="ctr"/>
+                      <a:r>
+                        <a:rPr lang="en-US" sz="1600" dirty="0"/>
+                        <a:t>no</a:t>
+                      </a:r>
+                    </a:p>
+                  </a:txBody>
+                  <a:tcPr/>
+                </a:tc>
+                <a:tc>
+                  <a:txBody>
+                    <a:bodyPr/>
+                    <a:lstStyle/>
+                    <a:p>
+                      <a:pPr algn="ctr"/>
+                      <a:r>
+                        <a:rPr lang="en-US" sz="1600" dirty="0"/>
+                        <a:t>Money spent</a:t>
+                      </a:r>
+                    </a:p>
+                  </a:txBody>
+                  <a:tcPr/>
+                </a:tc>
+                <a:tc>
+                  <a:txBody>
+                    <a:bodyPr/>
+                    <a:lstStyle/>
+                    <a:p>
+                      <a:pPr algn="ctr"/>
+                      <a:r>
+                        <a:rPr lang="en-US" sz="1600" dirty="0"/>
+                        <a:t>person / category</a:t>
+                      </a:r>
+                    </a:p>
+                  </a:txBody>
+                  <a:tcPr/>
+                </a:tc>
+                <a:tc>
+                  <a:txBody>
+                    <a:bodyPr/>
+                    <a:lstStyle/>
+                    <a:p>
+                      <a:pPr algn="ctr"/>
+                      <a:r>
+                        <a:rPr lang="en-US" sz="1600" dirty="0"/>
+                        <a:t>person / category</a:t>
+                      </a:r>
+                    </a:p>
+                  </a:txBody>
+                  <a:tcPr/>
+                </a:tc>
+                <a:tc>
+                  <a:txBody>
+                    <a:bodyPr/>
+                    <a:lstStyle/>
+                    <a:p>
+                      <a:r>
+                        <a:rPr lang="en-US" sz="1600" dirty="0"/>
+                        <a:t>29 categories</a:t>
+                      </a:r>
+                    </a:p>
+                  </a:txBody>
+                  <a:tcPr/>
+                </a:tc>
+                <a:extLst>
+                  <a:ext uri="{0D108BD9-81ED-4DB2-BD59-A6C34878D82A}">
+                    <a16:rowId xmlns:a16="http://schemas.microsoft.com/office/drawing/2014/main" val="3388160115"/>
+                  </a:ext>
+                </a:extLst>
+              </a:tr>
+              <a:tr h="857772">
+                <a:tc>
+                  <a:txBody>
+                    <a:bodyPr/>
+                    <a:lstStyle/>
+                    <a:p>
+                      <a:r>
+                        <a:rPr lang="en-US" sz="1600" b="1" dirty="0"/>
+                        <a:t>Travel</a:t>
+                      </a:r>
+                      <a:endParaRPr lang="en-US" sz="1600" dirty="0"/>
+                    </a:p>
+                  </a:txBody>
+                  <a:tcPr/>
+                </a:tc>
+                <a:tc>
+                  <a:txBody>
+                    <a:bodyPr/>
+                    <a:lstStyle/>
+                    <a:p>
+                      <a:pPr algn="ctr"/>
+                      <a:r>
+                        <a:rPr lang="en-US" sz="1600" dirty="0"/>
+                        <a:t>6</a:t>
+                      </a:r>
+                    </a:p>
+                  </a:txBody>
+                  <a:tcPr/>
+                </a:tc>
+                <a:tc>
+                  <a:txBody>
+                    <a:bodyPr/>
+                    <a:lstStyle/>
+                    <a:p>
+                      <a:r>
+                        <a:rPr lang="en-US" sz="1600" dirty="0"/>
+                        <a:t>Connecting people by location</a:t>
+                      </a:r>
+                    </a:p>
+                  </a:txBody>
+                  <a:tcPr/>
+                </a:tc>
+                <a:tc>
+                  <a:txBody>
+                    <a:bodyPr/>
+                    <a:lstStyle/>
+                    <a:p>
+                      <a:pPr algn="ctr"/>
+                      <a:r>
+                        <a:rPr lang="en-US" sz="1600" dirty="0"/>
+                        <a:t>yes</a:t>
+                      </a:r>
+                    </a:p>
+                  </a:txBody>
+                  <a:tcPr/>
+                </a:tc>
+                <a:tc>
+                  <a:txBody>
+                    <a:bodyPr/>
+                    <a:lstStyle/>
+                    <a:p>
+                      <a:pPr algn="ctr"/>
+                      <a:r>
+                        <a:rPr lang="en-US" sz="1600" dirty="0"/>
+                        <a:t>Length of trip(days)</a:t>
+                      </a:r>
+                    </a:p>
+                  </a:txBody>
+                  <a:tcPr/>
+                </a:tc>
+                <a:tc>
+                  <a:txBody>
+                    <a:bodyPr/>
+                    <a:lstStyle/>
+                    <a:p>
+                      <a:pPr algn="ctr"/>
+                      <a:r>
+                        <a:rPr lang="en-US" sz="1600" dirty="0"/>
+                        <a:t>person</a:t>
+                      </a:r>
+                    </a:p>
+                  </a:txBody>
+                  <a:tcPr/>
+                </a:tc>
+                <a:tc>
+                  <a:txBody>
+                    <a:bodyPr/>
+                    <a:lstStyle/>
+                    <a:p>
+                      <a:pPr algn="ctr"/>
+                      <a:r>
+                        <a:rPr lang="en-US" sz="1600" dirty="0"/>
+                        <a:t>location</a:t>
+                      </a:r>
+                    </a:p>
+                  </a:txBody>
+                  <a:tcPr/>
+                </a:tc>
+                <a:tc>
+                  <a:txBody>
+                    <a:bodyPr/>
+                    <a:lstStyle/>
+                    <a:p>
+                      <a:r>
+                        <a:rPr lang="en-US" sz="1600" dirty="0"/>
+                        <a:t>Some weights are negative</a:t>
+                      </a:r>
+                    </a:p>
+                  </a:txBody>
+                  <a:tcPr/>
+                </a:tc>
+                <a:extLst>
+                  <a:ext uri="{0D108BD9-81ED-4DB2-BD59-A6C34878D82A}">
+                    <a16:rowId xmlns:a16="http://schemas.microsoft.com/office/drawing/2014/main" val="3416391999"/>
+                  </a:ext>
+                </a:extLst>
+              </a:tr>
+            </a:tbl>
+          </a:graphicData>
+        </a:graphic>
+      </p:graphicFrame>
+    </p:spTree>
+    <p:extLst>
+      <p:ext uri="{BB962C8B-B14F-4D97-AF65-F5344CB8AC3E}">
+        <p14:creationId xmlns:p14="http://schemas.microsoft.com/office/powerpoint/2010/main" val="3166814854"/>
+      </p:ext>
+    </p:extLst>
+  </p:cSld>
+  <p:clrMapOvr>
+    <a:masterClrMapping/>
+  </p:clrMapOvr>
+</p:sld>
+</file>
+
+<file path=ppt/slides/slide11.xml><?xml version="1.0" encoding="utf-8"?>
+<p:sld xmlns:a="http://schemas.openxmlformats.org/drawingml/2006/main" xmlns:r="http://schemas.openxmlformats.org/officeDocument/2006/relationships" xmlns:p="http://schemas.openxmlformats.org/presentationml/2006/main">
+  <p:cSld>
+    <p:spTree>
+      <p:nvGrpSpPr>
+        <p:cNvPr id="1" name=""/>
+        <p:cNvGrpSpPr/>
+        <p:nvPr/>
+      </p:nvGrpSpPr>
+      <p:grpSpPr>
+        <a:xfrm>
+          <a:off x="0" y="0"/>
+          <a:ext cx="0" cy="0"/>
+          <a:chOff x="0" y="0"/>
+          <a:chExt cx="0" cy="0"/>
+        </a:xfrm>
+      </p:grpSpPr>
+      <p:sp>
+        <p:nvSpPr>
+          <p:cNvPr id="2" name="Title 1">
+            <a:extLst>
+              <a:ext uri="{FF2B5EF4-FFF2-40B4-BE49-F238E27FC236}">
                 <a16:creationId xmlns:a16="http://schemas.microsoft.com/office/drawing/2014/main" id="{ED585B93-BEA3-41EA-A274-24D73F7EFF94}"/>
               </a:ext>
             </a:extLst>
@@ -4858,7 +5714,7 @@
 </p:sld>
 </file>
 
-<file path=ppt/slides/slide11.xml><?xml version="1.0" encoding="utf-8"?>
+<file path=ppt/slides/slide12.xml><?xml version="1.0" encoding="utf-8"?>
 <p:sld xmlns:a="http://schemas.openxmlformats.org/drawingml/2006/main" xmlns:r="http://schemas.openxmlformats.org/officeDocument/2006/relationships" xmlns:p="http://schemas.openxmlformats.org/presentationml/2006/main">
   <p:cSld>
     <p:spTree>
@@ -5028,7 +5884,7 @@
 </p:sld>
 </file>
 
-<file path=ppt/slides/slide12.xml><?xml version="1.0" encoding="utf-8"?>
+<file path=ppt/slides/slide13.xml><?xml version="1.0" encoding="utf-8"?>
 <p:sld xmlns:a="http://schemas.openxmlformats.org/drawingml/2006/main" xmlns:r="http://schemas.openxmlformats.org/officeDocument/2006/relationships" xmlns:p="http://schemas.openxmlformats.org/presentationml/2006/main">
   <p:cSld>
     <p:spTree>
@@ -5121,7 +5977,7 @@
 </p:sld>
 </file>
 
-<file path=ppt/slides/slide13.xml><?xml version="1.0" encoding="utf-8"?>
+<file path=ppt/slides/slide14.xml><?xml version="1.0" encoding="utf-8"?>
 <p:sld xmlns:a="http://schemas.openxmlformats.org/drawingml/2006/main" xmlns:r="http://schemas.openxmlformats.org/officeDocument/2006/relationships" xmlns:p="http://schemas.openxmlformats.org/presentationml/2006/main">
   <p:cSld>
     <p:spTree>
@@ -5262,7 +6118,7 @@
 </p:sld>
 </file>
 
-<file path=ppt/slides/slide14.xml><?xml version="1.0" encoding="utf-8"?>
+<file path=ppt/slides/slide15.xml><?xml version="1.0" encoding="utf-8"?>
 <p:sld xmlns:a="http://schemas.openxmlformats.org/drawingml/2006/main" xmlns:r="http://schemas.openxmlformats.org/officeDocument/2006/relationships" xmlns:p="http://schemas.openxmlformats.org/presentationml/2006/main">
   <p:cSld>
     <p:spTree>
@@ -5374,7 +6230,7 @@
 </p:sld>
 </file>
 
-<file path=ppt/slides/slide15.xml><?xml version="1.0" encoding="utf-8"?>
+<file path=ppt/slides/slide16.xml><?xml version="1.0" encoding="utf-8"?>
 <p:sld xmlns:a="http://schemas.openxmlformats.org/drawingml/2006/main" xmlns:r="http://schemas.openxmlformats.org/officeDocument/2006/relationships" xmlns:p="http://schemas.openxmlformats.org/presentationml/2006/main">
   <p:cSld>
     <p:spTree>
@@ -6196,7 +7052,7 @@
 </p:sld>
 </file>
 
-<file path=ppt/slides/slide16.xml><?xml version="1.0" encoding="utf-8"?>
+<file path=ppt/slides/slide17.xml><?xml version="1.0" encoding="utf-8"?>
 <p:sld xmlns:a="http://schemas.openxmlformats.org/drawingml/2006/main" xmlns:r="http://schemas.openxmlformats.org/officeDocument/2006/relationships" xmlns:p="http://schemas.openxmlformats.org/presentationml/2006/main">
   <p:cSld>
     <p:spTree>
@@ -7630,7 +8486,7 @@
 </p:sld>
 </file>
 
-<file path=ppt/slides/slide17.xml><?xml version="1.0" encoding="utf-8"?>
+<file path=ppt/slides/slide18.xml><?xml version="1.0" encoding="utf-8"?>
 <p:sld xmlns:a="http://schemas.openxmlformats.org/drawingml/2006/main" xmlns:r="http://schemas.openxmlformats.org/officeDocument/2006/relationships" xmlns:p="http://schemas.openxmlformats.org/presentationml/2006/main">
   <p:cSld>
     <p:spTree>
@@ -7716,7 +8572,7 @@
 </p:sld>
 </file>
 
-<file path=ppt/slides/slide18.xml><?xml version="1.0" encoding="utf-8"?>
+<file path=ppt/slides/slide19.xml><?xml version="1.0" encoding="utf-8"?>
 <p:sld xmlns:a="http://schemas.openxmlformats.org/drawingml/2006/main" xmlns:r="http://schemas.openxmlformats.org/officeDocument/2006/relationships" xmlns:p="http://schemas.openxmlformats.org/presentationml/2006/main">
   <p:cSld>
     <p:spTree>
@@ -8275,7 +9131,153 @@
 </p:sld>
 </file>
 
-<file path=ppt/slides/slide19.xml><?xml version="1.0" encoding="utf-8"?>
+<file path=ppt/slides/slide2.xml><?xml version="1.0" encoding="utf-8"?>
+<p:sld xmlns:a="http://schemas.openxmlformats.org/drawingml/2006/main" xmlns:r="http://schemas.openxmlformats.org/officeDocument/2006/relationships" xmlns:p="http://schemas.openxmlformats.org/presentationml/2006/main">
+  <p:cSld>
+    <p:spTree>
+      <p:nvGrpSpPr>
+        <p:cNvPr id="1" name=""/>
+        <p:cNvGrpSpPr/>
+        <p:nvPr/>
+      </p:nvGrpSpPr>
+      <p:grpSpPr>
+        <a:xfrm>
+          <a:off x="0" y="0"/>
+          <a:ext cx="0" cy="0"/>
+          <a:chOff x="0" y="0"/>
+          <a:chExt cx="0" cy="0"/>
+        </a:xfrm>
+      </p:grpSpPr>
+      <p:sp>
+        <p:nvSpPr>
+          <p:cNvPr id="2" name="Title 1">
+            <a:extLst>
+              <a:ext uri="{FF2B5EF4-FFF2-40B4-BE49-F238E27FC236}">
+                <a16:creationId xmlns:a16="http://schemas.microsoft.com/office/drawing/2014/main" id="{92FD0CF7-0C7D-4338-9B72-EA62D0D009E9}"/>
+              </a:ext>
+            </a:extLst>
+          </p:cNvPr>
+          <p:cNvSpPr>
+            <a:spLocks noGrp="1"/>
+          </p:cNvSpPr>
+          <p:nvPr>
+            <p:ph type="title"/>
+          </p:nvPr>
+        </p:nvSpPr>
+        <p:spPr/>
+        <p:txBody>
+          <a:bodyPr>
+            <a:normAutofit/>
+          </a:bodyPr>
+          <a:lstStyle/>
+          <a:p>
+            <a:r>
+              <a:rPr lang="en-US" sz="6400" b="1" dirty="0">
+                <a:solidFill>
+                  <a:schemeClr val="accent1">
+                    <a:lumMod val="50000"/>
+                  </a:schemeClr>
+                </a:solidFill>
+              </a:rPr>
+              <a:t>Agenda</a:t>
+            </a:r>
+          </a:p>
+        </p:txBody>
+      </p:sp>
+      <p:sp>
+        <p:nvSpPr>
+          <p:cNvPr id="3" name="Content Placeholder 2">
+            <a:extLst>
+              <a:ext uri="{FF2B5EF4-FFF2-40B4-BE49-F238E27FC236}">
+                <a16:creationId xmlns:a16="http://schemas.microsoft.com/office/drawing/2014/main" id="{2672AED0-36D7-41E2-9CDD-1F831B01E13E}"/>
+              </a:ext>
+            </a:extLst>
+          </p:cNvPr>
+          <p:cNvSpPr>
+            <a:spLocks noGrp="1"/>
+          </p:cNvSpPr>
+          <p:nvPr>
+            <p:ph idx="1"/>
+          </p:nvPr>
+        </p:nvSpPr>
+        <p:spPr/>
+        <p:txBody>
+          <a:bodyPr/>
+          <a:lstStyle/>
+          <a:p>
+            <a:r>
+              <a:rPr lang="en-US" dirty="0"/>
+              <a:t>Problem Overview</a:t>
+            </a:r>
+          </a:p>
+          <a:p>
+            <a:r>
+              <a:rPr lang="en-US" dirty="0"/>
+              <a:t>Mini-Challenge 1</a:t>
+            </a:r>
+          </a:p>
+          <a:p>
+            <a:r>
+              <a:rPr lang="en-US" dirty="0"/>
+              <a:t>Exploring the data</a:t>
+            </a:r>
+          </a:p>
+          <a:p>
+            <a:r>
+              <a:rPr lang="en-US" dirty="0"/>
+              <a:t>Question 1 overview</a:t>
+            </a:r>
+          </a:p>
+          <a:p>
+            <a:r>
+              <a:rPr lang="en-US" dirty="0"/>
+              <a:t>Question 2 overview</a:t>
+            </a:r>
+          </a:p>
+          <a:p>
+            <a:endParaRPr lang="en-US" dirty="0"/>
+          </a:p>
+        </p:txBody>
+      </p:sp>
+      <p:sp>
+        <p:nvSpPr>
+          <p:cNvPr id="4" name="Text Placeholder 3">
+            <a:extLst>
+              <a:ext uri="{FF2B5EF4-FFF2-40B4-BE49-F238E27FC236}">
+                <a16:creationId xmlns:a16="http://schemas.microsoft.com/office/drawing/2014/main" id="{17349094-5265-4FCF-8428-DD4769F3E04D}"/>
+              </a:ext>
+            </a:extLst>
+          </p:cNvPr>
+          <p:cNvSpPr>
+            <a:spLocks noGrp="1"/>
+          </p:cNvSpPr>
+          <p:nvPr>
+            <p:ph type="body" sz="half" idx="2"/>
+          </p:nvPr>
+        </p:nvSpPr>
+        <p:spPr/>
+        <p:txBody>
+          <a:bodyPr/>
+          <a:lstStyle/>
+          <a:p>
+            <a:endParaRPr lang="en-US"/>
+          </a:p>
+        </p:txBody>
+      </p:sp>
+    </p:spTree>
+    <p:extLst>
+      <p:ext uri="{BB962C8B-B14F-4D97-AF65-F5344CB8AC3E}">
+        <p14:creationId xmlns:p14="http://schemas.microsoft.com/office/powerpoint/2010/main" val="2438434883"/>
+      </p:ext>
+    </p:extLst>
+  </p:cSld>
+  <p:clrMapOvr>
+    <a:masterClrMapping/>
+  </p:clrMapOvr>
+</p:sld>
+</file>
+
+<file path=ppt/slides/slide20.xml><?xml version="1.0" encoding="utf-8"?>
 <p:sld xmlns:a="http://schemas.openxmlformats.org/drawingml/2006/main" xmlns:r="http://schemas.openxmlformats.org/officeDocument/2006/relationships" xmlns:p="http://schemas.openxmlformats.org/presentationml/2006/main">
   <p:cSld>
     <p:spTree>
@@ -8315,7 +9317,7 @@
           <a:p>
             <a:r>
               <a:rPr lang="en-US" dirty="0"/>
-              <a:t>Very large Graph</a:t>
+              <a:t>Very large Graph (1)</a:t>
             </a:r>
           </a:p>
         </p:txBody>
@@ -8341,7 +9343,154 @@
           <a:bodyPr/>
           <a:lstStyle/>
           <a:p>
-            <a:endParaRPr lang="en-US"/>
+            <a:r>
+              <a:rPr lang="en-US" sz="2400" dirty="0"/>
+              <a:t>Filename: CGCS-GraphData.csv</a:t>
+            </a:r>
+          </a:p>
+          <a:p>
+            <a:r>
+              <a:rPr lang="en-US" sz="2400" dirty="0"/>
+              <a:t>Containing the data of all the hacker groups</a:t>
+            </a:r>
+          </a:p>
+          <a:p>
+            <a:r>
+              <a:rPr lang="en-US" sz="2400" dirty="0"/>
+              <a:t>Connection between different groups are not clear</a:t>
+            </a:r>
+          </a:p>
+          <a:p>
+            <a:r>
+              <a:rPr lang="en-US" sz="2400" dirty="0"/>
+              <a:t>Around 124 million rows(edges) and 200860 unique Ids(nodes)</a:t>
+            </a:r>
+          </a:p>
+          <a:p>
+            <a:r>
+              <a:rPr lang="en-US" sz="2400" dirty="0"/>
+              <a:t>Around 70 million rows have location information</a:t>
+            </a:r>
+          </a:p>
+          <a:p>
+            <a:endParaRPr lang="en-US" dirty="0"/>
+          </a:p>
+          <a:p>
+            <a:endParaRPr lang="en-US" dirty="0"/>
+          </a:p>
+        </p:txBody>
+      </p:sp>
+      <p:sp>
+        <p:nvSpPr>
+          <p:cNvPr id="8" name="Rectangle 3">
+            <a:extLst>
+              <a:ext uri="{FF2B5EF4-FFF2-40B4-BE49-F238E27FC236}">
+                <a16:creationId xmlns:a16="http://schemas.microsoft.com/office/drawing/2014/main" id="{A59012F7-007B-4721-9046-E5B2FC83BD87}"/>
+              </a:ext>
+            </a:extLst>
+          </p:cNvPr>
+          <p:cNvSpPr>
+            <a:spLocks noChangeArrowheads="1"/>
+          </p:cNvSpPr>
+          <p:nvPr/>
+        </p:nvSpPr>
+        <p:spPr bwMode="auto">
+          <a:xfrm>
+            <a:off x="0" y="0"/>
+            <a:ext cx="12192000" cy="457200"/>
+          </a:xfrm>
+          <a:prstGeom prst="rect">
+            <a:avLst/>
+          </a:prstGeom>
+          <a:solidFill>
+            <a:srgbClr val="FFFFFF"/>
+          </a:solidFill>
+          <a:ln>
+            <a:noFill/>
+          </a:ln>
+          <a:effectLst/>
+          <a:extLst>
+            <a:ext uri="{91240B29-F687-4F45-9708-019B960494DF}">
+              <a14:hiddenLine xmlns:a14="http://schemas.microsoft.com/office/drawing/2010/main" w="9525">
+                <a:solidFill>
+                  <a:schemeClr val="tx1"/>
+                </a:solidFill>
+                <a:miter lim="800000"/>
+                <a:headEnd/>
+                <a:tailEnd/>
+              </a14:hiddenLine>
+            </a:ext>
+            <a:ext uri="{AF507438-7753-43E0-B8FC-AC1667EBCBE1}">
+              <a14:hiddenEffects xmlns:a14="http://schemas.microsoft.com/office/drawing/2010/main">
+                <a:effectLst>
+                  <a:outerShdw dist="35921" dir="2700000" algn="ctr" rotWithShape="0">
+                    <a:schemeClr val="bg2"/>
+                  </a:outerShdw>
+                </a:effectLst>
+              </a14:hiddenEffects>
+            </a:ext>
+          </a:extLst>
+        </p:spPr>
+        <p:txBody>
+          <a:bodyPr vert="horz" wrap="none" lIns="0" tIns="0" rIns="0" bIns="0" numCol="1" anchor="ctr" anchorCtr="0" compatLnSpc="1">
+            <a:prstTxWarp prst="textNoShape">
+              <a:avLst/>
+            </a:prstTxWarp>
+            <a:spAutoFit/>
+          </a:bodyPr>
+          <a:lstStyle/>
+          <a:p>
+            <a:pPr marL="0" marR="0" lvl="0" indent="0" algn="l" defTabSz="914400" rtl="0" eaLnBrk="0" fontAlgn="base" latinLnBrk="0" hangingPunct="0">
+              <a:lnSpc>
+                <a:spcPct val="100000"/>
+              </a:lnSpc>
+              <a:spcBef>
+                <a:spcPct val="0"/>
+              </a:spcBef>
+              <a:spcAft>
+                <a:spcPct val="0"/>
+              </a:spcAft>
+              <a:buClrTx/>
+              <a:buSzTx/>
+              <a:buFontTx/>
+              <a:buNone/>
+              <a:tabLst/>
+            </a:pPr>
+            <a:r>
+              <a:rPr kumimoji="0" lang="en-US" altLang="en-US" sz="1000" b="0" i="0" u="none" strike="noStrike" cap="none" normalizeH="0" baseline="0">
+                <a:ln>
+                  <a:noFill/>
+                </a:ln>
+                <a:solidFill>
+                  <a:srgbClr val="000000"/>
+                </a:solidFill>
+                <a:effectLst/>
+                <a:latin typeface="Courier New" panose="02070309020205020404" pitchFamily="49" charset="0"/>
+              </a:rPr>
+              <a:t>200860</a:t>
+            </a:r>
+            <a:r>
+              <a:rPr kumimoji="0" lang="en-US" altLang="en-US" sz="800" b="0" i="0" u="none" strike="noStrike" cap="none" normalizeH="0" baseline="0">
+                <a:ln>
+                  <a:noFill/>
+                </a:ln>
+                <a:solidFill>
+                  <a:schemeClr val="tx1"/>
+                </a:solidFill>
+                <a:effectLst/>
+              </a:rPr>
+              <a:t> </a:t>
+            </a:r>
+            <a:endParaRPr kumimoji="0" lang="en-US" altLang="en-US" sz="1800" b="0" i="0" u="none" strike="noStrike" cap="none" normalizeH="0" baseline="0">
+              <a:ln>
+                <a:noFill/>
+              </a:ln>
+              <a:solidFill>
+                <a:schemeClr val="tx1"/>
+              </a:solidFill>
+              <a:effectLst/>
+              <a:latin typeface="Arial" panose="020B0604020202020204" pitchFamily="34" charset="0"/>
+            </a:endParaRPr>
           </a:p>
         </p:txBody>
       </p:sp>
@@ -8358,7 +9507,916 @@
 </p:sld>
 </file>
 
-<file path=ppt/slides/slide2.xml><?xml version="1.0" encoding="utf-8"?>
+<file path=ppt/slides/slide21.xml><?xml version="1.0" encoding="utf-8"?>
+<p:sld xmlns:a="http://schemas.openxmlformats.org/drawingml/2006/main" xmlns:r="http://schemas.openxmlformats.org/officeDocument/2006/relationships" xmlns:p="http://schemas.openxmlformats.org/presentationml/2006/main">
+  <p:cSld>
+    <p:spTree>
+      <p:nvGrpSpPr>
+        <p:cNvPr id="1" name=""/>
+        <p:cNvGrpSpPr/>
+        <p:nvPr/>
+      </p:nvGrpSpPr>
+      <p:grpSpPr>
+        <a:xfrm>
+          <a:off x="0" y="0"/>
+          <a:ext cx="0" cy="0"/>
+          <a:chOff x="0" y="0"/>
+          <a:chExt cx="0" cy="0"/>
+        </a:xfrm>
+      </p:grpSpPr>
+      <p:sp>
+        <p:nvSpPr>
+          <p:cNvPr id="2" name="Title 1">
+            <a:extLst>
+              <a:ext uri="{FF2B5EF4-FFF2-40B4-BE49-F238E27FC236}">
+                <a16:creationId xmlns:a16="http://schemas.microsoft.com/office/drawing/2014/main" id="{5115C648-66B8-49BE-B33E-D2150B203B24}"/>
+              </a:ext>
+            </a:extLst>
+          </p:cNvPr>
+          <p:cNvSpPr>
+            <a:spLocks noGrp="1"/>
+          </p:cNvSpPr>
+          <p:nvPr>
+            <p:ph type="title"/>
+          </p:nvPr>
+        </p:nvSpPr>
+        <p:spPr/>
+        <p:txBody>
+          <a:bodyPr/>
+          <a:lstStyle/>
+          <a:p>
+            <a:r>
+              <a:rPr lang="en-US" dirty="0"/>
+              <a:t>Very large Graph (2)</a:t>
+            </a:r>
+          </a:p>
+        </p:txBody>
+      </p:sp>
+      <p:sp>
+        <p:nvSpPr>
+          <p:cNvPr id="3" name="Content Placeholder 2">
+            <a:extLst>
+              <a:ext uri="{FF2B5EF4-FFF2-40B4-BE49-F238E27FC236}">
+                <a16:creationId xmlns:a16="http://schemas.microsoft.com/office/drawing/2014/main" id="{B7CBAD27-F7D7-45FE-9E5B-0B22E29CC45E}"/>
+              </a:ext>
+            </a:extLst>
+          </p:cNvPr>
+          <p:cNvSpPr>
+            <a:spLocks noGrp="1"/>
+          </p:cNvSpPr>
+          <p:nvPr>
+            <p:ph idx="1"/>
+          </p:nvPr>
+        </p:nvSpPr>
+        <p:spPr/>
+        <p:txBody>
+          <a:bodyPr/>
+          <a:lstStyle/>
+          <a:p>
+            <a:r>
+              <a:rPr lang="en-US" sz="2400" dirty="0"/>
+              <a:t>Number of rows based on eType:</a:t>
+            </a:r>
+          </a:p>
+          <a:p>
+            <a:endParaRPr lang="en-US" dirty="0"/>
+          </a:p>
+          <a:p>
+            <a:endParaRPr lang="en-US" dirty="0"/>
+          </a:p>
+        </p:txBody>
+      </p:sp>
+      <p:graphicFrame>
+        <p:nvGraphicFramePr>
+          <p:cNvPr id="4" name="Table 4">
+            <a:extLst>
+              <a:ext uri="{FF2B5EF4-FFF2-40B4-BE49-F238E27FC236}">
+                <a16:creationId xmlns:a16="http://schemas.microsoft.com/office/drawing/2014/main" id="{249B5480-B1CA-47D0-BA73-02DAC27D5EFE}"/>
+              </a:ext>
+            </a:extLst>
+          </p:cNvPr>
+          <p:cNvGraphicFramePr>
+            <a:graphicFrameLocks noGrp="1"/>
+          </p:cNvGraphicFramePr>
+          <p:nvPr>
+            <p:extLst>
+              <p:ext uri="{D42A27DB-BD31-4B8C-83A1-F6EECF244321}">
+                <p14:modId xmlns:p14="http://schemas.microsoft.com/office/powerpoint/2010/main" val="1717992324"/>
+              </p:ext>
+            </p:extLst>
+          </p:nvPr>
+        </p:nvGraphicFramePr>
+        <p:xfrm>
+          <a:off x="3319462" y="2438400"/>
+          <a:ext cx="5553075" cy="3657599"/>
+        </p:xfrm>
+        <a:graphic>
+          <a:graphicData uri="http://schemas.openxmlformats.org/drawingml/2006/table">
+            <a:tbl>
+              <a:tblPr firstRow="1" bandRow="1">
+                <a:tableStyleId>{5C22544A-7EE6-4342-B048-85BDC9FD1C3A}</a:tableStyleId>
+              </a:tblPr>
+              <a:tblGrid>
+                <a:gridCol w="859230">
+                  <a:extLst>
+                    <a:ext uri="{9D8B030D-6E8A-4147-A177-3AD203B41FA5}">
+                      <a16:colId xmlns:a16="http://schemas.microsoft.com/office/drawing/2014/main" val="234728728"/>
+                    </a:ext>
+                  </a:extLst>
+                </a:gridCol>
+                <a:gridCol w="1564615">
+                  <a:extLst>
+                    <a:ext uri="{9D8B030D-6E8A-4147-A177-3AD203B41FA5}">
+                      <a16:colId xmlns:a16="http://schemas.microsoft.com/office/drawing/2014/main" val="1073814496"/>
+                    </a:ext>
+                  </a:extLst>
+                </a:gridCol>
+                <a:gridCol w="1564615">
+                  <a:extLst>
+                    <a:ext uri="{9D8B030D-6E8A-4147-A177-3AD203B41FA5}">
+                      <a16:colId xmlns:a16="http://schemas.microsoft.com/office/drawing/2014/main" val="1589982913"/>
+                    </a:ext>
+                  </a:extLst>
+                </a:gridCol>
+                <a:gridCol w="1564615">
+                  <a:extLst>
+                    <a:ext uri="{9D8B030D-6E8A-4147-A177-3AD203B41FA5}">
+                      <a16:colId xmlns:a16="http://schemas.microsoft.com/office/drawing/2014/main" val="4266380793"/>
+                    </a:ext>
+                  </a:extLst>
+                </a:gridCol>
+              </a:tblGrid>
+              <a:tr h="649095">
+                <a:tc>
+                  <a:txBody>
+                    <a:bodyPr/>
+                    <a:lstStyle/>
+                    <a:p>
+                      <a:pPr algn="ctr"/>
+                      <a:r>
+                        <a:rPr lang="en-US" dirty="0"/>
+                        <a:t>eType</a:t>
+                      </a:r>
+                    </a:p>
+                  </a:txBody>
+                  <a:tcPr/>
+                </a:tc>
+                <a:tc>
+                  <a:txBody>
+                    <a:bodyPr/>
+                    <a:lstStyle/>
+                    <a:p>
+                      <a:pPr algn="ctr"/>
+                      <a:r>
+                        <a:rPr lang="en-US" dirty="0"/>
+                        <a:t>Number of Rows</a:t>
+                      </a:r>
+                    </a:p>
+                  </a:txBody>
+                  <a:tcPr/>
+                </a:tc>
+                <a:tc>
+                  <a:txBody>
+                    <a:bodyPr/>
+                    <a:lstStyle/>
+                    <a:p>
+                      <a:pPr algn="ctr"/>
+                      <a:r>
+                        <a:rPr lang="en-US" dirty="0"/>
+                        <a:t>Unique Source Rows</a:t>
+                      </a:r>
+                    </a:p>
+                  </a:txBody>
+                  <a:tcPr/>
+                </a:tc>
+                <a:tc>
+                  <a:txBody>
+                    <a:bodyPr/>
+                    <a:lstStyle/>
+                    <a:p>
+                      <a:pPr marL="0" marR="0" lvl="0" indent="0" algn="ctr" defTabSz="914400" rtl="0" eaLnBrk="1" fontAlgn="auto" latinLnBrk="0" hangingPunct="1">
+                        <a:lnSpc>
+                          <a:spcPct val="100000"/>
+                        </a:lnSpc>
+                        <a:spcBef>
+                          <a:spcPts val="0"/>
+                        </a:spcBef>
+                        <a:spcAft>
+                          <a:spcPts val="0"/>
+                        </a:spcAft>
+                        <a:buClrTx/>
+                        <a:buSzTx/>
+                        <a:buFontTx/>
+                        <a:buNone/>
+                        <a:tabLst/>
+                        <a:defRPr/>
+                      </a:pPr>
+                      <a:r>
+                        <a:rPr lang="en-US" dirty="0"/>
+                        <a:t>Unique Target Rows</a:t>
+                      </a:r>
+                    </a:p>
+                  </a:txBody>
+                  <a:tcPr/>
+                </a:tc>
+                <a:extLst>
+                  <a:ext uri="{0D108BD9-81ED-4DB2-BD59-A6C34878D82A}">
+                    <a16:rowId xmlns:a16="http://schemas.microsoft.com/office/drawing/2014/main" val="1179860051"/>
+                  </a:ext>
+                </a:extLst>
+              </a:tr>
+              <a:tr h="376063">
+                <a:tc>
+                  <a:txBody>
+                    <a:bodyPr/>
+                    <a:lstStyle/>
+                    <a:p>
+                      <a:pPr algn="ctr"/>
+                      <a:r>
+                        <a:rPr lang="en-US" dirty="0"/>
+                        <a:t>0</a:t>
+                      </a:r>
+                    </a:p>
+                  </a:txBody>
+                  <a:tcPr/>
+                </a:tc>
+                <a:tc>
+                  <a:txBody>
+                    <a:bodyPr/>
+                    <a:lstStyle/>
+                    <a:p>
+                      <a:pPr algn="l"/>
+                      <a:r>
+                        <a:rPr lang="en-US" dirty="0"/>
+                        <a:t>48662103</a:t>
+                      </a:r>
+                    </a:p>
+                  </a:txBody>
+                  <a:tcPr/>
+                </a:tc>
+                <a:tc rowSpan="2">
+                  <a:txBody>
+                    <a:bodyPr/>
+                    <a:lstStyle/>
+                    <a:p>
+                      <a:pPr algn="l"/>
+                      <a:r>
+                        <a:rPr lang="en-US" dirty="0"/>
+                        <a:t>100000</a:t>
+                      </a:r>
+                    </a:p>
+                  </a:txBody>
+                  <a:tcPr/>
+                </a:tc>
+                <a:tc rowSpan="2">
+                  <a:txBody>
+                    <a:bodyPr/>
+                    <a:lstStyle/>
+                    <a:p>
+                      <a:pPr algn="l"/>
+                      <a:r>
+                        <a:rPr lang="en-US" dirty="0"/>
+                        <a:t>100000</a:t>
+                      </a:r>
+                    </a:p>
+                  </a:txBody>
+                  <a:tcPr/>
+                </a:tc>
+                <a:extLst>
+                  <a:ext uri="{0D108BD9-81ED-4DB2-BD59-A6C34878D82A}">
+                    <a16:rowId xmlns:a16="http://schemas.microsoft.com/office/drawing/2014/main" val="3755276059"/>
+                  </a:ext>
+                </a:extLst>
+              </a:tr>
+              <a:tr h="376063">
+                <a:tc>
+                  <a:txBody>
+                    <a:bodyPr/>
+                    <a:lstStyle/>
+                    <a:p>
+                      <a:pPr algn="ctr"/>
+                      <a:r>
+                        <a:rPr lang="en-US" dirty="0"/>
+                        <a:t>1</a:t>
+                      </a:r>
+                    </a:p>
+                  </a:txBody>
+                  <a:tcPr/>
+                </a:tc>
+                <a:tc>
+                  <a:txBody>
+                    <a:bodyPr/>
+                    <a:lstStyle/>
+                    <a:p>
+                      <a:pPr algn="l"/>
+                      <a:r>
+                        <a:rPr lang="en-US" dirty="0"/>
+                        <a:t>70661593</a:t>
+                      </a:r>
+                    </a:p>
+                  </a:txBody>
+                  <a:tcPr/>
+                </a:tc>
+                <a:tc vMerge="1">
+                  <a:txBody>
+                    <a:bodyPr/>
+                    <a:lstStyle/>
+                    <a:p>
+                      <a:pPr algn="ctr"/>
+                      <a:endParaRPr lang="en-US" dirty="0"/>
+                    </a:p>
+                  </a:txBody>
+                  <a:tcPr/>
+                </a:tc>
+                <a:tc vMerge="1">
+                  <a:txBody>
+                    <a:bodyPr/>
+                    <a:lstStyle/>
+                    <a:p>
+                      <a:endParaRPr lang="en-US"/>
+                    </a:p>
+                  </a:txBody>
+                  <a:tcPr/>
+                </a:tc>
+                <a:extLst>
+                  <a:ext uri="{0D108BD9-81ED-4DB2-BD59-A6C34878D82A}">
+                    <a16:rowId xmlns:a16="http://schemas.microsoft.com/office/drawing/2014/main" val="2228960390"/>
+                  </a:ext>
+                </a:extLst>
+              </a:tr>
+              <a:tr h="376063">
+                <a:tc>
+                  <a:txBody>
+                    <a:bodyPr/>
+                    <a:lstStyle/>
+                    <a:p>
+                      <a:pPr algn="ctr"/>
+                      <a:r>
+                        <a:rPr lang="en-US" dirty="0"/>
+                        <a:t>2</a:t>
+                      </a:r>
+                    </a:p>
+                  </a:txBody>
+                  <a:tcPr/>
+                </a:tc>
+                <a:tc>
+                  <a:txBody>
+                    <a:bodyPr/>
+                    <a:lstStyle/>
+                    <a:p>
+                      <a:pPr algn="l"/>
+                      <a:r>
+                        <a:rPr lang="en-US" dirty="0"/>
+                        <a:t>389211</a:t>
+                      </a:r>
+                    </a:p>
+                  </a:txBody>
+                  <a:tcPr/>
+                </a:tc>
+                <a:tc rowSpan="2">
+                  <a:txBody>
+                    <a:bodyPr/>
+                    <a:lstStyle/>
+                    <a:p>
+                      <a:pPr algn="l"/>
+                      <a:r>
+                        <a:rPr lang="en-US" dirty="0"/>
+                        <a:t>3814</a:t>
+                      </a:r>
+                    </a:p>
+                  </a:txBody>
+                  <a:tcPr/>
+                </a:tc>
+                <a:tc rowSpan="2">
+                  <a:txBody>
+                    <a:bodyPr/>
+                    <a:lstStyle/>
+                    <a:p>
+                      <a:pPr algn="l"/>
+                      <a:r>
+                        <a:rPr lang="en-US" dirty="0"/>
+                        <a:t>2721</a:t>
+                      </a:r>
+                    </a:p>
+                  </a:txBody>
+                  <a:tcPr/>
+                </a:tc>
+                <a:extLst>
+                  <a:ext uri="{0D108BD9-81ED-4DB2-BD59-A6C34878D82A}">
+                    <a16:rowId xmlns:a16="http://schemas.microsoft.com/office/drawing/2014/main" val="4183955610"/>
+                  </a:ext>
+                </a:extLst>
+              </a:tr>
+              <a:tr h="376063">
+                <a:tc>
+                  <a:txBody>
+                    <a:bodyPr/>
+                    <a:lstStyle/>
+                    <a:p>
+                      <a:pPr algn="ctr"/>
+                      <a:r>
+                        <a:rPr lang="en-US" dirty="0"/>
+                        <a:t>3</a:t>
+                      </a:r>
+                    </a:p>
+                  </a:txBody>
+                  <a:tcPr/>
+                </a:tc>
+                <a:tc>
+                  <a:txBody>
+                    <a:bodyPr/>
+                    <a:lstStyle/>
+                    <a:p>
+                      <a:pPr algn="l"/>
+                      <a:r>
+                        <a:rPr lang="en-US" dirty="0"/>
+                        <a:t>389211</a:t>
+                      </a:r>
+                    </a:p>
+                  </a:txBody>
+                  <a:tcPr/>
+                </a:tc>
+                <a:tc vMerge="1">
+                  <a:txBody>
+                    <a:bodyPr/>
+                    <a:lstStyle/>
+                    <a:p>
+                      <a:pPr algn="ctr"/>
+                      <a:endParaRPr lang="en-US" dirty="0"/>
+                    </a:p>
+                  </a:txBody>
+                  <a:tcPr/>
+                </a:tc>
+                <a:tc vMerge="1">
+                  <a:txBody>
+                    <a:bodyPr/>
+                    <a:lstStyle/>
+                    <a:p>
+                      <a:endParaRPr lang="en-US"/>
+                    </a:p>
+                  </a:txBody>
+                  <a:tcPr/>
+                </a:tc>
+                <a:extLst>
+                  <a:ext uri="{0D108BD9-81ED-4DB2-BD59-A6C34878D82A}">
+                    <a16:rowId xmlns:a16="http://schemas.microsoft.com/office/drawing/2014/main" val="3016369053"/>
+                  </a:ext>
+                </a:extLst>
+              </a:tr>
+              <a:tr h="376063">
+                <a:tc>
+                  <a:txBody>
+                    <a:bodyPr/>
+                    <a:lstStyle/>
+                    <a:p>
+                      <a:pPr algn="ctr"/>
+                      <a:r>
+                        <a:rPr lang="en-US" dirty="0"/>
+                        <a:t>4</a:t>
+                      </a:r>
+                    </a:p>
+                  </a:txBody>
+                  <a:tcPr/>
+                </a:tc>
+                <a:tc>
+                  <a:txBody>
+                    <a:bodyPr/>
+                    <a:lstStyle/>
+                    <a:p>
+                      <a:pPr algn="l"/>
+                      <a:r>
+                        <a:rPr lang="en-US" dirty="0"/>
+                        <a:t>259304</a:t>
+                      </a:r>
+                    </a:p>
+                  </a:txBody>
+                  <a:tcPr/>
+                </a:tc>
+                <a:tc>
+                  <a:txBody>
+                    <a:bodyPr/>
+                    <a:lstStyle/>
+                    <a:p>
+                      <a:pPr algn="l"/>
+                      <a:r>
+                        <a:rPr lang="en-US" dirty="0"/>
+                        <a:t>66173</a:t>
+                      </a:r>
+                    </a:p>
+                  </a:txBody>
+                  <a:tcPr/>
+                </a:tc>
+                <a:tc>
+                  <a:txBody>
+                    <a:bodyPr/>
+                    <a:lstStyle/>
+                    <a:p>
+                      <a:pPr algn="l"/>
+                      <a:r>
+                        <a:rPr lang="en-US" dirty="0"/>
+                        <a:t>33570</a:t>
+                      </a:r>
+                    </a:p>
+                  </a:txBody>
+                  <a:tcPr/>
+                </a:tc>
+                <a:extLst>
+                  <a:ext uri="{0D108BD9-81ED-4DB2-BD59-A6C34878D82A}">
+                    <a16:rowId xmlns:a16="http://schemas.microsoft.com/office/drawing/2014/main" val="780398715"/>
+                  </a:ext>
+                </a:extLst>
+              </a:tr>
+              <a:tr h="376063">
+                <a:tc>
+                  <a:txBody>
+                    <a:bodyPr/>
+                    <a:lstStyle/>
+                    <a:p>
+                      <a:pPr algn="ctr"/>
+                      <a:r>
+                        <a:rPr lang="en-US" dirty="0"/>
+                        <a:t>5</a:t>
+                      </a:r>
+                    </a:p>
+                  </a:txBody>
+                  <a:tcPr/>
+                </a:tc>
+                <a:tc>
+                  <a:txBody>
+                    <a:bodyPr/>
+                    <a:lstStyle/>
+                    <a:p>
+                      <a:pPr algn="l"/>
+                      <a:r>
+                        <a:rPr lang="en-US" dirty="0"/>
+                        <a:t>2041841</a:t>
+                      </a:r>
+                    </a:p>
+                  </a:txBody>
+                  <a:tcPr/>
+                </a:tc>
+                <a:tc>
+                  <a:txBody>
+                    <a:bodyPr/>
+                    <a:lstStyle/>
+                    <a:p>
+                      <a:pPr algn="l"/>
+                      <a:r>
+                        <a:rPr lang="en-US" dirty="0"/>
+                        <a:t>100003</a:t>
+                      </a:r>
+                    </a:p>
+                  </a:txBody>
+                  <a:tcPr/>
+                </a:tc>
+                <a:tc>
+                  <a:txBody>
+                    <a:bodyPr/>
+                    <a:lstStyle/>
+                    <a:p>
+                      <a:pPr algn="l"/>
+                      <a:r>
+                        <a:rPr lang="en-US" dirty="0"/>
+                        <a:t>100027</a:t>
+                      </a:r>
+                    </a:p>
+                  </a:txBody>
+                  <a:tcPr/>
+                </a:tc>
+                <a:extLst>
+                  <a:ext uri="{0D108BD9-81ED-4DB2-BD59-A6C34878D82A}">
+                    <a16:rowId xmlns:a16="http://schemas.microsoft.com/office/drawing/2014/main" val="639378041"/>
+                  </a:ext>
+                </a:extLst>
+              </a:tr>
+              <a:tr h="376063">
+                <a:tc>
+                  <a:txBody>
+                    <a:bodyPr/>
+                    <a:lstStyle/>
+                    <a:p>
+                      <a:pPr algn="ctr"/>
+                      <a:r>
+                        <a:rPr lang="en-US" dirty="0"/>
+                        <a:t>6</a:t>
+                      </a:r>
+                    </a:p>
+                  </a:txBody>
+                  <a:tcPr/>
+                </a:tc>
+                <a:tc>
+                  <a:txBody>
+                    <a:bodyPr/>
+                    <a:lstStyle/>
+                    <a:p>
+                      <a:pPr algn="l"/>
+                      <a:r>
+                        <a:rPr lang="en-US" dirty="0"/>
+                        <a:t>1491998</a:t>
+                      </a:r>
+                    </a:p>
+                  </a:txBody>
+                  <a:tcPr/>
+                </a:tc>
+                <a:tc>
+                  <a:txBody>
+                    <a:bodyPr/>
+                    <a:lstStyle/>
+                    <a:p>
+                      <a:pPr algn="l"/>
+                      <a:r>
+                        <a:rPr lang="en-US" dirty="0"/>
+                        <a:t>50189</a:t>
+                      </a:r>
+                    </a:p>
+                  </a:txBody>
+                  <a:tcPr/>
+                </a:tc>
+                <a:tc>
+                  <a:txBody>
+                    <a:bodyPr/>
+                    <a:lstStyle/>
+                    <a:p>
+                      <a:pPr algn="l"/>
+                      <a:endParaRPr lang="en-US" dirty="0"/>
+                    </a:p>
+                  </a:txBody>
+                  <a:tcPr/>
+                </a:tc>
+                <a:extLst>
+                  <a:ext uri="{0D108BD9-81ED-4DB2-BD59-A6C34878D82A}">
+                    <a16:rowId xmlns:a16="http://schemas.microsoft.com/office/drawing/2014/main" val="2282781407"/>
+                  </a:ext>
+                </a:extLst>
+              </a:tr>
+              <a:tr h="376063">
+                <a:tc>
+                  <a:txBody>
+                    <a:bodyPr/>
+                    <a:lstStyle/>
+                    <a:p>
+                      <a:pPr algn="ctr"/>
+                      <a:r>
+                        <a:rPr lang="en-US" dirty="0"/>
+                        <a:t>Total</a:t>
+                      </a:r>
+                    </a:p>
+                  </a:txBody>
+                  <a:tcPr/>
+                </a:tc>
+                <a:tc>
+                  <a:txBody>
+                    <a:bodyPr/>
+                    <a:lstStyle/>
+                    <a:p>
+                      <a:pPr algn="l"/>
+                      <a:r>
+                        <a:rPr lang="en-US" dirty="0"/>
+                        <a:t>123895261</a:t>
+                      </a:r>
+                    </a:p>
+                  </a:txBody>
+                  <a:tcPr/>
+                </a:tc>
+                <a:tc>
+                  <a:txBody>
+                    <a:bodyPr/>
+                    <a:lstStyle/>
+                    <a:p>
+                      <a:pPr algn="l"/>
+                      <a:r>
+                        <a:rPr lang="en-US" dirty="0"/>
+                        <a:t>164537</a:t>
+                      </a:r>
+                    </a:p>
+                  </a:txBody>
+                  <a:tcPr/>
+                </a:tc>
+                <a:tc>
+                  <a:txBody>
+                    <a:bodyPr/>
+                    <a:lstStyle/>
+                    <a:p>
+                      <a:pPr algn="l"/>
+                      <a:r>
+                        <a:rPr lang="en-US" dirty="0"/>
+                        <a:t>136324</a:t>
+                      </a:r>
+                    </a:p>
+                  </a:txBody>
+                  <a:tcPr/>
+                </a:tc>
+                <a:extLst>
+                  <a:ext uri="{0D108BD9-81ED-4DB2-BD59-A6C34878D82A}">
+                    <a16:rowId xmlns:a16="http://schemas.microsoft.com/office/drawing/2014/main" val="3342183739"/>
+                  </a:ext>
+                </a:extLst>
+              </a:tr>
+            </a:tbl>
+          </a:graphicData>
+        </a:graphic>
+      </p:graphicFrame>
+      <p:sp>
+        <p:nvSpPr>
+          <p:cNvPr id="8" name="Rectangle 3">
+            <a:extLst>
+              <a:ext uri="{FF2B5EF4-FFF2-40B4-BE49-F238E27FC236}">
+                <a16:creationId xmlns:a16="http://schemas.microsoft.com/office/drawing/2014/main" id="{A59012F7-007B-4721-9046-E5B2FC83BD87}"/>
+              </a:ext>
+            </a:extLst>
+          </p:cNvPr>
+          <p:cNvSpPr>
+            <a:spLocks noChangeArrowheads="1"/>
+          </p:cNvSpPr>
+          <p:nvPr/>
+        </p:nvSpPr>
+        <p:spPr bwMode="auto">
+          <a:xfrm>
+            <a:off x="0" y="0"/>
+            <a:ext cx="12192000" cy="457200"/>
+          </a:xfrm>
+          <a:prstGeom prst="rect">
+            <a:avLst/>
+          </a:prstGeom>
+          <a:solidFill>
+            <a:srgbClr val="FFFFFF"/>
+          </a:solidFill>
+          <a:ln>
+            <a:noFill/>
+          </a:ln>
+          <a:effectLst/>
+          <a:extLst>
+            <a:ext uri="{91240B29-F687-4F45-9708-019B960494DF}">
+              <a14:hiddenLine xmlns:a14="http://schemas.microsoft.com/office/drawing/2010/main" w="9525">
+                <a:solidFill>
+                  <a:schemeClr val="tx1"/>
+                </a:solidFill>
+                <a:miter lim="800000"/>
+                <a:headEnd/>
+                <a:tailEnd/>
+              </a14:hiddenLine>
+            </a:ext>
+            <a:ext uri="{AF507438-7753-43E0-B8FC-AC1667EBCBE1}">
+              <a14:hiddenEffects xmlns:a14="http://schemas.microsoft.com/office/drawing/2010/main">
+                <a:effectLst>
+                  <a:outerShdw dist="35921" dir="2700000" algn="ctr" rotWithShape="0">
+                    <a:schemeClr val="bg2"/>
+                  </a:outerShdw>
+                </a:effectLst>
+              </a14:hiddenEffects>
+            </a:ext>
+          </a:extLst>
+        </p:spPr>
+        <p:txBody>
+          <a:bodyPr vert="horz" wrap="none" lIns="0" tIns="0" rIns="0" bIns="0" numCol="1" anchor="ctr" anchorCtr="0" compatLnSpc="1">
+            <a:prstTxWarp prst="textNoShape">
+              <a:avLst/>
+            </a:prstTxWarp>
+            <a:spAutoFit/>
+          </a:bodyPr>
+          <a:lstStyle/>
+          <a:p>
+            <a:pPr marL="0" marR="0" lvl="0" indent="0" algn="l" defTabSz="914400" rtl="0" eaLnBrk="0" fontAlgn="base" latinLnBrk="0" hangingPunct="0">
+              <a:lnSpc>
+                <a:spcPct val="100000"/>
+              </a:lnSpc>
+              <a:spcBef>
+                <a:spcPct val="0"/>
+              </a:spcBef>
+              <a:spcAft>
+                <a:spcPct val="0"/>
+              </a:spcAft>
+              <a:buClrTx/>
+              <a:buSzTx/>
+              <a:buFontTx/>
+              <a:buNone/>
+              <a:tabLst/>
+            </a:pPr>
+            <a:r>
+              <a:rPr kumimoji="0" lang="en-US" altLang="en-US" sz="1000" b="0" i="0" u="none" strike="noStrike" cap="none" normalizeH="0" baseline="0">
+                <a:ln>
+                  <a:noFill/>
+                </a:ln>
+                <a:solidFill>
+                  <a:srgbClr val="000000"/>
+                </a:solidFill>
+                <a:effectLst/>
+                <a:latin typeface="Courier New" panose="02070309020205020404" pitchFamily="49" charset="0"/>
+              </a:rPr>
+              <a:t>200860</a:t>
+            </a:r>
+            <a:r>
+              <a:rPr kumimoji="0" lang="en-US" altLang="en-US" sz="800" b="0" i="0" u="none" strike="noStrike" cap="none" normalizeH="0" baseline="0">
+                <a:ln>
+                  <a:noFill/>
+                </a:ln>
+                <a:solidFill>
+                  <a:schemeClr val="tx1"/>
+                </a:solidFill>
+                <a:effectLst/>
+              </a:rPr>
+              <a:t> </a:t>
+            </a:r>
+            <a:endParaRPr kumimoji="0" lang="en-US" altLang="en-US" sz="1800" b="0" i="0" u="none" strike="noStrike" cap="none" normalizeH="0" baseline="0">
+              <a:ln>
+                <a:noFill/>
+              </a:ln>
+              <a:solidFill>
+                <a:schemeClr val="tx1"/>
+              </a:solidFill>
+              <a:effectLst/>
+              <a:latin typeface="Arial" panose="020B0604020202020204" pitchFamily="34" charset="0"/>
+            </a:endParaRPr>
+          </a:p>
+        </p:txBody>
+      </p:sp>
+    </p:spTree>
+    <p:extLst>
+      <p:ext uri="{BB962C8B-B14F-4D97-AF65-F5344CB8AC3E}">
+        <p14:creationId xmlns:p14="http://schemas.microsoft.com/office/powerpoint/2010/main" val="65472402"/>
+      </p:ext>
+    </p:extLst>
+  </p:cSld>
+  <p:clrMapOvr>
+    <a:masterClrMapping/>
+  </p:clrMapOvr>
+</p:sld>
+</file>
+
+<file path=ppt/slides/slide22.xml><?xml version="1.0" encoding="utf-8"?>
+<p:sld xmlns:a="http://schemas.openxmlformats.org/drawingml/2006/main" xmlns:r="http://schemas.openxmlformats.org/officeDocument/2006/relationships" xmlns:p="http://schemas.openxmlformats.org/presentationml/2006/main">
+  <p:cSld>
+    <p:spTree>
+      <p:nvGrpSpPr>
+        <p:cNvPr id="1" name=""/>
+        <p:cNvGrpSpPr/>
+        <p:nvPr/>
+      </p:nvGrpSpPr>
+      <p:grpSpPr>
+        <a:xfrm>
+          <a:off x="0" y="0"/>
+          <a:ext cx="0" cy="0"/>
+          <a:chOff x="0" y="0"/>
+          <a:chExt cx="0" cy="0"/>
+        </a:xfrm>
+      </p:grpSpPr>
+      <p:sp>
+        <p:nvSpPr>
+          <p:cNvPr id="2" name="Title 1">
+            <a:extLst>
+              <a:ext uri="{FF2B5EF4-FFF2-40B4-BE49-F238E27FC236}">
+                <a16:creationId xmlns:a16="http://schemas.microsoft.com/office/drawing/2014/main" id="{03157DC7-9BF8-4E26-8207-6C2831CE5A1E}"/>
+              </a:ext>
+            </a:extLst>
+          </p:cNvPr>
+          <p:cNvSpPr>
+            <a:spLocks noGrp="1"/>
+          </p:cNvSpPr>
+          <p:nvPr>
+            <p:ph type="ctrTitle"/>
+          </p:nvPr>
+        </p:nvSpPr>
+        <p:spPr/>
+        <p:txBody>
+          <a:bodyPr>
+            <a:normAutofit/>
+          </a:bodyPr>
+          <a:lstStyle/>
+          <a:p>
+            <a:r>
+              <a:rPr lang="en-US" sz="6600" b="1" dirty="0">
+                <a:solidFill>
+                  <a:schemeClr val="accent1">
+                    <a:lumMod val="50000"/>
+                  </a:schemeClr>
+                </a:solidFill>
+                <a:effectLst>
+                  <a:outerShdw blurRad="38100" dist="38100" dir="2700000" algn="tl">
+                    <a:srgbClr val="000000">
+                      <a:alpha val="43137"/>
+                    </a:srgbClr>
+                  </a:outerShdw>
+                </a:effectLst>
+              </a:rPr>
+              <a:t>Thank you for your time</a:t>
+            </a:r>
+          </a:p>
+        </p:txBody>
+      </p:sp>
+    </p:spTree>
+    <p:extLst>
+      <p:ext uri="{BB962C8B-B14F-4D97-AF65-F5344CB8AC3E}">
+        <p14:creationId xmlns:p14="http://schemas.microsoft.com/office/powerpoint/2010/main" val="4090626466"/>
+      </p:ext>
+    </p:extLst>
+  </p:cSld>
+  <p:clrMapOvr>
+    <a:masterClrMapping/>
+  </p:clrMapOvr>
+</p:sld>
+</file>
+
+<file path=ppt/slides/slide3.xml><?xml version="1.0" encoding="utf-8"?>
 <p:sld xmlns:a="http://schemas.openxmlformats.org/drawingml/2006/main" xmlns:r="http://schemas.openxmlformats.org/officeDocument/2006/relationships" xmlns:p="http://schemas.openxmlformats.org/presentationml/2006/main">
   <p:cSld>
     <p:spTree>
@@ -8521,7 +10579,7 @@
 </p:sld>
 </file>
 
-<file path=ppt/slides/slide3.xml><?xml version="1.0" encoding="utf-8"?>
+<file path=ppt/slides/slide4.xml><?xml version="1.0" encoding="utf-8"?>
 <p:sld xmlns:a="http://schemas.openxmlformats.org/drawingml/2006/main" xmlns:r="http://schemas.openxmlformats.org/officeDocument/2006/relationships" xmlns:p="http://schemas.openxmlformats.org/presentationml/2006/main">
   <p:cSld>
     <p:spTree>
@@ -8645,7 +10703,7 @@
 </p:sld>
 </file>
 
-<file path=ppt/slides/slide4.xml><?xml version="1.0" encoding="utf-8"?>
+<file path=ppt/slides/slide5.xml><?xml version="1.0" encoding="utf-8"?>
 <p:sld xmlns:a="http://schemas.openxmlformats.org/drawingml/2006/main" xmlns:r="http://schemas.openxmlformats.org/officeDocument/2006/relationships" xmlns:p="http://schemas.openxmlformats.org/presentationml/2006/main">
   <p:cSld>
     <p:spTree>
@@ -8785,7 +10843,7 @@
 </p:sld>
 </file>
 
-<file path=ppt/slides/slide5.xml><?xml version="1.0" encoding="utf-8"?>
+<file path=ppt/slides/slide6.xml><?xml version="1.0" encoding="utf-8"?>
 <p:sld xmlns:a="http://schemas.openxmlformats.org/drawingml/2006/main" xmlns:r="http://schemas.openxmlformats.org/officeDocument/2006/relationships" xmlns:p="http://schemas.openxmlformats.org/presentationml/2006/main">
   <p:cSld>
     <p:spTree>
@@ -8937,7 +10995,7 @@
 </p:sld>
 </file>
 
-<file path=ppt/slides/slide6.xml><?xml version="1.0" encoding="utf-8"?>
+<file path=ppt/slides/slide7.xml><?xml version="1.0" encoding="utf-8"?>
 <p:sld xmlns:a="http://schemas.openxmlformats.org/drawingml/2006/main" xmlns:r="http://schemas.openxmlformats.org/officeDocument/2006/relationships" xmlns:p="http://schemas.openxmlformats.org/presentationml/2006/main">
   <p:cSld>
     <p:spTree>
@@ -9113,7 +11171,7 @@
 </p:sld>
 </file>
 
-<file path=ppt/slides/slide7.xml><?xml version="1.0" encoding="utf-8"?>
+<file path=ppt/slides/slide8.xml><?xml version="1.0" encoding="utf-8"?>
 <p:sld xmlns:a="http://schemas.openxmlformats.org/drawingml/2006/main" xmlns:r="http://schemas.openxmlformats.org/officeDocument/2006/relationships" xmlns:p="http://schemas.openxmlformats.org/presentationml/2006/main">
   <p:cSld>
     <p:spTree>
@@ -9302,7 +11360,7 @@
 </p:sld>
 </file>
 
-<file path=ppt/slides/slide8.xml><?xml version="1.0" encoding="utf-8"?>
+<file path=ppt/slides/slide9.xml><?xml version="1.0" encoding="utf-8"?>
 <p:sld xmlns:a="http://schemas.openxmlformats.org/drawingml/2006/main" xmlns:r="http://schemas.openxmlformats.org/officeDocument/2006/relationships" xmlns:p="http://schemas.openxmlformats.org/presentationml/2006/main">
   <p:cSld>
     <p:spTree>
@@ -9450,859 +11508,6 @@
     <p:extLst>
       <p:ext uri="{BB962C8B-B14F-4D97-AF65-F5344CB8AC3E}">
         <p14:creationId xmlns:p14="http://schemas.microsoft.com/office/powerpoint/2010/main" val="3178242544"/>
-      </p:ext>
-    </p:extLst>
-  </p:cSld>
-  <p:clrMapOvr>
-    <a:masterClrMapping/>
-  </p:clrMapOvr>
-</p:sld>
-</file>
-
-<file path=ppt/slides/slide9.xml><?xml version="1.0" encoding="utf-8"?>
-<p:sld xmlns:a="http://schemas.openxmlformats.org/drawingml/2006/main" xmlns:r="http://schemas.openxmlformats.org/officeDocument/2006/relationships" xmlns:p="http://schemas.openxmlformats.org/presentationml/2006/main">
-  <p:cSld>
-    <p:spTree>
-      <p:nvGrpSpPr>
-        <p:cNvPr id="1" name=""/>
-        <p:cNvGrpSpPr/>
-        <p:nvPr/>
-      </p:nvGrpSpPr>
-      <p:grpSpPr>
-        <a:xfrm>
-          <a:off x="0" y="0"/>
-          <a:ext cx="0" cy="0"/>
-          <a:chOff x="0" y="0"/>
-          <a:chExt cx="0" cy="0"/>
-        </a:xfrm>
-      </p:grpSpPr>
-      <p:sp>
-        <p:nvSpPr>
-          <p:cNvPr id="2" name="Title 1">
-            <a:extLst>
-              <a:ext uri="{FF2B5EF4-FFF2-40B4-BE49-F238E27FC236}">
-                <a16:creationId xmlns:a16="http://schemas.microsoft.com/office/drawing/2014/main" id="{6223038A-68E9-4682-ADF1-B26EE4C32CB9}"/>
-              </a:ext>
-            </a:extLst>
-          </p:cNvPr>
-          <p:cNvSpPr>
-            <a:spLocks noGrp="1"/>
-          </p:cNvSpPr>
-          <p:nvPr>
-            <p:ph type="title"/>
-          </p:nvPr>
-        </p:nvSpPr>
-        <p:spPr/>
-        <p:txBody>
-          <a:bodyPr/>
-          <a:lstStyle/>
-          <a:p>
-            <a:r>
-              <a:rPr lang="en-US" dirty="0"/>
-              <a:t>Exploring the data (Channels)</a:t>
-            </a:r>
-          </a:p>
-        </p:txBody>
-      </p:sp>
-      <p:graphicFrame>
-        <p:nvGraphicFramePr>
-          <p:cNvPr id="6" name="Table 6">
-            <a:extLst>
-              <a:ext uri="{FF2B5EF4-FFF2-40B4-BE49-F238E27FC236}">
-                <a16:creationId xmlns:a16="http://schemas.microsoft.com/office/drawing/2014/main" id="{3247C39F-7BB1-4652-A31A-B17B14CE5D4A}"/>
-              </a:ext>
-            </a:extLst>
-          </p:cNvPr>
-          <p:cNvGraphicFramePr>
-            <a:graphicFrameLocks noGrp="1"/>
-          </p:cNvGraphicFramePr>
-          <p:nvPr>
-            <p:ph idx="1"/>
-            <p:extLst>
-              <p:ext uri="{D42A27DB-BD31-4B8C-83A1-F6EECF244321}">
-                <p14:modId xmlns:p14="http://schemas.microsoft.com/office/powerpoint/2010/main" val="3261822853"/>
-              </p:ext>
-            </p:extLst>
-          </p:nvPr>
-        </p:nvGraphicFramePr>
-        <p:xfrm>
-          <a:off x="838199" y="1443037"/>
-          <a:ext cx="10450551" cy="5049837"/>
-        </p:xfrm>
-        <a:graphic>
-          <a:graphicData uri="http://schemas.openxmlformats.org/drawingml/2006/table">
-            <a:tbl>
-              <a:tblPr firstRow="1" bandRow="1">
-                <a:tableStyleId>{5C22544A-7EE6-4342-B048-85BDC9FD1C3A}</a:tableStyleId>
-              </a:tblPr>
-              <a:tblGrid>
-                <a:gridCol w="1771968">
-                  <a:extLst>
-                    <a:ext uri="{9D8B030D-6E8A-4147-A177-3AD203B41FA5}">
-                      <a16:colId xmlns:a16="http://schemas.microsoft.com/office/drawing/2014/main" val="3729389960"/>
-                    </a:ext>
-                  </a:extLst>
-                </a:gridCol>
-                <a:gridCol w="835710">
-                  <a:extLst>
-                    <a:ext uri="{9D8B030D-6E8A-4147-A177-3AD203B41FA5}">
-                      <a16:colId xmlns:a16="http://schemas.microsoft.com/office/drawing/2014/main" val="2281435260"/>
-                    </a:ext>
-                  </a:extLst>
-                </a:gridCol>
-                <a:gridCol w="2108825">
-                  <a:extLst>
-                    <a:ext uri="{9D8B030D-6E8A-4147-A177-3AD203B41FA5}">
-                      <a16:colId xmlns:a16="http://schemas.microsoft.com/office/drawing/2014/main" val="2072369400"/>
-                    </a:ext>
-                  </a:extLst>
-                </a:gridCol>
-                <a:gridCol w="981041">
-                  <a:extLst>
-                    <a:ext uri="{9D8B030D-6E8A-4147-A177-3AD203B41FA5}">
-                      <a16:colId xmlns:a16="http://schemas.microsoft.com/office/drawing/2014/main" val="1567139128"/>
-                    </a:ext>
-                  </a:extLst>
-                </a:gridCol>
-                <a:gridCol w="1133509">
-                  <a:extLst>
-                    <a:ext uri="{9D8B030D-6E8A-4147-A177-3AD203B41FA5}">
-                      <a16:colId xmlns:a16="http://schemas.microsoft.com/office/drawing/2014/main" val="2267513749"/>
-                    </a:ext>
-                  </a:extLst>
-                </a:gridCol>
-                <a:gridCol w="1090938">
-                  <a:extLst>
-                    <a:ext uri="{9D8B030D-6E8A-4147-A177-3AD203B41FA5}">
-                      <a16:colId xmlns:a16="http://schemas.microsoft.com/office/drawing/2014/main" val="44632791"/>
-                    </a:ext>
-                  </a:extLst>
-                </a:gridCol>
-                <a:gridCol w="1107710">
-                  <a:extLst>
-                    <a:ext uri="{9D8B030D-6E8A-4147-A177-3AD203B41FA5}">
-                      <a16:colId xmlns:a16="http://schemas.microsoft.com/office/drawing/2014/main" val="3607100143"/>
-                    </a:ext>
-                  </a:extLst>
-                </a:gridCol>
-                <a:gridCol w="1420850">
-                  <a:extLst>
-                    <a:ext uri="{9D8B030D-6E8A-4147-A177-3AD203B41FA5}">
-                      <a16:colId xmlns:a16="http://schemas.microsoft.com/office/drawing/2014/main" val="2294204304"/>
-                    </a:ext>
-                  </a:extLst>
-                </a:gridCol>
-              </a:tblGrid>
-              <a:tr h="666544">
-                <a:tc>
-                  <a:txBody>
-                    <a:bodyPr/>
-                    <a:lstStyle/>
-                    <a:p>
-                      <a:r>
-                        <a:rPr lang="en-US" sz="1600" dirty="0"/>
-                        <a:t>Channel Name</a:t>
-                      </a:r>
-                    </a:p>
-                  </a:txBody>
-                  <a:tcPr/>
-                </a:tc>
-                <a:tc>
-                  <a:txBody>
-                    <a:bodyPr/>
-                    <a:lstStyle/>
-                    <a:p>
-                      <a:r>
-                        <a:rPr lang="en-US" sz="1600" dirty="0"/>
-                        <a:t>eType</a:t>
-                      </a:r>
-                    </a:p>
-                  </a:txBody>
-                  <a:tcPr/>
-                </a:tc>
-                <a:tc>
-                  <a:txBody>
-                    <a:bodyPr/>
-                    <a:lstStyle/>
-                    <a:p>
-                      <a:r>
-                        <a:rPr lang="en-US" sz="1600" dirty="0"/>
-                        <a:t>Representation</a:t>
-                      </a:r>
-                    </a:p>
-                  </a:txBody>
-                  <a:tcPr/>
-                </a:tc>
-                <a:tc>
-                  <a:txBody>
-                    <a:bodyPr/>
-                    <a:lstStyle/>
-                    <a:p>
-                      <a:r>
-                        <a:rPr lang="en-US" sz="1600" dirty="0"/>
-                        <a:t>Location</a:t>
-                      </a:r>
-                    </a:p>
-                  </a:txBody>
-                  <a:tcPr/>
-                </a:tc>
-                <a:tc>
-                  <a:txBody>
-                    <a:bodyPr/>
-                    <a:lstStyle/>
-                    <a:p>
-                      <a:r>
-                        <a:rPr lang="en-US" sz="1600" dirty="0"/>
-                        <a:t>Weight</a:t>
-                      </a:r>
-                    </a:p>
-                  </a:txBody>
-                  <a:tcPr/>
-                </a:tc>
-                <a:tc>
-                  <a:txBody>
-                    <a:bodyPr/>
-                    <a:lstStyle/>
-                    <a:p>
-                      <a:r>
-                        <a:rPr lang="en-US" sz="1600" dirty="0"/>
-                        <a:t>Source</a:t>
-                      </a:r>
-                    </a:p>
-                  </a:txBody>
-                  <a:tcPr/>
-                </a:tc>
-                <a:tc>
-                  <a:txBody>
-                    <a:bodyPr/>
-                    <a:lstStyle/>
-                    <a:p>
-                      <a:r>
-                        <a:rPr lang="en-US" sz="1600" dirty="0"/>
-                        <a:t>Target</a:t>
-                      </a:r>
-                    </a:p>
-                  </a:txBody>
-                  <a:tcPr/>
-                </a:tc>
-                <a:tc>
-                  <a:txBody>
-                    <a:bodyPr/>
-                    <a:lstStyle/>
-                    <a:p>
-                      <a:r>
-                        <a:rPr lang="en-US" sz="1600" dirty="0"/>
-                        <a:t>Notable points</a:t>
-                      </a:r>
-                    </a:p>
-                  </a:txBody>
-                  <a:tcPr/>
-                </a:tc>
-                <a:extLst>
-                  <a:ext uri="{0D108BD9-81ED-4DB2-BD59-A6C34878D82A}">
-                    <a16:rowId xmlns:a16="http://schemas.microsoft.com/office/drawing/2014/main" val="1271232916"/>
-                  </a:ext>
-                </a:extLst>
-              </a:tr>
-              <a:tr h="857772">
-                <a:tc>
-                  <a:txBody>
-                    <a:bodyPr/>
-                    <a:lstStyle/>
-                    <a:p>
-                      <a:r>
-                        <a:rPr lang="en-US" sz="1600" b="1" dirty="0"/>
-                        <a:t>Communications</a:t>
-                      </a:r>
-                    </a:p>
-                    <a:p>
-                      <a:r>
-                        <a:rPr lang="en-US" sz="1600" b="1" dirty="0"/>
-                        <a:t>(phone and email)</a:t>
-                      </a:r>
-                      <a:endParaRPr lang="en-US" sz="1600" dirty="0"/>
-                    </a:p>
-                  </a:txBody>
-                  <a:tcPr/>
-                </a:tc>
-                <a:tc>
-                  <a:txBody>
-                    <a:bodyPr/>
-                    <a:lstStyle/>
-                    <a:p>
-                      <a:pPr algn="ctr"/>
-                      <a:r>
-                        <a:rPr lang="en-US" sz="1600" dirty="0"/>
-                        <a:t>0 &amp; 1</a:t>
-                      </a:r>
-                    </a:p>
-                  </a:txBody>
-                  <a:tcPr/>
-                </a:tc>
-                <a:tc>
-                  <a:txBody>
-                    <a:bodyPr/>
-                    <a:lstStyle/>
-                    <a:p>
-                      <a:r>
-                        <a:rPr lang="en-US" sz="1600" dirty="0"/>
-                        <a:t>Direct connections between two persons</a:t>
-                      </a:r>
-                    </a:p>
-                  </a:txBody>
-                  <a:tcPr/>
-                </a:tc>
-                <a:tc>
-                  <a:txBody>
-                    <a:bodyPr/>
-                    <a:lstStyle/>
-                    <a:p>
-                      <a:pPr algn="ctr"/>
-                      <a:r>
-                        <a:rPr lang="en-US" sz="1600" dirty="0"/>
-                        <a:t>Some</a:t>
-                      </a:r>
-                    </a:p>
-                  </a:txBody>
-                  <a:tcPr/>
-                </a:tc>
-                <a:tc>
-                  <a:txBody>
-                    <a:bodyPr/>
-                    <a:lstStyle/>
-                    <a:p>
-                      <a:pPr algn="ctr"/>
-                      <a:r>
-                        <a:rPr lang="en-US" sz="1600" dirty="0"/>
-                        <a:t>Always 1</a:t>
-                      </a:r>
-                    </a:p>
-                  </a:txBody>
-                  <a:tcPr/>
-                </a:tc>
-                <a:tc>
-                  <a:txBody>
-                    <a:bodyPr/>
-                    <a:lstStyle/>
-                    <a:p>
-                      <a:pPr algn="ctr"/>
-                      <a:r>
-                        <a:rPr lang="en-US" sz="1600" dirty="0"/>
-                        <a:t>person</a:t>
-                      </a:r>
-                    </a:p>
-                  </a:txBody>
-                  <a:tcPr/>
-                </a:tc>
-                <a:tc>
-                  <a:txBody>
-                    <a:bodyPr/>
-                    <a:lstStyle/>
-                    <a:p>
-                      <a:pPr algn="ctr"/>
-                      <a:r>
-                        <a:rPr lang="en-US" sz="1600" dirty="0"/>
-                        <a:t>Person</a:t>
-                      </a:r>
-                    </a:p>
-                  </a:txBody>
-                  <a:tcPr/>
-                </a:tc>
-                <a:tc>
-                  <a:txBody>
-                    <a:bodyPr/>
-                    <a:lstStyle/>
-                    <a:p>
-                      <a:r>
-                        <a:rPr lang="en-US" sz="1600" dirty="0"/>
-                        <a:t>Phone and email channels not clear</a:t>
-                      </a:r>
-                    </a:p>
-                  </a:txBody>
-                  <a:tcPr/>
-                </a:tc>
-                <a:extLst>
-                  <a:ext uri="{0D108BD9-81ED-4DB2-BD59-A6C34878D82A}">
-                    <a16:rowId xmlns:a16="http://schemas.microsoft.com/office/drawing/2014/main" val="2779712042"/>
-                  </a:ext>
-                </a:extLst>
-              </a:tr>
-              <a:tr h="857772">
-                <a:tc>
-                  <a:txBody>
-                    <a:bodyPr/>
-                    <a:lstStyle/>
-                    <a:p>
-                      <a:r>
-                        <a:rPr lang="en-US" sz="1600" b="1" dirty="0"/>
-                        <a:t>Procurement</a:t>
-                      </a:r>
-                      <a:endParaRPr lang="en-US" sz="1600" dirty="0"/>
-                    </a:p>
-                  </a:txBody>
-                  <a:tcPr/>
-                </a:tc>
-                <a:tc>
-                  <a:txBody>
-                    <a:bodyPr/>
-                    <a:lstStyle/>
-                    <a:p>
-                      <a:pPr algn="ctr"/>
-                      <a:r>
-                        <a:rPr lang="en-US" sz="1600" dirty="0"/>
-                        <a:t>2 &amp; 3</a:t>
-                      </a:r>
-                    </a:p>
-                  </a:txBody>
-                  <a:tcPr/>
-                </a:tc>
-                <a:tc>
-                  <a:txBody>
-                    <a:bodyPr/>
-                    <a:lstStyle/>
-                    <a:p>
-                      <a:r>
-                        <a:rPr lang="en-US" sz="1600" dirty="0"/>
-                        <a:t>Buying and selling an item</a:t>
-                      </a:r>
-                    </a:p>
-                  </a:txBody>
-                  <a:tcPr/>
-                </a:tc>
-                <a:tc>
-                  <a:txBody>
-                    <a:bodyPr/>
-                    <a:lstStyle/>
-                    <a:p>
-                      <a:pPr algn="ctr"/>
-                      <a:r>
-                        <a:rPr lang="en-US" sz="1600" dirty="0"/>
-                        <a:t>no</a:t>
-                      </a:r>
-                    </a:p>
-                  </a:txBody>
-                  <a:tcPr/>
-                </a:tc>
-                <a:tc>
-                  <a:txBody>
-                    <a:bodyPr/>
-                    <a:lstStyle/>
-                    <a:p>
-                      <a:pPr algn="ctr"/>
-                      <a:r>
-                        <a:rPr lang="en-US" sz="1600" dirty="0"/>
-                        <a:t>Value of the item</a:t>
-                      </a:r>
-                    </a:p>
-                  </a:txBody>
-                  <a:tcPr/>
-                </a:tc>
-                <a:tc>
-                  <a:txBody>
-                    <a:bodyPr/>
-                    <a:lstStyle/>
-                    <a:p>
-                      <a:pPr algn="ctr"/>
-                      <a:r>
-                        <a:rPr lang="en-US" sz="1600" dirty="0"/>
-                        <a:t>person</a:t>
-                      </a:r>
-                    </a:p>
-                  </a:txBody>
-                  <a:tcPr/>
-                </a:tc>
-                <a:tc>
-                  <a:txBody>
-                    <a:bodyPr/>
-                    <a:lstStyle/>
-                    <a:p>
-                      <a:pPr algn="ctr"/>
-                      <a:r>
-                        <a:rPr lang="en-US" sz="1600" dirty="0"/>
-                        <a:t>Item</a:t>
-                      </a:r>
-                    </a:p>
-                  </a:txBody>
-                  <a:tcPr/>
-                </a:tc>
-                <a:tc>
-                  <a:txBody>
-                    <a:bodyPr/>
-                    <a:lstStyle/>
-                    <a:p>
-                      <a:r>
-                        <a:rPr lang="en-US" sz="1600" dirty="0"/>
-                        <a:t>For each sell row exists: a buy row</a:t>
-                      </a:r>
-                    </a:p>
-                  </a:txBody>
-                  <a:tcPr/>
-                </a:tc>
-                <a:extLst>
-                  <a:ext uri="{0D108BD9-81ED-4DB2-BD59-A6C34878D82A}">
-                    <a16:rowId xmlns:a16="http://schemas.microsoft.com/office/drawing/2014/main" val="3255344687"/>
-                  </a:ext>
-                </a:extLst>
-              </a:tr>
-              <a:tr h="857772">
-                <a:tc>
-                  <a:txBody>
-                    <a:bodyPr/>
-                    <a:lstStyle/>
-                    <a:p>
-                      <a:r>
-                        <a:rPr lang="en-US" sz="1600" b="1" dirty="0"/>
-                        <a:t>Co-authorship</a:t>
-                      </a:r>
-                      <a:endParaRPr lang="en-US" sz="1600" dirty="0"/>
-                    </a:p>
-                  </a:txBody>
-                  <a:tcPr/>
-                </a:tc>
-                <a:tc>
-                  <a:txBody>
-                    <a:bodyPr/>
-                    <a:lstStyle/>
-                    <a:p>
-                      <a:pPr algn="ctr"/>
-                      <a:r>
-                        <a:rPr lang="en-US" sz="1600" dirty="0"/>
-                        <a:t>4</a:t>
-                      </a:r>
-                    </a:p>
-                  </a:txBody>
-                  <a:tcPr/>
-                </a:tc>
-                <a:tc>
-                  <a:txBody>
-                    <a:bodyPr/>
-                    <a:lstStyle/>
-                    <a:p>
-                      <a:r>
-                        <a:rPr lang="en-US" sz="1600" dirty="0"/>
-                        <a:t>publication of scientific or technical articles</a:t>
-                      </a:r>
-                    </a:p>
-                  </a:txBody>
-                  <a:tcPr/>
-                </a:tc>
-                <a:tc>
-                  <a:txBody>
-                    <a:bodyPr/>
-                    <a:lstStyle/>
-                    <a:p>
-                      <a:pPr algn="ctr"/>
-                      <a:r>
-                        <a:rPr lang="en-US" sz="1600" dirty="0"/>
-                        <a:t>no</a:t>
-                      </a:r>
-                    </a:p>
-                  </a:txBody>
-                  <a:tcPr/>
-                </a:tc>
-                <a:tc>
-                  <a:txBody>
-                    <a:bodyPr/>
-                    <a:lstStyle/>
-                    <a:p>
-                      <a:pPr algn="ctr"/>
-                      <a:r>
-                        <a:rPr lang="en-US" sz="1600" dirty="0"/>
-                        <a:t>Fraction of the authors</a:t>
-                      </a:r>
-                    </a:p>
-                  </a:txBody>
-                  <a:tcPr/>
-                </a:tc>
-                <a:tc>
-                  <a:txBody>
-                    <a:bodyPr/>
-                    <a:lstStyle/>
-                    <a:p>
-                      <a:pPr algn="ctr"/>
-                      <a:r>
-                        <a:rPr lang="en-US" sz="1600" dirty="0"/>
-                        <a:t>Person (author)</a:t>
-                      </a:r>
-                    </a:p>
-                  </a:txBody>
-                  <a:tcPr/>
-                </a:tc>
-                <a:tc>
-                  <a:txBody>
-                    <a:bodyPr/>
-                    <a:lstStyle/>
-                    <a:p>
-                      <a:pPr algn="ctr"/>
-                      <a:r>
-                        <a:rPr lang="en-US" sz="1600" dirty="0"/>
-                        <a:t>Publication</a:t>
-                      </a:r>
-                    </a:p>
-                  </a:txBody>
-                  <a:tcPr/>
-                </a:tc>
-                <a:tc>
-                  <a:txBody>
-                    <a:bodyPr/>
-                    <a:lstStyle/>
-                    <a:p>
-                      <a:r>
-                        <a:rPr lang="en-US" sz="1600" dirty="0"/>
-                        <a:t>Date must be ignored (not relevant)</a:t>
-                      </a:r>
-                    </a:p>
-                  </a:txBody>
-                  <a:tcPr/>
-                </a:tc>
-                <a:extLst>
-                  <a:ext uri="{0D108BD9-81ED-4DB2-BD59-A6C34878D82A}">
-                    <a16:rowId xmlns:a16="http://schemas.microsoft.com/office/drawing/2014/main" val="2416626755"/>
-                  </a:ext>
-                </a:extLst>
-              </a:tr>
-              <a:tr h="952205">
-                <a:tc>
-                  <a:txBody>
-                    <a:bodyPr/>
-                    <a:lstStyle/>
-                    <a:p>
-                      <a:r>
-                        <a:rPr lang="en-US" sz="1600" b="1" dirty="0"/>
-                        <a:t>Demographics</a:t>
-                      </a:r>
-                      <a:endParaRPr lang="en-US" sz="1600" dirty="0"/>
-                    </a:p>
-                  </a:txBody>
-                  <a:tcPr/>
-                </a:tc>
-                <a:tc>
-                  <a:txBody>
-                    <a:bodyPr/>
-                    <a:lstStyle/>
-                    <a:p>
-                      <a:pPr algn="ctr"/>
-                      <a:r>
-                        <a:rPr lang="en-US" sz="1600" dirty="0"/>
-                        <a:t>5</a:t>
-                      </a:r>
-                    </a:p>
-                  </a:txBody>
-                  <a:tcPr/>
-                </a:tc>
-                <a:tc>
-                  <a:txBody>
-                    <a:bodyPr/>
-                    <a:lstStyle/>
-                    <a:p>
-                      <a:r>
-                        <a:rPr lang="en-US" sz="1600" dirty="0"/>
-                        <a:t>spending characteristics of a person</a:t>
-                      </a:r>
-                    </a:p>
-                  </a:txBody>
-                  <a:tcPr/>
-                </a:tc>
-                <a:tc>
-                  <a:txBody>
-                    <a:bodyPr/>
-                    <a:lstStyle/>
-                    <a:p>
-                      <a:pPr algn="ctr"/>
-                      <a:r>
-                        <a:rPr lang="en-US" sz="1600" dirty="0"/>
-                        <a:t>no</a:t>
-                      </a:r>
-                    </a:p>
-                  </a:txBody>
-                  <a:tcPr/>
-                </a:tc>
-                <a:tc>
-                  <a:txBody>
-                    <a:bodyPr/>
-                    <a:lstStyle/>
-                    <a:p>
-                      <a:pPr algn="ctr"/>
-                      <a:r>
-                        <a:rPr lang="en-US" sz="1600" dirty="0"/>
-                        <a:t>Money spent</a:t>
-                      </a:r>
-                    </a:p>
-                  </a:txBody>
-                  <a:tcPr/>
-                </a:tc>
-                <a:tc>
-                  <a:txBody>
-                    <a:bodyPr/>
-                    <a:lstStyle/>
-                    <a:p>
-                      <a:pPr algn="ctr"/>
-                      <a:r>
-                        <a:rPr lang="en-US" sz="1600" dirty="0"/>
-                        <a:t>person / category</a:t>
-                      </a:r>
-                    </a:p>
-                  </a:txBody>
-                  <a:tcPr/>
-                </a:tc>
-                <a:tc>
-                  <a:txBody>
-                    <a:bodyPr/>
-                    <a:lstStyle/>
-                    <a:p>
-                      <a:pPr algn="ctr"/>
-                      <a:r>
-                        <a:rPr lang="en-US" sz="1600" dirty="0"/>
-                        <a:t>person / category</a:t>
-                      </a:r>
-                    </a:p>
-                  </a:txBody>
-                  <a:tcPr/>
-                </a:tc>
-                <a:tc>
-                  <a:txBody>
-                    <a:bodyPr/>
-                    <a:lstStyle/>
-                    <a:p>
-                      <a:r>
-                        <a:rPr lang="en-US" sz="1600" dirty="0"/>
-                        <a:t>29 categories</a:t>
-                      </a:r>
-                    </a:p>
-                  </a:txBody>
-                  <a:tcPr/>
-                </a:tc>
-                <a:extLst>
-                  <a:ext uri="{0D108BD9-81ED-4DB2-BD59-A6C34878D82A}">
-                    <a16:rowId xmlns:a16="http://schemas.microsoft.com/office/drawing/2014/main" val="3388160115"/>
-                  </a:ext>
-                </a:extLst>
-              </a:tr>
-              <a:tr h="857772">
-                <a:tc>
-                  <a:txBody>
-                    <a:bodyPr/>
-                    <a:lstStyle/>
-                    <a:p>
-                      <a:r>
-                        <a:rPr lang="en-US" sz="1600" b="1" dirty="0"/>
-                        <a:t>Travel</a:t>
-                      </a:r>
-                      <a:endParaRPr lang="en-US" sz="1600" dirty="0"/>
-                    </a:p>
-                  </a:txBody>
-                  <a:tcPr/>
-                </a:tc>
-                <a:tc>
-                  <a:txBody>
-                    <a:bodyPr/>
-                    <a:lstStyle/>
-                    <a:p>
-                      <a:pPr algn="ctr"/>
-                      <a:r>
-                        <a:rPr lang="en-US" sz="1600" dirty="0"/>
-                        <a:t>6</a:t>
-                      </a:r>
-                    </a:p>
-                  </a:txBody>
-                  <a:tcPr/>
-                </a:tc>
-                <a:tc>
-                  <a:txBody>
-                    <a:bodyPr/>
-                    <a:lstStyle/>
-                    <a:p>
-                      <a:r>
-                        <a:rPr lang="en-US" sz="1600" dirty="0"/>
-                        <a:t>Connecting people by location</a:t>
-                      </a:r>
-                    </a:p>
-                  </a:txBody>
-                  <a:tcPr/>
-                </a:tc>
-                <a:tc>
-                  <a:txBody>
-                    <a:bodyPr/>
-                    <a:lstStyle/>
-                    <a:p>
-                      <a:pPr algn="ctr"/>
-                      <a:r>
-                        <a:rPr lang="en-US" sz="1600" dirty="0"/>
-                        <a:t>yes</a:t>
-                      </a:r>
-                    </a:p>
-                  </a:txBody>
-                  <a:tcPr/>
-                </a:tc>
-                <a:tc>
-                  <a:txBody>
-                    <a:bodyPr/>
-                    <a:lstStyle/>
-                    <a:p>
-                      <a:pPr algn="ctr"/>
-                      <a:r>
-                        <a:rPr lang="en-US" sz="1600" dirty="0"/>
-                        <a:t>Length of trip(days)</a:t>
-                      </a:r>
-                    </a:p>
-                  </a:txBody>
-                  <a:tcPr/>
-                </a:tc>
-                <a:tc>
-                  <a:txBody>
-                    <a:bodyPr/>
-                    <a:lstStyle/>
-                    <a:p>
-                      <a:pPr algn="ctr"/>
-                      <a:r>
-                        <a:rPr lang="en-US" sz="1600" dirty="0"/>
-                        <a:t>person</a:t>
-                      </a:r>
-                    </a:p>
-                  </a:txBody>
-                  <a:tcPr/>
-                </a:tc>
-                <a:tc>
-                  <a:txBody>
-                    <a:bodyPr/>
-                    <a:lstStyle/>
-                    <a:p>
-                      <a:pPr algn="ctr"/>
-                      <a:r>
-                        <a:rPr lang="en-US" sz="1600" dirty="0"/>
-                        <a:t>location</a:t>
-                      </a:r>
-                    </a:p>
-                  </a:txBody>
-                  <a:tcPr/>
-                </a:tc>
-                <a:tc>
-                  <a:txBody>
-                    <a:bodyPr/>
-                    <a:lstStyle/>
-                    <a:p>
-                      <a:r>
-                        <a:rPr lang="en-US" sz="1600" dirty="0"/>
-                        <a:t>Some weights are negative</a:t>
-                      </a:r>
-                    </a:p>
-                  </a:txBody>
-                  <a:tcPr/>
-                </a:tc>
-                <a:extLst>
-                  <a:ext uri="{0D108BD9-81ED-4DB2-BD59-A6C34878D82A}">
-                    <a16:rowId xmlns:a16="http://schemas.microsoft.com/office/drawing/2014/main" val="3416391999"/>
-                  </a:ext>
-                </a:extLst>
-              </a:tr>
-            </a:tbl>
-          </a:graphicData>
-        </a:graphic>
-      </p:graphicFrame>
-    </p:spTree>
-    <p:extLst>
-      <p:ext uri="{BB962C8B-B14F-4D97-AF65-F5344CB8AC3E}">
-        <p14:creationId xmlns:p14="http://schemas.microsoft.com/office/powerpoint/2010/main" val="3166814854"/>
       </p:ext>
     </p:extLst>
   </p:cSld>

--- a/Documentation/Project_Presentation_v1.pptx
+++ b/Documentation/Project_Presentation_v1.pptx
@@ -9236,31 +9236,6 @@
           </a:p>
           <a:p>
             <a:endParaRPr lang="en-US" dirty="0"/>
-          </a:p>
-        </p:txBody>
-      </p:sp>
-      <p:sp>
-        <p:nvSpPr>
-          <p:cNvPr id="4" name="Text Placeholder 3">
-            <a:extLst>
-              <a:ext uri="{FF2B5EF4-FFF2-40B4-BE49-F238E27FC236}">
-                <a16:creationId xmlns:a16="http://schemas.microsoft.com/office/drawing/2014/main" id="{17349094-5265-4FCF-8428-DD4769F3E04D}"/>
-              </a:ext>
-            </a:extLst>
-          </p:cNvPr>
-          <p:cNvSpPr>
-            <a:spLocks noGrp="1"/>
-          </p:cNvSpPr>
-          <p:nvPr>
-            <p:ph type="body" sz="half" idx="2"/>
-          </p:nvPr>
-        </p:nvSpPr>
-        <p:spPr/>
-        <p:txBody>
-          <a:bodyPr/>
-          <a:lstStyle/>
-          <a:p>
-            <a:endParaRPr lang="en-US"/>
           </a:p>
         </p:txBody>
       </p:sp>
